--- a/Resources/Customer Churn.pptx
+++ b/Resources/Customer Churn.pptx
@@ -5,7 +5,7 @@
     <p:sldMasterId id="2147483648" r:id="rId1"/>
   </p:sldMasterIdLst>
   <p:notesMasterIdLst>
-    <p:notesMasterId r:id="rId16"/>
+    <p:notesMasterId r:id="rId17"/>
   </p:notesMasterIdLst>
   <p:sldIdLst>
     <p:sldId id="256" r:id="rId2"/>
@@ -16,12 +16,13 @@
     <p:sldId id="284" r:id="rId7"/>
     <p:sldId id="285" r:id="rId8"/>
     <p:sldId id="283" r:id="rId9"/>
-    <p:sldId id="266" r:id="rId10"/>
-    <p:sldId id="280" r:id="rId11"/>
-    <p:sldId id="278" r:id="rId12"/>
-    <p:sldId id="287" r:id="rId13"/>
-    <p:sldId id="281" r:id="rId14"/>
-    <p:sldId id="288" r:id="rId15"/>
+    <p:sldId id="290" r:id="rId10"/>
+    <p:sldId id="266" r:id="rId11"/>
+    <p:sldId id="280" r:id="rId12"/>
+    <p:sldId id="278" r:id="rId13"/>
+    <p:sldId id="291" r:id="rId14"/>
+    <p:sldId id="287" r:id="rId15"/>
+    <p:sldId id="288" r:id="rId16"/>
   </p:sldIdLst>
   <p:sldSz cx="12192000" cy="6858000"/>
   <p:notesSz cx="6858000" cy="9144000"/>
@@ -131,11 +132,1782 @@
 <file path=ppt/revisionInfo.xml><?xml version="1.0" encoding="utf-8"?>
 <p1510:revInfo xmlns:a="http://schemas.openxmlformats.org/drawingml/2006/main" xmlns:r="http://schemas.openxmlformats.org/officeDocument/2006/relationships" xmlns:p1510="http://schemas.microsoft.com/office/powerpoint/2015/10/main">
   <p1510:revLst>
-    <p1510:client id="{45902353-8814-4D75-B4A6-578F5BA36B0F}" v="883" dt="2023-09-29T01:20:12.017"/>
-    <p1510:client id="{8A324E48-FD94-4108-BE2E-093B8596DCBD}" v="95" dt="2023-09-28T21:10:54.072"/>
-    <p1510:client id="{BA66BB83-77F5-471D-B9DA-7D56935358A9}" v="331" vWet="332" dt="2023-09-29T01:03:06.989"/>
+    <p1510:client id="{45902353-8814-4D75-B4A6-578F5BA36B0F}" v="893" dt="2023-10-02T12:53:40.291"/>
+    <p1510:client id="{73A5147C-0BE0-4F22-A307-8354B569D250}" v="37" dt="2023-10-02T12:46:44.657"/>
   </p1510:revLst>
 </p1510:revInfo>
+</file>
+
+<file path=ppt/changesInfos/changesInfo1.xml><?xml version="1.0" encoding="utf-8"?>
+<pc:chgInfo xmlns:a="http://schemas.openxmlformats.org/drawingml/2006/main" xmlns:r="http://schemas.openxmlformats.org/officeDocument/2006/relationships" xmlns:ac="http://schemas.microsoft.com/office/drawing/2013/main/command" xmlns:pc="http://schemas.microsoft.com/office/powerpoint/2013/main/command">
+  <pc:docChgLst>
+    <pc:chgData name="Guest User" providerId="Windows Live" clId="Web-{BA66BB83-77F5-471D-B9DA-7D56935358A9}"/>
+    <pc:docChg chg="modSld">
+      <pc:chgData name="Guest User" userId="" providerId="Windows Live" clId="Web-{BA66BB83-77F5-471D-B9DA-7D56935358A9}" dt="2023-09-29T01:03:04.114" v="286" actId="20577"/>
+      <pc:docMkLst>
+        <pc:docMk/>
+      </pc:docMkLst>
+      <pc:sldChg chg="addSp delSp modSp">
+        <pc:chgData name="Guest User" userId="" providerId="Windows Live" clId="Web-{BA66BB83-77F5-471D-B9DA-7D56935358A9}" dt="2023-09-29T01:03:04.114" v="286" actId="20577"/>
+        <pc:sldMkLst>
+          <pc:docMk/>
+          <pc:sldMk cId="3595791110" sldId="266"/>
+        </pc:sldMkLst>
+        <pc:spChg chg="mod">
+          <ac:chgData name="Guest User" userId="" providerId="Windows Live" clId="Web-{BA66BB83-77F5-471D-B9DA-7D56935358A9}" dt="2023-09-29T00:23:24.503" v="259" actId="20577"/>
+          <ac:spMkLst>
+            <pc:docMk/>
+            <pc:sldMk cId="3595791110" sldId="266"/>
+            <ac:spMk id="4" creationId="{520052C3-8332-88F8-1B83-FC0A850102EF}"/>
+          </ac:spMkLst>
+        </pc:spChg>
+        <pc:spChg chg="add mod">
+          <ac:chgData name="Guest User" userId="" providerId="Windows Live" clId="Web-{BA66BB83-77F5-471D-B9DA-7D56935358A9}" dt="2023-09-29T01:03:04.114" v="286" actId="20577"/>
+          <ac:spMkLst>
+            <pc:docMk/>
+            <pc:sldMk cId="3595791110" sldId="266"/>
+            <ac:spMk id="23" creationId="{970A4E69-0173-0236-0E34-0A52AE831901}"/>
+          </ac:spMkLst>
+        </pc:spChg>
+        <pc:picChg chg="add del mod">
+          <ac:chgData name="Guest User" userId="" providerId="Windows Live" clId="Web-{BA66BB83-77F5-471D-B9DA-7D56935358A9}" dt="2023-09-28T21:49:01.729" v="93"/>
+          <ac:picMkLst>
+            <pc:docMk/>
+            <pc:sldMk cId="3595791110" sldId="266"/>
+            <ac:picMk id="2" creationId="{13238372-FF16-8641-A7D2-50280D929E39}"/>
+          </ac:picMkLst>
+        </pc:picChg>
+        <pc:picChg chg="add del mod">
+          <ac:chgData name="Guest User" userId="" providerId="Windows Live" clId="Web-{BA66BB83-77F5-471D-B9DA-7D56935358A9}" dt="2023-09-29T00:00:44.831" v="148"/>
+          <ac:picMkLst>
+            <pc:docMk/>
+            <pc:sldMk cId="3595791110" sldId="266"/>
+            <ac:picMk id="2" creationId="{17395619-1F8D-9E4E-DA17-AA82EB7FE4C7}"/>
+          </ac:picMkLst>
+        </pc:picChg>
+        <pc:picChg chg="add del mod">
+          <ac:chgData name="Guest User" userId="" providerId="Windows Live" clId="Web-{BA66BB83-77F5-471D-B9DA-7D56935358A9}" dt="2023-09-29T00:00:46.034" v="150"/>
+          <ac:picMkLst>
+            <pc:docMk/>
+            <pc:sldMk cId="3595791110" sldId="266"/>
+            <ac:picMk id="3" creationId="{35267612-C5B1-93C9-0E73-83245BA40962}"/>
+          </ac:picMkLst>
+        </pc:picChg>
+        <pc:picChg chg="add del mod">
+          <ac:chgData name="Guest User" userId="" providerId="Windows Live" clId="Web-{BA66BB83-77F5-471D-B9DA-7D56935358A9}" dt="2023-09-28T21:48:08.491" v="86"/>
+          <ac:picMkLst>
+            <pc:docMk/>
+            <pc:sldMk cId="3595791110" sldId="266"/>
+            <ac:picMk id="3" creationId="{42B58038-9F8B-2A6F-9236-FB7332563130}"/>
+          </ac:picMkLst>
+        </pc:picChg>
+        <pc:picChg chg="del mod">
+          <ac:chgData name="Guest User" userId="" providerId="Windows Live" clId="Web-{BA66BB83-77F5-471D-B9DA-7D56935358A9}" dt="2023-09-28T21:28:44.170" v="33"/>
+          <ac:picMkLst>
+            <pc:docMk/>
+            <pc:sldMk cId="3595791110" sldId="266"/>
+            <ac:picMk id="5" creationId="{3515B320-7348-FD53-A9DB-30F4A9F6D9AA}"/>
+          </ac:picMkLst>
+        </pc:picChg>
+        <pc:picChg chg="add del mod">
+          <ac:chgData name="Guest User" userId="" providerId="Windows Live" clId="Web-{BA66BB83-77F5-471D-B9DA-7D56935358A9}" dt="2023-09-29T00:00:42.581" v="145"/>
+          <ac:picMkLst>
+            <pc:docMk/>
+            <pc:sldMk cId="3595791110" sldId="266"/>
+            <ac:picMk id="5" creationId="{398B5535-3692-1D7B-2D19-BC39307C6588}"/>
+          </ac:picMkLst>
+        </pc:picChg>
+        <pc:picChg chg="del mod">
+          <ac:chgData name="Guest User" userId="" providerId="Windows Live" clId="Web-{BA66BB83-77F5-471D-B9DA-7D56935358A9}" dt="2023-09-28T21:28:46.826" v="34"/>
+          <ac:picMkLst>
+            <pc:docMk/>
+            <pc:sldMk cId="3595791110" sldId="266"/>
+            <ac:picMk id="6" creationId="{3F6D0AA5-4DE3-6FAD-04D6-8E068418580D}"/>
+          </ac:picMkLst>
+        </pc:picChg>
+        <pc:picChg chg="del">
+          <ac:chgData name="Guest User" userId="" providerId="Windows Live" clId="Web-{BA66BB83-77F5-471D-B9DA-7D56935358A9}" dt="2023-09-28T22:38:44.206" v="103"/>
+          <ac:picMkLst>
+            <pc:docMk/>
+            <pc:sldMk cId="3595791110" sldId="266"/>
+            <ac:picMk id="6" creationId="{77DA6BDB-DE74-DD75-A3F4-7FB28C4FF891}"/>
+          </ac:picMkLst>
+        </pc:picChg>
+        <pc:picChg chg="add mod">
+          <ac:chgData name="Guest User" userId="" providerId="Windows Live" clId="Web-{BA66BB83-77F5-471D-B9DA-7D56935358A9}" dt="2023-09-29T00:01:33.255" v="166" actId="1076"/>
+          <ac:picMkLst>
+            <pc:docMk/>
+            <pc:sldMk cId="3595791110" sldId="266"/>
+            <ac:picMk id="6" creationId="{815F8F7D-68CC-D021-2B96-CAFE27766E94}"/>
+          </ac:picMkLst>
+        </pc:picChg>
+        <pc:picChg chg="del mod">
+          <ac:chgData name="Guest User" userId="" providerId="Windows Live" clId="Web-{BA66BB83-77F5-471D-B9DA-7D56935358A9}" dt="2023-09-28T21:28:47.670" v="35"/>
+          <ac:picMkLst>
+            <pc:docMk/>
+            <pc:sldMk cId="3595791110" sldId="266"/>
+            <ac:picMk id="7" creationId="{530A27B7-F429-7850-2262-E8C44BA9239D}"/>
+          </ac:picMkLst>
+        </pc:picChg>
+        <pc:picChg chg="add del mod">
+          <ac:chgData name="Guest User" userId="" providerId="Windows Live" clId="Web-{BA66BB83-77F5-471D-B9DA-7D56935358A9}" dt="2023-09-29T00:00:45.347" v="149"/>
+          <ac:picMkLst>
+            <pc:docMk/>
+            <pc:sldMk cId="3595791110" sldId="266"/>
+            <ac:picMk id="7" creationId="{A0188A66-9159-EC06-DD3F-8485BD43A486}"/>
+          </ac:picMkLst>
+        </pc:picChg>
+        <pc:picChg chg="add del mod">
+          <ac:chgData name="Guest User" userId="" providerId="Windows Live" clId="Web-{BA66BB83-77F5-471D-B9DA-7D56935358A9}" dt="2023-09-29T00:00:44.222" v="147"/>
+          <ac:picMkLst>
+            <pc:docMk/>
+            <pc:sldMk cId="3595791110" sldId="266"/>
+            <ac:picMk id="8" creationId="{8E978105-CD4F-0BAB-69D5-24BF263152AE}"/>
+          </ac:picMkLst>
+        </pc:picChg>
+        <pc:picChg chg="del mod">
+          <ac:chgData name="Guest User" userId="" providerId="Windows Live" clId="Web-{BA66BB83-77F5-471D-B9DA-7D56935358A9}" dt="2023-09-28T21:28:48.139" v="36"/>
+          <ac:picMkLst>
+            <pc:docMk/>
+            <pc:sldMk cId="3595791110" sldId="266"/>
+            <ac:picMk id="8" creationId="{CACC4282-EE4F-EACA-2036-048D953E9716}"/>
+          </ac:picMkLst>
+        </pc:picChg>
+        <pc:picChg chg="add del mod">
+          <ac:chgData name="Guest User" userId="" providerId="Windows Live" clId="Web-{BA66BB83-77F5-471D-B9DA-7D56935358A9}" dt="2023-09-29T00:00:43.456" v="146"/>
+          <ac:picMkLst>
+            <pc:docMk/>
+            <pc:sldMk cId="3595791110" sldId="266"/>
+            <ac:picMk id="9" creationId="{4CBC366A-6DD0-8BA9-500C-245F4828B301}"/>
+          </ac:picMkLst>
+        </pc:picChg>
+        <pc:picChg chg="del mod">
+          <ac:chgData name="Guest User" userId="" providerId="Windows Live" clId="Web-{BA66BB83-77F5-471D-B9DA-7D56935358A9}" dt="2023-09-28T21:28:48.889" v="37"/>
+          <ac:picMkLst>
+            <pc:docMk/>
+            <pc:sldMk cId="3595791110" sldId="266"/>
+            <ac:picMk id="9" creationId="{FFD181BD-F1E1-3C55-8A0F-9D7E9DB46E4C}"/>
+          </ac:picMkLst>
+        </pc:picChg>
+        <pc:picChg chg="add del mod">
+          <ac:chgData name="Guest User" userId="" providerId="Windows Live" clId="Web-{BA66BB83-77F5-471D-B9DA-7D56935358A9}" dt="2023-09-29T00:00:42.581" v="144"/>
+          <ac:picMkLst>
+            <pc:docMk/>
+            <pc:sldMk cId="3595791110" sldId="266"/>
+            <ac:picMk id="10" creationId="{575A1998-314E-B868-4B39-1DC34A5254CC}"/>
+          </ac:picMkLst>
+        </pc:picChg>
+        <pc:picChg chg="del mod">
+          <ac:chgData name="Guest User" userId="" providerId="Windows Live" clId="Web-{BA66BB83-77F5-471D-B9DA-7D56935358A9}" dt="2023-09-28T21:28:49.952" v="39"/>
+          <ac:picMkLst>
+            <pc:docMk/>
+            <pc:sldMk cId="3595791110" sldId="266"/>
+            <ac:picMk id="10" creationId="{C7D8F67F-E038-5CA7-89FD-1383BF0F875E}"/>
+          </ac:picMkLst>
+        </pc:picChg>
+        <pc:picChg chg="add del mod">
+          <ac:chgData name="Guest User" userId="" providerId="Windows Live" clId="Web-{BA66BB83-77F5-471D-B9DA-7D56935358A9}" dt="2023-09-28T22:38:40.940" v="102"/>
+          <ac:picMkLst>
+            <pc:docMk/>
+            <pc:sldMk cId="3595791110" sldId="266"/>
+            <ac:picMk id="11" creationId="{02846F10-DA16-9DDE-2455-CDD64FC7EFE7}"/>
+          </ac:picMkLst>
+        </pc:picChg>
+        <pc:picChg chg="add del mod">
+          <ac:chgData name="Guest User" userId="" providerId="Windows Live" clId="Web-{BA66BB83-77F5-471D-B9DA-7D56935358A9}" dt="2023-09-29T00:04:24.605" v="183"/>
+          <ac:picMkLst>
+            <pc:docMk/>
+            <pc:sldMk cId="3595791110" sldId="266"/>
+            <ac:picMk id="11" creationId="{81079630-869E-8532-D959-BDE3DDA1E389}"/>
+          </ac:picMkLst>
+        </pc:picChg>
+        <pc:picChg chg="del mod">
+          <ac:chgData name="Guest User" userId="" providerId="Windows Live" clId="Web-{BA66BB83-77F5-471D-B9DA-7D56935358A9}" dt="2023-09-28T21:28:49.780" v="38"/>
+          <ac:picMkLst>
+            <pc:docMk/>
+            <pc:sldMk cId="3595791110" sldId="266"/>
+            <ac:picMk id="11" creationId="{97751012-7FA7-08B7-C35B-FD8E9B977C58}"/>
+          </ac:picMkLst>
+        </pc:picChg>
+        <pc:picChg chg="del mod">
+          <ac:chgData name="Guest User" userId="" providerId="Windows Live" clId="Web-{BA66BB83-77F5-471D-B9DA-7D56935358A9}" dt="2023-09-28T21:28:50.811" v="40"/>
+          <ac:picMkLst>
+            <pc:docMk/>
+            <pc:sldMk cId="3595791110" sldId="266"/>
+            <ac:picMk id="12" creationId="{61BDA0D2-6F78-D3FE-9B42-7A9C477D2699}"/>
+          </ac:picMkLst>
+        </pc:picChg>
+        <pc:picChg chg="add del mod">
+          <ac:chgData name="Guest User" userId="" providerId="Windows Live" clId="Web-{BA66BB83-77F5-471D-B9DA-7D56935358A9}" dt="2023-09-29T00:00:42.581" v="143"/>
+          <ac:picMkLst>
+            <pc:docMk/>
+            <pc:sldMk cId="3595791110" sldId="266"/>
+            <ac:picMk id="12" creationId="{94A923B6-F2E6-83B9-9FEE-49FD85C03A2E}"/>
+          </ac:picMkLst>
+        </pc:picChg>
+        <pc:picChg chg="add del mod">
+          <ac:chgData name="Guest User" userId="" providerId="Windows Live" clId="Web-{BA66BB83-77F5-471D-B9DA-7D56935358A9}" dt="2023-09-28T21:48:10.413" v="88"/>
+          <ac:picMkLst>
+            <pc:docMk/>
+            <pc:sldMk cId="3595791110" sldId="266"/>
+            <ac:picMk id="13" creationId="{3DBE332F-DED1-A485-CDBD-6726D91E5E52}"/>
+          </ac:picMkLst>
+        </pc:picChg>
+        <pc:picChg chg="add mod">
+          <ac:chgData name="Guest User" userId="" providerId="Windows Live" clId="Web-{BA66BB83-77F5-471D-B9DA-7D56935358A9}" dt="2023-09-29T00:01:56.912" v="176" actId="1076"/>
+          <ac:picMkLst>
+            <pc:docMk/>
+            <pc:sldMk cId="3595791110" sldId="266"/>
+            <ac:picMk id="13" creationId="{A2505EAE-271E-6064-7143-ED56A6E043A6}"/>
+          </ac:picMkLst>
+        </pc:picChg>
+        <pc:picChg chg="add del mod">
+          <ac:chgData name="Guest User" userId="" providerId="Windows Live" clId="Web-{BA66BB83-77F5-471D-B9DA-7D56935358A9}" dt="2023-09-28T21:48:50.150" v="91"/>
+          <ac:picMkLst>
+            <pc:docMk/>
+            <pc:sldMk cId="3595791110" sldId="266"/>
+            <ac:picMk id="14" creationId="{1760E8F6-6BA6-7BC3-4779-D571F4CF0460}"/>
+          </ac:picMkLst>
+        </pc:picChg>
+        <pc:picChg chg="add mod">
+          <ac:chgData name="Guest User" userId="" providerId="Windows Live" clId="Web-{BA66BB83-77F5-471D-B9DA-7D56935358A9}" dt="2023-09-29T00:02:19.772" v="181" actId="1076"/>
+          <ac:picMkLst>
+            <pc:docMk/>
+            <pc:sldMk cId="3595791110" sldId="266"/>
+            <ac:picMk id="14" creationId="{6F92B8B4-C544-D47B-FACF-3A39FDFA0F09}"/>
+          </ac:picMkLst>
+        </pc:picChg>
+        <pc:picChg chg="add mod">
+          <ac:chgData name="Guest User" userId="" providerId="Windows Live" clId="Web-{BA66BB83-77F5-471D-B9DA-7D56935358A9}" dt="2023-09-29T00:02:15.350" v="180" actId="1076"/>
+          <ac:picMkLst>
+            <pc:docMk/>
+            <pc:sldMk cId="3595791110" sldId="266"/>
+            <ac:picMk id="15" creationId="{2A437263-B67C-5059-A94A-5AD36BE02DE1}"/>
+          </ac:picMkLst>
+        </pc:picChg>
+        <pc:picChg chg="add del mod">
+          <ac:chgData name="Guest User" userId="" providerId="Windows Live" clId="Web-{BA66BB83-77F5-471D-B9DA-7D56935358A9}" dt="2023-09-28T21:48:09.444" v="87"/>
+          <ac:picMkLst>
+            <pc:docMk/>
+            <pc:sldMk cId="3595791110" sldId="266"/>
+            <ac:picMk id="15" creationId="{BBCE410D-61DE-8EA8-F7E1-38000549799F}"/>
+          </ac:picMkLst>
+        </pc:picChg>
+        <pc:picChg chg="add mod">
+          <ac:chgData name="Guest User" userId="" providerId="Windows Live" clId="Web-{BA66BB83-77F5-471D-B9DA-7D56935358A9}" dt="2023-09-29T00:02:08.991" v="178" actId="1076"/>
+          <ac:picMkLst>
+            <pc:docMk/>
+            <pc:sldMk cId="3595791110" sldId="266"/>
+            <ac:picMk id="16" creationId="{7DC0429E-C27E-F086-F83A-9D41AE8FE881}"/>
+          </ac:picMkLst>
+        </pc:picChg>
+        <pc:picChg chg="add del mod">
+          <ac:chgData name="Guest User" userId="" providerId="Windows Live" clId="Web-{BA66BB83-77F5-471D-B9DA-7D56935358A9}" dt="2023-09-28T21:48:50.619" v="92"/>
+          <ac:picMkLst>
+            <pc:docMk/>
+            <pc:sldMk cId="3595791110" sldId="266"/>
+            <ac:picMk id="16" creationId="{F9008DA2-C3B9-9185-CDEB-CD2C0FF27B83}"/>
+          </ac:picMkLst>
+        </pc:picChg>
+        <pc:picChg chg="add mod">
+          <ac:chgData name="Guest User" userId="" providerId="Windows Live" clId="Web-{BA66BB83-77F5-471D-B9DA-7D56935358A9}" dt="2023-09-29T00:01:58.865" v="177" actId="1076"/>
+          <ac:picMkLst>
+            <pc:docMk/>
+            <pc:sldMk cId="3595791110" sldId="266"/>
+            <ac:picMk id="21" creationId="{F09B2506-0D25-6E88-3AA2-5E1DCE60EA5D}"/>
+          </ac:picMkLst>
+        </pc:picChg>
+        <pc:picChg chg="add del mod">
+          <ac:chgData name="Guest User" userId="" providerId="Windows Live" clId="Web-{BA66BB83-77F5-471D-B9DA-7D56935358A9}" dt="2023-09-28T21:48:49.244" v="89"/>
+          <ac:picMkLst>
+            <pc:docMk/>
+            <pc:sldMk cId="3595791110" sldId="266"/>
+            <ac:picMk id="21" creationId="{F8BAD12E-A4BC-D877-8E22-985A87D547AC}"/>
+          </ac:picMkLst>
+        </pc:picChg>
+        <pc:picChg chg="add mod">
+          <ac:chgData name="Guest User" userId="" providerId="Windows Live" clId="Web-{BA66BB83-77F5-471D-B9DA-7D56935358A9}" dt="2023-09-29T00:02:11.850" v="179" actId="1076"/>
+          <ac:picMkLst>
+            <pc:docMk/>
+            <pc:sldMk cId="3595791110" sldId="266"/>
+            <ac:picMk id="22" creationId="{94A50F37-C1C9-A48A-B8F5-B7395B8FF550}"/>
+          </ac:picMkLst>
+        </pc:picChg>
+        <pc:picChg chg="add del mod">
+          <ac:chgData name="Guest User" userId="" providerId="Windows Live" clId="Web-{BA66BB83-77F5-471D-B9DA-7D56935358A9}" dt="2023-09-28T21:48:50.103" v="90"/>
+          <ac:picMkLst>
+            <pc:docMk/>
+            <pc:sldMk cId="3595791110" sldId="266"/>
+            <ac:picMk id="22" creationId="{F2EC90D6-25F5-A73B-4A90-1E16A9C40C6C}"/>
+          </ac:picMkLst>
+        </pc:picChg>
+      </pc:sldChg>
+      <pc:sldChg chg="delSp modSp">
+        <pc:chgData name="Guest User" userId="" providerId="Windows Live" clId="Web-{BA66BB83-77F5-471D-B9DA-7D56935358A9}" dt="2023-09-28T21:33:01.576" v="85"/>
+        <pc:sldMkLst>
+          <pc:docMk/>
+          <pc:sldMk cId="0" sldId="273"/>
+        </pc:sldMkLst>
+        <pc:spChg chg="del">
+          <ac:chgData name="Guest User" userId="" providerId="Windows Live" clId="Web-{BA66BB83-77F5-471D-B9DA-7D56935358A9}" dt="2023-09-28T21:33:01.576" v="85"/>
+          <ac:spMkLst>
+            <pc:docMk/>
+            <pc:sldMk cId="0" sldId="273"/>
+            <ac:spMk id="124" creationId="{F3060C83-F051-4F0E-ABAD-AA0DFC48B218}"/>
+          </ac:spMkLst>
+        </pc:spChg>
+        <pc:spChg chg="del">
+          <ac:chgData name="Guest User" userId="" providerId="Windows Live" clId="Web-{BA66BB83-77F5-471D-B9DA-7D56935358A9}" dt="2023-09-28T21:33:01.576" v="85"/>
+          <ac:spMkLst>
+            <pc:docMk/>
+            <pc:sldMk cId="0" sldId="273"/>
+            <ac:spMk id="126" creationId="{83C98ABE-055B-441F-B07E-44F97F083C39}"/>
+          </ac:spMkLst>
+        </pc:spChg>
+        <pc:spChg chg="del">
+          <ac:chgData name="Guest User" userId="" providerId="Windows Live" clId="Web-{BA66BB83-77F5-471D-B9DA-7D56935358A9}" dt="2023-09-28T21:33:01.576" v="85"/>
+          <ac:spMkLst>
+            <pc:docMk/>
+            <pc:sldMk cId="0" sldId="273"/>
+            <ac:spMk id="128" creationId="{29FDB030-9B49-4CED-8CCD-4D99382388AC}"/>
+          </ac:spMkLst>
+        </pc:spChg>
+        <pc:spChg chg="del">
+          <ac:chgData name="Guest User" userId="" providerId="Windows Live" clId="Web-{BA66BB83-77F5-471D-B9DA-7D56935358A9}" dt="2023-09-28T21:33:01.576" v="85"/>
+          <ac:spMkLst>
+            <pc:docMk/>
+            <pc:sldMk cId="0" sldId="273"/>
+            <ac:spMk id="130" creationId="{3783CA14-24A1-485C-8B30-D6A5D87987AD}"/>
+          </ac:spMkLst>
+        </pc:spChg>
+        <pc:spChg chg="del">
+          <ac:chgData name="Guest User" userId="" providerId="Windows Live" clId="Web-{BA66BB83-77F5-471D-B9DA-7D56935358A9}" dt="2023-09-28T21:33:01.576" v="85"/>
+          <ac:spMkLst>
+            <pc:docMk/>
+            <pc:sldMk cId="0" sldId="273"/>
+            <ac:spMk id="132" creationId="{9A97C86A-04D6-40F7-AE84-31AB43E6A846}"/>
+          </ac:spMkLst>
+        </pc:spChg>
+        <pc:spChg chg="del">
+          <ac:chgData name="Guest User" userId="" providerId="Windows Live" clId="Web-{BA66BB83-77F5-471D-B9DA-7D56935358A9}" dt="2023-09-28T21:33:01.576" v="85"/>
+          <ac:spMkLst>
+            <pc:docMk/>
+            <pc:sldMk cId="0" sldId="273"/>
+            <ac:spMk id="134" creationId="{FF9F2414-84E8-453E-B1F3-389FDE8192D9}"/>
+          </ac:spMkLst>
+        </pc:spChg>
+        <pc:spChg chg="del">
+          <ac:chgData name="Guest User" userId="" providerId="Windows Live" clId="Web-{BA66BB83-77F5-471D-B9DA-7D56935358A9}" dt="2023-09-28T21:33:01.576" v="85"/>
+          <ac:spMkLst>
+            <pc:docMk/>
+            <pc:sldMk cId="0" sldId="273"/>
+            <ac:spMk id="136" creationId="{3ECA69A1-7536-43AC-85EF-C7106179F5ED}"/>
+          </ac:spMkLst>
+        </pc:spChg>
+        <pc:picChg chg="mod">
+          <ac:chgData name="Guest User" userId="" providerId="Windows Live" clId="Web-{BA66BB83-77F5-471D-B9DA-7D56935358A9}" dt="2023-09-28T21:33:01.576" v="85"/>
+          <ac:picMkLst>
+            <pc:docMk/>
+            <pc:sldMk cId="0" sldId="273"/>
+            <ac:picMk id="119" creationId="{00000000-0000-0000-0000-000000000000}"/>
+          </ac:picMkLst>
+        </pc:picChg>
+      </pc:sldChg>
+      <pc:sldChg chg="modSp">
+        <pc:chgData name="Guest User" userId="" providerId="Windows Live" clId="Web-{BA66BB83-77F5-471D-B9DA-7D56935358A9}" dt="2023-09-28T21:20:59.327" v="15" actId="1076"/>
+        <pc:sldMkLst>
+          <pc:docMk/>
+          <pc:sldMk cId="0" sldId="274"/>
+        </pc:sldMkLst>
+        <pc:picChg chg="mod">
+          <ac:chgData name="Guest User" userId="" providerId="Windows Live" clId="Web-{BA66BB83-77F5-471D-B9DA-7D56935358A9}" dt="2023-09-28T21:20:59.327" v="15" actId="1076"/>
+          <ac:picMkLst>
+            <pc:docMk/>
+            <pc:sldMk cId="0" sldId="274"/>
+            <ac:picMk id="124" creationId="{00000000-0000-0000-0000-000000000000}"/>
+          </ac:picMkLst>
+        </pc:picChg>
+      </pc:sldChg>
+      <pc:sldChg chg="addSp delSp modSp">
+        <pc:chgData name="Guest User" userId="" providerId="Windows Live" clId="Web-{BA66BB83-77F5-471D-B9DA-7D56935358A9}" dt="2023-09-29T01:01:43.921" v="269" actId="20577"/>
+        <pc:sldMkLst>
+          <pc:docMk/>
+          <pc:sldMk cId="962639800" sldId="280"/>
+        </pc:sldMkLst>
+        <pc:spChg chg="add mod">
+          <ac:chgData name="Guest User" userId="" providerId="Windows Live" clId="Web-{BA66BB83-77F5-471D-B9DA-7D56935358A9}" dt="2023-09-29T01:01:43.921" v="269" actId="20577"/>
+          <ac:spMkLst>
+            <pc:docMk/>
+            <pc:sldMk cId="962639800" sldId="280"/>
+            <ac:spMk id="5" creationId="{95064B3B-59AE-FC83-C4EC-97DC4ED784B7}"/>
+          </ac:spMkLst>
+        </pc:spChg>
+        <pc:picChg chg="add mod">
+          <ac:chgData name="Guest User" userId="" providerId="Windows Live" clId="Web-{BA66BB83-77F5-471D-B9DA-7D56935358A9}" dt="2023-09-29T00:07:38.597" v="212" actId="1076"/>
+          <ac:picMkLst>
+            <pc:docMk/>
+            <pc:sldMk cId="962639800" sldId="280"/>
+            <ac:picMk id="2" creationId="{ED88A3BD-96D6-71F9-11BE-2096A292EB29}"/>
+          </ac:picMkLst>
+        </pc:picChg>
+        <pc:picChg chg="add mod">
+          <ac:chgData name="Guest User" userId="" providerId="Windows Live" clId="Web-{BA66BB83-77F5-471D-B9DA-7D56935358A9}" dt="2023-09-29T00:21:46.187" v="237" actId="1076"/>
+          <ac:picMkLst>
+            <pc:docMk/>
+            <pc:sldMk cId="962639800" sldId="280"/>
+            <ac:picMk id="3" creationId="{75751831-BC74-E6BC-C3B0-EFB0B0817001}"/>
+          </ac:picMkLst>
+        </pc:picChg>
+        <pc:picChg chg="del">
+          <ac:chgData name="Guest User" userId="" providerId="Windows Live" clId="Web-{BA66BB83-77F5-471D-B9DA-7D56935358A9}" dt="2023-09-29T00:05:23.467" v="195"/>
+          <ac:picMkLst>
+            <pc:docMk/>
+            <pc:sldMk cId="962639800" sldId="280"/>
+            <ac:picMk id="6" creationId="{77DA6BDB-DE74-DD75-A3F4-7FB28C4FF891}"/>
+          </ac:picMkLst>
+        </pc:picChg>
+      </pc:sldChg>
+    </pc:docChg>
+  </pc:docChgLst>
+  <pc:docChgLst>
+    <pc:chgData name="Guest User" providerId="Windows Live" clId="Web-{8A324E48-FD94-4108-BE2E-093B8596DCBD}"/>
+    <pc:docChg chg="addSld delSld modSld">
+      <pc:chgData name="Guest User" userId="" providerId="Windows Live" clId="Web-{8A324E48-FD94-4108-BE2E-093B8596DCBD}" dt="2023-09-28T21:12:17.467" v="89"/>
+      <pc:docMkLst>
+        <pc:docMk/>
+      </pc:docMkLst>
+      <pc:sldChg chg="addSp modSp mod setBg addAnim">
+        <pc:chgData name="Guest User" userId="" providerId="Windows Live" clId="Web-{8A324E48-FD94-4108-BE2E-093B8596DCBD}" dt="2023-09-28T21:10:54.072" v="83"/>
+        <pc:sldMkLst>
+          <pc:docMk/>
+          <pc:sldMk cId="21090907" sldId="265"/>
+        </pc:sldMkLst>
+        <pc:spChg chg="mod">
+          <ac:chgData name="Guest User" userId="" providerId="Windows Live" clId="Web-{8A324E48-FD94-4108-BE2E-093B8596DCBD}" dt="2023-09-28T21:10:54.072" v="81"/>
+          <ac:spMkLst>
+            <pc:docMk/>
+            <pc:sldMk cId="21090907" sldId="265"/>
+            <ac:spMk id="2" creationId="{16F1E946-040B-6700-FACE-54ED0F39DA27}"/>
+          </ac:spMkLst>
+        </pc:spChg>
+        <pc:spChg chg="mod">
+          <ac:chgData name="Guest User" userId="" providerId="Windows Live" clId="Web-{8A324E48-FD94-4108-BE2E-093B8596DCBD}" dt="2023-09-28T21:10:54.072" v="81"/>
+          <ac:spMkLst>
+            <pc:docMk/>
+            <pc:sldMk cId="21090907" sldId="265"/>
+            <ac:spMk id="3" creationId="{C29F3C71-3617-A86A-0136-60E87D1E77F0}"/>
+          </ac:spMkLst>
+        </pc:spChg>
+        <pc:spChg chg="add">
+          <ac:chgData name="Guest User" userId="" providerId="Windows Live" clId="Web-{8A324E48-FD94-4108-BE2E-093B8596DCBD}" dt="2023-09-28T21:10:54.072" v="81"/>
+          <ac:spMkLst>
+            <pc:docMk/>
+            <pc:sldMk cId="21090907" sldId="265"/>
+            <ac:spMk id="1031" creationId="{362D44EE-C852-4460-B8B5-C4F2BC20510C}"/>
+          </ac:spMkLst>
+        </pc:spChg>
+        <pc:spChg chg="add">
+          <ac:chgData name="Guest User" userId="" providerId="Windows Live" clId="Web-{8A324E48-FD94-4108-BE2E-093B8596DCBD}" dt="2023-09-28T21:10:54.072" v="81"/>
+          <ac:spMkLst>
+            <pc:docMk/>
+            <pc:sldMk cId="21090907" sldId="265"/>
+            <ac:spMk id="1033" creationId="{658970D8-8D1D-4B5C-894B-E871CC86543D}"/>
+          </ac:spMkLst>
+        </pc:spChg>
+        <pc:spChg chg="add">
+          <ac:chgData name="Guest User" userId="" providerId="Windows Live" clId="Web-{8A324E48-FD94-4108-BE2E-093B8596DCBD}" dt="2023-09-28T21:10:54.072" v="81"/>
+          <ac:spMkLst>
+            <pc:docMk/>
+            <pc:sldMk cId="21090907" sldId="265"/>
+            <ac:spMk id="1035" creationId="{F227E5B6-9132-43CA-B503-37A18562ADF2}"/>
+          </ac:spMkLst>
+        </pc:spChg>
+        <pc:spChg chg="add">
+          <ac:chgData name="Guest User" userId="" providerId="Windows Live" clId="Web-{8A324E48-FD94-4108-BE2E-093B8596DCBD}" dt="2023-09-28T21:10:54.072" v="81"/>
+          <ac:spMkLst>
+            <pc:docMk/>
+            <pc:sldMk cId="21090907" sldId="265"/>
+            <ac:spMk id="1037" creationId="{03C2051E-A88D-48E5-BACF-AAED17892722}"/>
+          </ac:spMkLst>
+        </pc:spChg>
+        <pc:spChg chg="add">
+          <ac:chgData name="Guest User" userId="" providerId="Windows Live" clId="Web-{8A324E48-FD94-4108-BE2E-093B8596DCBD}" dt="2023-09-28T21:10:54.072" v="81"/>
+          <ac:spMkLst>
+            <pc:docMk/>
+            <pc:sldMk cId="21090907" sldId="265"/>
+            <ac:spMk id="1039" creationId="{7821A508-2985-4905-874A-527429BAABFA}"/>
+          </ac:spMkLst>
+        </pc:spChg>
+        <pc:spChg chg="add">
+          <ac:chgData name="Guest User" userId="" providerId="Windows Live" clId="Web-{8A324E48-FD94-4108-BE2E-093B8596DCBD}" dt="2023-09-28T21:10:54.072" v="81"/>
+          <ac:spMkLst>
+            <pc:docMk/>
+            <pc:sldMk cId="21090907" sldId="265"/>
+            <ac:spMk id="1041" creationId="{D2929CB1-0E3C-4B2D-ADC5-0154FB33BA44}"/>
+          </ac:spMkLst>
+        </pc:spChg>
+        <pc:spChg chg="add">
+          <ac:chgData name="Guest User" userId="" providerId="Windows Live" clId="Web-{8A324E48-FD94-4108-BE2E-093B8596DCBD}" dt="2023-09-28T21:10:54.072" v="81"/>
+          <ac:spMkLst>
+            <pc:docMk/>
+            <pc:sldMk cId="21090907" sldId="265"/>
+            <ac:spMk id="1043" creationId="{5F2F0C84-BE8C-4DC2-A6D3-30349A801D5C}"/>
+          </ac:spMkLst>
+        </pc:spChg>
+        <pc:picChg chg="mod">
+          <ac:chgData name="Guest User" userId="" providerId="Windows Live" clId="Web-{8A324E48-FD94-4108-BE2E-093B8596DCBD}" dt="2023-09-28T21:10:54.072" v="81"/>
+          <ac:picMkLst>
+            <pc:docMk/>
+            <pc:sldMk cId="21090907" sldId="265"/>
+            <ac:picMk id="1026" creationId="{2F4411B2-BAA1-1F53-60C2-98CB16ECDFFB}"/>
+          </ac:picMkLst>
+        </pc:picChg>
+      </pc:sldChg>
+      <pc:sldChg chg="addSp delSp modSp mod setBg">
+        <pc:chgData name="Guest User" userId="" providerId="Windows Live" clId="Web-{8A324E48-FD94-4108-BE2E-093B8596DCBD}" dt="2023-09-28T21:09:20.850" v="70" actId="14100"/>
+        <pc:sldMkLst>
+          <pc:docMk/>
+          <pc:sldMk cId="3595791110" sldId="266"/>
+        </pc:sldMkLst>
+        <pc:spChg chg="del mod">
+          <ac:chgData name="Guest User" userId="" providerId="Windows Live" clId="Web-{8A324E48-FD94-4108-BE2E-093B8596DCBD}" dt="2023-09-28T21:00:32.374" v="2"/>
+          <ac:spMkLst>
+            <pc:docMk/>
+            <pc:sldMk cId="3595791110" sldId="266"/>
+            <ac:spMk id="2" creationId="{3E2213E4-0ED9-DE0E-107C-0302EBBB36EF}"/>
+          </ac:spMkLst>
+        </pc:spChg>
+        <pc:spChg chg="del mod">
+          <ac:chgData name="Guest User" userId="" providerId="Windows Live" clId="Web-{8A324E48-FD94-4108-BE2E-093B8596DCBD}" dt="2023-09-28T21:00:34.140" v="3"/>
+          <ac:spMkLst>
+            <pc:docMk/>
+            <pc:sldMk cId="3595791110" sldId="266"/>
+            <ac:spMk id="3" creationId="{27DAD8B4-EA10-9105-0EBC-DD648210C3A0}"/>
+          </ac:spMkLst>
+        </pc:spChg>
+        <pc:spChg chg="add mod">
+          <ac:chgData name="Guest User" userId="" providerId="Windows Live" clId="Web-{8A324E48-FD94-4108-BE2E-093B8596DCBD}" dt="2023-09-28T21:04:47.744" v="31"/>
+          <ac:spMkLst>
+            <pc:docMk/>
+            <pc:sldMk cId="3595791110" sldId="266"/>
+            <ac:spMk id="4" creationId="{520052C3-8332-88F8-1B83-FC0A850102EF}"/>
+          </ac:spMkLst>
+        </pc:spChg>
+        <pc:spChg chg="mod">
+          <ac:chgData name="Guest User" userId="" providerId="Windows Live" clId="Web-{8A324E48-FD94-4108-BE2E-093B8596DCBD}" dt="2023-09-28T21:09:20.850" v="70" actId="14100"/>
+          <ac:spMkLst>
+            <pc:docMk/>
+            <pc:sldMk cId="3595791110" sldId="266"/>
+            <ac:spMk id="18" creationId="{6C5D55A6-9EFD-CDA3-20CC-A99812CE1ABC}"/>
+          </ac:spMkLst>
+        </pc:spChg>
+        <pc:grpChg chg="add">
+          <ac:chgData name="Guest User" userId="" providerId="Windows Live" clId="Web-{8A324E48-FD94-4108-BE2E-093B8596DCBD}" dt="2023-09-28T21:04:47.744" v="31"/>
+          <ac:grpSpMkLst>
+            <pc:docMk/>
+            <pc:sldMk cId="3595791110" sldId="266"/>
+            <ac:grpSpMk id="17" creationId="{1E5539EC-8CB8-002F-68C6-678840282659}"/>
+          </ac:grpSpMkLst>
+        </pc:grpChg>
+        <pc:picChg chg="add mod">
+          <ac:chgData name="Guest User" userId="" providerId="Windows Live" clId="Web-{8A324E48-FD94-4108-BE2E-093B8596DCBD}" dt="2023-09-28T21:04:47.744" v="31"/>
+          <ac:picMkLst>
+            <pc:docMk/>
+            <pc:sldMk cId="3595791110" sldId="266"/>
+            <ac:picMk id="5" creationId="{3515B320-7348-FD53-A9DB-30F4A9F6D9AA}"/>
+          </ac:picMkLst>
+        </pc:picChg>
+        <pc:picChg chg="add mod">
+          <ac:chgData name="Guest User" userId="" providerId="Windows Live" clId="Web-{8A324E48-FD94-4108-BE2E-093B8596DCBD}" dt="2023-09-28T21:04:47.744" v="31"/>
+          <ac:picMkLst>
+            <pc:docMk/>
+            <pc:sldMk cId="3595791110" sldId="266"/>
+            <ac:picMk id="6" creationId="{3F6D0AA5-4DE3-6FAD-04D6-8E068418580D}"/>
+          </ac:picMkLst>
+        </pc:picChg>
+        <pc:picChg chg="add mod">
+          <ac:chgData name="Guest User" userId="" providerId="Windows Live" clId="Web-{8A324E48-FD94-4108-BE2E-093B8596DCBD}" dt="2023-09-28T21:04:47.744" v="31"/>
+          <ac:picMkLst>
+            <pc:docMk/>
+            <pc:sldMk cId="3595791110" sldId="266"/>
+            <ac:picMk id="7" creationId="{530A27B7-F429-7850-2262-E8C44BA9239D}"/>
+          </ac:picMkLst>
+        </pc:picChg>
+        <pc:picChg chg="add mod">
+          <ac:chgData name="Guest User" userId="" providerId="Windows Live" clId="Web-{8A324E48-FD94-4108-BE2E-093B8596DCBD}" dt="2023-09-28T21:04:47.744" v="31"/>
+          <ac:picMkLst>
+            <pc:docMk/>
+            <pc:sldMk cId="3595791110" sldId="266"/>
+            <ac:picMk id="8" creationId="{CACC4282-EE4F-EACA-2036-048D953E9716}"/>
+          </ac:picMkLst>
+        </pc:picChg>
+        <pc:picChg chg="add mod">
+          <ac:chgData name="Guest User" userId="" providerId="Windows Live" clId="Web-{8A324E48-FD94-4108-BE2E-093B8596DCBD}" dt="2023-09-28T21:04:47.744" v="31"/>
+          <ac:picMkLst>
+            <pc:docMk/>
+            <pc:sldMk cId="3595791110" sldId="266"/>
+            <ac:picMk id="9" creationId="{FFD181BD-F1E1-3C55-8A0F-9D7E9DB46E4C}"/>
+          </ac:picMkLst>
+        </pc:picChg>
+        <pc:picChg chg="add mod">
+          <ac:chgData name="Guest User" userId="" providerId="Windows Live" clId="Web-{8A324E48-FD94-4108-BE2E-093B8596DCBD}" dt="2023-09-28T21:04:47.744" v="31"/>
+          <ac:picMkLst>
+            <pc:docMk/>
+            <pc:sldMk cId="3595791110" sldId="266"/>
+            <ac:picMk id="10" creationId="{C7D8F67F-E038-5CA7-89FD-1383BF0F875E}"/>
+          </ac:picMkLst>
+        </pc:picChg>
+        <pc:picChg chg="add mod">
+          <ac:chgData name="Guest User" userId="" providerId="Windows Live" clId="Web-{8A324E48-FD94-4108-BE2E-093B8596DCBD}" dt="2023-09-28T21:04:47.744" v="31"/>
+          <ac:picMkLst>
+            <pc:docMk/>
+            <pc:sldMk cId="3595791110" sldId="266"/>
+            <ac:picMk id="11" creationId="{97751012-7FA7-08B7-C35B-FD8E9B977C58}"/>
+          </ac:picMkLst>
+        </pc:picChg>
+        <pc:picChg chg="add mod">
+          <ac:chgData name="Guest User" userId="" providerId="Windows Live" clId="Web-{8A324E48-FD94-4108-BE2E-093B8596DCBD}" dt="2023-09-28T21:04:47.744" v="31"/>
+          <ac:picMkLst>
+            <pc:docMk/>
+            <pc:sldMk cId="3595791110" sldId="266"/>
+            <ac:picMk id="12" creationId="{61BDA0D2-6F78-D3FE-9B42-7A9C477D2699}"/>
+          </ac:picMkLst>
+        </pc:picChg>
+      </pc:sldChg>
+      <pc:sldChg chg="addSp modSp mod setBg">
+        <pc:chgData name="Guest User" userId="" providerId="Windows Live" clId="Web-{8A324E48-FD94-4108-BE2E-093B8596DCBD}" dt="2023-09-28T21:11:54.872" v="84"/>
+        <pc:sldMkLst>
+          <pc:docMk/>
+          <pc:sldMk cId="0" sldId="273"/>
+        </pc:sldMkLst>
+        <pc:spChg chg="add">
+          <ac:chgData name="Guest User" userId="" providerId="Windows Live" clId="Web-{8A324E48-FD94-4108-BE2E-093B8596DCBD}" dt="2023-09-28T21:11:54.872" v="84"/>
+          <ac:spMkLst>
+            <pc:docMk/>
+            <pc:sldMk cId="0" sldId="273"/>
+            <ac:spMk id="124" creationId="{F3060C83-F051-4F0E-ABAD-AA0DFC48B218}"/>
+          </ac:spMkLst>
+        </pc:spChg>
+        <pc:spChg chg="add">
+          <ac:chgData name="Guest User" userId="" providerId="Windows Live" clId="Web-{8A324E48-FD94-4108-BE2E-093B8596DCBD}" dt="2023-09-28T21:11:54.872" v="84"/>
+          <ac:spMkLst>
+            <pc:docMk/>
+            <pc:sldMk cId="0" sldId="273"/>
+            <ac:spMk id="126" creationId="{83C98ABE-055B-441F-B07E-44F97F083C39}"/>
+          </ac:spMkLst>
+        </pc:spChg>
+        <pc:spChg chg="add">
+          <ac:chgData name="Guest User" userId="" providerId="Windows Live" clId="Web-{8A324E48-FD94-4108-BE2E-093B8596DCBD}" dt="2023-09-28T21:11:54.872" v="84"/>
+          <ac:spMkLst>
+            <pc:docMk/>
+            <pc:sldMk cId="0" sldId="273"/>
+            <ac:spMk id="128" creationId="{29FDB030-9B49-4CED-8CCD-4D99382388AC}"/>
+          </ac:spMkLst>
+        </pc:spChg>
+        <pc:spChg chg="add">
+          <ac:chgData name="Guest User" userId="" providerId="Windows Live" clId="Web-{8A324E48-FD94-4108-BE2E-093B8596DCBD}" dt="2023-09-28T21:11:54.872" v="84"/>
+          <ac:spMkLst>
+            <pc:docMk/>
+            <pc:sldMk cId="0" sldId="273"/>
+            <ac:spMk id="130" creationId="{3783CA14-24A1-485C-8B30-D6A5D87987AD}"/>
+          </ac:spMkLst>
+        </pc:spChg>
+        <pc:spChg chg="add">
+          <ac:chgData name="Guest User" userId="" providerId="Windows Live" clId="Web-{8A324E48-FD94-4108-BE2E-093B8596DCBD}" dt="2023-09-28T21:11:54.872" v="84"/>
+          <ac:spMkLst>
+            <pc:docMk/>
+            <pc:sldMk cId="0" sldId="273"/>
+            <ac:spMk id="132" creationId="{9A97C86A-04D6-40F7-AE84-31AB43E6A846}"/>
+          </ac:spMkLst>
+        </pc:spChg>
+        <pc:spChg chg="add">
+          <ac:chgData name="Guest User" userId="" providerId="Windows Live" clId="Web-{8A324E48-FD94-4108-BE2E-093B8596DCBD}" dt="2023-09-28T21:11:54.872" v="84"/>
+          <ac:spMkLst>
+            <pc:docMk/>
+            <pc:sldMk cId="0" sldId="273"/>
+            <ac:spMk id="134" creationId="{FF9F2414-84E8-453E-B1F3-389FDE8192D9}"/>
+          </ac:spMkLst>
+        </pc:spChg>
+        <pc:spChg chg="add">
+          <ac:chgData name="Guest User" userId="" providerId="Windows Live" clId="Web-{8A324E48-FD94-4108-BE2E-093B8596DCBD}" dt="2023-09-28T21:11:54.872" v="84"/>
+          <ac:spMkLst>
+            <pc:docMk/>
+            <pc:sldMk cId="0" sldId="273"/>
+            <ac:spMk id="136" creationId="{3ECA69A1-7536-43AC-85EF-C7106179F5ED}"/>
+          </ac:spMkLst>
+        </pc:spChg>
+        <pc:picChg chg="mod">
+          <ac:chgData name="Guest User" userId="" providerId="Windows Live" clId="Web-{8A324E48-FD94-4108-BE2E-093B8596DCBD}" dt="2023-09-28T21:11:54.872" v="84"/>
+          <ac:picMkLst>
+            <pc:docMk/>
+            <pc:sldMk cId="0" sldId="273"/>
+            <ac:picMk id="119" creationId="{00000000-0000-0000-0000-000000000000}"/>
+          </ac:picMkLst>
+        </pc:picChg>
+      </pc:sldChg>
+      <pc:sldChg chg="addSp delSp modSp mod setBg">
+        <pc:chgData name="Guest User" userId="" providerId="Windows Live" clId="Web-{8A324E48-FD94-4108-BE2E-093B8596DCBD}" dt="2023-09-28T21:12:17.467" v="89"/>
+        <pc:sldMkLst>
+          <pc:docMk/>
+          <pc:sldMk cId="0" sldId="274"/>
+        </pc:sldMkLst>
+        <pc:spChg chg="add del">
+          <ac:chgData name="Guest User" userId="" providerId="Windows Live" clId="Web-{8A324E48-FD94-4108-BE2E-093B8596DCBD}" dt="2023-09-28T21:12:17.467" v="89"/>
+          <ac:spMkLst>
+            <pc:docMk/>
+            <pc:sldMk cId="0" sldId="274"/>
+            <ac:spMk id="129" creationId="{F3060C83-F051-4F0E-ABAD-AA0DFC48B218}"/>
+          </ac:spMkLst>
+        </pc:spChg>
+        <pc:spChg chg="add del">
+          <ac:chgData name="Guest User" userId="" providerId="Windows Live" clId="Web-{8A324E48-FD94-4108-BE2E-093B8596DCBD}" dt="2023-09-28T21:12:17.467" v="89"/>
+          <ac:spMkLst>
+            <pc:docMk/>
+            <pc:sldMk cId="0" sldId="274"/>
+            <ac:spMk id="131" creationId="{83C98ABE-055B-441F-B07E-44F97F083C39}"/>
+          </ac:spMkLst>
+        </pc:spChg>
+        <pc:spChg chg="add del">
+          <ac:chgData name="Guest User" userId="" providerId="Windows Live" clId="Web-{8A324E48-FD94-4108-BE2E-093B8596DCBD}" dt="2023-09-28T21:12:17.467" v="89"/>
+          <ac:spMkLst>
+            <pc:docMk/>
+            <pc:sldMk cId="0" sldId="274"/>
+            <ac:spMk id="133" creationId="{29FDB030-9B49-4CED-8CCD-4D99382388AC}"/>
+          </ac:spMkLst>
+        </pc:spChg>
+        <pc:spChg chg="add del">
+          <ac:chgData name="Guest User" userId="" providerId="Windows Live" clId="Web-{8A324E48-FD94-4108-BE2E-093B8596DCBD}" dt="2023-09-28T21:12:17.467" v="89"/>
+          <ac:spMkLst>
+            <pc:docMk/>
+            <pc:sldMk cId="0" sldId="274"/>
+            <ac:spMk id="135" creationId="{3783CA14-24A1-485C-8B30-D6A5D87987AD}"/>
+          </ac:spMkLst>
+        </pc:spChg>
+        <pc:spChg chg="add del">
+          <ac:chgData name="Guest User" userId="" providerId="Windows Live" clId="Web-{8A324E48-FD94-4108-BE2E-093B8596DCBD}" dt="2023-09-28T21:12:17.467" v="89"/>
+          <ac:spMkLst>
+            <pc:docMk/>
+            <pc:sldMk cId="0" sldId="274"/>
+            <ac:spMk id="137" creationId="{9A97C86A-04D6-40F7-AE84-31AB43E6A846}"/>
+          </ac:spMkLst>
+        </pc:spChg>
+        <pc:spChg chg="add del">
+          <ac:chgData name="Guest User" userId="" providerId="Windows Live" clId="Web-{8A324E48-FD94-4108-BE2E-093B8596DCBD}" dt="2023-09-28T21:12:17.467" v="89"/>
+          <ac:spMkLst>
+            <pc:docMk/>
+            <pc:sldMk cId="0" sldId="274"/>
+            <ac:spMk id="139" creationId="{FF9F2414-84E8-453E-B1F3-389FDE8192D9}"/>
+          </ac:spMkLst>
+        </pc:spChg>
+        <pc:spChg chg="add del">
+          <ac:chgData name="Guest User" userId="" providerId="Windows Live" clId="Web-{8A324E48-FD94-4108-BE2E-093B8596DCBD}" dt="2023-09-28T21:12:17.467" v="89"/>
+          <ac:spMkLst>
+            <pc:docMk/>
+            <pc:sldMk cId="0" sldId="274"/>
+            <ac:spMk id="141" creationId="{3ECA69A1-7536-43AC-85EF-C7106179F5ED}"/>
+          </ac:spMkLst>
+        </pc:spChg>
+        <pc:spChg chg="add">
+          <ac:chgData name="Guest User" userId="" providerId="Windows Live" clId="Web-{8A324E48-FD94-4108-BE2E-093B8596DCBD}" dt="2023-09-28T21:12:17.467" v="89"/>
+          <ac:spMkLst>
+            <pc:docMk/>
+            <pc:sldMk cId="0" sldId="274"/>
+            <ac:spMk id="146" creationId="{42A4FC2C-047E-45A5-965D-8E1E3BF09BC6}"/>
+          </ac:spMkLst>
+        </pc:spChg>
+        <pc:picChg chg="mod">
+          <ac:chgData name="Guest User" userId="" providerId="Windows Live" clId="Web-{8A324E48-FD94-4108-BE2E-093B8596DCBD}" dt="2023-09-28T21:12:17.467" v="89"/>
+          <ac:picMkLst>
+            <pc:docMk/>
+            <pc:sldMk cId="0" sldId="274"/>
+            <ac:picMk id="124" creationId="{00000000-0000-0000-0000-000000000000}"/>
+          </ac:picMkLst>
+        </pc:picChg>
+      </pc:sldChg>
+      <pc:sldChg chg="addSp delSp modSp mod setBg">
+        <pc:chgData name="Guest User" userId="" providerId="Windows Live" clId="Web-{8A324E48-FD94-4108-BE2E-093B8596DCBD}" dt="2023-09-28T21:12:12.623" v="88"/>
+        <pc:sldMkLst>
+          <pc:docMk/>
+          <pc:sldMk cId="0" sldId="275"/>
+        </pc:sldMkLst>
+        <pc:spChg chg="add del">
+          <ac:chgData name="Guest User" userId="" providerId="Windows Live" clId="Web-{8A324E48-FD94-4108-BE2E-093B8596DCBD}" dt="2023-09-28T21:12:12.623" v="87"/>
+          <ac:spMkLst>
+            <pc:docMk/>
+            <pc:sldMk cId="0" sldId="275"/>
+            <ac:spMk id="134" creationId="{F3060C83-F051-4F0E-ABAD-AA0DFC48B218}"/>
+          </ac:spMkLst>
+        </pc:spChg>
+        <pc:spChg chg="add del">
+          <ac:chgData name="Guest User" userId="" providerId="Windows Live" clId="Web-{8A324E48-FD94-4108-BE2E-093B8596DCBD}" dt="2023-09-28T21:12:12.623" v="87"/>
+          <ac:spMkLst>
+            <pc:docMk/>
+            <pc:sldMk cId="0" sldId="275"/>
+            <ac:spMk id="136" creationId="{83C98ABE-055B-441F-B07E-44F97F083C39}"/>
+          </ac:spMkLst>
+        </pc:spChg>
+        <pc:spChg chg="add del">
+          <ac:chgData name="Guest User" userId="" providerId="Windows Live" clId="Web-{8A324E48-FD94-4108-BE2E-093B8596DCBD}" dt="2023-09-28T21:12:12.623" v="87"/>
+          <ac:spMkLst>
+            <pc:docMk/>
+            <pc:sldMk cId="0" sldId="275"/>
+            <ac:spMk id="138" creationId="{29FDB030-9B49-4CED-8CCD-4D99382388AC}"/>
+          </ac:spMkLst>
+        </pc:spChg>
+        <pc:spChg chg="add del">
+          <ac:chgData name="Guest User" userId="" providerId="Windows Live" clId="Web-{8A324E48-FD94-4108-BE2E-093B8596DCBD}" dt="2023-09-28T21:12:12.623" v="87"/>
+          <ac:spMkLst>
+            <pc:docMk/>
+            <pc:sldMk cId="0" sldId="275"/>
+            <ac:spMk id="140" creationId="{3783CA14-24A1-485C-8B30-D6A5D87987AD}"/>
+          </ac:spMkLst>
+        </pc:spChg>
+        <pc:spChg chg="add del">
+          <ac:chgData name="Guest User" userId="" providerId="Windows Live" clId="Web-{8A324E48-FD94-4108-BE2E-093B8596DCBD}" dt="2023-09-28T21:12:12.623" v="87"/>
+          <ac:spMkLst>
+            <pc:docMk/>
+            <pc:sldMk cId="0" sldId="275"/>
+            <ac:spMk id="142" creationId="{9A97C86A-04D6-40F7-AE84-31AB43E6A846}"/>
+          </ac:spMkLst>
+        </pc:spChg>
+        <pc:spChg chg="add del">
+          <ac:chgData name="Guest User" userId="" providerId="Windows Live" clId="Web-{8A324E48-FD94-4108-BE2E-093B8596DCBD}" dt="2023-09-28T21:12:12.623" v="87"/>
+          <ac:spMkLst>
+            <pc:docMk/>
+            <pc:sldMk cId="0" sldId="275"/>
+            <ac:spMk id="144" creationId="{FF9F2414-84E8-453E-B1F3-389FDE8192D9}"/>
+          </ac:spMkLst>
+        </pc:spChg>
+        <pc:spChg chg="add del">
+          <ac:chgData name="Guest User" userId="" providerId="Windows Live" clId="Web-{8A324E48-FD94-4108-BE2E-093B8596DCBD}" dt="2023-09-28T21:12:12.623" v="87"/>
+          <ac:spMkLst>
+            <pc:docMk/>
+            <pc:sldMk cId="0" sldId="275"/>
+            <ac:spMk id="146" creationId="{3ECA69A1-7536-43AC-85EF-C7106179F5ED}"/>
+          </ac:spMkLst>
+        </pc:spChg>
+        <pc:picChg chg="mod">
+          <ac:chgData name="Guest User" userId="" providerId="Windows Live" clId="Web-{8A324E48-FD94-4108-BE2E-093B8596DCBD}" dt="2023-09-28T21:12:12.623" v="88"/>
+          <ac:picMkLst>
+            <pc:docMk/>
+            <pc:sldMk cId="0" sldId="275"/>
+            <ac:picMk id="129" creationId="{00000000-0000-0000-0000-000000000000}"/>
+          </ac:picMkLst>
+        </pc:picChg>
+      </pc:sldChg>
+      <pc:sldChg chg="modSp del">
+        <pc:chgData name="Guest User" userId="" providerId="Windows Live" clId="Web-{8A324E48-FD94-4108-BE2E-093B8596DCBD}" dt="2023-09-28T21:07:10.922" v="68"/>
+        <pc:sldMkLst>
+          <pc:docMk/>
+          <pc:sldMk cId="0" sldId="276"/>
+        </pc:sldMkLst>
+        <pc:picChg chg="mod">
+          <ac:chgData name="Guest User" userId="" providerId="Windows Live" clId="Web-{8A324E48-FD94-4108-BE2E-093B8596DCBD}" dt="2023-09-28T21:06:55.937" v="65" actId="1076"/>
+          <ac:picMkLst>
+            <pc:docMk/>
+            <pc:sldMk cId="0" sldId="276"/>
+            <ac:picMk id="141" creationId="{00000000-0000-0000-0000-000000000000}"/>
+          </ac:picMkLst>
+        </pc:picChg>
+      </pc:sldChg>
+      <pc:sldChg chg="addSp delSp modSp add replId">
+        <pc:chgData name="Guest User" userId="" providerId="Windows Live" clId="Web-{8A324E48-FD94-4108-BE2E-093B8596DCBD}" dt="2023-09-28T21:10:23.680" v="80"/>
+        <pc:sldMkLst>
+          <pc:docMk/>
+          <pc:sldMk cId="472247714" sldId="278"/>
+        </pc:sldMkLst>
+        <pc:spChg chg="add mod">
+          <ac:chgData name="Guest User" userId="" providerId="Windows Live" clId="Web-{8A324E48-FD94-4108-BE2E-093B8596DCBD}" dt="2023-09-28T21:06:44.890" v="64" actId="20577"/>
+          <ac:spMkLst>
+            <pc:docMk/>
+            <pc:sldMk cId="472247714" sldId="278"/>
+            <ac:spMk id="3" creationId="{77200409-2D47-D2CE-81B0-9CA63B279327}"/>
+          </ac:spMkLst>
+        </pc:spChg>
+        <pc:spChg chg="del mod">
+          <ac:chgData name="Guest User" userId="" providerId="Windows Live" clId="Web-{8A324E48-FD94-4108-BE2E-093B8596DCBD}" dt="2023-09-28T21:06:16.076" v="53"/>
+          <ac:spMkLst>
+            <pc:docMk/>
+            <pc:sldMk cId="472247714" sldId="278"/>
+            <ac:spMk id="4" creationId="{520052C3-8332-88F8-1B83-FC0A850102EF}"/>
+          </ac:spMkLst>
+        </pc:spChg>
+        <pc:spChg chg="add del mod">
+          <ac:chgData name="Guest User" userId="" providerId="Windows Live" clId="Web-{8A324E48-FD94-4108-BE2E-093B8596DCBD}" dt="2023-09-28T21:10:23.680" v="79"/>
+          <ac:spMkLst>
+            <pc:docMk/>
+            <pc:sldMk cId="472247714" sldId="278"/>
+            <ac:spMk id="16" creationId="{860C74BB-8791-F823-6A7B-61432BB70330}"/>
+          </ac:spMkLst>
+        </pc:spChg>
+        <pc:picChg chg="del mod">
+          <ac:chgData name="Guest User" userId="" providerId="Windows Live" clId="Web-{8A324E48-FD94-4108-BE2E-093B8596DCBD}" dt="2023-09-28T21:05:12.901" v="34"/>
+          <ac:picMkLst>
+            <pc:docMk/>
+            <pc:sldMk cId="472247714" sldId="278"/>
+            <ac:picMk id="5" creationId="{3515B320-7348-FD53-A9DB-30F4A9F6D9AA}"/>
+          </ac:picMkLst>
+        </pc:picChg>
+        <pc:picChg chg="del">
+          <ac:chgData name="Guest User" userId="" providerId="Windows Live" clId="Web-{8A324E48-FD94-4108-BE2E-093B8596DCBD}" dt="2023-09-28T21:05:14.167" v="35"/>
+          <ac:picMkLst>
+            <pc:docMk/>
+            <pc:sldMk cId="472247714" sldId="278"/>
+            <ac:picMk id="6" creationId="{3F6D0AA5-4DE3-6FAD-04D6-8E068418580D}"/>
+          </ac:picMkLst>
+        </pc:picChg>
+        <pc:picChg chg="del">
+          <ac:chgData name="Guest User" userId="" providerId="Windows Live" clId="Web-{8A324E48-FD94-4108-BE2E-093B8596DCBD}" dt="2023-09-28T21:05:14.995" v="36"/>
+          <ac:picMkLst>
+            <pc:docMk/>
+            <pc:sldMk cId="472247714" sldId="278"/>
+            <ac:picMk id="7" creationId="{530A27B7-F429-7850-2262-E8C44BA9239D}"/>
+          </ac:picMkLst>
+        </pc:picChg>
+        <pc:picChg chg="del">
+          <ac:chgData name="Guest User" userId="" providerId="Windows Live" clId="Web-{8A324E48-FD94-4108-BE2E-093B8596DCBD}" dt="2023-09-28T21:05:15.730" v="37"/>
+          <ac:picMkLst>
+            <pc:docMk/>
+            <pc:sldMk cId="472247714" sldId="278"/>
+            <ac:picMk id="8" creationId="{CACC4282-EE4F-EACA-2036-048D953E9716}"/>
+          </ac:picMkLst>
+        </pc:picChg>
+        <pc:picChg chg="del">
+          <ac:chgData name="Guest User" userId="" providerId="Windows Live" clId="Web-{8A324E48-FD94-4108-BE2E-093B8596DCBD}" dt="2023-09-28T21:05:16.620" v="38"/>
+          <ac:picMkLst>
+            <pc:docMk/>
+            <pc:sldMk cId="472247714" sldId="278"/>
+            <ac:picMk id="9" creationId="{FFD181BD-F1E1-3C55-8A0F-9D7E9DB46E4C}"/>
+          </ac:picMkLst>
+        </pc:picChg>
+        <pc:picChg chg="del">
+          <ac:chgData name="Guest User" userId="" providerId="Windows Live" clId="Web-{8A324E48-FD94-4108-BE2E-093B8596DCBD}" dt="2023-09-28T21:05:17.605" v="40"/>
+          <ac:picMkLst>
+            <pc:docMk/>
+            <pc:sldMk cId="472247714" sldId="278"/>
+            <ac:picMk id="10" creationId="{C7D8F67F-E038-5CA7-89FD-1383BF0F875E}"/>
+          </ac:picMkLst>
+        </pc:picChg>
+        <pc:picChg chg="del">
+          <ac:chgData name="Guest User" userId="" providerId="Windows Live" clId="Web-{8A324E48-FD94-4108-BE2E-093B8596DCBD}" dt="2023-09-28T21:05:17.105" v="39"/>
+          <ac:picMkLst>
+            <pc:docMk/>
+            <pc:sldMk cId="472247714" sldId="278"/>
+            <ac:picMk id="11" creationId="{97751012-7FA7-08B7-C35B-FD8E9B977C58}"/>
+          </ac:picMkLst>
+        </pc:picChg>
+        <pc:picChg chg="del">
+          <ac:chgData name="Guest User" userId="" providerId="Windows Live" clId="Web-{8A324E48-FD94-4108-BE2E-093B8596DCBD}" dt="2023-09-28T21:05:18.105" v="41"/>
+          <ac:picMkLst>
+            <pc:docMk/>
+            <pc:sldMk cId="472247714" sldId="278"/>
+            <ac:picMk id="12" creationId="{61BDA0D2-6F78-D3FE-9B42-7A9C477D2699}"/>
+          </ac:picMkLst>
+        </pc:picChg>
+        <pc:picChg chg="add mod">
+          <ac:chgData name="Guest User" userId="" providerId="Windows Live" clId="Web-{8A324E48-FD94-4108-BE2E-093B8596DCBD}" dt="2023-09-28T21:07:02.281" v="67" actId="1076"/>
+          <ac:picMkLst>
+            <pc:docMk/>
+            <pc:sldMk cId="472247714" sldId="278"/>
+            <ac:picMk id="14" creationId="{3A0A1325-C4F3-3BEC-6D96-1BC14BEC27E7}"/>
+          </ac:picMkLst>
+        </pc:picChg>
+        <pc:picChg chg="add del mod">
+          <ac:chgData name="Guest User" userId="" providerId="Windows Live" clId="Web-{8A324E48-FD94-4108-BE2E-093B8596DCBD}" dt="2023-09-28T21:10:23.680" v="80"/>
+          <ac:picMkLst>
+            <pc:docMk/>
+            <pc:sldMk cId="472247714" sldId="278"/>
+            <ac:picMk id="15" creationId="{2BD4B10A-59D4-05A1-3E57-F72D78C35456}"/>
+          </ac:picMkLst>
+        </pc:picChg>
+      </pc:sldChg>
+    </pc:docChg>
+  </pc:docChgLst>
+  <pc:docChgLst>
+    <pc:chgData name="Guest User" providerId="Windows Live" clId="Web-{73A5147C-0BE0-4F22-A307-8354B569D250}"/>
+    <pc:docChg chg="modSld">
+      <pc:chgData name="Guest User" userId="" providerId="Windows Live" clId="Web-{73A5147C-0BE0-4F22-A307-8354B569D250}" dt="2023-10-02T12:46:44.657" v="38" actId="20577"/>
+      <pc:docMkLst>
+        <pc:docMk/>
+      </pc:docMkLst>
+      <pc:sldChg chg="modSp">
+        <pc:chgData name="Guest User" userId="" providerId="Windows Live" clId="Web-{73A5147C-0BE0-4F22-A307-8354B569D250}" dt="2023-10-02T12:46:44.657" v="38" actId="20577"/>
+        <pc:sldMkLst>
+          <pc:docMk/>
+          <pc:sldMk cId="936727011" sldId="287"/>
+        </pc:sldMkLst>
+        <pc:spChg chg="mod">
+          <ac:chgData name="Guest User" userId="" providerId="Windows Live" clId="Web-{73A5147C-0BE0-4F22-A307-8354B569D250}" dt="2023-10-02T12:46:44.657" v="38" actId="20577"/>
+          <ac:spMkLst>
+            <pc:docMk/>
+            <pc:sldMk cId="936727011" sldId="287"/>
+            <ac:spMk id="2" creationId="{E229F603-DF97-DC27-0BBF-2AB2DBE80DE4}"/>
+          </ac:spMkLst>
+        </pc:spChg>
+      </pc:sldChg>
+    </pc:docChg>
+  </pc:docChgLst>
+  <pc:docChgLst>
+    <pc:chgData name="Joel Wiseman" userId="058023fe719d27c7" providerId="LiveId" clId="{45902353-8814-4D75-B4A6-578F5BA36B0F}"/>
+    <pc:docChg chg="undo redo custSel addSld delSld modSld sldOrd">
+      <pc:chgData name="Joel Wiseman" userId="058023fe719d27c7" providerId="LiveId" clId="{45902353-8814-4D75-B4A6-578F5BA36B0F}" dt="2023-10-02T13:12:25.259" v="1785" actId="20577"/>
+      <pc:docMkLst>
+        <pc:docMk/>
+      </pc:docMkLst>
+      <pc:sldChg chg="modSp mod modNotesTx">
+        <pc:chgData name="Joel Wiseman" userId="058023fe719d27c7" providerId="LiveId" clId="{45902353-8814-4D75-B4A6-578F5BA36B0F}" dt="2023-10-02T13:12:25.259" v="1785" actId="20577"/>
+        <pc:sldMkLst>
+          <pc:docMk/>
+          <pc:sldMk cId="999071822" sldId="256"/>
+        </pc:sldMkLst>
+        <pc:spChg chg="mod">
+          <ac:chgData name="Joel Wiseman" userId="058023fe719d27c7" providerId="LiveId" clId="{45902353-8814-4D75-B4A6-578F5BA36B0F}" dt="2023-09-27T23:56:07.333" v="846" actId="27636"/>
+          <ac:spMkLst>
+            <pc:docMk/>
+            <pc:sldMk cId="999071822" sldId="256"/>
+            <ac:spMk id="3" creationId="{C29F3C71-3617-A86A-0136-60E87D1E77F0}"/>
+          </ac:spMkLst>
+        </pc:spChg>
+      </pc:sldChg>
+      <pc:sldChg chg="modSp add del mod">
+        <pc:chgData name="Joel Wiseman" userId="058023fe719d27c7" providerId="LiveId" clId="{45902353-8814-4D75-B4A6-578F5BA36B0F}" dt="2023-09-28T00:50:57.559" v="955" actId="2696"/>
+        <pc:sldMkLst>
+          <pc:docMk/>
+          <pc:sldMk cId="0" sldId="259"/>
+        </pc:sldMkLst>
+        <pc:picChg chg="mod">
+          <ac:chgData name="Joel Wiseman" userId="058023fe719d27c7" providerId="LiveId" clId="{45902353-8814-4D75-B4A6-578F5BA36B0F}" dt="2023-09-28T00:50:20.308" v="950" actId="1076"/>
+          <ac:picMkLst>
+            <pc:docMk/>
+            <pc:sldMk cId="0" sldId="259"/>
+            <ac:picMk id="104" creationId="{00000000-0000-0000-0000-000000000000}"/>
+          </ac:picMkLst>
+        </pc:picChg>
+      </pc:sldChg>
+      <pc:sldChg chg="addSp delSp add del mod ord">
+        <pc:chgData name="Joel Wiseman" userId="058023fe719d27c7" providerId="LiveId" clId="{45902353-8814-4D75-B4A6-578F5BA36B0F}" dt="2023-09-28T22:50:39.887" v="1109" actId="47"/>
+        <pc:sldMkLst>
+          <pc:docMk/>
+          <pc:sldMk cId="0" sldId="260"/>
+        </pc:sldMkLst>
+        <pc:picChg chg="add del">
+          <ac:chgData name="Joel Wiseman" userId="058023fe719d27c7" providerId="LiveId" clId="{45902353-8814-4D75-B4A6-578F5BA36B0F}" dt="2023-09-28T00:56:19.745" v="970" actId="478"/>
+          <ac:picMkLst>
+            <pc:docMk/>
+            <pc:sldMk cId="0" sldId="260"/>
+            <ac:picMk id="3" creationId="{F47E267F-0AC3-FFC2-CF4E-F562FF013537}"/>
+          </ac:picMkLst>
+        </pc:picChg>
+        <pc:picChg chg="add del">
+          <ac:chgData name="Joel Wiseman" userId="058023fe719d27c7" providerId="LiveId" clId="{45902353-8814-4D75-B4A6-578F5BA36B0F}" dt="2023-09-28T22:50:16.867" v="1104" actId="21"/>
+          <ac:picMkLst>
+            <pc:docMk/>
+            <pc:sldMk cId="0" sldId="260"/>
+            <ac:picMk id="5" creationId="{F8978A78-33F8-8DF9-75B5-8B72BA39FE36}"/>
+          </ac:picMkLst>
+        </pc:picChg>
+        <pc:picChg chg="del">
+          <ac:chgData name="Joel Wiseman" userId="058023fe719d27c7" providerId="LiveId" clId="{45902353-8814-4D75-B4A6-578F5BA36B0F}" dt="2023-09-28T00:54:46.338" v="968" actId="478"/>
+          <ac:picMkLst>
+            <pc:docMk/>
+            <pc:sldMk cId="0" sldId="260"/>
+            <ac:picMk id="109" creationId="{00000000-0000-0000-0000-000000000000}"/>
+          </ac:picMkLst>
+        </pc:picChg>
+      </pc:sldChg>
+      <pc:sldChg chg="addSp delSp modSp del mod">
+        <pc:chgData name="Joel Wiseman" userId="058023fe719d27c7" providerId="LiveId" clId="{45902353-8814-4D75-B4A6-578F5BA36B0F}" dt="2023-09-28T22:52:43.625" v="1152" actId="47"/>
+        <pc:sldMkLst>
+          <pc:docMk/>
+          <pc:sldMk cId="3298599993" sldId="261"/>
+        </pc:sldMkLst>
+        <pc:spChg chg="mod">
+          <ac:chgData name="Joel Wiseman" userId="058023fe719d27c7" providerId="LiveId" clId="{45902353-8814-4D75-B4A6-578F5BA36B0F}" dt="2023-09-27T22:39:14.683" v="789" actId="20577"/>
+          <ac:spMkLst>
+            <pc:docMk/>
+            <pc:sldMk cId="3298599993" sldId="261"/>
+            <ac:spMk id="2" creationId="{3E2213E4-0ED9-DE0E-107C-0302EBBB36EF}"/>
+          </ac:spMkLst>
+        </pc:spChg>
+        <pc:spChg chg="del mod">
+          <ac:chgData name="Joel Wiseman" userId="058023fe719d27c7" providerId="LiveId" clId="{45902353-8814-4D75-B4A6-578F5BA36B0F}" dt="2023-09-28T22:52:07.101" v="1144" actId="21"/>
+          <ac:spMkLst>
+            <pc:docMk/>
+            <pc:sldMk cId="3298599993" sldId="261"/>
+            <ac:spMk id="3" creationId="{27DAD8B4-EA10-9105-0EBC-DD648210C3A0}"/>
+          </ac:spMkLst>
+        </pc:spChg>
+        <pc:spChg chg="add del mod">
+          <ac:chgData name="Joel Wiseman" userId="058023fe719d27c7" providerId="LiveId" clId="{45902353-8814-4D75-B4A6-578F5BA36B0F}" dt="2023-09-28T22:52:16.087" v="1146" actId="21"/>
+          <ac:spMkLst>
+            <pc:docMk/>
+            <pc:sldMk cId="3298599993" sldId="261"/>
+            <ac:spMk id="4" creationId="{D200A3F3-6D1B-7370-8D48-1CA828827629}"/>
+          </ac:spMkLst>
+        </pc:spChg>
+        <pc:spChg chg="add mod">
+          <ac:chgData name="Joel Wiseman" userId="058023fe719d27c7" providerId="LiveId" clId="{45902353-8814-4D75-B4A6-578F5BA36B0F}" dt="2023-09-28T22:52:07.101" v="1144" actId="21"/>
+          <ac:spMkLst>
+            <pc:docMk/>
+            <pc:sldMk cId="3298599993" sldId="261"/>
+            <ac:spMk id="7" creationId="{A7BBDABD-C730-D30A-40F6-5AAB9B7E058A}"/>
+          </ac:spMkLst>
+        </pc:spChg>
+        <pc:picChg chg="add del mod">
+          <ac:chgData name="Joel Wiseman" userId="058023fe719d27c7" providerId="LiveId" clId="{45902353-8814-4D75-B4A6-578F5BA36B0F}" dt="2023-09-28T22:52:07.101" v="1144" actId="21"/>
+          <ac:picMkLst>
+            <pc:docMk/>
+            <pc:sldMk cId="3298599993" sldId="261"/>
+            <ac:picMk id="5" creationId="{6E612EFC-B561-3AE3-D17B-6C8B49B45ECF}"/>
+          </ac:picMkLst>
+        </pc:picChg>
+      </pc:sldChg>
+      <pc:sldChg chg="del mod modShow">
+        <pc:chgData name="Joel Wiseman" userId="058023fe719d27c7" providerId="LiveId" clId="{45902353-8814-4D75-B4A6-578F5BA36B0F}" dt="2023-09-28T00:50:11.497" v="948" actId="2696"/>
+        <pc:sldMkLst>
+          <pc:docMk/>
+          <pc:sldMk cId="2046918960" sldId="262"/>
+        </pc:sldMkLst>
+      </pc:sldChg>
+      <pc:sldChg chg="del">
+        <pc:chgData name="Joel Wiseman" userId="058023fe719d27c7" providerId="LiveId" clId="{45902353-8814-4D75-B4A6-578F5BA36B0F}" dt="2023-09-28T00:52:07.947" v="963" actId="47"/>
+        <pc:sldMkLst>
+          <pc:docMk/>
+          <pc:sldMk cId="435429103" sldId="263"/>
+        </pc:sldMkLst>
+      </pc:sldChg>
+      <pc:sldChg chg="del">
+        <pc:chgData name="Joel Wiseman" userId="058023fe719d27c7" providerId="LiveId" clId="{45902353-8814-4D75-B4A6-578F5BA36B0F}" dt="2023-09-28T00:52:17.903" v="965" actId="47"/>
+        <pc:sldMkLst>
+          <pc:docMk/>
+          <pc:sldMk cId="220222973" sldId="264"/>
+        </pc:sldMkLst>
+      </pc:sldChg>
+      <pc:sldChg chg="modSp mod modAnim">
+        <pc:chgData name="Joel Wiseman" userId="058023fe719d27c7" providerId="LiveId" clId="{45902353-8814-4D75-B4A6-578F5BA36B0F}" dt="2023-09-28T22:55:07.798" v="1223" actId="20577"/>
+        <pc:sldMkLst>
+          <pc:docMk/>
+          <pc:sldMk cId="21090907" sldId="265"/>
+        </pc:sldMkLst>
+        <pc:spChg chg="mod">
+          <ac:chgData name="Joel Wiseman" userId="058023fe719d27c7" providerId="LiveId" clId="{45902353-8814-4D75-B4A6-578F5BA36B0F}" dt="2023-09-28T22:55:07.798" v="1223" actId="20577"/>
+          <ac:spMkLst>
+            <pc:docMk/>
+            <pc:sldMk cId="21090907" sldId="265"/>
+            <ac:spMk id="3" creationId="{C29F3C71-3617-A86A-0136-60E87D1E77F0}"/>
+          </ac:spMkLst>
+        </pc:spChg>
+      </pc:sldChg>
+      <pc:sldChg chg="addSp modSp mod ord">
+        <pc:chgData name="Joel Wiseman" userId="058023fe719d27c7" providerId="LiveId" clId="{45902353-8814-4D75-B4A6-578F5BA36B0F}" dt="2023-09-28T22:37:04.300" v="1046"/>
+        <pc:sldMkLst>
+          <pc:docMk/>
+          <pc:sldMk cId="3595791110" sldId="266"/>
+        </pc:sldMkLst>
+        <pc:picChg chg="add mod">
+          <ac:chgData name="Joel Wiseman" userId="058023fe719d27c7" providerId="LiveId" clId="{45902353-8814-4D75-B4A6-578F5BA36B0F}" dt="2023-09-28T22:26:46.177" v="1003" actId="1076"/>
+          <ac:picMkLst>
+            <pc:docMk/>
+            <pc:sldMk cId="3595791110" sldId="266"/>
+            <ac:picMk id="6" creationId="{77DA6BDB-DE74-DD75-A3F4-7FB28C4FF891}"/>
+          </ac:picMkLst>
+        </pc:picChg>
+      </pc:sldChg>
+      <pc:sldChg chg="del mod modShow">
+        <pc:chgData name="Joel Wiseman" userId="058023fe719d27c7" providerId="LiveId" clId="{45902353-8814-4D75-B4A6-578F5BA36B0F}" dt="2023-09-28T00:50:14.579" v="949" actId="2696"/>
+        <pc:sldMkLst>
+          <pc:docMk/>
+          <pc:sldMk cId="1501753239" sldId="269"/>
+        </pc:sldMkLst>
+      </pc:sldChg>
+      <pc:sldChg chg="addSp delSp modSp del mod">
+        <pc:chgData name="Joel Wiseman" userId="058023fe719d27c7" providerId="LiveId" clId="{45902353-8814-4D75-B4A6-578F5BA36B0F}" dt="2023-09-28T22:35:17.635" v="1037" actId="47"/>
+        <pc:sldMkLst>
+          <pc:docMk/>
+          <pc:sldMk cId="307816584" sldId="270"/>
+        </pc:sldMkLst>
+        <pc:spChg chg="mod">
+          <ac:chgData name="Joel Wiseman" userId="058023fe719d27c7" providerId="LiveId" clId="{45902353-8814-4D75-B4A6-578F5BA36B0F}" dt="2023-09-28T01:22:33.693" v="974" actId="1076"/>
+          <ac:spMkLst>
+            <pc:docMk/>
+            <pc:sldMk cId="307816584" sldId="270"/>
+            <ac:spMk id="2" creationId="{3E2213E4-0ED9-DE0E-107C-0302EBBB36EF}"/>
+          </ac:spMkLst>
+        </pc:spChg>
+        <pc:spChg chg="del mod">
+          <ac:chgData name="Joel Wiseman" userId="058023fe719d27c7" providerId="LiveId" clId="{45902353-8814-4D75-B4A6-578F5BA36B0F}" dt="2023-09-28T22:35:13.776" v="1035" actId="21"/>
+          <ac:spMkLst>
+            <pc:docMk/>
+            <pc:sldMk cId="307816584" sldId="270"/>
+            <ac:spMk id="3" creationId="{27DAD8B4-EA10-9105-0EBC-DD648210C3A0}"/>
+          </ac:spMkLst>
+        </pc:spChg>
+        <pc:spChg chg="add mod">
+          <ac:chgData name="Joel Wiseman" userId="058023fe719d27c7" providerId="LiveId" clId="{45902353-8814-4D75-B4A6-578F5BA36B0F}" dt="2023-09-28T22:35:13.776" v="1035" actId="21"/>
+          <ac:spMkLst>
+            <pc:docMk/>
+            <pc:sldMk cId="307816584" sldId="270"/>
+            <ac:spMk id="5" creationId="{5F5993EE-D7D9-3150-758E-536FFAB97BB8}"/>
+          </ac:spMkLst>
+        </pc:spChg>
+      </pc:sldChg>
+      <pc:sldChg chg="modSp add del mod">
+        <pc:chgData name="Joel Wiseman" userId="058023fe719d27c7" providerId="LiveId" clId="{45902353-8814-4D75-B4A6-578F5BA36B0F}" dt="2023-09-28T00:52:11.851" v="964" actId="47"/>
+        <pc:sldMkLst>
+          <pc:docMk/>
+          <pc:sldMk cId="1902144498" sldId="271"/>
+        </pc:sldMkLst>
+        <pc:spChg chg="mod">
+          <ac:chgData name="Joel Wiseman" userId="058023fe719d27c7" providerId="LiveId" clId="{45902353-8814-4D75-B4A6-578F5BA36B0F}" dt="2023-09-27T23:58:22.398" v="946" actId="20577"/>
+          <ac:spMkLst>
+            <pc:docMk/>
+            <pc:sldMk cId="1902144498" sldId="271"/>
+            <ac:spMk id="2" creationId="{3E2213E4-0ED9-DE0E-107C-0302EBBB36EF}"/>
+          </ac:spMkLst>
+        </pc:spChg>
+      </pc:sldChg>
+      <pc:sldChg chg="delSp add del mod ord">
+        <pc:chgData name="Joel Wiseman" userId="058023fe719d27c7" providerId="LiveId" clId="{45902353-8814-4D75-B4A6-578F5BA36B0F}" dt="2023-09-28T22:51:39.845" v="1118" actId="47"/>
+        <pc:sldMkLst>
+          <pc:docMk/>
+          <pc:sldMk cId="0" sldId="272"/>
+        </pc:sldMkLst>
+        <pc:picChg chg="del">
+          <ac:chgData name="Joel Wiseman" userId="058023fe719d27c7" providerId="LiveId" clId="{45902353-8814-4D75-B4A6-578F5BA36B0F}" dt="2023-09-28T22:50:43.745" v="1110" actId="21"/>
+          <ac:picMkLst>
+            <pc:docMk/>
+            <pc:sldMk cId="0" sldId="272"/>
+            <ac:picMk id="114" creationId="{00000000-0000-0000-0000-000000000000}"/>
+          </ac:picMkLst>
+        </pc:picChg>
+      </pc:sldChg>
+      <pc:sldChg chg="delSp modSp add del mod ord modNotes">
+        <pc:chgData name="Joel Wiseman" userId="058023fe719d27c7" providerId="LiveId" clId="{45902353-8814-4D75-B4A6-578F5BA36B0F}" dt="2023-09-28T22:49:40.565" v="1093" actId="47"/>
+        <pc:sldMkLst>
+          <pc:docMk/>
+          <pc:sldMk cId="0" sldId="273"/>
+        </pc:sldMkLst>
+        <pc:picChg chg="del mod">
+          <ac:chgData name="Joel Wiseman" userId="058023fe719d27c7" providerId="LiveId" clId="{45902353-8814-4D75-B4A6-578F5BA36B0F}" dt="2023-09-28T22:48:35.137" v="1077" actId="21"/>
+          <ac:picMkLst>
+            <pc:docMk/>
+            <pc:sldMk cId="0" sldId="273"/>
+            <ac:picMk id="119" creationId="{00000000-0000-0000-0000-000000000000}"/>
+          </ac:picMkLst>
+        </pc:picChg>
+      </pc:sldChg>
+      <pc:sldChg chg="addSp delSp modSp add del mod ord modNotes">
+        <pc:chgData name="Joel Wiseman" userId="058023fe719d27c7" providerId="LiveId" clId="{45902353-8814-4D75-B4A6-578F5BA36B0F}" dt="2023-09-28T22:49:57.771" v="1098" actId="47"/>
+        <pc:sldMkLst>
+          <pc:docMk/>
+          <pc:sldMk cId="0" sldId="274"/>
+        </pc:sldMkLst>
+        <pc:picChg chg="del">
+          <ac:chgData name="Joel Wiseman" userId="058023fe719d27c7" providerId="LiveId" clId="{45902353-8814-4D75-B4A6-578F5BA36B0F}" dt="2023-09-28T22:36:36.461" v="1039" actId="478"/>
+          <ac:picMkLst>
+            <pc:docMk/>
+            <pc:sldMk cId="0" sldId="274"/>
+            <ac:picMk id="124" creationId="{00000000-0000-0000-0000-000000000000}"/>
+          </ac:picMkLst>
+        </pc:picChg>
+        <pc:picChg chg="add del mod">
+          <ac:chgData name="Joel Wiseman" userId="058023fe719d27c7" providerId="LiveId" clId="{45902353-8814-4D75-B4A6-578F5BA36B0F}" dt="2023-09-28T22:49:42.963" v="1094" actId="21"/>
+          <ac:picMkLst>
+            <pc:docMk/>
+            <pc:sldMk cId="0" sldId="274"/>
+            <ac:picMk id="1026" creationId="{595390D5-044F-173D-1364-4EE3CC6B54A7}"/>
+          </ac:picMkLst>
+        </pc:picChg>
+      </pc:sldChg>
+      <pc:sldChg chg="delSp modSp add del mod ord modNotes">
+        <pc:chgData name="Joel Wiseman" userId="058023fe719d27c7" providerId="LiveId" clId="{45902353-8814-4D75-B4A6-578F5BA36B0F}" dt="2023-09-28T22:50:14.550" v="1103" actId="47"/>
+        <pc:sldMkLst>
+          <pc:docMk/>
+          <pc:sldMk cId="0" sldId="275"/>
+        </pc:sldMkLst>
+        <pc:picChg chg="del mod">
+          <ac:chgData name="Joel Wiseman" userId="058023fe719d27c7" providerId="LiveId" clId="{45902353-8814-4D75-B4A6-578F5BA36B0F}" dt="2023-09-28T22:50:02.948" v="1099" actId="21"/>
+          <ac:picMkLst>
+            <pc:docMk/>
+            <pc:sldMk cId="0" sldId="275"/>
+            <ac:picMk id="129" creationId="{00000000-0000-0000-0000-000000000000}"/>
+          </ac:picMkLst>
+        </pc:picChg>
+      </pc:sldChg>
+      <pc:sldChg chg="add">
+        <pc:chgData name="Joel Wiseman" userId="058023fe719d27c7" providerId="LiveId" clId="{45902353-8814-4D75-B4A6-578F5BA36B0F}" dt="2023-09-28T00:52:05.808" v="962"/>
+        <pc:sldMkLst>
+          <pc:docMk/>
+          <pc:sldMk cId="0" sldId="276"/>
+        </pc:sldMkLst>
+      </pc:sldChg>
+      <pc:sldChg chg="addSp delSp modSp add del mod">
+        <pc:chgData name="Joel Wiseman" userId="058023fe719d27c7" providerId="LiveId" clId="{45902353-8814-4D75-B4A6-578F5BA36B0F}" dt="2023-09-28T23:11:35.291" v="1543" actId="47"/>
+        <pc:sldMkLst>
+          <pc:docMk/>
+          <pc:sldMk cId="3212836214" sldId="277"/>
+        </pc:sldMkLst>
+        <pc:spChg chg="del">
+          <ac:chgData name="Joel Wiseman" userId="058023fe719d27c7" providerId="LiveId" clId="{45902353-8814-4D75-B4A6-578F5BA36B0F}" dt="2023-09-28T01:29:04.783" v="997" actId="478"/>
+          <ac:spMkLst>
+            <pc:docMk/>
+            <pc:sldMk cId="3212836214" sldId="277"/>
+            <ac:spMk id="2" creationId="{3E2213E4-0ED9-DE0E-107C-0302EBBB36EF}"/>
+          </ac:spMkLst>
+        </pc:spChg>
+        <pc:spChg chg="del">
+          <ac:chgData name="Joel Wiseman" userId="058023fe719d27c7" providerId="LiveId" clId="{45902353-8814-4D75-B4A6-578F5BA36B0F}" dt="2023-09-28T01:29:12.102" v="999" actId="478"/>
+          <ac:spMkLst>
+            <pc:docMk/>
+            <pc:sldMk cId="3212836214" sldId="277"/>
+            <ac:spMk id="3" creationId="{27DAD8B4-EA10-9105-0EBC-DD648210C3A0}"/>
+          </ac:spMkLst>
+        </pc:spChg>
+        <pc:spChg chg="add del mod">
+          <ac:chgData name="Joel Wiseman" userId="058023fe719d27c7" providerId="LiveId" clId="{45902353-8814-4D75-B4A6-578F5BA36B0F}" dt="2023-09-28T01:29:09.212" v="998" actId="478"/>
+          <ac:spMkLst>
+            <pc:docMk/>
+            <pc:sldMk cId="3212836214" sldId="277"/>
+            <ac:spMk id="5" creationId="{DF8739CE-5F8B-D5F4-B542-CD4E1EB74E27}"/>
+          </ac:spMkLst>
+        </pc:spChg>
+        <pc:spChg chg="add del mod">
+          <ac:chgData name="Joel Wiseman" userId="058023fe719d27c7" providerId="LiveId" clId="{45902353-8814-4D75-B4A6-578F5BA36B0F}" dt="2023-09-28T01:29:14.527" v="1000" actId="478"/>
+          <ac:spMkLst>
+            <pc:docMk/>
+            <pc:sldMk cId="3212836214" sldId="277"/>
+            <ac:spMk id="7" creationId="{A835C5C6-41F8-83CE-6DDA-DBB84C511839}"/>
+          </ac:spMkLst>
+        </pc:spChg>
+        <pc:picChg chg="add del">
+          <ac:chgData name="Joel Wiseman" userId="058023fe719d27c7" providerId="LiveId" clId="{45902353-8814-4D75-B4A6-578F5BA36B0F}" dt="2023-09-28T23:11:11.755" v="1529" actId="21"/>
+          <ac:picMkLst>
+            <pc:docMk/>
+            <pc:sldMk cId="3212836214" sldId="277"/>
+            <ac:picMk id="8" creationId="{A8C58EAC-9915-6ED2-1126-8863D619631A}"/>
+          </ac:picMkLst>
+        </pc:picChg>
+      </pc:sldChg>
+      <pc:sldChg chg="addSp delSp modSp mod">
+        <pc:chgData name="Joel Wiseman" userId="058023fe719d27c7" providerId="LiveId" clId="{45902353-8814-4D75-B4A6-578F5BA36B0F}" dt="2023-10-02T12:54:08.644" v="1677" actId="20577"/>
+        <pc:sldMkLst>
+          <pc:docMk/>
+          <pc:sldMk cId="472247714" sldId="278"/>
+        </pc:sldMkLst>
+        <pc:spChg chg="mod">
+          <ac:chgData name="Joel Wiseman" userId="058023fe719d27c7" providerId="LiveId" clId="{45902353-8814-4D75-B4A6-578F5BA36B0F}" dt="2023-10-02T12:51:34.904" v="1649" actId="20577"/>
+          <ac:spMkLst>
+            <pc:docMk/>
+            <pc:sldMk cId="472247714" sldId="278"/>
+            <ac:spMk id="3" creationId="{77200409-2D47-D2CE-81B0-9CA63B279327}"/>
+          </ac:spMkLst>
+        </pc:spChg>
+        <pc:spChg chg="add del mod">
+          <ac:chgData name="Joel Wiseman" userId="058023fe719d27c7" providerId="LiveId" clId="{45902353-8814-4D75-B4A6-578F5BA36B0F}" dt="2023-10-02T12:53:30.914" v="1668" actId="478"/>
+          <ac:spMkLst>
+            <pc:docMk/>
+            <pc:sldMk cId="472247714" sldId="278"/>
+            <ac:spMk id="6" creationId="{3401C755-CDDE-424E-2AD9-742CB8C8DBA2}"/>
+          </ac:spMkLst>
+        </pc:spChg>
+        <pc:spChg chg="add mod">
+          <ac:chgData name="Joel Wiseman" userId="058023fe719d27c7" providerId="LiveId" clId="{45902353-8814-4D75-B4A6-578F5BA36B0F}" dt="2023-10-02T12:54:08.644" v="1677" actId="20577"/>
+          <ac:spMkLst>
+            <pc:docMk/>
+            <pc:sldMk cId="472247714" sldId="278"/>
+            <ac:spMk id="7" creationId="{AE953E39-E9AE-F1DF-5892-66BFB1EDF578}"/>
+          </ac:spMkLst>
+        </pc:spChg>
+        <pc:picChg chg="add del mod">
+          <ac:chgData name="Joel Wiseman" userId="058023fe719d27c7" providerId="LiveId" clId="{45902353-8814-4D75-B4A6-578F5BA36B0F}" dt="2023-10-02T12:52:15.441" v="1655" actId="478"/>
+          <ac:picMkLst>
+            <pc:docMk/>
+            <pc:sldMk cId="472247714" sldId="278"/>
+            <ac:picMk id="2" creationId="{CA92383C-EE65-99BA-AF59-689DF51BE1A2}"/>
+          </ac:picMkLst>
+        </pc:picChg>
+        <pc:picChg chg="add del mod">
+          <ac:chgData name="Joel Wiseman" userId="058023fe719d27c7" providerId="LiveId" clId="{45902353-8814-4D75-B4A6-578F5BA36B0F}" dt="2023-10-02T12:52:26.490" v="1657"/>
+          <ac:picMkLst>
+            <pc:docMk/>
+            <pc:sldMk cId="472247714" sldId="278"/>
+            <ac:picMk id="4" creationId="{92E415DE-3C7F-A9D6-59FF-ADC04ADF03DA}"/>
+          </ac:picMkLst>
+        </pc:picChg>
+        <pc:picChg chg="add del mod">
+          <ac:chgData name="Joel Wiseman" userId="058023fe719d27c7" providerId="LiveId" clId="{45902353-8814-4D75-B4A6-578F5BA36B0F}" dt="2023-10-02T12:52:31.593" v="1659"/>
+          <ac:picMkLst>
+            <pc:docMk/>
+            <pc:sldMk cId="472247714" sldId="278"/>
+            <ac:picMk id="5" creationId="{889CB759-B422-070D-F555-051C0E3A08EC}"/>
+          </ac:picMkLst>
+        </pc:picChg>
+        <pc:picChg chg="del mod">
+          <ac:chgData name="Joel Wiseman" userId="058023fe719d27c7" providerId="LiveId" clId="{45902353-8814-4D75-B4A6-578F5BA36B0F}" dt="2023-10-02T12:51:45.609" v="1650" actId="478"/>
+          <ac:picMkLst>
+            <pc:docMk/>
+            <pc:sldMk cId="472247714" sldId="278"/>
+            <ac:picMk id="14" creationId="{3A0A1325-C4F3-3BEC-6D96-1BC14BEC27E7}"/>
+          </ac:picMkLst>
+        </pc:picChg>
+      </pc:sldChg>
+      <pc:sldChg chg="addSp delSp modSp add mod ord">
+        <pc:chgData name="Joel Wiseman" userId="058023fe719d27c7" providerId="LiveId" clId="{45902353-8814-4D75-B4A6-578F5BA36B0F}" dt="2023-09-28T22:57:09.525" v="1373" actId="20577"/>
+        <pc:sldMkLst>
+          <pc:docMk/>
+          <pc:sldMk cId="926853438" sldId="279"/>
+        </pc:sldMkLst>
+        <pc:spChg chg="add del mod">
+          <ac:chgData name="Joel Wiseman" userId="058023fe719d27c7" providerId="LiveId" clId="{45902353-8814-4D75-B4A6-578F5BA36B0F}" dt="2023-09-28T22:48:18.353" v="1056" actId="478"/>
+          <ac:spMkLst>
+            <pc:docMk/>
+            <pc:sldMk cId="926853438" sldId="279"/>
+            <ac:spMk id="2" creationId="{E229F603-DF97-DC27-0BBF-2AB2DBE80DE4}"/>
+          </ac:spMkLst>
+        </pc:spChg>
+        <pc:spChg chg="mod">
+          <ac:chgData name="Joel Wiseman" userId="058023fe719d27c7" providerId="LiveId" clId="{45902353-8814-4D75-B4A6-578F5BA36B0F}" dt="2023-09-28T22:55:33.588" v="1230" actId="20577"/>
+          <ac:spMkLst>
+            <pc:docMk/>
+            <pc:sldMk cId="926853438" sldId="279"/>
+            <ac:spMk id="3" creationId="{77200409-2D47-D2CE-81B0-9CA63B279327}"/>
+          </ac:spMkLst>
+        </pc:spChg>
+        <pc:spChg chg="add del mod">
+          <ac:chgData name="Joel Wiseman" userId="058023fe719d27c7" providerId="LiveId" clId="{45902353-8814-4D75-B4A6-578F5BA36B0F}" dt="2023-09-28T22:48:20.775" v="1057" actId="478"/>
+          <ac:spMkLst>
+            <pc:docMk/>
+            <pc:sldMk cId="926853438" sldId="279"/>
+            <ac:spMk id="5" creationId="{B0EDB774-B3A4-2CC0-70E2-C08A1AA9B141}"/>
+          </ac:spMkLst>
+        </pc:spChg>
+        <pc:spChg chg="add mod">
+          <ac:chgData name="Joel Wiseman" userId="058023fe719d27c7" providerId="LiveId" clId="{45902353-8814-4D75-B4A6-578F5BA36B0F}" dt="2023-09-28T22:57:09.525" v="1373" actId="20577"/>
+          <ac:spMkLst>
+            <pc:docMk/>
+            <pc:sldMk cId="926853438" sldId="279"/>
+            <ac:spMk id="7" creationId="{6A326955-4F88-3FA5-A7C4-31FE578ED3CC}"/>
+          </ac:spMkLst>
+        </pc:spChg>
+        <pc:spChg chg="add mod">
+          <ac:chgData name="Joel Wiseman" userId="058023fe719d27c7" providerId="LiveId" clId="{45902353-8814-4D75-B4A6-578F5BA36B0F}" dt="2023-09-28T22:52:24.712" v="1148" actId="1076"/>
+          <ac:spMkLst>
+            <pc:docMk/>
+            <pc:sldMk cId="926853438" sldId="279"/>
+            <ac:spMk id="9" creationId="{256BD870-260A-9BF5-49A2-C6251BAF5D0F}"/>
+          </ac:spMkLst>
+        </pc:spChg>
+        <pc:picChg chg="add del mod modCrop">
+          <ac:chgData name="Joel Wiseman" userId="058023fe719d27c7" providerId="LiveId" clId="{45902353-8814-4D75-B4A6-578F5BA36B0F}" dt="2023-09-28T22:52:01.775" v="1143" actId="478"/>
+          <ac:picMkLst>
+            <pc:docMk/>
+            <pc:sldMk cId="926853438" sldId="279"/>
+            <ac:picMk id="6" creationId="{1E7B892F-FE1C-CD1D-BCDC-1E71E8A8B3C6}"/>
+          </ac:picMkLst>
+        </pc:picChg>
+        <pc:picChg chg="add mod modCrop">
+          <ac:chgData name="Joel Wiseman" userId="058023fe719d27c7" providerId="LiveId" clId="{45902353-8814-4D75-B4A6-578F5BA36B0F}" dt="2023-09-28T22:52:41.562" v="1151" actId="1076"/>
+          <ac:picMkLst>
+            <pc:docMk/>
+            <pc:sldMk cId="926853438" sldId="279"/>
+            <ac:picMk id="8" creationId="{6E3B201B-02EB-D2AB-73B7-4A1018AA93DF}"/>
+          </ac:picMkLst>
+        </pc:picChg>
+        <pc:picChg chg="del">
+          <ac:chgData name="Joel Wiseman" userId="058023fe719d27c7" providerId="LiveId" clId="{45902353-8814-4D75-B4A6-578F5BA36B0F}" dt="2023-09-28T22:35:08.033" v="1034" actId="478"/>
+          <ac:picMkLst>
+            <pc:docMk/>
+            <pc:sldMk cId="926853438" sldId="279"/>
+            <ac:picMk id="14" creationId="{3A0A1325-C4F3-3BEC-6D96-1BC14BEC27E7}"/>
+          </ac:picMkLst>
+        </pc:picChg>
+      </pc:sldChg>
+      <pc:sldChg chg="add">
+        <pc:chgData name="Joel Wiseman" userId="058023fe719d27c7" providerId="LiveId" clId="{45902353-8814-4D75-B4A6-578F5BA36B0F}" dt="2023-09-28T22:36:58.307" v="1044" actId="2890"/>
+        <pc:sldMkLst>
+          <pc:docMk/>
+          <pc:sldMk cId="962639800" sldId="280"/>
+        </pc:sldMkLst>
+      </pc:sldChg>
+      <pc:sldChg chg="modSp add del mod">
+        <pc:chgData name="Joel Wiseman" userId="058023fe719d27c7" providerId="LiveId" clId="{45902353-8814-4D75-B4A6-578F5BA36B0F}" dt="2023-10-02T13:06:55.871" v="1678" actId="2696"/>
+        <pc:sldMkLst>
+          <pc:docMk/>
+          <pc:sldMk cId="388507584" sldId="281"/>
+        </pc:sldMkLst>
+        <pc:spChg chg="mod">
+          <ac:chgData name="Joel Wiseman" userId="058023fe719d27c7" providerId="LiveId" clId="{45902353-8814-4D75-B4A6-578F5BA36B0F}" dt="2023-09-29T00:39:21.132" v="1589" actId="20577"/>
+          <ac:spMkLst>
+            <pc:docMk/>
+            <pc:sldMk cId="388507584" sldId="281"/>
+            <ac:spMk id="2" creationId="{E229F603-DF97-DC27-0BBF-2AB2DBE80DE4}"/>
+          </ac:spMkLst>
+        </pc:spChg>
+        <pc:spChg chg="mod">
+          <ac:chgData name="Joel Wiseman" userId="058023fe719d27c7" providerId="LiveId" clId="{45902353-8814-4D75-B4A6-578F5BA36B0F}" dt="2023-09-28T23:02:27.028" v="1424" actId="20577"/>
+          <ac:spMkLst>
+            <pc:docMk/>
+            <pc:sldMk cId="388507584" sldId="281"/>
+            <ac:spMk id="3" creationId="{77200409-2D47-D2CE-81B0-9CA63B279327}"/>
+          </ac:spMkLst>
+        </pc:spChg>
+      </pc:sldChg>
+      <pc:sldChg chg="addSp delSp modSp add mod">
+        <pc:chgData name="Joel Wiseman" userId="058023fe719d27c7" providerId="LiveId" clId="{45902353-8814-4D75-B4A6-578F5BA36B0F}" dt="2023-09-28T22:49:55.079" v="1097" actId="1076"/>
+        <pc:sldMkLst>
+          <pc:docMk/>
+          <pc:sldMk cId="746755369" sldId="282"/>
+        </pc:sldMkLst>
+        <pc:picChg chg="add mod">
+          <ac:chgData name="Joel Wiseman" userId="058023fe719d27c7" providerId="LiveId" clId="{45902353-8814-4D75-B4A6-578F5BA36B0F}" dt="2023-09-28T22:49:55.079" v="1097" actId="1076"/>
+          <ac:picMkLst>
+            <pc:docMk/>
+            <pc:sldMk cId="746755369" sldId="282"/>
+            <ac:picMk id="2" creationId="{1AA3298C-82E3-5270-D7FB-B3D7DAE38183}"/>
+          </ac:picMkLst>
+        </pc:picChg>
+        <pc:picChg chg="del">
+          <ac:chgData name="Joel Wiseman" userId="058023fe719d27c7" providerId="LiveId" clId="{45902353-8814-4D75-B4A6-578F5BA36B0F}" dt="2023-09-28T22:49:33.023" v="1089" actId="478"/>
+          <ac:picMkLst>
+            <pc:docMk/>
+            <pc:sldMk cId="746755369" sldId="282"/>
+            <ac:picMk id="6" creationId="{1E7B892F-FE1C-CD1D-BCDC-1E71E8A8B3C6}"/>
+          </ac:picMkLst>
+        </pc:picChg>
+      </pc:sldChg>
+      <pc:sldChg chg="addSp delSp modSp add mod">
+        <pc:chgData name="Joel Wiseman" userId="058023fe719d27c7" providerId="LiveId" clId="{45902353-8814-4D75-B4A6-578F5BA36B0F}" dt="2023-09-28T22:51:13.993" v="1115" actId="1076"/>
+        <pc:sldMkLst>
+          <pc:docMk/>
+          <pc:sldMk cId="1966528045" sldId="283"/>
+        </pc:sldMkLst>
+        <pc:picChg chg="add mod modCrop">
+          <ac:chgData name="Joel Wiseman" userId="058023fe719d27c7" providerId="LiveId" clId="{45902353-8814-4D75-B4A6-578F5BA36B0F}" dt="2023-09-28T22:51:13.993" v="1115" actId="1076"/>
+          <ac:picMkLst>
+            <pc:docMk/>
+            <pc:sldMk cId="1966528045" sldId="283"/>
+            <ac:picMk id="2" creationId="{7AE3FBAA-499A-7366-77EB-5AFF06E71498}"/>
+          </ac:picMkLst>
+        </pc:picChg>
+        <pc:picChg chg="del">
+          <ac:chgData name="Joel Wiseman" userId="058023fe719d27c7" providerId="LiveId" clId="{45902353-8814-4D75-B4A6-578F5BA36B0F}" dt="2023-09-28T22:49:38.311" v="1092" actId="478"/>
+          <ac:picMkLst>
+            <pc:docMk/>
+            <pc:sldMk cId="1966528045" sldId="283"/>
+            <ac:picMk id="6" creationId="{1E7B892F-FE1C-CD1D-BCDC-1E71E8A8B3C6}"/>
+          </ac:picMkLst>
+        </pc:picChg>
+      </pc:sldChg>
+      <pc:sldChg chg="addSp delSp modSp add mod">
+        <pc:chgData name="Joel Wiseman" userId="058023fe719d27c7" providerId="LiveId" clId="{45902353-8814-4D75-B4A6-578F5BA36B0F}" dt="2023-09-28T22:50:12.357" v="1102" actId="1076"/>
+        <pc:sldMkLst>
+          <pc:docMk/>
+          <pc:sldMk cId="3528245973" sldId="284"/>
+        </pc:sldMkLst>
+        <pc:picChg chg="add mod">
+          <ac:chgData name="Joel Wiseman" userId="058023fe719d27c7" providerId="LiveId" clId="{45902353-8814-4D75-B4A6-578F5BA36B0F}" dt="2023-09-28T22:50:12.357" v="1102" actId="1076"/>
+          <ac:picMkLst>
+            <pc:docMk/>
+            <pc:sldMk cId="3528245973" sldId="284"/>
+            <ac:picMk id="2" creationId="{6FF4F244-090A-276C-C706-411ED0A2D0B5}"/>
+          </ac:picMkLst>
+        </pc:picChg>
+        <pc:picChg chg="del">
+          <ac:chgData name="Joel Wiseman" userId="058023fe719d27c7" providerId="LiveId" clId="{45902353-8814-4D75-B4A6-578F5BA36B0F}" dt="2023-09-28T22:49:34.578" v="1090" actId="478"/>
+          <ac:picMkLst>
+            <pc:docMk/>
+            <pc:sldMk cId="3528245973" sldId="284"/>
+            <ac:picMk id="6" creationId="{1E7B892F-FE1C-CD1D-BCDC-1E71E8A8B3C6}"/>
+          </ac:picMkLst>
+        </pc:picChg>
+      </pc:sldChg>
+      <pc:sldChg chg="addSp delSp modSp add mod">
+        <pc:chgData name="Joel Wiseman" userId="058023fe719d27c7" providerId="LiveId" clId="{45902353-8814-4D75-B4A6-578F5BA36B0F}" dt="2023-09-28T22:51:37.548" v="1117" actId="1076"/>
+        <pc:sldMkLst>
+          <pc:docMk/>
+          <pc:sldMk cId="2936063169" sldId="285"/>
+        </pc:sldMkLst>
+        <pc:picChg chg="add mod modCrop">
+          <ac:chgData name="Joel Wiseman" userId="058023fe719d27c7" providerId="LiveId" clId="{45902353-8814-4D75-B4A6-578F5BA36B0F}" dt="2023-09-28T22:51:37.548" v="1117" actId="1076"/>
+          <ac:picMkLst>
+            <pc:docMk/>
+            <pc:sldMk cId="2936063169" sldId="285"/>
+            <ac:picMk id="2" creationId="{F88E110C-7D3B-EA49-CCF2-F568AD83FA3F}"/>
+          </ac:picMkLst>
+        </pc:picChg>
+        <pc:picChg chg="del">
+          <ac:chgData name="Joel Wiseman" userId="058023fe719d27c7" providerId="LiveId" clId="{45902353-8814-4D75-B4A6-578F5BA36B0F}" dt="2023-09-28T22:49:36.330" v="1091" actId="478"/>
+          <ac:picMkLst>
+            <pc:docMk/>
+            <pc:sldMk cId="2936063169" sldId="285"/>
+            <ac:picMk id="6" creationId="{1E7B892F-FE1C-CD1D-BCDC-1E71E8A8B3C6}"/>
+          </ac:picMkLst>
+        </pc:picChg>
+      </pc:sldChg>
+      <pc:sldChg chg="add">
+        <pc:chgData name="Joel Wiseman" userId="058023fe719d27c7" providerId="LiveId" clId="{45902353-8814-4D75-B4A6-578F5BA36B0F}" dt="2023-09-28T22:51:49.709" v="1119" actId="2890"/>
+        <pc:sldMkLst>
+          <pc:docMk/>
+          <pc:sldMk cId="3205659227" sldId="286"/>
+        </pc:sldMkLst>
+      </pc:sldChg>
+      <pc:sldChg chg="add ord">
+        <pc:chgData name="Joel Wiseman" userId="058023fe719d27c7" providerId="LiveId" clId="{45902353-8814-4D75-B4A6-578F5BA36B0F}" dt="2023-09-29T01:12:29.703" v="1591"/>
+        <pc:sldMkLst>
+          <pc:docMk/>
+          <pc:sldMk cId="936727011" sldId="287"/>
+        </pc:sldMkLst>
+      </pc:sldChg>
+      <pc:sldChg chg="addSp delSp modSp add mod">
+        <pc:chgData name="Joel Wiseman" userId="058023fe719d27c7" providerId="LiveId" clId="{45902353-8814-4D75-B4A6-578F5BA36B0F}" dt="2023-09-29T01:17:46.551" v="1616" actId="14100"/>
+        <pc:sldMkLst>
+          <pc:docMk/>
+          <pc:sldMk cId="1051080647" sldId="288"/>
+        </pc:sldMkLst>
+        <pc:spChg chg="del">
+          <ac:chgData name="Joel Wiseman" userId="058023fe719d27c7" providerId="LiveId" clId="{45902353-8814-4D75-B4A6-578F5BA36B0F}" dt="2023-09-28T23:11:09.417" v="1528" actId="478"/>
+          <ac:spMkLst>
+            <pc:docMk/>
+            <pc:sldMk cId="1051080647" sldId="288"/>
+            <ac:spMk id="2" creationId="{E229F603-DF97-DC27-0BBF-2AB2DBE80DE4}"/>
+          </ac:spMkLst>
+        </pc:spChg>
+        <pc:spChg chg="mod">
+          <ac:chgData name="Joel Wiseman" userId="058023fe719d27c7" providerId="LiveId" clId="{45902353-8814-4D75-B4A6-578F5BA36B0F}" dt="2023-09-29T01:16:25.285" v="1611" actId="20577"/>
+          <ac:spMkLst>
+            <pc:docMk/>
+            <pc:sldMk cId="1051080647" sldId="288"/>
+            <ac:spMk id="3" creationId="{77200409-2D47-D2CE-81B0-9CA63B279327}"/>
+          </ac:spMkLst>
+        </pc:spChg>
+        <pc:spChg chg="add del mod">
+          <ac:chgData name="Joel Wiseman" userId="058023fe719d27c7" providerId="LiveId" clId="{45902353-8814-4D75-B4A6-578F5BA36B0F}" dt="2023-09-28T23:11:14.866" v="1530" actId="478"/>
+          <ac:spMkLst>
+            <pc:docMk/>
+            <pc:sldMk cId="1051080647" sldId="288"/>
+            <ac:spMk id="5" creationId="{DE7089B3-D07A-59A9-83A9-FE8C4503A56A}"/>
+          </ac:spMkLst>
+        </pc:spChg>
+        <pc:spChg chg="add del">
+          <ac:chgData name="Joel Wiseman" userId="058023fe719d27c7" providerId="LiveId" clId="{45902353-8814-4D75-B4A6-578F5BA36B0F}" dt="2023-09-29T01:16:01.212" v="1594"/>
+          <ac:spMkLst>
+            <pc:docMk/>
+            <pc:sldMk cId="1051080647" sldId="288"/>
+            <ac:spMk id="7" creationId="{81BCABFD-F6AE-F26C-76F3-CA0823E39FC9}"/>
+          </ac:spMkLst>
+        </pc:spChg>
+        <pc:picChg chg="add del mod">
+          <ac:chgData name="Joel Wiseman" userId="058023fe719d27c7" providerId="LiveId" clId="{45902353-8814-4D75-B4A6-578F5BA36B0F}" dt="2023-09-29T01:15:57.850" v="1592" actId="478"/>
+          <ac:picMkLst>
+            <pc:docMk/>
+            <pc:sldMk cId="1051080647" sldId="288"/>
+            <ac:picMk id="6" creationId="{FA84C8B4-E347-1833-07BF-0A32E58FFE42}"/>
+          </ac:picMkLst>
+        </pc:picChg>
+        <pc:picChg chg="add del mod">
+          <ac:chgData name="Joel Wiseman" userId="058023fe719d27c7" providerId="LiveId" clId="{45902353-8814-4D75-B4A6-578F5BA36B0F}" dt="2023-09-29T01:17:25.215" v="1612" actId="478"/>
+          <ac:picMkLst>
+            <pc:docMk/>
+            <pc:sldMk cId="1051080647" sldId="288"/>
+            <ac:picMk id="8" creationId="{92D7EA48-8A6A-9365-8988-3877FE9563D9}"/>
+          </ac:picMkLst>
+        </pc:picChg>
+        <pc:picChg chg="add mod">
+          <ac:chgData name="Joel Wiseman" userId="058023fe719d27c7" providerId="LiveId" clId="{45902353-8814-4D75-B4A6-578F5BA36B0F}" dt="2023-09-29T01:17:46.551" v="1616" actId="14100"/>
+          <ac:picMkLst>
+            <pc:docMk/>
+            <pc:sldMk cId="1051080647" sldId="288"/>
+            <ac:picMk id="2052" creationId="{C9C62650-4B41-C65C-2BDD-B34D86E968F4}"/>
+          </ac:picMkLst>
+        </pc:picChg>
+      </pc:sldChg>
+      <pc:sldChg chg="modSp del mod">
+        <pc:chgData name="Joel Wiseman" userId="058023fe719d27c7" providerId="LiveId" clId="{45902353-8814-4D75-B4A6-578F5BA36B0F}" dt="2023-10-02T12:50:55.035" v="1629" actId="47"/>
+        <pc:sldMkLst>
+          <pc:docMk/>
+          <pc:sldMk cId="4218109893" sldId="289"/>
+        </pc:sldMkLst>
+        <pc:picChg chg="mod">
+          <ac:chgData name="Joel Wiseman" userId="058023fe719d27c7" providerId="LiveId" clId="{45902353-8814-4D75-B4A6-578F5BA36B0F}" dt="2023-10-02T12:49:34.002" v="1617" actId="1076"/>
+          <ac:picMkLst>
+            <pc:docMk/>
+            <pc:sldMk cId="4218109893" sldId="289"/>
+            <ac:picMk id="7" creationId="{018833AF-BD74-88FE-BC5B-AD43ABADBAA1}"/>
+          </ac:picMkLst>
+        </pc:picChg>
+        <pc:picChg chg="mod">
+          <ac:chgData name="Joel Wiseman" userId="058023fe719d27c7" providerId="LiveId" clId="{45902353-8814-4D75-B4A6-578F5BA36B0F}" dt="2023-10-02T12:49:37.022" v="1618" actId="1076"/>
+          <ac:picMkLst>
+            <pc:docMk/>
+            <pc:sldMk cId="4218109893" sldId="289"/>
+            <ac:picMk id="11" creationId="{CFEA8B32-5B3F-A6E1-CA9E-A41EE8EE970E}"/>
+          </ac:picMkLst>
+        </pc:picChg>
+      </pc:sldChg>
+      <pc:sldChg chg="addSp delSp modSp add mod">
+        <pc:chgData name="Joel Wiseman" userId="058023fe719d27c7" providerId="LiveId" clId="{45902353-8814-4D75-B4A6-578F5BA36B0F}" dt="2023-10-02T12:50:45.672" v="1628" actId="1076"/>
+        <pc:sldMkLst>
+          <pc:docMk/>
+          <pc:sldMk cId="3727241867" sldId="290"/>
+        </pc:sldMkLst>
+        <pc:picChg chg="add del">
+          <ac:chgData name="Joel Wiseman" userId="058023fe719d27c7" providerId="LiveId" clId="{45902353-8814-4D75-B4A6-578F5BA36B0F}" dt="2023-10-02T12:50:13.322" v="1624" actId="478"/>
+          <ac:picMkLst>
+            <pc:docMk/>
+            <pc:sldMk cId="3727241867" sldId="290"/>
+            <ac:picMk id="2" creationId="{7AE3FBAA-499A-7366-77EB-5AFF06E71498}"/>
+          </ac:picMkLst>
+        </pc:picChg>
+        <pc:picChg chg="add mod">
+          <ac:chgData name="Joel Wiseman" userId="058023fe719d27c7" providerId="LiveId" clId="{45902353-8814-4D75-B4A6-578F5BA36B0F}" dt="2023-10-02T12:50:45.672" v="1628" actId="1076"/>
+          <ac:picMkLst>
+            <pc:docMk/>
+            <pc:sldMk cId="3727241867" sldId="290"/>
+            <ac:picMk id="4" creationId="{EC03415C-3ABE-7CA8-545F-444E8B1810B1}"/>
+          </ac:picMkLst>
+        </pc:picChg>
+        <pc:picChg chg="add mod">
+          <ac:chgData name="Joel Wiseman" userId="058023fe719d27c7" providerId="LiveId" clId="{45902353-8814-4D75-B4A6-578F5BA36B0F}" dt="2023-10-02T12:50:45.672" v="1628" actId="1076"/>
+          <ac:picMkLst>
+            <pc:docMk/>
+            <pc:sldMk cId="3727241867" sldId="290"/>
+            <ac:picMk id="5" creationId="{8B1A3194-A8B1-A0AA-6D15-E5A8F67E4FD5}"/>
+          </ac:picMkLst>
+        </pc:picChg>
+        <pc:picChg chg="add mod">
+          <ac:chgData name="Joel Wiseman" userId="058023fe719d27c7" providerId="LiveId" clId="{45902353-8814-4D75-B4A6-578F5BA36B0F}" dt="2023-10-02T12:50:45.672" v="1628" actId="1076"/>
+          <ac:picMkLst>
+            <pc:docMk/>
+            <pc:sldMk cId="3727241867" sldId="290"/>
+            <ac:picMk id="6" creationId="{B4807C92-1EB1-9C3B-FA2C-168C5451B112}"/>
+          </ac:picMkLst>
+        </pc:picChg>
+        <pc:picChg chg="add mod">
+          <ac:chgData name="Joel Wiseman" userId="058023fe719d27c7" providerId="LiveId" clId="{45902353-8814-4D75-B4A6-578F5BA36B0F}" dt="2023-10-02T12:50:45.672" v="1628" actId="1076"/>
+          <ac:picMkLst>
+            <pc:docMk/>
+            <pc:sldMk cId="3727241867" sldId="290"/>
+            <ac:picMk id="7" creationId="{060B5669-05CA-BBCA-902A-15391D74EA53}"/>
+          </ac:picMkLst>
+        </pc:picChg>
+      </pc:sldChg>
+      <pc:sldChg chg="add del">
+        <pc:chgData name="Joel Wiseman" userId="058023fe719d27c7" providerId="LiveId" clId="{45902353-8814-4D75-B4A6-578F5BA36B0F}" dt="2023-10-02T12:50:09.788" v="1622"/>
+        <pc:sldMkLst>
+          <pc:docMk/>
+          <pc:sldMk cId="2661107090" sldId="291"/>
+        </pc:sldMkLst>
+      </pc:sldChg>
+      <pc:sldChg chg="add">
+        <pc:chgData name="Joel Wiseman" userId="058023fe719d27c7" providerId="LiveId" clId="{45902353-8814-4D75-B4A6-578F5BA36B0F}" dt="2023-10-02T12:52:01.457" v="1654" actId="2890"/>
+        <pc:sldMkLst>
+          <pc:docMk/>
+          <pc:sldMk cId="4189197104" sldId="291"/>
+        </pc:sldMkLst>
+      </pc:sldChg>
+    </pc:docChg>
+  </pc:docChgLst>
+</pc:chgInfo>
 </file>
 
 <file path=ppt/notesMasters/notesMaster1.xml><?xml version="1.0" encoding="utf-8"?>
@@ -220,7 +1992,7 @@
           <a:p>
             <a:fld id="{6AFFA8E4-DBFF-4969-854A-D336A01BFD8A}" type="datetimeFigureOut">
               <a:rPr lang="en-US" smtClean="0"/>
-              <a:t>9/27/2023</a:t>
+              <a:t>10/2/2023</a:t>
             </a:fld>
             <a:endParaRPr lang="en-US"/>
           </a:p>
@@ -487,6 +2259,116 @@
 </p:notesMaster>
 </file>
 
+<file path=ppt/notesSlides/notesSlide1.xml><?xml version="1.0" encoding="utf-8"?>
+<p:notes xmlns:a="http://schemas.openxmlformats.org/drawingml/2006/main" xmlns:r="http://schemas.openxmlformats.org/officeDocument/2006/relationships" xmlns:p="http://schemas.openxmlformats.org/presentationml/2006/main">
+  <p:cSld>
+    <p:spTree>
+      <p:nvGrpSpPr>
+        <p:cNvPr id="1" name=""/>
+        <p:cNvGrpSpPr/>
+        <p:nvPr/>
+      </p:nvGrpSpPr>
+      <p:grpSpPr>
+        <a:xfrm>
+          <a:off x="0" y="0"/>
+          <a:ext cx="0" cy="0"/>
+          <a:chOff x="0" y="0"/>
+          <a:chExt cx="0" cy="0"/>
+        </a:xfrm>
+      </p:grpSpPr>
+      <p:sp>
+        <p:nvSpPr>
+          <p:cNvPr id="2" name="Slide Image Placeholder 1"/>
+          <p:cNvSpPr>
+            <a:spLocks noGrp="1" noRot="1" noChangeAspect="1"/>
+          </p:cNvSpPr>
+          <p:nvPr>
+            <p:ph type="sldImg"/>
+          </p:nvPr>
+        </p:nvSpPr>
+        <p:spPr/>
+      </p:sp>
+      <p:sp>
+        <p:nvSpPr>
+          <p:cNvPr id="3" name="Notes Placeholder 2"/>
+          <p:cNvSpPr>
+            <a:spLocks noGrp="1"/>
+          </p:cNvSpPr>
+          <p:nvPr>
+            <p:ph type="body" idx="1"/>
+          </p:nvPr>
+        </p:nvSpPr>
+        <p:spPr/>
+        <p:txBody>
+          <a:bodyPr/>
+          <a:lstStyle/>
+          <a:p>
+            <a:r>
+              <a:rPr lang="en-US" dirty="0"/>
+              <a:t>Joel: Slide 1-3, 7-9</a:t>
+            </a:r>
+          </a:p>
+          <a:p>
+            <a:r>
+              <a:rPr lang="en-US" dirty="0"/>
+              <a:t>Max: 4-6, 15 </a:t>
+            </a:r>
+            <a:r>
+              <a:rPr lang="en-US"/>
+              <a:t>in closing?</a:t>
+            </a:r>
+            <a:endParaRPr lang="en-US" dirty="0"/>
+          </a:p>
+          <a:p>
+            <a:r>
+              <a:rPr lang="en-US" dirty="0"/>
+              <a:t>Tunga: 10 &amp; 11</a:t>
+            </a:r>
+          </a:p>
+          <a:p>
+            <a:r>
+              <a:rPr lang="en-US" dirty="0"/>
+              <a:t>Francesca: 12-14</a:t>
+            </a:r>
+          </a:p>
+        </p:txBody>
+      </p:sp>
+      <p:sp>
+        <p:nvSpPr>
+          <p:cNvPr id="4" name="Slide Number Placeholder 3"/>
+          <p:cNvSpPr>
+            <a:spLocks noGrp="1"/>
+          </p:cNvSpPr>
+          <p:nvPr>
+            <p:ph type="sldNum" sz="quarter" idx="5"/>
+          </p:nvPr>
+        </p:nvSpPr>
+        <p:spPr/>
+        <p:txBody>
+          <a:bodyPr/>
+          <a:lstStyle/>
+          <a:p>
+            <a:fld id="{B28CAA86-8068-4735-A169-DEAA3C8077E9}" type="slidenum">
+              <a:rPr lang="en-US" smtClean="0"/>
+              <a:t>1</a:t>
+            </a:fld>
+            <a:endParaRPr lang="en-US"/>
+          </a:p>
+        </p:txBody>
+      </p:sp>
+    </p:spTree>
+    <p:extLst>
+      <p:ext uri="{BB962C8B-B14F-4D97-AF65-F5344CB8AC3E}">
+        <p14:creationId xmlns:p14="http://schemas.microsoft.com/office/powerpoint/2010/main" val="2023584215"/>
+      </p:ext>
+    </p:extLst>
+  </p:cSld>
+  <p:clrMapOvr>
+    <a:masterClrMapping/>
+  </p:clrMapOvr>
+</p:notes>
+</file>
+
 <file path=ppt/slideLayouts/slideLayout1.xml><?xml version="1.0" encoding="utf-8"?>
 <p:sldLayout xmlns:a="http://schemas.openxmlformats.org/drawingml/2006/main" xmlns:r="http://schemas.openxmlformats.org/officeDocument/2006/relationships" xmlns:p="http://schemas.openxmlformats.org/presentationml/2006/main" type="title" preserve="1">
   <p:cSld name="Title Slide">
@@ -634,7 +2516,7 @@
           <a:p>
             <a:fld id="{44886B8C-6D6C-4C77-83AC-EF3BF9D2BAB1}" type="datetimeFigureOut">
               <a:rPr lang="en-US" smtClean="0"/>
-              <a:t>9/27/2023</a:t>
+              <a:t>10/2/2023</a:t>
             </a:fld>
             <a:endParaRPr lang="en-US"/>
           </a:p>
@@ -832,7 +2714,7 @@
           <a:p>
             <a:fld id="{44886B8C-6D6C-4C77-83AC-EF3BF9D2BAB1}" type="datetimeFigureOut">
               <a:rPr lang="en-US" smtClean="0"/>
-              <a:t>9/27/2023</a:t>
+              <a:t>10/2/2023</a:t>
             </a:fld>
             <a:endParaRPr lang="en-US"/>
           </a:p>
@@ -1040,7 +2922,7 @@
           <a:p>
             <a:fld id="{44886B8C-6D6C-4C77-83AC-EF3BF9D2BAB1}" type="datetimeFigureOut">
               <a:rPr lang="en-US" smtClean="0"/>
-              <a:t>9/27/2023</a:t>
+              <a:t>10/2/2023</a:t>
             </a:fld>
             <a:endParaRPr lang="en-US"/>
           </a:p>
@@ -1238,7 +3120,7 @@
           <a:p>
             <a:fld id="{44886B8C-6D6C-4C77-83AC-EF3BF9D2BAB1}" type="datetimeFigureOut">
               <a:rPr lang="en-US" smtClean="0"/>
-              <a:t>9/27/2023</a:t>
+              <a:t>10/2/2023</a:t>
             </a:fld>
             <a:endParaRPr lang="en-US"/>
           </a:p>
@@ -1513,7 +3395,7 @@
           <a:p>
             <a:fld id="{44886B8C-6D6C-4C77-83AC-EF3BF9D2BAB1}" type="datetimeFigureOut">
               <a:rPr lang="en-US" smtClean="0"/>
-              <a:t>9/27/2023</a:t>
+              <a:t>10/2/2023</a:t>
             </a:fld>
             <a:endParaRPr lang="en-US"/>
           </a:p>
@@ -1778,7 +3660,7 @@
           <a:p>
             <a:fld id="{44886B8C-6D6C-4C77-83AC-EF3BF9D2BAB1}" type="datetimeFigureOut">
               <a:rPr lang="en-US" smtClean="0"/>
-              <a:t>9/27/2023</a:t>
+              <a:t>10/2/2023</a:t>
             </a:fld>
             <a:endParaRPr lang="en-US"/>
           </a:p>
@@ -2190,7 +4072,7 @@
           <a:p>
             <a:fld id="{44886B8C-6D6C-4C77-83AC-EF3BF9D2BAB1}" type="datetimeFigureOut">
               <a:rPr lang="en-US" smtClean="0"/>
-              <a:t>9/27/2023</a:t>
+              <a:t>10/2/2023</a:t>
             </a:fld>
             <a:endParaRPr lang="en-US"/>
           </a:p>
@@ -2331,7 +4213,7 @@
           <a:p>
             <a:fld id="{44886B8C-6D6C-4C77-83AC-EF3BF9D2BAB1}" type="datetimeFigureOut">
               <a:rPr lang="en-US" smtClean="0"/>
-              <a:t>9/27/2023</a:t>
+              <a:t>10/2/2023</a:t>
             </a:fld>
             <a:endParaRPr lang="en-US"/>
           </a:p>
@@ -2444,7 +4326,7 @@
           <a:p>
             <a:fld id="{44886B8C-6D6C-4C77-83AC-EF3BF9D2BAB1}" type="datetimeFigureOut">
               <a:rPr lang="en-US" smtClean="0"/>
-              <a:t>9/27/2023</a:t>
+              <a:t>10/2/2023</a:t>
             </a:fld>
             <a:endParaRPr lang="en-US"/>
           </a:p>
@@ -2755,7 +4637,7 @@
           <a:p>
             <a:fld id="{44886B8C-6D6C-4C77-83AC-EF3BF9D2BAB1}" type="datetimeFigureOut">
               <a:rPr lang="en-US" smtClean="0"/>
-              <a:t>9/27/2023</a:t>
+              <a:t>10/2/2023</a:t>
             </a:fld>
             <a:endParaRPr lang="en-US"/>
           </a:p>
@@ -3043,7 +4925,7 @@
           <a:p>
             <a:fld id="{44886B8C-6D6C-4C77-83AC-EF3BF9D2BAB1}" type="datetimeFigureOut">
               <a:rPr lang="en-US" smtClean="0"/>
-              <a:t>9/27/2023</a:t>
+              <a:t>10/2/2023</a:t>
             </a:fld>
             <a:endParaRPr lang="en-US"/>
           </a:p>
@@ -3284,7 +5166,7 @@
           <a:p>
             <a:fld id="{44886B8C-6D6C-4C77-83AC-EF3BF9D2BAB1}" type="datetimeFigureOut">
               <a:rPr lang="en-US" smtClean="0"/>
-              <a:t>9/27/2023</a:t>
+              <a:t>10/2/2023</a:t>
             </a:fld>
             <a:endParaRPr lang="en-US"/>
           </a:p>
@@ -3765,31 +5647,31 @@
           <a:lstStyle/>
           <a:p>
             <a:r>
-              <a:rPr lang="en-US" dirty="0"/>
+              <a:rPr lang="en-US"/>
               <a:t>Presented By: Max Glasser, </a:t>
             </a:r>
             <a:r>
-              <a:rPr lang="en-US" dirty="0" err="1"/>
+              <a:rPr lang="en-US" err="1"/>
               <a:t>Tungalagtuya</a:t>
             </a:r>
             <a:r>
-              <a:rPr lang="en-US" dirty="0"/>
+              <a:rPr lang="en-US"/>
               <a:t> </a:t>
             </a:r>
             <a:r>
-              <a:rPr lang="en-US" dirty="0" err="1"/>
+              <a:rPr lang="en-US" err="1"/>
               <a:t>Naran</a:t>
             </a:r>
             <a:r>
-              <a:rPr lang="en-US" dirty="0"/>
+              <a:rPr lang="en-US"/>
               <a:t>, Francesca </a:t>
             </a:r>
             <a:r>
-              <a:rPr lang="en-US" dirty="0" err="1"/>
+              <a:rPr lang="en-US" err="1"/>
               <a:t>Palik</a:t>
             </a:r>
             <a:r>
-              <a:rPr lang="en-US" dirty="0"/>
+              <a:rPr lang="en-US"/>
               <a:t> &amp; Joel Wiseman</a:t>
             </a:r>
           </a:p>
@@ -3810,7 +5692,7 @@
           <p:nvPr/>
         </p:nvPicPr>
         <p:blipFill>
-          <a:blip r:embed="rId2">
+          <a:blip r:embed="rId3">
             <a:extLst>
               <a:ext uri="{28A0092B-C50C-407E-A947-70E740481C1C}">
                 <a14:useLocalDpi xmlns:a14="http://schemas.microsoft.com/office/drawing/2010/main" val="0"/>
@@ -4184,6 +6066,627 @@
               </a:rPr>
               <a:t>Data Exploration</a:t>
             </a:r>
+            <a:r>
+              <a:rPr lang="en-US" sz="3200" b="1">
+                <a:solidFill>
+                  <a:srgbClr val="FFFFFF"/>
+                </a:solidFill>
+                <a:latin typeface="+mj-lt"/>
+                <a:ea typeface="+mj-ea"/>
+                <a:cs typeface="+mj-cs"/>
+              </a:rPr>
+              <a:t> – Confusion Matrix</a:t>
+            </a:r>
+            <a:endParaRPr lang="en-US" sz="3200" b="1" kern="1200">
+              <a:solidFill>
+                <a:srgbClr val="FFFFFF"/>
+              </a:solidFill>
+              <a:latin typeface="+mj-lt"/>
+              <a:ea typeface="+mj-ea"/>
+              <a:cs typeface="+mj-cs"/>
+            </a:endParaRPr>
+          </a:p>
+        </p:txBody>
+      </p:sp>
+      <p:pic>
+        <p:nvPicPr>
+          <p:cNvPr id="6" name="Picture 5" descr="A blue and white graph&#10;&#10;Description automatically generated">
+            <a:extLst>
+              <a:ext uri="{FF2B5EF4-FFF2-40B4-BE49-F238E27FC236}">
+                <a16:creationId xmlns:a16="http://schemas.microsoft.com/office/drawing/2014/main" id="{815F8F7D-68CC-D021-2B96-CAFE27766E94}"/>
+              </a:ext>
+            </a:extLst>
+          </p:cNvPr>
+          <p:cNvPicPr>
+            <a:picLocks noChangeAspect="1"/>
+          </p:cNvPicPr>
+          <p:nvPr/>
+        </p:nvPicPr>
+        <p:blipFill>
+          <a:blip r:embed="rId2"/>
+          <a:stretch>
+            <a:fillRect/>
+          </a:stretch>
+        </p:blipFill>
+        <p:spPr>
+          <a:xfrm>
+            <a:off x="2954594" y="4189533"/>
+            <a:ext cx="2743200" cy="2288935"/>
+          </a:xfrm>
+          <a:prstGeom prst="rect">
+            <a:avLst/>
+          </a:prstGeom>
+        </p:spPr>
+      </p:pic>
+      <p:pic>
+        <p:nvPicPr>
+          <p:cNvPr id="13" name="Picture 12" descr="A graph showing a tree confusion matrix&#10;&#10;Description automatically generated">
+            <a:extLst>
+              <a:ext uri="{FF2B5EF4-FFF2-40B4-BE49-F238E27FC236}">
+                <a16:creationId xmlns:a16="http://schemas.microsoft.com/office/drawing/2014/main" id="{A2505EAE-271E-6064-7143-ED56A6E043A6}"/>
+              </a:ext>
+            </a:extLst>
+          </p:cNvPr>
+          <p:cNvPicPr>
+            <a:picLocks noChangeAspect="1"/>
+          </p:cNvPicPr>
+          <p:nvPr/>
+        </p:nvPicPr>
+        <p:blipFill>
+          <a:blip r:embed="rId3"/>
+          <a:stretch>
+            <a:fillRect/>
+          </a:stretch>
+        </p:blipFill>
+        <p:spPr>
+          <a:xfrm>
+            <a:off x="2954594" y="1719178"/>
+            <a:ext cx="2743200" cy="2288935"/>
+          </a:xfrm>
+          <a:prstGeom prst="rect">
+            <a:avLst/>
+          </a:prstGeom>
+        </p:spPr>
+      </p:pic>
+      <p:pic>
+        <p:nvPicPr>
+          <p:cNvPr id="14" name="Picture 13" descr="A blue and white graph&#10;&#10;Description automatically generated">
+            <a:extLst>
+              <a:ext uri="{FF2B5EF4-FFF2-40B4-BE49-F238E27FC236}">
+                <a16:creationId xmlns:a16="http://schemas.microsoft.com/office/drawing/2014/main" id="{6F92B8B4-C544-D47B-FACF-3A39FDFA0F09}"/>
+              </a:ext>
+            </a:extLst>
+          </p:cNvPr>
+          <p:cNvPicPr>
+            <a:picLocks noChangeAspect="1"/>
+          </p:cNvPicPr>
+          <p:nvPr/>
+        </p:nvPicPr>
+        <p:blipFill>
+          <a:blip r:embed="rId4"/>
+          <a:stretch>
+            <a:fillRect/>
+          </a:stretch>
+        </p:blipFill>
+        <p:spPr>
+          <a:xfrm>
+            <a:off x="5805948" y="4201824"/>
+            <a:ext cx="2743200" cy="2288935"/>
+          </a:xfrm>
+          <a:prstGeom prst="rect">
+            <a:avLst/>
+          </a:prstGeom>
+        </p:spPr>
+      </p:pic>
+      <p:pic>
+        <p:nvPicPr>
+          <p:cNvPr id="15" name="Picture 14">
+            <a:extLst>
+              <a:ext uri="{FF2B5EF4-FFF2-40B4-BE49-F238E27FC236}">
+                <a16:creationId xmlns:a16="http://schemas.microsoft.com/office/drawing/2014/main" id="{2A437263-B67C-5059-A94A-5AD36BE02DE1}"/>
+              </a:ext>
+            </a:extLst>
+          </p:cNvPr>
+          <p:cNvPicPr>
+            <a:picLocks noChangeAspect="1"/>
+          </p:cNvPicPr>
+          <p:nvPr/>
+        </p:nvPicPr>
+        <p:blipFill>
+          <a:blip r:embed="rId5"/>
+          <a:stretch>
+            <a:fillRect/>
+          </a:stretch>
+        </p:blipFill>
+        <p:spPr>
+          <a:xfrm>
+            <a:off x="103239" y="4200446"/>
+            <a:ext cx="2743200" cy="2267107"/>
+          </a:xfrm>
+          <a:prstGeom prst="rect">
+            <a:avLst/>
+          </a:prstGeom>
+        </p:spPr>
+      </p:pic>
+      <p:pic>
+        <p:nvPicPr>
+          <p:cNvPr id="16" name="Picture 15" descr="A blue squares with white text&#10;&#10;Description automatically generated">
+            <a:extLst>
+              <a:ext uri="{FF2B5EF4-FFF2-40B4-BE49-F238E27FC236}">
+                <a16:creationId xmlns:a16="http://schemas.microsoft.com/office/drawing/2014/main" id="{7DC0429E-C27E-F086-F83A-9D41AE8FE881}"/>
+              </a:ext>
+            </a:extLst>
+          </p:cNvPr>
+          <p:cNvPicPr>
+            <a:picLocks noChangeAspect="1"/>
+          </p:cNvPicPr>
+          <p:nvPr/>
+        </p:nvPicPr>
+        <p:blipFill>
+          <a:blip r:embed="rId6"/>
+          <a:stretch>
+            <a:fillRect/>
+          </a:stretch>
+        </p:blipFill>
+        <p:spPr>
+          <a:xfrm>
+            <a:off x="5707626" y="1773801"/>
+            <a:ext cx="2743200" cy="2228850"/>
+          </a:xfrm>
+          <a:prstGeom prst="rect">
+            <a:avLst/>
+          </a:prstGeom>
+        </p:spPr>
+      </p:pic>
+      <p:pic>
+        <p:nvPicPr>
+          <p:cNvPr id="21" name="Picture 20" descr="A graph showing a logistic regression confusion matrix&#10;&#10;Description automatically generated">
+            <a:extLst>
+              <a:ext uri="{FF2B5EF4-FFF2-40B4-BE49-F238E27FC236}">
+                <a16:creationId xmlns:a16="http://schemas.microsoft.com/office/drawing/2014/main" id="{F09B2506-0D25-6E88-3AA2-5E1DCE60EA5D}"/>
+              </a:ext>
+            </a:extLst>
+          </p:cNvPr>
+          <p:cNvPicPr>
+            <a:picLocks noChangeAspect="1"/>
+          </p:cNvPicPr>
+          <p:nvPr/>
+        </p:nvPicPr>
+        <p:blipFill>
+          <a:blip r:embed="rId7"/>
+          <a:stretch>
+            <a:fillRect/>
+          </a:stretch>
+        </p:blipFill>
+        <p:spPr>
+          <a:xfrm>
+            <a:off x="103239" y="1719178"/>
+            <a:ext cx="2743200" cy="2288935"/>
+          </a:xfrm>
+          <a:prstGeom prst="rect">
+            <a:avLst/>
+          </a:prstGeom>
+        </p:spPr>
+      </p:pic>
+      <p:pic>
+        <p:nvPicPr>
+          <p:cNvPr id="22" name="Picture 21" descr="A graph of a random forest confusion matrix&#10;&#10;Description automatically generated">
+            <a:extLst>
+              <a:ext uri="{FF2B5EF4-FFF2-40B4-BE49-F238E27FC236}">
+                <a16:creationId xmlns:a16="http://schemas.microsoft.com/office/drawing/2014/main" id="{94A50F37-C1C9-A48A-B8F5-B7395B8FF550}"/>
+              </a:ext>
+            </a:extLst>
+          </p:cNvPr>
+          <p:cNvPicPr>
+            <a:picLocks noChangeAspect="1"/>
+          </p:cNvPicPr>
+          <p:nvPr/>
+        </p:nvPicPr>
+        <p:blipFill>
+          <a:blip r:embed="rId8"/>
+          <a:stretch>
+            <a:fillRect/>
+          </a:stretch>
+        </p:blipFill>
+        <p:spPr>
+          <a:xfrm>
+            <a:off x="8866239" y="1719177"/>
+            <a:ext cx="2743200" cy="2288935"/>
+          </a:xfrm>
+          <a:prstGeom prst="rect">
+            <a:avLst/>
+          </a:prstGeom>
+        </p:spPr>
+      </p:pic>
+      <p:sp>
+        <p:nvSpPr>
+          <p:cNvPr id="23" name="TextBox 22">
+            <a:extLst>
+              <a:ext uri="{FF2B5EF4-FFF2-40B4-BE49-F238E27FC236}">
+                <a16:creationId xmlns:a16="http://schemas.microsoft.com/office/drawing/2014/main" id="{970A4E69-0173-0236-0E34-0A52AE831901}"/>
+              </a:ext>
+            </a:extLst>
+          </p:cNvPr>
+          <p:cNvSpPr txBox="1"/>
+          <p:nvPr/>
+        </p:nvSpPr>
+        <p:spPr>
+          <a:xfrm>
+            <a:off x="9008806" y="4338484"/>
+            <a:ext cx="2458064" cy="1938992"/>
+          </a:xfrm>
+          <a:prstGeom prst="rect">
+            <a:avLst/>
+          </a:prstGeom>
+          <a:noFill/>
+        </p:spPr>
+        <p:txBody>
+          <a:bodyPr rot="0" spcFirstLastPara="0" vertOverflow="overflow" horzOverflow="overflow" vert="horz" wrap="square" lIns="91440" tIns="45720" rIns="91440" bIns="45720" numCol="1" spcCol="0" rtlCol="0" fromWordArt="0" anchor="t" anchorCtr="0" forceAA="0" compatLnSpc="1">
+            <a:prstTxWarp prst="textNoShape">
+              <a:avLst/>
+            </a:prstTxWarp>
+            <a:spAutoFit/>
+          </a:bodyPr>
+          <a:lstStyle/>
+          <a:p>
+            <a:pPr algn="l"/>
+            <a:r>
+              <a:rPr lang="en-US" sz="2000">
+                <a:latin typeface="Times New Roman"/>
+                <a:cs typeface="Times New Roman"/>
+              </a:rPr>
+              <a:t>The Random Forest appears to have relatively better overall performance compared to the other algorithms.</a:t>
+            </a:r>
+            <a:endParaRPr lang="en-US" sz="2000">
+              <a:latin typeface="Times New Roman"/>
+              <a:ea typeface="Calibri"/>
+              <a:cs typeface="Times New Roman"/>
+            </a:endParaRPr>
+          </a:p>
+        </p:txBody>
+      </p:sp>
+    </p:spTree>
+    <p:extLst>
+      <p:ext uri="{BB962C8B-B14F-4D97-AF65-F5344CB8AC3E}">
+        <p14:creationId xmlns:p14="http://schemas.microsoft.com/office/powerpoint/2010/main" val="3595791110"/>
+      </p:ext>
+    </p:extLst>
+  </p:cSld>
+  <p:clrMapOvr>
+    <a:masterClrMapping/>
+  </p:clrMapOvr>
+</p:sld>
+</file>
+
+<file path=ppt/slides/slide11.xml><?xml version="1.0" encoding="utf-8"?>
+<p:sld xmlns:a="http://schemas.openxmlformats.org/drawingml/2006/main" xmlns:r="http://schemas.openxmlformats.org/officeDocument/2006/relationships" xmlns:p="http://schemas.openxmlformats.org/presentationml/2006/main">
+  <p:cSld>
+    <p:bg>
+      <p:bgPr>
+        <a:solidFill>
+          <a:schemeClr val="bg1"/>
+        </a:solidFill>
+        <a:effectLst/>
+      </p:bgPr>
+    </p:bg>
+    <p:spTree>
+      <p:nvGrpSpPr>
+        <p:cNvPr id="1" name=""/>
+        <p:cNvGrpSpPr/>
+        <p:nvPr/>
+      </p:nvGrpSpPr>
+      <p:grpSpPr>
+        <a:xfrm>
+          <a:off x="0" y="0"/>
+          <a:ext cx="0" cy="0"/>
+          <a:chOff x="0" y="0"/>
+          <a:chExt cx="0" cy="0"/>
+        </a:xfrm>
+      </p:grpSpPr>
+      <p:grpSp>
+        <p:nvGrpSpPr>
+          <p:cNvPr id="17" name="Group 16">
+            <a:extLst>
+              <a:ext uri="{FF2B5EF4-FFF2-40B4-BE49-F238E27FC236}">
+                <a16:creationId xmlns:a16="http://schemas.microsoft.com/office/drawing/2014/main" id="{1E5539EC-8CB8-002F-68C6-678840282659}"/>
+              </a:ext>
+              <a:ext uri="{C183D7F6-B498-43B3-948B-1728B52AA6E4}">
+                <adec:decorative xmlns:adec="http://schemas.microsoft.com/office/drawing/2017/decorative" val="1"/>
+              </a:ext>
+            </a:extLst>
+          </p:cNvPr>
+          <p:cNvGrpSpPr>
+            <a:grpSpLocks noGrp="1" noUngrp="1" noRot="1" noChangeAspect="1" noMove="1" noResize="1"/>
+          </p:cNvGrpSpPr>
+          <p:nvPr>
+            <p:extLst>
+              <p:ext uri="{386F3935-93C4-4BCD-93E2-E3B085C9AB24}">
+                <p16:designElem xmlns:p16="http://schemas.microsoft.com/office/powerpoint/2015/main" val="1"/>
+              </p:ext>
+            </p:extLst>
+          </p:nvPr>
+        </p:nvGrpSpPr>
+        <p:grpSpPr>
+          <a:xfrm>
+            <a:off x="-1" y="-29768"/>
+            <a:ext cx="12202175" cy="1519356"/>
+            <a:chOff x="-1" y="-29768"/>
+            <a:chExt cx="12202175" cy="1519356"/>
+          </a:xfrm>
+        </p:grpSpPr>
+        <p:sp>
+          <p:nvSpPr>
+            <p:cNvPr id="18" name="Rectangle 17">
+              <a:extLst>
+                <a:ext uri="{FF2B5EF4-FFF2-40B4-BE49-F238E27FC236}">
+                  <a16:creationId xmlns:a16="http://schemas.microsoft.com/office/drawing/2014/main" id="{6C5D55A6-9EFD-CDA3-20CC-A99812CE1ABC}"/>
+                </a:ext>
+                <a:ext uri="{C183D7F6-B498-43B3-948B-1728B52AA6E4}">
+                  <adec:decorative xmlns:adec="http://schemas.microsoft.com/office/drawing/2017/decorative" val="1"/>
+                </a:ext>
+              </a:extLst>
+            </p:cNvPr>
+            <p:cNvSpPr/>
+            <p:nvPr>
+              <p:extLst>
+                <p:ext uri="{386F3935-93C4-4BCD-93E2-E3B085C9AB24}">
+                  <p16:designElem xmlns:p16="http://schemas.microsoft.com/office/powerpoint/2015/main" val="1"/>
+                </p:ext>
+              </p:extLst>
+            </p:nvPr>
+          </p:nvSpPr>
+          <p:spPr>
+            <a:xfrm rot="16200000">
+              <a:off x="5341412" y="-5371175"/>
+              <a:ext cx="1519350" cy="12202174"/>
+            </a:xfrm>
+            <a:prstGeom prst="rect">
+              <a:avLst/>
+            </a:prstGeom>
+            <a:gradFill>
+              <a:gsLst>
+                <a:gs pos="0">
+                  <a:schemeClr val="accent5"/>
+                </a:gs>
+                <a:gs pos="100000">
+                  <a:schemeClr val="accent2"/>
+                </a:gs>
+              </a:gsLst>
+              <a:lin ang="10200000" scaled="0"/>
+            </a:gradFill>
+            <a:ln>
+              <a:noFill/>
+            </a:ln>
+          </p:spPr>
+          <p:style>
+            <a:lnRef idx="2">
+              <a:schemeClr val="accent1">
+                <a:shade val="50000"/>
+              </a:schemeClr>
+            </a:lnRef>
+            <a:fillRef idx="1">
+              <a:schemeClr val="accent1"/>
+            </a:fillRef>
+            <a:effectRef idx="0">
+              <a:schemeClr val="accent1"/>
+            </a:effectRef>
+            <a:fontRef idx="minor">
+              <a:schemeClr val="lt1"/>
+            </a:fontRef>
+          </p:style>
+          <p:txBody>
+            <a:bodyPr rtlCol="0" anchor="ctr"/>
+            <a:lstStyle/>
+            <a:p>
+              <a:pPr algn="ctr"/>
+              <a:endParaRPr lang="en-US"/>
+            </a:p>
+          </p:txBody>
+        </p:sp>
+        <p:sp>
+          <p:nvSpPr>
+            <p:cNvPr id="19" name="Rectangle 18">
+              <a:extLst>
+                <a:ext uri="{FF2B5EF4-FFF2-40B4-BE49-F238E27FC236}">
+                  <a16:creationId xmlns:a16="http://schemas.microsoft.com/office/drawing/2014/main" id="{A5B6E73B-6DFD-AE6C-1628-DF8DC3008562}"/>
+                </a:ext>
+                <a:ext uri="{C183D7F6-B498-43B3-948B-1728B52AA6E4}">
+                  <adec:decorative xmlns:adec="http://schemas.microsoft.com/office/drawing/2017/decorative" val="1"/>
+                </a:ext>
+              </a:extLst>
+            </p:cNvPr>
+            <p:cNvSpPr/>
+            <p:nvPr>
+              <p:extLst>
+                <p:ext uri="{386F3935-93C4-4BCD-93E2-E3B085C9AB24}">
+                  <p16:designElem xmlns:p16="http://schemas.microsoft.com/office/powerpoint/2015/main" val="1"/>
+                </p:ext>
+              </p:extLst>
+            </p:nvPr>
+          </p:nvSpPr>
+          <p:spPr>
+            <a:xfrm rot="16200000">
+              <a:off x="8917093" y="-1801610"/>
+              <a:ext cx="1507122" cy="5063040"/>
+            </a:xfrm>
+            <a:prstGeom prst="rect">
+              <a:avLst/>
+            </a:prstGeom>
+            <a:gradFill>
+              <a:gsLst>
+                <a:gs pos="59000">
+                  <a:schemeClr val="accent5">
+                    <a:lumMod val="60000"/>
+                    <a:lumOff val="40000"/>
+                    <a:alpha val="0"/>
+                  </a:schemeClr>
+                </a:gs>
+                <a:gs pos="100000">
+                  <a:schemeClr val="accent5">
+                    <a:lumMod val="60000"/>
+                    <a:lumOff val="40000"/>
+                  </a:schemeClr>
+                </a:gs>
+              </a:gsLst>
+              <a:lin ang="1200000" scaled="0"/>
+            </a:gradFill>
+            <a:ln>
+              <a:noFill/>
+            </a:ln>
+          </p:spPr>
+          <p:style>
+            <a:lnRef idx="2">
+              <a:schemeClr val="accent1">
+                <a:shade val="50000"/>
+              </a:schemeClr>
+            </a:lnRef>
+            <a:fillRef idx="1">
+              <a:schemeClr val="accent1"/>
+            </a:fillRef>
+            <a:effectRef idx="0">
+              <a:schemeClr val="accent1"/>
+            </a:effectRef>
+            <a:fontRef idx="minor">
+              <a:schemeClr val="lt1"/>
+            </a:fontRef>
+          </p:style>
+          <p:txBody>
+            <a:bodyPr rtlCol="0" anchor="ctr"/>
+            <a:lstStyle/>
+            <a:p>
+              <a:pPr algn="ctr"/>
+              <a:endParaRPr lang="en-US"/>
+            </a:p>
+          </p:txBody>
+        </p:sp>
+        <p:sp>
+          <p:nvSpPr>
+            <p:cNvPr id="20" name="Rectangle 19">
+              <a:extLst>
+                <a:ext uri="{FF2B5EF4-FFF2-40B4-BE49-F238E27FC236}">
+                  <a16:creationId xmlns:a16="http://schemas.microsoft.com/office/drawing/2014/main" id="{10E00FC4-DDBC-F424-CF71-73AF7A284A68}"/>
+                </a:ext>
+                <a:ext uri="{C183D7F6-B498-43B3-948B-1728B52AA6E4}">
+                  <adec:decorative xmlns:adec="http://schemas.microsoft.com/office/drawing/2017/decorative" val="1"/>
+                </a:ext>
+              </a:extLst>
+            </p:cNvPr>
+            <p:cNvSpPr/>
+            <p:nvPr>
+              <p:extLst>
+                <p:ext uri="{386F3935-93C4-4BCD-93E2-E3B085C9AB24}">
+                  <p16:designElem xmlns:p16="http://schemas.microsoft.com/office/powerpoint/2015/main" val="1"/>
+                </p:ext>
+              </p:extLst>
+            </p:nvPr>
+          </p:nvSpPr>
+          <p:spPr>
+            <a:xfrm rot="5400000">
+              <a:off x="3100712" y="-3130481"/>
+              <a:ext cx="1519356" cy="7720782"/>
+            </a:xfrm>
+            <a:prstGeom prst="rect">
+              <a:avLst/>
+            </a:prstGeom>
+            <a:gradFill>
+              <a:gsLst>
+                <a:gs pos="29000">
+                  <a:schemeClr val="accent5">
+                    <a:lumMod val="60000"/>
+                    <a:lumOff val="40000"/>
+                    <a:alpha val="0"/>
+                  </a:schemeClr>
+                </a:gs>
+                <a:gs pos="100000">
+                  <a:schemeClr val="accent5">
+                    <a:lumMod val="75000"/>
+                  </a:schemeClr>
+                </a:gs>
+              </a:gsLst>
+              <a:lin ang="1200000" scaled="0"/>
+            </a:gradFill>
+            <a:ln>
+              <a:noFill/>
+            </a:ln>
+          </p:spPr>
+          <p:style>
+            <a:lnRef idx="2">
+              <a:schemeClr val="accent1">
+                <a:shade val="50000"/>
+              </a:schemeClr>
+            </a:lnRef>
+            <a:fillRef idx="1">
+              <a:schemeClr val="accent1"/>
+            </a:fillRef>
+            <a:effectRef idx="0">
+              <a:schemeClr val="accent1"/>
+            </a:effectRef>
+            <a:fontRef idx="minor">
+              <a:schemeClr val="lt1"/>
+            </a:fontRef>
+          </p:style>
+          <p:txBody>
+            <a:bodyPr rtlCol="0" anchor="ctr"/>
+            <a:lstStyle/>
+            <a:p>
+              <a:pPr algn="ctr"/>
+              <a:endParaRPr lang="en-US"/>
+            </a:p>
+          </p:txBody>
+        </p:sp>
+      </p:grpSp>
+      <p:sp>
+        <p:nvSpPr>
+          <p:cNvPr id="4" name="TextBox 3">
+            <a:extLst>
+              <a:ext uri="{FF2B5EF4-FFF2-40B4-BE49-F238E27FC236}">
+                <a16:creationId xmlns:a16="http://schemas.microsoft.com/office/drawing/2014/main" id="{520052C3-8332-88F8-1B83-FC0A850102EF}"/>
+              </a:ext>
+            </a:extLst>
+          </p:cNvPr>
+          <p:cNvSpPr txBox="1"/>
+          <p:nvPr/>
+        </p:nvSpPr>
+        <p:spPr>
+          <a:xfrm>
+            <a:off x="876691" y="301843"/>
+            <a:ext cx="10477109" cy="1003532"/>
+          </a:xfrm>
+          <a:prstGeom prst="rect">
+            <a:avLst/>
+          </a:prstGeom>
+        </p:spPr>
+        <p:txBody>
+          <a:bodyPr rot="0" spcFirstLastPara="0" vertOverflow="overflow" horzOverflow="overflow" vert="horz" lIns="91440" tIns="45720" rIns="91440" bIns="45720" numCol="1" spcCol="0" rtlCol="0" fromWordArt="0" anchor="ctr" anchorCtr="0" forceAA="0" compatLnSpc="1">
+            <a:prstTxWarp prst="textNoShape">
+              <a:avLst/>
+            </a:prstTxWarp>
+            <a:normAutofit/>
+          </a:bodyPr>
+          <a:lstStyle/>
+          <a:p>
+            <a:pPr>
+              <a:lnSpc>
+                <a:spcPct val="90000"/>
+              </a:lnSpc>
+              <a:spcBef>
+                <a:spcPct val="0"/>
+              </a:spcBef>
+              <a:spcAft>
+                <a:spcPts val="600"/>
+              </a:spcAft>
+            </a:pPr>
+            <a:r>
+              <a:rPr lang="en-US" sz="3200" b="1" kern="1200">
+                <a:solidFill>
+                  <a:srgbClr val="FFFFFF"/>
+                </a:solidFill>
+                <a:latin typeface="+mj-lt"/>
+                <a:ea typeface="+mj-ea"/>
+                <a:cs typeface="+mj-cs"/>
+              </a:rPr>
+              <a:t>Data Exploration</a:t>
+            </a:r>
           </a:p>
         </p:txBody>
       </p:sp>
@@ -4306,7 +6809,7 @@
 </p:sld>
 </file>
 
-<file path=ppt/slides/slide11.xml><?xml version="1.0" encoding="utf-8"?>
+<file path=ppt/slides/slide12.xml><?xml version="1.0" encoding="utf-8"?>
 <p:sld xmlns:a="http://schemas.openxmlformats.org/drawingml/2006/main" xmlns:r="http://schemas.openxmlformats.org/officeDocument/2006/relationships" xmlns:p="http://schemas.openxmlformats.org/presentationml/2006/main">
   <p:cSld>
     <p:bg>
@@ -4633,7 +7136,7 @@
                 <a:ea typeface="+mj-ea"/>
                 <a:cs typeface="+mj-cs"/>
               </a:rPr>
-              <a:t>Neural Network</a:t>
+              <a:t>Neural Network – Predicting Churn</a:t>
             </a:r>
             <a:endParaRPr lang="en-US" sz="3200" b="1" kern="1200" dirty="0">
               <a:solidFill>
@@ -4646,40 +7149,735 @@
           </a:p>
         </p:txBody>
       </p:sp>
-      <p:pic>
-        <p:nvPicPr>
-          <p:cNvPr id="14" name="Google Shape;141;p7" descr="A table with numbers and text&#10;&#10;Description automatically generated">
+      <p:sp>
+        <p:nvSpPr>
+          <p:cNvPr id="7" name="TextBox 6">
             <a:extLst>
               <a:ext uri="{FF2B5EF4-FFF2-40B4-BE49-F238E27FC236}">
-                <a16:creationId xmlns:a16="http://schemas.microsoft.com/office/drawing/2014/main" id="{3A0A1325-C4F3-3BEC-6D96-1BC14BEC27E7}"/>
+                <a16:creationId xmlns:a16="http://schemas.microsoft.com/office/drawing/2014/main" id="{AE953E39-E9AE-F1DF-5892-66BFB1EDF578}"/>
               </a:ext>
             </a:extLst>
           </p:cNvPr>
-          <p:cNvPicPr preferRelativeResize="0"/>
+          <p:cNvSpPr txBox="1"/>
           <p:nvPr/>
-        </p:nvPicPr>
-        <p:blipFill>
-          <a:blip r:embed="rId2">
-            <a:alphaModFix/>
-          </a:blip>
-          <a:stretch>
-            <a:fillRect/>
-          </a:stretch>
-        </p:blipFill>
+        </p:nvSpPr>
         <p:spPr>
           <a:xfrm>
-            <a:off x="2017816" y="1630869"/>
-            <a:ext cx="7851107" cy="5105233"/>
+            <a:off x="576682" y="1630869"/>
+            <a:ext cx="11038636" cy="5082160"/>
           </a:xfrm>
           <a:prstGeom prst="rect">
             <a:avLst/>
           </a:prstGeom>
           <a:noFill/>
-          <a:ln>
-            <a:noFill/>
-          </a:ln>
         </p:spPr>
-      </p:pic>
+        <p:txBody>
+          <a:bodyPr wrap="square" rtlCol="0">
+            <a:spAutoFit/>
+          </a:bodyPr>
+          <a:lstStyle/>
+          <a:p>
+            <a:pPr marL="342900" marR="0" lvl="0" indent="-342900" algn="l">
+              <a:lnSpc>
+                <a:spcPct val="107000"/>
+              </a:lnSpc>
+              <a:spcBef>
+                <a:spcPts val="0"/>
+              </a:spcBef>
+              <a:spcAft>
+                <a:spcPts val="0"/>
+              </a:spcAft>
+              <a:buFont typeface="Symbol" panose="05050102010706020507" pitchFamily="18" charset="2"/>
+              <a:buChar char=""/>
+            </a:pPr>
+            <a:r>
+              <a:rPr lang="en-US" sz="1400" b="1" dirty="0">
+                <a:effectLst/>
+                <a:ea typeface="Calibri" panose="020F0502020204030204" pitchFamily="34" charset="0"/>
+                <a:cs typeface="Aharoni" panose="02010803020104030203" pitchFamily="2" charset="-79"/>
+              </a:rPr>
+              <a:t>Neural Networks – </a:t>
+            </a:r>
+            <a:r>
+              <a:rPr lang="en-US" sz="1400" b="1" i="1" dirty="0">
+                <a:solidFill>
+                  <a:srgbClr val="0000FF"/>
+                </a:solidFill>
+                <a:effectLst/>
+                <a:ea typeface="Calibri" panose="020F0502020204030204" pitchFamily="34" charset="0"/>
+                <a:cs typeface="Aharoni" panose="02010803020104030203" pitchFamily="2" charset="-79"/>
+              </a:rPr>
+              <a:t>Advanced form of Machine Learning known as ‘Deep Learning’</a:t>
+            </a:r>
+            <a:endParaRPr lang="en-US" sz="1400" dirty="0">
+              <a:solidFill>
+                <a:srgbClr val="0000FF"/>
+              </a:solidFill>
+              <a:effectLst/>
+              <a:ea typeface="Calibri" panose="020F0502020204030204" pitchFamily="34" charset="0"/>
+              <a:cs typeface="Times New Roman" panose="02020603050405020304" pitchFamily="18" charset="0"/>
+            </a:endParaRPr>
+          </a:p>
+          <a:p>
+            <a:pPr marL="342900" marR="0" lvl="0" indent="-342900" algn="l">
+              <a:lnSpc>
+                <a:spcPct val="107000"/>
+              </a:lnSpc>
+              <a:spcBef>
+                <a:spcPts val="0"/>
+              </a:spcBef>
+              <a:spcAft>
+                <a:spcPts val="0"/>
+              </a:spcAft>
+              <a:buFont typeface="Symbol" panose="05050102010706020507" pitchFamily="18" charset="2"/>
+              <a:buChar char=""/>
+            </a:pPr>
+            <a:r>
+              <a:rPr lang="en-US" sz="1400" b="1" dirty="0">
+                <a:effectLst/>
+                <a:ea typeface="Calibri" panose="020F0502020204030204" pitchFamily="34" charset="0"/>
+                <a:cs typeface="Aharoni" panose="02010803020104030203" pitchFamily="2" charset="-79"/>
+              </a:rPr>
+              <a:t>Neural Networks - </a:t>
+            </a:r>
+            <a:r>
+              <a:rPr lang="en-US" sz="1400" b="1" i="1" dirty="0">
+                <a:solidFill>
+                  <a:srgbClr val="0000FF"/>
+                </a:solidFill>
+                <a:ea typeface="Calibri" panose="020F0502020204030204" pitchFamily="34" charset="0"/>
+                <a:cs typeface="Aharoni" panose="02010803020104030203" pitchFamily="2" charset="-79"/>
+              </a:rPr>
+              <a:t>Uses interconnected nodes or neurons in a layered structure that resembles the human brain.</a:t>
+            </a:r>
+          </a:p>
+          <a:p>
+            <a:pPr marL="342900" indent="-342900" algn="l">
+              <a:lnSpc>
+                <a:spcPct val="107000"/>
+              </a:lnSpc>
+              <a:spcBef>
+                <a:spcPts val="0"/>
+              </a:spcBef>
+              <a:buFont typeface="Symbol" panose="05050102010706020507" pitchFamily="18" charset="2"/>
+              <a:buChar char=""/>
+            </a:pPr>
+            <a:r>
+              <a:rPr lang="en-US" sz="1400" b="1" dirty="0">
+                <a:effectLst/>
+                <a:ea typeface="Calibri" panose="020F0502020204030204" pitchFamily="34" charset="0"/>
+                <a:cs typeface="Aharoni" panose="02010803020104030203" pitchFamily="2" charset="-79"/>
+              </a:rPr>
+              <a:t>Our Goal: </a:t>
+            </a:r>
+            <a:r>
+              <a:rPr lang="en-US" sz="1400" b="1" i="1" dirty="0">
+                <a:solidFill>
+                  <a:srgbClr val="0000FF"/>
+                </a:solidFill>
+                <a:ea typeface="Calibri" panose="020F0502020204030204" pitchFamily="34" charset="0"/>
+                <a:cs typeface="Aharoni" panose="02010803020104030203" pitchFamily="2" charset="-79"/>
+              </a:rPr>
+              <a:t>Predicting Client Churn</a:t>
+            </a:r>
+          </a:p>
+          <a:p>
+            <a:pPr marL="342900" marR="0" lvl="0" indent="-342900" algn="l">
+              <a:lnSpc>
+                <a:spcPct val="107000"/>
+              </a:lnSpc>
+              <a:spcBef>
+                <a:spcPts val="0"/>
+              </a:spcBef>
+              <a:spcAft>
+                <a:spcPts val="0"/>
+              </a:spcAft>
+              <a:buFont typeface="Symbol" panose="05050102010706020507" pitchFamily="18" charset="2"/>
+              <a:buChar char=""/>
+            </a:pPr>
+            <a:r>
+              <a:rPr lang="en-US" sz="1400" b="1" dirty="0">
+                <a:effectLst/>
+                <a:ea typeface="Calibri" panose="020F0502020204030204" pitchFamily="34" charset="0"/>
+                <a:cs typeface="Aharoni" panose="02010803020104030203" pitchFamily="2" charset="-79"/>
+              </a:rPr>
+              <a:t>Datafile: </a:t>
+            </a:r>
+            <a:r>
+              <a:rPr lang="en-US" sz="1400" b="1" i="1" dirty="0">
+                <a:solidFill>
+                  <a:srgbClr val="0000FF"/>
+                </a:solidFill>
+                <a:ea typeface="Calibri" panose="020F0502020204030204" pitchFamily="34" charset="0"/>
+                <a:cs typeface="Aharoni" panose="02010803020104030203" pitchFamily="2" charset="-79"/>
+              </a:rPr>
+              <a:t>900 records, 6 fields </a:t>
+            </a:r>
+            <a:r>
+              <a:rPr lang="en-US" sz="1400" b="1" i="1" dirty="0">
+                <a:effectLst/>
+                <a:ea typeface="Calibri" panose="020F0502020204030204" pitchFamily="34" charset="0"/>
+                <a:cs typeface="Aharoni" panose="02010803020104030203" pitchFamily="2" charset="-79"/>
+              </a:rPr>
+              <a:t>used in our model.</a:t>
+            </a:r>
+            <a:endParaRPr lang="en-US" sz="1400" dirty="0">
+              <a:effectLst/>
+              <a:ea typeface="Calibri" panose="020F0502020204030204" pitchFamily="34" charset="0"/>
+              <a:cs typeface="Times New Roman" panose="02020603050405020304" pitchFamily="18" charset="0"/>
+            </a:endParaRPr>
+          </a:p>
+          <a:p>
+            <a:pPr marL="342900" marR="0" lvl="0" indent="-342900" algn="l">
+              <a:lnSpc>
+                <a:spcPct val="107000"/>
+              </a:lnSpc>
+              <a:spcBef>
+                <a:spcPts val="0"/>
+              </a:spcBef>
+              <a:spcAft>
+                <a:spcPts val="0"/>
+              </a:spcAft>
+              <a:buFont typeface="Symbol" panose="05050102010706020507" pitchFamily="18" charset="2"/>
+              <a:buChar char=""/>
+            </a:pPr>
+            <a:r>
+              <a:rPr lang="en-US" sz="1400" b="1" dirty="0">
+                <a:effectLst/>
+                <a:ea typeface="Calibri" panose="020F0502020204030204" pitchFamily="34" charset="0"/>
+                <a:cs typeface="Aharoni" panose="02010803020104030203" pitchFamily="2" charset="-79"/>
+              </a:rPr>
+              <a:t>Target variable:</a:t>
+            </a:r>
+            <a:endParaRPr lang="en-US" sz="1400" dirty="0">
+              <a:effectLst/>
+              <a:ea typeface="Calibri" panose="020F0502020204030204" pitchFamily="34" charset="0"/>
+              <a:cs typeface="Times New Roman" panose="02020603050405020304" pitchFamily="18" charset="0"/>
+            </a:endParaRPr>
+          </a:p>
+          <a:p>
+            <a:pPr marL="457200" marR="0" algn="l">
+              <a:lnSpc>
+                <a:spcPct val="107000"/>
+              </a:lnSpc>
+              <a:spcBef>
+                <a:spcPts val="0"/>
+              </a:spcBef>
+              <a:spcAft>
+                <a:spcPts val="0"/>
+              </a:spcAft>
+            </a:pPr>
+            <a:r>
+              <a:rPr lang="en-US" sz="1400" i="1" dirty="0">
+                <a:solidFill>
+                  <a:srgbClr val="0000FF"/>
+                </a:solidFill>
+                <a:effectLst/>
+                <a:ea typeface="Calibri" panose="020F0502020204030204" pitchFamily="34" charset="0"/>
+                <a:cs typeface="Aharoni" panose="02010803020104030203" pitchFamily="2" charset="-79"/>
+              </a:rPr>
+              <a:t>Churn</a:t>
+            </a:r>
+            <a:endParaRPr lang="en-US" sz="1400" dirty="0">
+              <a:solidFill>
+                <a:srgbClr val="0000FF"/>
+              </a:solidFill>
+              <a:effectLst/>
+              <a:ea typeface="Calibri" panose="020F0502020204030204" pitchFamily="34" charset="0"/>
+              <a:cs typeface="Times New Roman" panose="02020603050405020304" pitchFamily="18" charset="0"/>
+            </a:endParaRPr>
+          </a:p>
+          <a:p>
+            <a:pPr marL="342900" marR="0" lvl="0" indent="-342900" algn="l">
+              <a:lnSpc>
+                <a:spcPct val="107000"/>
+              </a:lnSpc>
+              <a:spcBef>
+                <a:spcPts val="0"/>
+              </a:spcBef>
+              <a:spcAft>
+                <a:spcPts val="0"/>
+              </a:spcAft>
+              <a:buFont typeface="Symbol" panose="05050102010706020507" pitchFamily="18" charset="2"/>
+              <a:buChar char=""/>
+            </a:pPr>
+            <a:r>
+              <a:rPr lang="en-US" sz="1400" b="1" dirty="0">
+                <a:effectLst/>
+                <a:ea typeface="Calibri" panose="020F0502020204030204" pitchFamily="34" charset="0"/>
+                <a:cs typeface="Aharoni" panose="02010803020104030203" pitchFamily="2" charset="-79"/>
+              </a:rPr>
+              <a:t>Features: </a:t>
+            </a:r>
+            <a:endParaRPr lang="en-US" sz="1400" dirty="0">
+              <a:effectLst/>
+              <a:ea typeface="Calibri" panose="020F0502020204030204" pitchFamily="34" charset="0"/>
+              <a:cs typeface="Times New Roman" panose="02020603050405020304" pitchFamily="18" charset="0"/>
+            </a:endParaRPr>
+          </a:p>
+          <a:p>
+            <a:pPr marL="457200" marR="0" algn="l">
+              <a:lnSpc>
+                <a:spcPct val="107000"/>
+              </a:lnSpc>
+              <a:spcBef>
+                <a:spcPts val="0"/>
+              </a:spcBef>
+              <a:spcAft>
+                <a:spcPts val="0"/>
+              </a:spcAft>
+            </a:pPr>
+            <a:r>
+              <a:rPr lang="en-US" sz="1400" i="1" dirty="0">
+                <a:solidFill>
+                  <a:srgbClr val="0000FF"/>
+                </a:solidFill>
+                <a:effectLst/>
+                <a:ea typeface="Calibri" panose="020F0502020204030204" pitchFamily="34" charset="0"/>
+                <a:cs typeface="Aharoni" panose="02010803020104030203" pitchFamily="2" charset="-79"/>
+              </a:rPr>
+              <a:t>Client Age</a:t>
+            </a:r>
+            <a:endParaRPr lang="en-US" sz="1400" dirty="0">
+              <a:solidFill>
+                <a:srgbClr val="0000FF"/>
+              </a:solidFill>
+              <a:effectLst/>
+              <a:ea typeface="Calibri" panose="020F0502020204030204" pitchFamily="34" charset="0"/>
+              <a:cs typeface="Times New Roman" panose="02020603050405020304" pitchFamily="18" charset="0"/>
+            </a:endParaRPr>
+          </a:p>
+          <a:p>
+            <a:pPr marL="457200" marR="0" algn="l">
+              <a:lnSpc>
+                <a:spcPct val="107000"/>
+              </a:lnSpc>
+              <a:spcBef>
+                <a:spcPts val="0"/>
+              </a:spcBef>
+              <a:spcAft>
+                <a:spcPts val="0"/>
+              </a:spcAft>
+            </a:pPr>
+            <a:r>
+              <a:rPr lang="en-US" sz="1400" i="1" dirty="0">
+                <a:solidFill>
+                  <a:srgbClr val="0000FF"/>
+                </a:solidFill>
+                <a:effectLst/>
+                <a:ea typeface="Calibri" panose="020F0502020204030204" pitchFamily="34" charset="0"/>
+                <a:cs typeface="Aharoni" panose="02010803020104030203" pitchFamily="2" charset="-79"/>
+              </a:rPr>
+              <a:t>Total Purchase</a:t>
+            </a:r>
+            <a:endParaRPr lang="en-US" sz="1400" dirty="0">
+              <a:solidFill>
+                <a:srgbClr val="0000FF"/>
+              </a:solidFill>
+              <a:effectLst/>
+              <a:ea typeface="Calibri" panose="020F0502020204030204" pitchFamily="34" charset="0"/>
+              <a:cs typeface="Times New Roman" panose="02020603050405020304" pitchFamily="18" charset="0"/>
+            </a:endParaRPr>
+          </a:p>
+          <a:p>
+            <a:pPr marL="457200" marR="0" algn="l">
+              <a:lnSpc>
+                <a:spcPct val="107000"/>
+              </a:lnSpc>
+              <a:spcBef>
+                <a:spcPts val="0"/>
+              </a:spcBef>
+              <a:spcAft>
+                <a:spcPts val="0"/>
+              </a:spcAft>
+            </a:pPr>
+            <a:r>
+              <a:rPr lang="en-US" sz="1400" i="1" dirty="0">
+                <a:solidFill>
+                  <a:srgbClr val="0000FF"/>
+                </a:solidFill>
+                <a:effectLst/>
+                <a:ea typeface="Calibri" panose="020F0502020204030204" pitchFamily="34" charset="0"/>
+                <a:cs typeface="Aharoni" panose="02010803020104030203" pitchFamily="2" charset="-79"/>
+              </a:rPr>
+              <a:t>Account Manager (0/1)</a:t>
+            </a:r>
+            <a:endParaRPr lang="en-US" sz="1400" dirty="0">
+              <a:solidFill>
+                <a:srgbClr val="0000FF"/>
+              </a:solidFill>
+              <a:effectLst/>
+              <a:ea typeface="Calibri" panose="020F0502020204030204" pitchFamily="34" charset="0"/>
+              <a:cs typeface="Times New Roman" panose="02020603050405020304" pitchFamily="18" charset="0"/>
+            </a:endParaRPr>
+          </a:p>
+          <a:p>
+            <a:pPr marL="457200" marR="0" algn="l">
+              <a:lnSpc>
+                <a:spcPct val="107000"/>
+              </a:lnSpc>
+              <a:spcBef>
+                <a:spcPts val="0"/>
+              </a:spcBef>
+              <a:spcAft>
+                <a:spcPts val="0"/>
+              </a:spcAft>
+            </a:pPr>
+            <a:r>
+              <a:rPr lang="en-US" sz="1400" i="1" dirty="0">
+                <a:solidFill>
+                  <a:srgbClr val="0000FF"/>
+                </a:solidFill>
+                <a:effectLst/>
+                <a:ea typeface="Calibri" panose="020F0502020204030204" pitchFamily="34" charset="0"/>
+                <a:cs typeface="Aharoni" panose="02010803020104030203" pitchFamily="2" charset="-79"/>
+              </a:rPr>
+              <a:t>Years Subscribed</a:t>
+            </a:r>
+            <a:endParaRPr lang="en-US" sz="1400" dirty="0">
+              <a:solidFill>
+                <a:srgbClr val="0000FF"/>
+              </a:solidFill>
+              <a:effectLst/>
+              <a:ea typeface="Calibri" panose="020F0502020204030204" pitchFamily="34" charset="0"/>
+              <a:cs typeface="Times New Roman" panose="02020603050405020304" pitchFamily="18" charset="0"/>
+            </a:endParaRPr>
+          </a:p>
+          <a:p>
+            <a:pPr marL="457200" marR="0" algn="l">
+              <a:lnSpc>
+                <a:spcPct val="107000"/>
+              </a:lnSpc>
+              <a:spcBef>
+                <a:spcPts val="0"/>
+              </a:spcBef>
+              <a:spcAft>
+                <a:spcPts val="0"/>
+              </a:spcAft>
+            </a:pPr>
+            <a:r>
+              <a:rPr lang="en-US" sz="1400" i="1" dirty="0">
+                <a:solidFill>
+                  <a:srgbClr val="0000FF"/>
+                </a:solidFill>
+                <a:effectLst/>
+                <a:ea typeface="Calibri" panose="020F0502020204030204" pitchFamily="34" charset="0"/>
+                <a:cs typeface="Aharoni" panose="02010803020104030203" pitchFamily="2" charset="-79"/>
+              </a:rPr>
+              <a:t>Number of Websites Used</a:t>
+            </a:r>
+            <a:endParaRPr lang="en-US" sz="1400" dirty="0">
+              <a:solidFill>
+                <a:srgbClr val="0000FF"/>
+              </a:solidFill>
+              <a:effectLst/>
+              <a:ea typeface="Calibri" panose="020F0502020204030204" pitchFamily="34" charset="0"/>
+              <a:cs typeface="Times New Roman" panose="02020603050405020304" pitchFamily="18" charset="0"/>
+            </a:endParaRPr>
+          </a:p>
+          <a:p>
+            <a:pPr marL="342900" marR="0" lvl="0" indent="-342900" algn="l">
+              <a:lnSpc>
+                <a:spcPct val="107000"/>
+              </a:lnSpc>
+              <a:spcBef>
+                <a:spcPts val="0"/>
+              </a:spcBef>
+              <a:spcAft>
+                <a:spcPts val="0"/>
+              </a:spcAft>
+              <a:buFont typeface="Symbol" panose="05050102010706020507" pitchFamily="18" charset="2"/>
+              <a:buChar char=""/>
+            </a:pPr>
+            <a:r>
+              <a:rPr lang="en-US" sz="1400" dirty="0">
+                <a:effectLst/>
+                <a:ea typeface="Calibri" panose="020F0502020204030204" pitchFamily="34" charset="0"/>
+                <a:cs typeface="Aharoni" panose="02010803020104030203" pitchFamily="2" charset="-79"/>
+              </a:rPr>
+              <a:t>Initial construction run shows strong predictive capacity:  </a:t>
+            </a:r>
+            <a:r>
+              <a:rPr lang="en-US" sz="1400" i="1" dirty="0">
+                <a:solidFill>
+                  <a:srgbClr val="0000FF"/>
+                </a:solidFill>
+                <a:effectLst/>
+                <a:ea typeface="Calibri" panose="020F0502020204030204" pitchFamily="34" charset="0"/>
+                <a:cs typeface="Aharoni" panose="02010803020104030203" pitchFamily="2" charset="-79"/>
+              </a:rPr>
+              <a:t>86% </a:t>
+            </a:r>
+            <a:endParaRPr lang="en-US" sz="1400" dirty="0">
+              <a:effectLst/>
+              <a:ea typeface="Calibri" panose="020F0502020204030204" pitchFamily="34" charset="0"/>
+              <a:cs typeface="Times New Roman" panose="02020603050405020304" pitchFamily="18" charset="0"/>
+            </a:endParaRPr>
+          </a:p>
+          <a:p>
+            <a:pPr marL="342900" marR="0" lvl="0" indent="-342900" algn="l">
+              <a:lnSpc>
+                <a:spcPct val="107000"/>
+              </a:lnSpc>
+              <a:spcBef>
+                <a:spcPts val="0"/>
+              </a:spcBef>
+              <a:spcAft>
+                <a:spcPts val="0"/>
+              </a:spcAft>
+              <a:buFont typeface="Symbol" panose="05050102010706020507" pitchFamily="18" charset="2"/>
+              <a:buChar char=""/>
+            </a:pPr>
+            <a:r>
+              <a:rPr lang="en-US" sz="1400" dirty="0">
+                <a:effectLst/>
+                <a:ea typeface="Calibri" panose="020F0502020204030204" pitchFamily="34" charset="0"/>
+                <a:cs typeface="Aharoni" panose="02010803020104030203" pitchFamily="2" charset="-79"/>
+              </a:rPr>
+              <a:t>Predictive accuracy  decreased with additional layers added, increased neurons, and more powerful activation functions</a:t>
+            </a:r>
+            <a:endParaRPr lang="en-US" sz="1400" dirty="0">
+              <a:effectLst/>
+              <a:ea typeface="Calibri" panose="020F0502020204030204" pitchFamily="34" charset="0"/>
+              <a:cs typeface="Times New Roman" panose="02020603050405020304" pitchFamily="18" charset="0"/>
+            </a:endParaRPr>
+          </a:p>
+          <a:p>
+            <a:pPr marL="342900" marR="0" lvl="0" indent="-342900" algn="l">
+              <a:lnSpc>
+                <a:spcPct val="107000"/>
+              </a:lnSpc>
+              <a:spcBef>
+                <a:spcPts val="0"/>
+              </a:spcBef>
+              <a:spcAft>
+                <a:spcPts val="0"/>
+              </a:spcAft>
+              <a:buFont typeface="Symbol" panose="05050102010706020507" pitchFamily="18" charset="2"/>
+              <a:buChar char=""/>
+            </a:pPr>
+            <a:r>
+              <a:rPr lang="en-US" sz="1400" dirty="0">
+                <a:effectLst/>
+                <a:ea typeface="Calibri" panose="020F0502020204030204" pitchFamily="34" charset="0"/>
+                <a:cs typeface="Aharoni" panose="02010803020104030203" pitchFamily="2" charset="-79"/>
+              </a:rPr>
+              <a:t>The initial two layers, the sigmoid activation function for each layer, and 500 &amp; 300 neurons respectively, increased predictive accuracy 1% :  </a:t>
+            </a:r>
+            <a:r>
+              <a:rPr lang="en-US" sz="1400" i="1" dirty="0">
+                <a:solidFill>
+                  <a:srgbClr val="0000FF"/>
+                </a:solidFill>
+                <a:effectLst/>
+                <a:ea typeface="Calibri" panose="020F0502020204030204" pitchFamily="34" charset="0"/>
+                <a:cs typeface="Aharoni" panose="02010803020104030203" pitchFamily="2" charset="-79"/>
+              </a:rPr>
+              <a:t>87%</a:t>
+            </a:r>
+            <a:r>
+              <a:rPr lang="en-US" sz="1400" dirty="0">
+                <a:solidFill>
+                  <a:srgbClr val="0000FF"/>
+                </a:solidFill>
+                <a:effectLst/>
+                <a:ea typeface="Calibri" panose="020F0502020204030204" pitchFamily="34" charset="0"/>
+                <a:cs typeface="Aharoni" panose="02010803020104030203" pitchFamily="2" charset="-79"/>
+              </a:rPr>
+              <a:t> </a:t>
+            </a:r>
+            <a:endParaRPr lang="en-US" sz="1400" dirty="0">
+              <a:effectLst/>
+              <a:ea typeface="Calibri" panose="020F0502020204030204" pitchFamily="34" charset="0"/>
+              <a:cs typeface="Times New Roman" panose="02020603050405020304" pitchFamily="18" charset="0"/>
+            </a:endParaRPr>
+          </a:p>
+          <a:p>
+            <a:pPr marL="342900" marR="0" lvl="0" indent="-342900" algn="l">
+              <a:lnSpc>
+                <a:spcPct val="107000"/>
+              </a:lnSpc>
+              <a:spcBef>
+                <a:spcPts val="0"/>
+              </a:spcBef>
+              <a:spcAft>
+                <a:spcPts val="0"/>
+              </a:spcAft>
+              <a:buFont typeface="Symbol" panose="05050102010706020507" pitchFamily="18" charset="2"/>
+              <a:buChar char=""/>
+            </a:pPr>
+            <a:r>
+              <a:rPr lang="en-US" sz="1400" dirty="0">
+                <a:effectLst/>
+                <a:ea typeface="Calibri" panose="020F0502020204030204" pitchFamily="34" charset="0"/>
+                <a:cs typeface="Aharoni" panose="02010803020104030203" pitchFamily="2" charset="-79"/>
+              </a:rPr>
+              <a:t>Neural Networks is most effective when used with </a:t>
+            </a:r>
+            <a:r>
+              <a:rPr lang="en-US" sz="1400" i="1" dirty="0">
+                <a:solidFill>
+                  <a:srgbClr val="2239E6"/>
+                </a:solidFill>
+                <a:effectLst/>
+                <a:ea typeface="Calibri" panose="020F0502020204030204" pitchFamily="34" charset="0"/>
+                <a:cs typeface="Aharoni" panose="02010803020104030203" pitchFamily="2" charset="-79"/>
+              </a:rPr>
+              <a:t>‘</a:t>
+            </a:r>
+            <a:r>
+              <a:rPr lang="en-US" sz="1400" i="1" dirty="0">
+                <a:solidFill>
+                  <a:srgbClr val="0000FF"/>
+                </a:solidFill>
+                <a:effectLst/>
+                <a:ea typeface="Calibri" panose="020F0502020204030204" pitchFamily="34" charset="0"/>
+                <a:cs typeface="Aharoni" panose="02010803020104030203" pitchFamily="2" charset="-79"/>
+              </a:rPr>
+              <a:t>BIG data</a:t>
+            </a:r>
+            <a:r>
+              <a:rPr lang="en-US" sz="1400" i="1" dirty="0">
+                <a:solidFill>
+                  <a:srgbClr val="2239E6"/>
+                </a:solidFill>
+                <a:effectLst/>
+                <a:ea typeface="Calibri" panose="020F0502020204030204" pitchFamily="34" charset="0"/>
+                <a:cs typeface="Aharoni" panose="02010803020104030203" pitchFamily="2" charset="-79"/>
+              </a:rPr>
+              <a:t>’</a:t>
+            </a:r>
+            <a:endParaRPr lang="en-US" sz="1400" dirty="0">
+              <a:effectLst/>
+              <a:ea typeface="Calibri" panose="020F0502020204030204" pitchFamily="34" charset="0"/>
+              <a:cs typeface="Times New Roman" panose="02020603050405020304" pitchFamily="18" charset="0"/>
+            </a:endParaRPr>
+          </a:p>
+          <a:p>
+            <a:pPr marL="342900" marR="0" lvl="0" indent="-342900" algn="l">
+              <a:lnSpc>
+                <a:spcPct val="107000"/>
+              </a:lnSpc>
+              <a:spcBef>
+                <a:spcPts val="0"/>
+              </a:spcBef>
+              <a:spcAft>
+                <a:spcPts val="0"/>
+              </a:spcAft>
+              <a:buFont typeface="Symbol" panose="05050102010706020507" pitchFamily="18" charset="2"/>
+              <a:buChar char=""/>
+            </a:pPr>
+            <a:r>
+              <a:rPr lang="en-US" sz="1400" dirty="0">
+                <a:effectLst/>
+                <a:ea typeface="Calibri" panose="020F0502020204030204" pitchFamily="34" charset="0"/>
+                <a:cs typeface="Aharoni" panose="02010803020104030203" pitchFamily="2" charset="-79"/>
+              </a:rPr>
+              <a:t>Neural Networks can yield unreliable results on data that is too small/simple</a:t>
+            </a:r>
+            <a:endParaRPr lang="en-US" sz="1400" dirty="0">
+              <a:effectLst/>
+              <a:ea typeface="Calibri" panose="020F0502020204030204" pitchFamily="34" charset="0"/>
+              <a:cs typeface="Times New Roman" panose="02020603050405020304" pitchFamily="18" charset="0"/>
+            </a:endParaRPr>
+          </a:p>
+          <a:p>
+            <a:pPr marL="342900" marR="0" lvl="0" indent="-342900" algn="l">
+              <a:lnSpc>
+                <a:spcPct val="107000"/>
+              </a:lnSpc>
+              <a:spcBef>
+                <a:spcPts val="0"/>
+              </a:spcBef>
+              <a:spcAft>
+                <a:spcPts val="0"/>
+              </a:spcAft>
+              <a:buFont typeface="Symbol" panose="05050102010706020507" pitchFamily="18" charset="2"/>
+              <a:buChar char=""/>
+            </a:pPr>
+            <a:r>
+              <a:rPr lang="en-US" sz="1400" dirty="0">
+                <a:effectLst/>
+                <a:ea typeface="Calibri" panose="020F0502020204030204" pitchFamily="34" charset="0"/>
+                <a:cs typeface="Aharoni" panose="02010803020104030203" pitchFamily="2" charset="-79"/>
+              </a:rPr>
+              <a:t>Potential underperformance due to: </a:t>
+            </a:r>
+            <a:endParaRPr lang="en-US" sz="1400" dirty="0">
+              <a:effectLst/>
+              <a:ea typeface="Calibri" panose="020F0502020204030204" pitchFamily="34" charset="0"/>
+              <a:cs typeface="Times New Roman" panose="02020603050405020304" pitchFamily="18" charset="0"/>
+            </a:endParaRPr>
+          </a:p>
+          <a:p>
+            <a:pPr marL="457200" marR="0" algn="l">
+              <a:lnSpc>
+                <a:spcPct val="107000"/>
+              </a:lnSpc>
+              <a:spcBef>
+                <a:spcPts val="0"/>
+              </a:spcBef>
+              <a:spcAft>
+                <a:spcPts val="0"/>
+              </a:spcAft>
+            </a:pPr>
+            <a:r>
+              <a:rPr lang="en-US" sz="1400" i="1" dirty="0">
+                <a:solidFill>
+                  <a:srgbClr val="0000FF"/>
+                </a:solidFill>
+                <a:effectLst/>
+                <a:ea typeface="Calibri" panose="020F0502020204030204" pitchFamily="34" charset="0"/>
+                <a:cs typeface="Aharoni" panose="02010803020104030203" pitchFamily="2" charset="-79"/>
+              </a:rPr>
+              <a:t>Overfitting Training Data</a:t>
+            </a:r>
+            <a:endParaRPr lang="en-US" sz="1400" dirty="0">
+              <a:solidFill>
+                <a:srgbClr val="0000FF"/>
+              </a:solidFill>
+              <a:effectLst/>
+              <a:ea typeface="Calibri" panose="020F0502020204030204" pitchFamily="34" charset="0"/>
+              <a:cs typeface="Times New Roman" panose="02020603050405020304" pitchFamily="18" charset="0"/>
+            </a:endParaRPr>
+          </a:p>
+          <a:p>
+            <a:pPr marL="457200" marR="0" algn="l">
+              <a:lnSpc>
+                <a:spcPct val="107000"/>
+              </a:lnSpc>
+              <a:spcBef>
+                <a:spcPts val="0"/>
+              </a:spcBef>
+              <a:spcAft>
+                <a:spcPts val="800"/>
+              </a:spcAft>
+            </a:pPr>
+            <a:r>
+              <a:rPr lang="en-US" sz="1400" i="1" dirty="0">
+                <a:solidFill>
+                  <a:srgbClr val="0000FF"/>
+                </a:solidFill>
+                <a:effectLst/>
+                <a:ea typeface="Calibri" panose="020F0502020204030204" pitchFamily="34" charset="0"/>
+                <a:cs typeface="Aharoni" panose="02010803020104030203" pitchFamily="2" charset="-79"/>
+              </a:rPr>
+              <a:t>The Vanishing Gradient Theorem (i.e. Back Propagation)</a:t>
+            </a:r>
+            <a:endParaRPr lang="en-US" sz="1400" dirty="0">
+              <a:solidFill>
+                <a:srgbClr val="0000FF"/>
+              </a:solidFill>
+              <a:effectLst/>
+              <a:ea typeface="Calibri" panose="020F0502020204030204" pitchFamily="34" charset="0"/>
+              <a:cs typeface="Times New Roman" panose="02020603050405020304" pitchFamily="18" charset="0"/>
+            </a:endParaRPr>
+          </a:p>
+          <a:p>
+            <a:endParaRPr lang="en-US" dirty="0"/>
+          </a:p>
+        </p:txBody>
+      </p:sp>
     </p:spTree>
     <p:extLst>
       <p:ext uri="{BB962C8B-B14F-4D97-AF65-F5344CB8AC3E}">
@@ -4693,7 +7891,7 @@
 </p:sld>
 </file>
 
-<file path=ppt/slides/slide12.xml><?xml version="1.0" encoding="utf-8"?>
+<file path=ppt/slides/slide13.xml><?xml version="1.0" encoding="utf-8"?>
 <p:sld xmlns:a="http://schemas.openxmlformats.org/drawingml/2006/main" xmlns:r="http://schemas.openxmlformats.org/officeDocument/2006/relationships" xmlns:p="http://schemas.openxmlformats.org/presentationml/2006/main">
   <p:cSld>
     <p:bg>
@@ -5020,7 +8218,7 @@
                 <a:ea typeface="+mj-ea"/>
                 <a:cs typeface="+mj-cs"/>
               </a:rPr>
-              <a:t>Challenges Faced</a:t>
+              <a:t>Neural Network – Predicting Churn</a:t>
             </a:r>
             <a:endParaRPr lang="en-US" sz="3200" b="1" kern="1200" dirty="0">
               <a:solidFill>
@@ -5033,64 +8231,40 @@
           </a:p>
         </p:txBody>
       </p:sp>
-      <p:sp>
-        <p:nvSpPr>
-          <p:cNvPr id="2" name="Subtitle 2">
+      <p:pic>
+        <p:nvPicPr>
+          <p:cNvPr id="2" name="Picture 1">
             <a:extLst>
               <a:ext uri="{FF2B5EF4-FFF2-40B4-BE49-F238E27FC236}">
-                <a16:creationId xmlns:a16="http://schemas.microsoft.com/office/drawing/2014/main" id="{E229F603-DF97-DC27-0BBF-2AB2DBE80DE4}"/>
+                <a16:creationId xmlns:a16="http://schemas.microsoft.com/office/drawing/2014/main" id="{CA92383C-EE65-99BA-AF59-689DF51BE1A2}"/>
               </a:ext>
             </a:extLst>
           </p:cNvPr>
-          <p:cNvSpPr>
-            <a:spLocks noGrp="1"/>
-          </p:cNvSpPr>
-          <p:nvPr>
-            <p:ph type="subTitle" idx="1"/>
-          </p:nvPr>
-        </p:nvSpPr>
+          <p:cNvPicPr>
+            <a:picLocks noChangeAspect="1"/>
+          </p:cNvPicPr>
+          <p:nvPr/>
+        </p:nvPicPr>
+        <p:blipFill>
+          <a:blip r:embed="rId2"/>
+          <a:stretch>
+            <a:fillRect/>
+          </a:stretch>
+        </p:blipFill>
         <p:spPr>
           <a:xfrm>
-            <a:off x="1441704" y="1992694"/>
-            <a:ext cx="9144000" cy="1655762"/>
+            <a:off x="2191895" y="1808965"/>
+            <a:ext cx="8089207" cy="4670093"/>
           </a:xfrm>
+          <a:prstGeom prst="rect">
+            <a:avLst/>
+          </a:prstGeom>
         </p:spPr>
-        <p:txBody>
-          <a:bodyPr/>
-          <a:lstStyle/>
-          <a:p>
-            <a:pPr marL="342900" indent="-342900" algn="l">
-              <a:buFont typeface="Arial" panose="020B0604020202020204" pitchFamily="34" charset="0"/>
-              <a:buChar char="•"/>
-            </a:pPr>
-            <a:r>
-              <a:rPr lang="en-US" dirty="0"/>
-              <a:t>Neural Networks</a:t>
-            </a:r>
-          </a:p>
-          <a:p>
-            <a:pPr marL="342900" indent="-342900" algn="l">
-              <a:buFont typeface="Arial" panose="020B0604020202020204" pitchFamily="34" charset="0"/>
-              <a:buChar char="•"/>
-            </a:pPr>
-            <a:r>
-              <a:rPr lang="en-US" dirty="0"/>
-              <a:t>Tableau Map</a:t>
-            </a:r>
-          </a:p>
-          <a:p>
-            <a:pPr marL="342900" indent="-342900" algn="l">
-              <a:buFont typeface="Arial" panose="020B0604020202020204" pitchFamily="34" charset="0"/>
-              <a:buChar char="•"/>
-            </a:pPr>
-            <a:endParaRPr lang="en-US" dirty="0"/>
-          </a:p>
-        </p:txBody>
-      </p:sp>
+      </p:pic>
     </p:spTree>
     <p:extLst>
       <p:ext uri="{BB962C8B-B14F-4D97-AF65-F5344CB8AC3E}">
-        <p14:creationId xmlns:p14="http://schemas.microsoft.com/office/powerpoint/2010/main" val="936727011"/>
+        <p14:creationId xmlns:p14="http://schemas.microsoft.com/office/powerpoint/2010/main" val="4189197104"/>
       </p:ext>
     </p:extLst>
   </p:cSld>
@@ -5100,7 +8274,7 @@
 </p:sld>
 </file>
 
-<file path=ppt/slides/slide13.xml><?xml version="1.0" encoding="utf-8"?>
+<file path=ppt/slides/slide14.xml><?xml version="1.0" encoding="utf-8"?>
 <p:sld xmlns:a="http://schemas.openxmlformats.org/drawingml/2006/main" xmlns:r="http://schemas.openxmlformats.org/officeDocument/2006/relationships" xmlns:p="http://schemas.openxmlformats.org/presentationml/2006/main">
   <p:cSld>
     <p:bg>
@@ -5419,7 +8593,7 @@
               </a:spcAft>
             </a:pPr>
             <a:r>
-              <a:rPr lang="en-US" sz="3200" b="1" dirty="0">
+              <a:rPr lang="en-US" sz="3200" b="1">
                 <a:solidFill>
                   <a:srgbClr val="FFFFFF"/>
                 </a:solidFill>
@@ -5427,9 +8601,9 @@
                 <a:ea typeface="+mj-ea"/>
                 <a:cs typeface="+mj-cs"/>
               </a:rPr>
-              <a:t>Conclusions</a:t>
-            </a:r>
-            <a:endParaRPr lang="en-US" sz="3200" b="1" kern="1200" dirty="0">
+              <a:t>Challenges Faced</a:t>
+            </a:r>
+            <a:endParaRPr lang="en-US" sz="3200" b="1" kern="1200">
               <a:solidFill>
                 <a:srgbClr val="FFFFFF"/>
               </a:solidFill>
@@ -5463,7 +8637,9 @@
           </a:xfrm>
         </p:spPr>
         <p:txBody>
-          <a:bodyPr/>
+          <a:bodyPr vert="horz" lIns="91440" tIns="45720" rIns="91440" bIns="45720" rtlCol="0" anchor="t">
+            <a:normAutofit/>
+          </a:bodyPr>
           <a:lstStyle/>
           <a:p>
             <a:pPr marL="342900" indent="-342900" algn="l">
@@ -5472,7 +8648,33 @@
             </a:pPr>
             <a:r>
               <a:rPr lang="en-US" dirty="0"/>
-              <a:t>Add points from README</a:t>
+              <a:t>Datafile relatively small – 900 records</a:t>
+            </a:r>
+          </a:p>
+          <a:p>
+            <a:pPr marL="342900" indent="-342900" algn="l">
+              <a:buFont typeface="Arial" panose="020B0604020202020204" pitchFamily="34" charset="0"/>
+              <a:buChar char="•"/>
+            </a:pPr>
+            <a:r>
+              <a:rPr lang="en-US" dirty="0">
+                <a:ea typeface="Calibri"/>
+                <a:cs typeface="Calibri"/>
+              </a:rPr>
+              <a:t>Only 10 fields to work with</a:t>
+            </a:r>
+          </a:p>
+          <a:p>
+            <a:pPr marL="342900" indent="-342900" algn="l">
+              <a:buFont typeface="Arial" panose="020B0604020202020204" pitchFamily="34" charset="0"/>
+              <a:buChar char="•"/>
+            </a:pPr>
+            <a:r>
+              <a:rPr lang="en-US" dirty="0">
+                <a:ea typeface="Calibri"/>
+                <a:cs typeface="Calibri"/>
+              </a:rPr>
+              <a:t>Geographic data completely fictional</a:t>
             </a:r>
           </a:p>
           <a:p>
@@ -5487,7 +8689,7 @@
     </p:spTree>
     <p:extLst>
       <p:ext uri="{BB962C8B-B14F-4D97-AF65-F5344CB8AC3E}">
-        <p14:creationId xmlns:p14="http://schemas.microsoft.com/office/powerpoint/2010/main" val="388507584"/>
+        <p14:creationId xmlns:p14="http://schemas.microsoft.com/office/powerpoint/2010/main" val="936727011"/>
       </p:ext>
     </p:extLst>
   </p:cSld>
@@ -5497,7 +8699,7 @@
 </p:sld>
 </file>
 
-<file path=ppt/slides/slide14.xml><?xml version="1.0" encoding="utf-8"?>
+<file path=ppt/slides/slide15.xml><?xml version="1.0" encoding="utf-8"?>
 <p:sld xmlns:a="http://schemas.openxmlformats.org/drawingml/2006/main" xmlns:r="http://schemas.openxmlformats.org/officeDocument/2006/relationships" xmlns:p="http://schemas.openxmlformats.org/presentationml/2006/main">
   <p:cSld>
     <p:bg>
@@ -5815,7 +9017,7 @@
                 <a:spcPts val="600"/>
               </a:spcAft>
             </a:pPr>
-            <a:endParaRPr lang="en-US" sz="3200" b="1" kern="1200" dirty="0">
+            <a:endParaRPr lang="en-US" sz="3200" b="1" kern="1200">
               <a:solidFill>
                 <a:srgbClr val="FFFFFF"/>
               </a:solidFill>
@@ -6000,7 +9202,7 @@
           <a:lstStyle/>
           <a:p>
             <a:r>
-              <a:rPr lang="en-US" dirty="0"/>
+              <a:rPr lang="en-US"/>
               <a:t>What is Customer Churn?</a:t>
             </a:r>
           </a:p>
@@ -6039,7 +9241,7 @@
               <a:buChar char="•"/>
             </a:pPr>
             <a:r>
-              <a:rPr lang="en-US" sz="1300" b="0" i="0" dirty="0">
+              <a:rPr lang="en-US" sz="1300" b="0" i="0">
                 <a:effectLst/>
               </a:rPr>
               <a:t>Customer churn rate (CCR) is the essential metric for tracking how many customers are leaving your firm. It is always expressed as a percentage. It also always covers a specific period of time. For example, “a 10% customer churn rate for the last quarter”.</a:t>
@@ -6051,29 +9253,29 @@
               <a:buChar char="•"/>
             </a:pPr>
             <a:r>
-              <a:rPr lang="en-US" sz="1300" b="0" i="0" dirty="0">
+              <a:rPr lang="en-US" sz="1300" b="0" i="0">
                 <a:effectLst/>
               </a:rPr>
               <a:t>Another thing to bear in mind is that customer churn rate is the inverse of the </a:t>
             </a:r>
             <a:r>
-              <a:rPr lang="en-US" sz="1300" b="0" i="0" u="none" strike="noStrike" dirty="0">
+              <a:rPr lang="en-US" sz="1300" b="0" i="0" u="none" strike="noStrike">
                 <a:effectLst/>
               </a:rPr>
               <a:t>customer retention</a:t>
             </a:r>
             <a:r>
-              <a:rPr lang="en-US" sz="1300" b="0" i="0" dirty="0">
+              <a:rPr lang="en-US" sz="1300" b="0" i="0">
                 <a:effectLst/>
               </a:rPr>
               <a:t> rate. For </a:t>
             </a:r>
             <a:r>
-              <a:rPr lang="en-US" sz="1300" dirty="0"/>
+              <a:rPr lang="en-US" sz="1300"/>
               <a:t>example, i</a:t>
             </a:r>
             <a:r>
-              <a:rPr lang="en-US" sz="1300" b="0" i="0" dirty="0">
+              <a:rPr lang="en-US" sz="1300" b="0" i="0">
                 <a:effectLst/>
               </a:rPr>
               <a:t>f you have a churn rate of 10%, your retention rate is therefore 90%. </a:t>
@@ -6085,7 +9287,7 @@
               <a:buChar char="•"/>
             </a:pPr>
             <a:r>
-              <a:rPr lang="en-US" sz="1300" b="0" i="0" dirty="0">
+              <a:rPr lang="en-US" sz="1300" b="0" i="0">
                 <a:effectLst/>
               </a:rPr>
               <a:t>This matters because decision-makers looking at forecasting need to address customer churn to achieve their customer retention goals.</a:t>
@@ -7123,7 +10325,7 @@
           <a:lstStyle/>
           <a:p>
             <a:pPr algn="ctr"/>
-            <a:endParaRPr lang="en-US" dirty="0"/>
+            <a:endParaRPr lang="en-US"/>
           </a:p>
         </p:txBody>
       </p:sp>
@@ -7459,7 +10661,7 @@
               </a:spcAft>
             </a:pPr>
             <a:r>
-              <a:rPr lang="en-US" sz="3200" b="1" dirty="0">
+              <a:rPr lang="en-US" sz="3200" b="1">
                 <a:solidFill>
                   <a:srgbClr val="FFFFFF"/>
                 </a:solidFill>
@@ -7469,7 +10671,7 @@
               </a:rPr>
               <a:t>What about the Data Set?</a:t>
             </a:r>
-            <a:endParaRPr lang="en-US" sz="3200" b="1" kern="1200" dirty="0">
+            <a:endParaRPr lang="en-US" sz="3200" b="1" kern="1200">
               <a:solidFill>
                 <a:srgbClr val="FFFFFF"/>
               </a:solidFill>
@@ -7514,17 +10716,17 @@
               </a:lnSpc>
             </a:pPr>
             <a:r>
-              <a:rPr lang="en-US" sz="1600" b="0" i="0" dirty="0">
+              <a:rPr lang="en-US" sz="1600" b="0" i="0">
                 <a:effectLst/>
               </a:rPr>
               <a:t>A marketing agency has many customers who use their service to produce ads for customer websites. They've noticed that they have quite a bit of churn in clients. They randomly assign account managers but want to be more </a:t>
             </a:r>
             <a:r>
-              <a:rPr lang="en-US" sz="1600" dirty="0"/>
+              <a:rPr lang="en-US" sz="1600"/>
               <a:t>strategic by assigning their best account managers to the clients most at risk to churn. T</a:t>
             </a:r>
             <a:r>
-              <a:rPr lang="en-US" sz="1600" b="0" i="0" dirty="0">
+              <a:rPr lang="en-US" sz="1600" b="0" i="0">
                 <a:effectLst/>
               </a:rPr>
               <a:t>hey have provided their historical client data, so that we can leverage to build a machine-learning model to quickly identify at-risk customers.</a:t>
@@ -7537,7 +10739,7 @@
               </a:lnSpc>
             </a:pPr>
             <a:r>
-              <a:rPr lang="en-US" sz="1600" b="1" i="0" u="sng" dirty="0">
+              <a:rPr lang="en-US" sz="1600" b="1" i="0" u="sng">
                 <a:effectLst/>
               </a:rPr>
               <a:t>Key Data Points</a:t>
@@ -7549,7 +10751,7 @@
               <a:buChar char="•"/>
             </a:pPr>
             <a:r>
-              <a:rPr lang="en-US" sz="1600" b="0" i="0" dirty="0">
+              <a:rPr lang="en-US" sz="1600" b="0" i="0">
                 <a:effectLst/>
               </a:rPr>
               <a:t>Name: Name of the latest contact at Company</a:t>
@@ -7561,7 +10763,7 @@
               <a:buChar char="•"/>
             </a:pPr>
             <a:r>
-              <a:rPr lang="en-US" sz="1600" b="0" i="0" dirty="0">
+              <a:rPr lang="en-US" sz="1600" b="0" i="0">
                 <a:effectLst/>
               </a:rPr>
               <a:t>Age: Customer Age</a:t>
@@ -7573,7 +10775,7 @@
               <a:buChar char="•"/>
             </a:pPr>
             <a:r>
-              <a:rPr lang="en-US" sz="1600" b="0" i="0" dirty="0">
+              <a:rPr lang="en-US" sz="1600" b="0" i="0">
                 <a:effectLst/>
               </a:rPr>
               <a:t>Total Purchase: Total Ads Purchased</a:t>
@@ -7585,7 +10787,7 @@
               <a:buChar char="•"/>
             </a:pPr>
             <a:r>
-              <a:rPr lang="en-US" sz="1600" b="0" i="0" dirty="0">
+              <a:rPr lang="en-US" sz="1600" b="0" i="0">
                 <a:effectLst/>
               </a:rPr>
               <a:t>Account Manager: Binary 0=No manager, 1= Account manager assigned</a:t>
@@ -7597,7 +10799,7 @@
               <a:buChar char="•"/>
             </a:pPr>
             <a:r>
-              <a:rPr lang="en-US" sz="1600" b="0" i="0" dirty="0">
+              <a:rPr lang="en-US" sz="1600" b="0" i="0">
                 <a:effectLst/>
               </a:rPr>
               <a:t>Years: Total Years as a customer</a:t>
@@ -7609,7 +10811,7 @@
               <a:buChar char="•"/>
             </a:pPr>
             <a:r>
-              <a:rPr lang="en-US" sz="1600" b="0" i="0" dirty="0">
+              <a:rPr lang="en-US" sz="1600" b="0" i="0">
                 <a:effectLst/>
               </a:rPr>
               <a:t>Number of Websites Used: Number of websites that use the service.</a:t>
@@ -7621,7 +10823,7 @@
               <a:buChar char="•"/>
             </a:pPr>
             <a:r>
-              <a:rPr lang="en-US" sz="1600" b="0" i="0" dirty="0">
+              <a:rPr lang="en-US" sz="1600" b="0" i="0">
                 <a:effectLst/>
               </a:rPr>
               <a:t>Onboard Date: The date that the name of the latest contact was onboarded</a:t>
@@ -7633,7 +10835,7 @@
               <a:buChar char="•"/>
             </a:pPr>
             <a:r>
-              <a:rPr lang="en-US" sz="1600" b="0" i="0" dirty="0">
+              <a:rPr lang="en-US" sz="1600" b="0" i="0">
                 <a:effectLst/>
               </a:rPr>
               <a:t>Location: Client HQ Address</a:t>
@@ -7645,7 +10847,7 @@
               <a:buChar char="•"/>
             </a:pPr>
             <a:r>
-              <a:rPr lang="en-US" sz="1600" b="0" i="0" dirty="0">
+              <a:rPr lang="en-US" sz="1600" b="0" i="0">
                 <a:effectLst/>
               </a:rPr>
               <a:t>Company: Name of Client Company</a:t>
@@ -7656,7 +10858,7 @@
               <a:buFont typeface="Arial" panose="020B0604020202020204" pitchFamily="34" charset="0"/>
               <a:buChar char="•"/>
             </a:pPr>
-            <a:endParaRPr lang="en-US" dirty="0">
+            <a:endParaRPr lang="en-US">
               <a:solidFill>
                 <a:srgbClr val="3C4043"/>
               </a:solidFill>
@@ -7664,7 +10866,7 @@
             </a:endParaRPr>
           </a:p>
           <a:p>
-            <a:endParaRPr lang="en-US" dirty="0"/>
+            <a:endParaRPr lang="en-US"/>
           </a:p>
         </p:txBody>
       </p:sp>
@@ -7726,11 +10928,11 @@
           <a:lstStyle/>
           <a:p>
             <a:r>
-              <a:rPr lang="en-US" sz="1200" dirty="0"/>
+              <a:rPr lang="en-US" sz="1200"/>
               <a:t>Data Source: </a:t>
             </a:r>
             <a:r>
-              <a:rPr lang="en-US" sz="1200" dirty="0">
+              <a:rPr lang="en-US" sz="1200">
                 <a:solidFill>
                   <a:srgbClr val="3C4043"/>
                 </a:solidFill>
@@ -7738,14 +10940,14 @@
               </a:rPr>
               <a:t>https://www.kaggle.com/datasets/hassanamin/customer-churn</a:t>
             </a:r>
-            <a:endParaRPr lang="en-US" sz="1200" dirty="0">
+            <a:endParaRPr lang="en-US" sz="1200">
               <a:solidFill>
                 <a:srgbClr val="3C4043"/>
               </a:solidFill>
             </a:endParaRPr>
           </a:p>
           <a:p>
-            <a:endParaRPr lang="en-US" dirty="0"/>
+            <a:endParaRPr lang="en-US"/>
           </a:p>
         </p:txBody>
       </p:sp>
@@ -8081,7 +11283,7 @@
               </a:spcAft>
             </a:pPr>
             <a:r>
-              <a:rPr lang="en-US" sz="3200" b="1" dirty="0">
+              <a:rPr lang="en-US" sz="3200" b="1">
                 <a:solidFill>
                   <a:srgbClr val="FFFFFF"/>
                 </a:solidFill>
@@ -8091,7 +11293,7 @@
               </a:rPr>
               <a:t>Data Overview</a:t>
             </a:r>
-            <a:endParaRPr lang="en-US" sz="3200" b="1" kern="1200" dirty="0">
+            <a:endParaRPr lang="en-US" sz="3200" b="1" kern="1200">
               <a:solidFill>
                 <a:srgbClr val="FFFFFF"/>
               </a:solidFill>
@@ -8462,7 +11664,7 @@
               </a:spcAft>
             </a:pPr>
             <a:r>
-              <a:rPr lang="en-US" sz="3200" b="1" dirty="0">
+              <a:rPr lang="en-US" sz="3200" b="1">
                 <a:solidFill>
                   <a:srgbClr val="FFFFFF"/>
                 </a:solidFill>
@@ -8472,7 +11674,7 @@
               </a:rPr>
               <a:t>Data Overview</a:t>
             </a:r>
-            <a:endParaRPr lang="en-US" sz="3200" b="1" kern="1200" dirty="0">
+            <a:endParaRPr lang="en-US" sz="3200" b="1" kern="1200">
               <a:solidFill>
                 <a:srgbClr val="FFFFFF"/>
               </a:solidFill>
@@ -8862,7 +12064,7 @@
               </a:spcAft>
             </a:pPr>
             <a:r>
-              <a:rPr lang="en-US" sz="3200" b="1" dirty="0">
+              <a:rPr lang="en-US" sz="3200" b="1">
                 <a:solidFill>
                   <a:srgbClr val="FFFFFF"/>
                 </a:solidFill>
@@ -8872,7 +12074,7 @@
               </a:rPr>
               <a:t>Data Overview</a:t>
             </a:r>
-            <a:endParaRPr lang="en-US" sz="3200" b="1" kern="1200" dirty="0">
+            <a:endParaRPr lang="en-US" sz="3200" b="1" kern="1200">
               <a:solidFill>
                 <a:srgbClr val="FFFFFF"/>
               </a:solidFill>
@@ -9244,7 +12446,7 @@
               </a:spcAft>
             </a:pPr>
             <a:r>
-              <a:rPr lang="en-US" sz="3200" b="1" dirty="0">
+              <a:rPr lang="en-US" sz="3200" b="1">
                 <a:solidFill>
                   <a:srgbClr val="FFFFFF"/>
                 </a:solidFill>
@@ -9254,7 +12456,7 @@
               </a:rPr>
               <a:t>Data Overview</a:t>
             </a:r>
-            <a:endParaRPr lang="en-US" sz="3200" b="1" kern="1200" dirty="0">
+            <a:endParaRPr lang="en-US" sz="3200" b="1" kern="1200">
               <a:solidFill>
                 <a:srgbClr val="FFFFFF"/>
               </a:solidFill>
@@ -9626,7 +12828,7 @@
               </a:spcAft>
             </a:pPr>
             <a:r>
-              <a:rPr lang="en-US" sz="3200" b="1" dirty="0">
+              <a:rPr lang="en-US" sz="3200" b="1">
                 <a:solidFill>
                   <a:srgbClr val="FFFFFF"/>
                 </a:solidFill>
@@ -9636,7 +12838,7 @@
               </a:rPr>
               <a:t>Data Overview</a:t>
             </a:r>
-            <a:endParaRPr lang="en-US" sz="3200" b="1" kern="1200" dirty="0">
+            <a:endParaRPr lang="en-US" sz="3200" b="1" kern="1200">
               <a:solidFill>
                 <a:srgbClr val="FFFFFF"/>
               </a:solidFill>
@@ -9972,10 +13174,10 @@
       </p:grpSp>
       <p:sp>
         <p:nvSpPr>
-          <p:cNvPr id="4" name="TextBox 3">
+          <p:cNvPr id="3" name="TextBox 2">
             <a:extLst>
               <a:ext uri="{FF2B5EF4-FFF2-40B4-BE49-F238E27FC236}">
-                <a16:creationId xmlns:a16="http://schemas.microsoft.com/office/drawing/2014/main" id="{520052C3-8332-88F8-1B83-FC0A850102EF}"/>
+                <a16:creationId xmlns:a16="http://schemas.microsoft.com/office/drawing/2014/main" id="{77200409-2D47-D2CE-81B0-9CA63B279327}"/>
               </a:ext>
             </a:extLst>
           </p:cNvPr>
@@ -10012,17 +13214,6 @@
               </a:spcAft>
             </a:pPr>
             <a:r>
-              <a:rPr lang="en-US" sz="3200" b="1" kern="1200" dirty="0">
-                <a:solidFill>
-                  <a:srgbClr val="FFFFFF"/>
-                </a:solidFill>
-                <a:latin typeface="+mj-lt"/>
-                <a:ea typeface="+mj-ea"/>
-                <a:cs typeface="+mj-cs"/>
-              </a:rPr>
-              <a:t>Data Exploration</a:t>
-            </a:r>
-            <a:r>
               <a:rPr lang="en-US" sz="3200" b="1">
                 <a:solidFill>
                   <a:srgbClr val="FFFFFF"/>
@@ -10031,9 +13222,9 @@
                 <a:ea typeface="+mj-ea"/>
                 <a:cs typeface="+mj-cs"/>
               </a:rPr>
-              <a:t> – Confusion Matrix</a:t>
-            </a:r>
-            <a:endParaRPr lang="en-US" sz="3200" b="1" kern="1200" dirty="0">
+              <a:t>Data Overview</a:t>
+            </a:r>
+            <a:endParaRPr lang="en-US" sz="3200" b="1" kern="1200">
               <a:solidFill>
                 <a:srgbClr val="FFFFFF"/>
               </a:solidFill>
@@ -10046,10 +13237,10 @@
       </p:sp>
       <p:pic>
         <p:nvPicPr>
-          <p:cNvPr id="6" name="Picture 5" descr="A blue and white graph&#10;&#10;Description automatically generated">
+          <p:cNvPr id="4" name="Picture 3" descr="A map of the united states&#10;&#10;Description automatically generated">
             <a:extLst>
               <a:ext uri="{FF2B5EF4-FFF2-40B4-BE49-F238E27FC236}">
-                <a16:creationId xmlns:a16="http://schemas.microsoft.com/office/drawing/2014/main" id="{815F8F7D-68CC-D021-2B96-CAFE27766E94}"/>
+                <a16:creationId xmlns:a16="http://schemas.microsoft.com/office/drawing/2014/main" id="{EC03415C-3ABE-7CA8-545F-444E8B1810B1}"/>
               </a:ext>
             </a:extLst>
           </p:cNvPr>
@@ -10059,15 +13250,21 @@
           <p:nvPr/>
         </p:nvPicPr>
         <p:blipFill>
-          <a:blip r:embed="rId2"/>
+          <a:blip r:embed="rId2">
+            <a:extLst>
+              <a:ext uri="{28A0092B-C50C-407E-A947-70E740481C1C}">
+                <a14:useLocalDpi xmlns:a14="http://schemas.microsoft.com/office/drawing/2010/main" val="0"/>
+              </a:ext>
+            </a:extLst>
+          </a:blip>
           <a:stretch>
             <a:fillRect/>
           </a:stretch>
         </p:blipFill>
         <p:spPr>
           <a:xfrm>
-            <a:off x="2954594" y="4189533"/>
-            <a:ext cx="2743200" cy="2288935"/>
+            <a:off x="711557" y="1844492"/>
+            <a:ext cx="8493834" cy="4426397"/>
           </a:xfrm>
           <a:prstGeom prst="rect">
             <a:avLst/>
@@ -10076,10 +13273,10 @@
       </p:pic>
       <p:pic>
         <p:nvPicPr>
-          <p:cNvPr id="13" name="Picture 12" descr="A graph showing a tree confusion matrix&#10;&#10;Description automatically generated">
+          <p:cNvPr id="5" name="Picture 4" descr="A map of the united states&#10;&#10;Description automatically generated">
             <a:extLst>
               <a:ext uri="{FF2B5EF4-FFF2-40B4-BE49-F238E27FC236}">
-                <a16:creationId xmlns:a16="http://schemas.microsoft.com/office/drawing/2014/main" id="{A2505EAE-271E-6064-7143-ED56A6E043A6}"/>
+                <a16:creationId xmlns:a16="http://schemas.microsoft.com/office/drawing/2014/main" id="{8B1A3194-A8B1-A0AA-6D15-E5A8F67E4FD5}"/>
               </a:ext>
             </a:extLst>
           </p:cNvPr>
@@ -10096,20 +13293,34 @@
         </p:blipFill>
         <p:spPr>
           <a:xfrm>
-            <a:off x="2954594" y="1719178"/>
-            <a:ext cx="2743200" cy="2288935"/>
+            <a:off x="915616" y="4891980"/>
+            <a:ext cx="973206" cy="1295113"/>
           </a:xfrm>
           <a:prstGeom prst="rect">
             <a:avLst/>
           </a:prstGeom>
+          <a:ln w="38100" cap="sq">
+            <a:solidFill>
+              <a:srgbClr val="000000"/>
+            </a:solidFill>
+            <a:prstDash val="solid"/>
+            <a:miter lim="800000"/>
+          </a:ln>
+          <a:effectLst>
+            <a:outerShdw blurRad="50800" dist="38100" dir="2700000" algn="tl" rotWithShape="0">
+              <a:srgbClr val="000000">
+                <a:alpha val="43000"/>
+              </a:srgbClr>
+            </a:outerShdw>
+          </a:effectLst>
         </p:spPr>
       </p:pic>
       <p:pic>
         <p:nvPicPr>
-          <p:cNvPr id="14" name="Picture 13" descr="A blue and white graph&#10;&#10;Description automatically generated">
+          <p:cNvPr id="6" name="Picture 5">
             <a:extLst>
               <a:ext uri="{FF2B5EF4-FFF2-40B4-BE49-F238E27FC236}">
-                <a16:creationId xmlns:a16="http://schemas.microsoft.com/office/drawing/2014/main" id="{6F92B8B4-C544-D47B-FACF-3A39FDFA0F09}"/>
+                <a16:creationId xmlns:a16="http://schemas.microsoft.com/office/drawing/2014/main" id="{B4807C92-1EB1-9C3B-FA2C-168C5451B112}"/>
               </a:ext>
             </a:extLst>
           </p:cNvPr>
@@ -10126,20 +13337,34 @@
         </p:blipFill>
         <p:spPr>
           <a:xfrm>
-            <a:off x="5805948" y="4201824"/>
-            <a:ext cx="2743200" cy="2288935"/>
+            <a:off x="6779701" y="5203006"/>
+            <a:ext cx="1861363" cy="1000290"/>
           </a:xfrm>
           <a:prstGeom prst="rect">
             <a:avLst/>
           </a:prstGeom>
+          <a:ln w="38100" cap="sq">
+            <a:solidFill>
+              <a:srgbClr val="000000"/>
+            </a:solidFill>
+            <a:prstDash val="solid"/>
+            <a:miter lim="800000"/>
+          </a:ln>
+          <a:effectLst>
+            <a:outerShdw blurRad="50800" dist="38100" dir="2700000" algn="tl" rotWithShape="0">
+              <a:srgbClr val="000000">
+                <a:alpha val="43000"/>
+              </a:srgbClr>
+            </a:outerShdw>
+          </a:effectLst>
         </p:spPr>
       </p:pic>
       <p:pic>
         <p:nvPicPr>
-          <p:cNvPr id="15" name="Picture 14">
+          <p:cNvPr id="7" name="Picture 6">
             <a:extLst>
               <a:ext uri="{FF2B5EF4-FFF2-40B4-BE49-F238E27FC236}">
-                <a16:creationId xmlns:a16="http://schemas.microsoft.com/office/drawing/2014/main" id="{2A437263-B67C-5059-A94A-5AD36BE02DE1}"/>
+                <a16:creationId xmlns:a16="http://schemas.microsoft.com/office/drawing/2014/main" id="{060B5669-05CA-BBCA-902A-15391D74EA53}"/>
               </a:ext>
             </a:extLst>
           </p:cNvPr>
@@ -10156,155 +13381,18 @@
         </p:blipFill>
         <p:spPr>
           <a:xfrm>
-            <a:off x="103239" y="4200446"/>
-            <a:ext cx="2743200" cy="2267107"/>
+            <a:off x="9674594" y="1630869"/>
+            <a:ext cx="2146439" cy="5144100"/>
           </a:xfrm>
           <a:prstGeom prst="rect">
             <a:avLst/>
           </a:prstGeom>
         </p:spPr>
       </p:pic>
-      <p:pic>
-        <p:nvPicPr>
-          <p:cNvPr id="16" name="Picture 15" descr="A blue squares with white text&#10;&#10;Description automatically generated">
-            <a:extLst>
-              <a:ext uri="{FF2B5EF4-FFF2-40B4-BE49-F238E27FC236}">
-                <a16:creationId xmlns:a16="http://schemas.microsoft.com/office/drawing/2014/main" id="{7DC0429E-C27E-F086-F83A-9D41AE8FE881}"/>
-              </a:ext>
-            </a:extLst>
-          </p:cNvPr>
-          <p:cNvPicPr>
-            <a:picLocks noChangeAspect="1"/>
-          </p:cNvPicPr>
-          <p:nvPr/>
-        </p:nvPicPr>
-        <p:blipFill>
-          <a:blip r:embed="rId6"/>
-          <a:stretch>
-            <a:fillRect/>
-          </a:stretch>
-        </p:blipFill>
-        <p:spPr>
-          <a:xfrm>
-            <a:off x="5707626" y="1773801"/>
-            <a:ext cx="2743200" cy="2228850"/>
-          </a:xfrm>
-          <a:prstGeom prst="rect">
-            <a:avLst/>
-          </a:prstGeom>
-        </p:spPr>
-      </p:pic>
-      <p:pic>
-        <p:nvPicPr>
-          <p:cNvPr id="21" name="Picture 20" descr="A graph showing a logistic regression confusion matrix&#10;&#10;Description automatically generated">
-            <a:extLst>
-              <a:ext uri="{FF2B5EF4-FFF2-40B4-BE49-F238E27FC236}">
-                <a16:creationId xmlns:a16="http://schemas.microsoft.com/office/drawing/2014/main" id="{F09B2506-0D25-6E88-3AA2-5E1DCE60EA5D}"/>
-              </a:ext>
-            </a:extLst>
-          </p:cNvPr>
-          <p:cNvPicPr>
-            <a:picLocks noChangeAspect="1"/>
-          </p:cNvPicPr>
-          <p:nvPr/>
-        </p:nvPicPr>
-        <p:blipFill>
-          <a:blip r:embed="rId7"/>
-          <a:stretch>
-            <a:fillRect/>
-          </a:stretch>
-        </p:blipFill>
-        <p:spPr>
-          <a:xfrm>
-            <a:off x="103239" y="1719178"/>
-            <a:ext cx="2743200" cy="2288935"/>
-          </a:xfrm>
-          <a:prstGeom prst="rect">
-            <a:avLst/>
-          </a:prstGeom>
-        </p:spPr>
-      </p:pic>
-      <p:pic>
-        <p:nvPicPr>
-          <p:cNvPr id="22" name="Picture 21" descr="A graph of a random forest confusion matrix&#10;&#10;Description automatically generated">
-            <a:extLst>
-              <a:ext uri="{FF2B5EF4-FFF2-40B4-BE49-F238E27FC236}">
-                <a16:creationId xmlns:a16="http://schemas.microsoft.com/office/drawing/2014/main" id="{94A50F37-C1C9-A48A-B8F5-B7395B8FF550}"/>
-              </a:ext>
-            </a:extLst>
-          </p:cNvPr>
-          <p:cNvPicPr>
-            <a:picLocks noChangeAspect="1"/>
-          </p:cNvPicPr>
-          <p:nvPr/>
-        </p:nvPicPr>
-        <p:blipFill>
-          <a:blip r:embed="rId8"/>
-          <a:stretch>
-            <a:fillRect/>
-          </a:stretch>
-        </p:blipFill>
-        <p:spPr>
-          <a:xfrm>
-            <a:off x="8866239" y="1719177"/>
-            <a:ext cx="2743200" cy="2288935"/>
-          </a:xfrm>
-          <a:prstGeom prst="rect">
-            <a:avLst/>
-          </a:prstGeom>
-        </p:spPr>
-      </p:pic>
-      <p:sp>
-        <p:nvSpPr>
-          <p:cNvPr id="23" name="TextBox 22">
-            <a:extLst>
-              <a:ext uri="{FF2B5EF4-FFF2-40B4-BE49-F238E27FC236}">
-                <a16:creationId xmlns:a16="http://schemas.microsoft.com/office/drawing/2014/main" id="{970A4E69-0173-0236-0E34-0A52AE831901}"/>
-              </a:ext>
-            </a:extLst>
-          </p:cNvPr>
-          <p:cNvSpPr txBox="1"/>
-          <p:nvPr/>
-        </p:nvSpPr>
-        <p:spPr>
-          <a:xfrm>
-            <a:off x="9008806" y="4338484"/>
-            <a:ext cx="2458064" cy="1938992"/>
-          </a:xfrm>
-          <a:prstGeom prst="rect">
-            <a:avLst/>
-          </a:prstGeom>
-          <a:noFill/>
-        </p:spPr>
-        <p:txBody>
-          <a:bodyPr rot="0" spcFirstLastPara="0" vertOverflow="overflow" horzOverflow="overflow" vert="horz" wrap="square" lIns="91440" tIns="45720" rIns="91440" bIns="45720" numCol="1" spcCol="0" rtlCol="0" fromWordArt="0" anchor="t" anchorCtr="0" forceAA="0" compatLnSpc="1">
-            <a:prstTxWarp prst="textNoShape">
-              <a:avLst/>
-            </a:prstTxWarp>
-            <a:spAutoFit/>
-          </a:bodyPr>
-          <a:lstStyle/>
-          <a:p>
-            <a:pPr algn="l"/>
-            <a:r>
-              <a:rPr lang="en-US" sz="2000">
-                <a:latin typeface="Times New Roman"/>
-                <a:cs typeface="Times New Roman"/>
-              </a:rPr>
-              <a:t>The Random Forest appears to have relatively better overall performance compared to the other algorithms.</a:t>
-            </a:r>
-            <a:endParaRPr lang="en-US" sz="2000">
-              <a:latin typeface="Times New Roman"/>
-              <a:ea typeface="Calibri"/>
-              <a:cs typeface="Times New Roman"/>
-            </a:endParaRPr>
-          </a:p>
-        </p:txBody>
-      </p:sp>
     </p:spTree>
     <p:extLst>
       <p:ext uri="{BB962C8B-B14F-4D97-AF65-F5344CB8AC3E}">
-        <p14:creationId xmlns:p14="http://schemas.microsoft.com/office/powerpoint/2010/main" val="3595791110"/>
+        <p14:creationId xmlns:p14="http://schemas.microsoft.com/office/powerpoint/2010/main" val="3727241867"/>
       </p:ext>
     </p:extLst>
   </p:cSld>

--- a/Resources/Customer Churn.pptx
+++ b/Resources/Customer Churn.pptx
@@ -1150,16 +1150,24 @@
   <pc:docChgLst>
     <pc:chgData name="Joel Wiseman" userId="058023fe719d27c7" providerId="LiveId" clId="{45902353-8814-4D75-B4A6-578F5BA36B0F}"/>
     <pc:docChg chg="undo redo custSel addSld delSld modSld sldOrd">
-      <pc:chgData name="Joel Wiseman" userId="058023fe719d27c7" providerId="LiveId" clId="{45902353-8814-4D75-B4A6-578F5BA36B0F}" dt="2023-10-02T13:12:25.259" v="1785" actId="20577"/>
+      <pc:chgData name="Joel Wiseman" userId="058023fe719d27c7" providerId="LiveId" clId="{45902353-8814-4D75-B4A6-578F5BA36B0F}" dt="2023-10-02T13:25:02.897" v="1843" actId="20577"/>
       <pc:docMkLst>
         <pc:docMk/>
       </pc:docMkLst>
       <pc:sldChg chg="modSp mod modNotesTx">
-        <pc:chgData name="Joel Wiseman" userId="058023fe719d27c7" providerId="LiveId" clId="{45902353-8814-4D75-B4A6-578F5BA36B0F}" dt="2023-10-02T13:12:25.259" v="1785" actId="20577"/>
+        <pc:chgData name="Joel Wiseman" userId="058023fe719d27c7" providerId="LiveId" clId="{45902353-8814-4D75-B4A6-578F5BA36B0F}" dt="2023-10-02T13:18:52.871" v="1800" actId="20577"/>
         <pc:sldMkLst>
           <pc:docMk/>
           <pc:sldMk cId="999071822" sldId="256"/>
         </pc:sldMkLst>
+        <pc:spChg chg="mod">
+          <ac:chgData name="Joel Wiseman" userId="058023fe719d27c7" providerId="LiveId" clId="{45902353-8814-4D75-B4A6-578F5BA36B0F}" dt="2023-10-02T13:18:52.871" v="1800" actId="20577"/>
+          <ac:spMkLst>
+            <pc:docMk/>
+            <pc:sldMk cId="999071822" sldId="256"/>
+            <ac:spMk id="2" creationId="{16F1E946-040B-6700-FACE-54ED0F39DA27}"/>
+          </ac:spMkLst>
+        </pc:spChg>
         <pc:spChg chg="mod">
           <ac:chgData name="Joel Wiseman" userId="058023fe719d27c7" providerId="LiveId" clId="{45902353-8814-4D75-B4A6-578F5BA36B0F}" dt="2023-09-27T23:56:07.333" v="846" actId="27636"/>
           <ac:spMkLst>
@@ -1284,13 +1292,13 @@
         </pc:sldMkLst>
       </pc:sldChg>
       <pc:sldChg chg="modSp mod modAnim">
-        <pc:chgData name="Joel Wiseman" userId="058023fe719d27c7" providerId="LiveId" clId="{45902353-8814-4D75-B4A6-578F5BA36B0F}" dt="2023-09-28T22:55:07.798" v="1223" actId="20577"/>
+        <pc:chgData name="Joel Wiseman" userId="058023fe719d27c7" providerId="LiveId" clId="{45902353-8814-4D75-B4A6-578F5BA36B0F}" dt="2023-10-02T13:19:36.922" v="1826" actId="20577"/>
         <pc:sldMkLst>
           <pc:docMk/>
           <pc:sldMk cId="21090907" sldId="265"/>
         </pc:sldMkLst>
         <pc:spChg chg="mod">
-          <ac:chgData name="Joel Wiseman" userId="058023fe719d27c7" providerId="LiveId" clId="{45902353-8814-4D75-B4A6-578F5BA36B0F}" dt="2023-09-28T22:55:07.798" v="1223" actId="20577"/>
+          <ac:chgData name="Joel Wiseman" userId="058023fe719d27c7" providerId="LiveId" clId="{45902353-8814-4D75-B4A6-578F5BA36B0F}" dt="2023-10-02T13:19:36.922" v="1826" actId="20577"/>
           <ac:spMkLst>
             <pc:docMk/>
             <pc:sldMk cId="21090907" sldId="265"/>
@@ -1298,8 +1306,8 @@
           </ac:spMkLst>
         </pc:spChg>
       </pc:sldChg>
-      <pc:sldChg chg="addSp modSp mod ord">
-        <pc:chgData name="Joel Wiseman" userId="058023fe719d27c7" providerId="LiveId" clId="{45902353-8814-4D75-B4A6-578F5BA36B0F}" dt="2023-09-28T22:37:04.300" v="1046"/>
+      <pc:sldChg chg="addSp modSp mod ord modNotesTx">
+        <pc:chgData name="Joel Wiseman" userId="058023fe719d27c7" providerId="LiveId" clId="{45902353-8814-4D75-B4A6-578F5BA36B0F}" dt="2023-10-02T13:24:56.448" v="1834" actId="20577"/>
         <pc:sldMkLst>
           <pc:docMk/>
           <pc:sldMk cId="3595791110" sldId="266"/>
@@ -1488,8 +1496,8 @@
           </ac:picMkLst>
         </pc:picChg>
       </pc:sldChg>
-      <pc:sldChg chg="addSp delSp modSp mod">
-        <pc:chgData name="Joel Wiseman" userId="058023fe719d27c7" providerId="LiveId" clId="{45902353-8814-4D75-B4A6-578F5BA36B0F}" dt="2023-10-02T12:54:08.644" v="1677" actId="20577"/>
+      <pc:sldChg chg="addSp delSp modSp mod modNotesTx">
+        <pc:chgData name="Joel Wiseman" userId="058023fe719d27c7" providerId="LiveId" clId="{45902353-8814-4D75-B4A6-578F5BA36B0F}" dt="2023-10-02T13:25:02.897" v="1843" actId="20577"/>
         <pc:sldMkLst>
           <pc:docMk/>
           <pc:sldMk cId="472247714" sldId="278"/>
@@ -1744,8 +1752,8 @@
           </ac:picMkLst>
         </pc:picChg>
       </pc:sldChg>
-      <pc:sldChg chg="add">
-        <pc:chgData name="Joel Wiseman" userId="058023fe719d27c7" providerId="LiveId" clId="{45902353-8814-4D75-B4A6-578F5BA36B0F}" dt="2023-09-28T22:51:49.709" v="1119" actId="2890"/>
+      <pc:sldChg chg="add modNotesTx">
+        <pc:chgData name="Joel Wiseman" userId="058023fe719d27c7" providerId="LiveId" clId="{45902353-8814-4D75-B4A6-578F5BA36B0F}" dt="2023-10-02T13:24:49.249" v="1829" actId="20577"/>
         <pc:sldMkLst>
           <pc:docMk/>
           <pc:sldMk cId="3205659227" sldId="286"/>
@@ -2311,13 +2319,8 @@
           <a:p>
             <a:r>
               <a:rPr lang="en-US" dirty="0"/>
-              <a:t>Max: 4-6, 15 </a:t>
-            </a:r>
-            <a:r>
-              <a:rPr lang="en-US"/>
-              <a:t>in closing?</a:t>
-            </a:r>
-            <a:endParaRPr lang="en-US" dirty="0"/>
+              <a:t>Max: 4-6</a:t>
+            </a:r>
           </a:p>
           <a:p>
             <a:r>
@@ -2360,6 +2363,267 @@
     <p:extLst>
       <p:ext uri="{BB962C8B-B14F-4D97-AF65-F5344CB8AC3E}">
         <p14:creationId xmlns:p14="http://schemas.microsoft.com/office/powerpoint/2010/main" val="2023584215"/>
+      </p:ext>
+    </p:extLst>
+  </p:cSld>
+  <p:clrMapOvr>
+    <a:masterClrMapping/>
+  </p:clrMapOvr>
+</p:notes>
+</file>
+
+<file path=ppt/notesSlides/notesSlide2.xml><?xml version="1.0" encoding="utf-8"?>
+<p:notes xmlns:a="http://schemas.openxmlformats.org/drawingml/2006/main" xmlns:r="http://schemas.openxmlformats.org/officeDocument/2006/relationships" xmlns:p="http://schemas.openxmlformats.org/presentationml/2006/main">
+  <p:cSld>
+    <p:spTree>
+      <p:nvGrpSpPr>
+        <p:cNvPr id="1" name=""/>
+        <p:cNvGrpSpPr/>
+        <p:nvPr/>
+      </p:nvGrpSpPr>
+      <p:grpSpPr>
+        <a:xfrm>
+          <a:off x="0" y="0"/>
+          <a:ext cx="0" cy="0"/>
+          <a:chOff x="0" y="0"/>
+          <a:chExt cx="0" cy="0"/>
+        </a:xfrm>
+      </p:grpSpPr>
+      <p:sp>
+        <p:nvSpPr>
+          <p:cNvPr id="2" name="Slide Image Placeholder 1"/>
+          <p:cNvSpPr>
+            <a:spLocks noGrp="1" noRot="1" noChangeAspect="1"/>
+          </p:cNvSpPr>
+          <p:nvPr>
+            <p:ph type="sldImg"/>
+          </p:nvPr>
+        </p:nvSpPr>
+        <p:spPr/>
+      </p:sp>
+      <p:sp>
+        <p:nvSpPr>
+          <p:cNvPr id="3" name="Notes Placeholder 2"/>
+          <p:cNvSpPr>
+            <a:spLocks noGrp="1"/>
+          </p:cNvSpPr>
+          <p:nvPr>
+            <p:ph type="body" idx="1"/>
+          </p:nvPr>
+        </p:nvSpPr>
+        <p:spPr/>
+        <p:txBody>
+          <a:bodyPr/>
+          <a:lstStyle/>
+          <a:p>
+            <a:r>
+              <a:rPr lang="en-US" dirty="0"/>
+              <a:t>Max</a:t>
+            </a:r>
+          </a:p>
+        </p:txBody>
+      </p:sp>
+      <p:sp>
+        <p:nvSpPr>
+          <p:cNvPr id="4" name="Slide Number Placeholder 3"/>
+          <p:cNvSpPr>
+            <a:spLocks noGrp="1"/>
+          </p:cNvSpPr>
+          <p:nvPr>
+            <p:ph type="sldNum" sz="quarter" idx="5"/>
+          </p:nvPr>
+        </p:nvSpPr>
+        <p:spPr/>
+        <p:txBody>
+          <a:bodyPr/>
+          <a:lstStyle/>
+          <a:p>
+            <a:fld id="{B28CAA86-8068-4735-A169-DEAA3C8077E9}" type="slidenum">
+              <a:rPr lang="en-US" smtClean="0"/>
+              <a:t>4</a:t>
+            </a:fld>
+            <a:endParaRPr lang="en-US"/>
+          </a:p>
+        </p:txBody>
+      </p:sp>
+    </p:spTree>
+    <p:extLst>
+      <p:ext uri="{BB962C8B-B14F-4D97-AF65-F5344CB8AC3E}">
+        <p14:creationId xmlns:p14="http://schemas.microsoft.com/office/powerpoint/2010/main" val="1438845242"/>
+      </p:ext>
+    </p:extLst>
+  </p:cSld>
+  <p:clrMapOvr>
+    <a:masterClrMapping/>
+  </p:clrMapOvr>
+</p:notes>
+</file>
+
+<file path=ppt/notesSlides/notesSlide3.xml><?xml version="1.0" encoding="utf-8"?>
+<p:notes xmlns:a="http://schemas.openxmlformats.org/drawingml/2006/main" xmlns:r="http://schemas.openxmlformats.org/officeDocument/2006/relationships" xmlns:p="http://schemas.openxmlformats.org/presentationml/2006/main">
+  <p:cSld>
+    <p:spTree>
+      <p:nvGrpSpPr>
+        <p:cNvPr id="1" name=""/>
+        <p:cNvGrpSpPr/>
+        <p:nvPr/>
+      </p:nvGrpSpPr>
+      <p:grpSpPr>
+        <a:xfrm>
+          <a:off x="0" y="0"/>
+          <a:ext cx="0" cy="0"/>
+          <a:chOff x="0" y="0"/>
+          <a:chExt cx="0" cy="0"/>
+        </a:xfrm>
+      </p:grpSpPr>
+      <p:sp>
+        <p:nvSpPr>
+          <p:cNvPr id="2" name="Slide Image Placeholder 1"/>
+          <p:cNvSpPr>
+            <a:spLocks noGrp="1" noRot="1" noChangeAspect="1"/>
+          </p:cNvSpPr>
+          <p:nvPr>
+            <p:ph type="sldImg"/>
+          </p:nvPr>
+        </p:nvSpPr>
+        <p:spPr/>
+      </p:sp>
+      <p:sp>
+        <p:nvSpPr>
+          <p:cNvPr id="3" name="Notes Placeholder 2"/>
+          <p:cNvSpPr>
+            <a:spLocks noGrp="1"/>
+          </p:cNvSpPr>
+          <p:nvPr>
+            <p:ph type="body" idx="1"/>
+          </p:nvPr>
+        </p:nvSpPr>
+        <p:spPr/>
+        <p:txBody>
+          <a:bodyPr/>
+          <a:lstStyle/>
+          <a:p>
+            <a:r>
+              <a:rPr lang="en-US" dirty="0"/>
+              <a:t>Tunga</a:t>
+            </a:r>
+          </a:p>
+        </p:txBody>
+      </p:sp>
+      <p:sp>
+        <p:nvSpPr>
+          <p:cNvPr id="4" name="Slide Number Placeholder 3"/>
+          <p:cNvSpPr>
+            <a:spLocks noGrp="1"/>
+          </p:cNvSpPr>
+          <p:nvPr>
+            <p:ph type="sldNum" sz="quarter" idx="5"/>
+          </p:nvPr>
+        </p:nvSpPr>
+        <p:spPr/>
+        <p:txBody>
+          <a:bodyPr/>
+          <a:lstStyle/>
+          <a:p>
+            <a:fld id="{B28CAA86-8068-4735-A169-DEAA3C8077E9}" type="slidenum">
+              <a:rPr lang="en-US" smtClean="0"/>
+              <a:t>10</a:t>
+            </a:fld>
+            <a:endParaRPr lang="en-US"/>
+          </a:p>
+        </p:txBody>
+      </p:sp>
+    </p:spTree>
+    <p:extLst>
+      <p:ext uri="{BB962C8B-B14F-4D97-AF65-F5344CB8AC3E}">
+        <p14:creationId xmlns:p14="http://schemas.microsoft.com/office/powerpoint/2010/main" val="1193775185"/>
+      </p:ext>
+    </p:extLst>
+  </p:cSld>
+  <p:clrMapOvr>
+    <a:masterClrMapping/>
+  </p:clrMapOvr>
+</p:notes>
+</file>
+
+<file path=ppt/notesSlides/notesSlide4.xml><?xml version="1.0" encoding="utf-8"?>
+<p:notes xmlns:a="http://schemas.openxmlformats.org/drawingml/2006/main" xmlns:r="http://schemas.openxmlformats.org/officeDocument/2006/relationships" xmlns:p="http://schemas.openxmlformats.org/presentationml/2006/main">
+  <p:cSld>
+    <p:spTree>
+      <p:nvGrpSpPr>
+        <p:cNvPr id="1" name=""/>
+        <p:cNvGrpSpPr/>
+        <p:nvPr/>
+      </p:nvGrpSpPr>
+      <p:grpSpPr>
+        <a:xfrm>
+          <a:off x="0" y="0"/>
+          <a:ext cx="0" cy="0"/>
+          <a:chOff x="0" y="0"/>
+          <a:chExt cx="0" cy="0"/>
+        </a:xfrm>
+      </p:grpSpPr>
+      <p:sp>
+        <p:nvSpPr>
+          <p:cNvPr id="2" name="Slide Image Placeholder 1"/>
+          <p:cNvSpPr>
+            <a:spLocks noGrp="1" noRot="1" noChangeAspect="1"/>
+          </p:cNvSpPr>
+          <p:nvPr>
+            <p:ph type="sldImg"/>
+          </p:nvPr>
+        </p:nvSpPr>
+        <p:spPr/>
+      </p:sp>
+      <p:sp>
+        <p:nvSpPr>
+          <p:cNvPr id="3" name="Notes Placeholder 2"/>
+          <p:cNvSpPr>
+            <a:spLocks noGrp="1"/>
+          </p:cNvSpPr>
+          <p:nvPr>
+            <p:ph type="body" idx="1"/>
+          </p:nvPr>
+        </p:nvSpPr>
+        <p:spPr/>
+        <p:txBody>
+          <a:bodyPr/>
+          <a:lstStyle/>
+          <a:p>
+            <a:r>
+              <a:rPr lang="en-US" dirty="0"/>
+              <a:t>Francesca</a:t>
+            </a:r>
+          </a:p>
+        </p:txBody>
+      </p:sp>
+      <p:sp>
+        <p:nvSpPr>
+          <p:cNvPr id="4" name="Slide Number Placeholder 3"/>
+          <p:cNvSpPr>
+            <a:spLocks noGrp="1"/>
+          </p:cNvSpPr>
+          <p:nvPr>
+            <p:ph type="sldNum" sz="quarter" idx="5"/>
+          </p:nvPr>
+        </p:nvSpPr>
+        <p:spPr/>
+        <p:txBody>
+          <a:bodyPr/>
+          <a:lstStyle/>
+          <a:p>
+            <a:fld id="{B28CAA86-8068-4735-A169-DEAA3C8077E9}" type="slidenum">
+              <a:rPr lang="en-US" smtClean="0"/>
+              <a:t>12</a:t>
+            </a:fld>
+            <a:endParaRPr lang="en-US"/>
+          </a:p>
+        </p:txBody>
+      </p:sp>
+    </p:spTree>
+    <p:extLst>
+      <p:ext uri="{BB962C8B-B14F-4D97-AF65-F5344CB8AC3E}">
+        <p14:creationId xmlns:p14="http://schemas.microsoft.com/office/powerpoint/2010/main" val="2142728782"/>
       </p:ext>
     </p:extLst>
   </p:cSld>
@@ -5612,8 +5876,8 @@
           <a:lstStyle/>
           <a:p>
             <a:r>
-              <a:rPr lang="en-US"/>
-              <a:t>Customer Churn</a:t>
+              <a:rPr lang="en-US" dirty="0"/>
+              <a:t>Predicting Customer Churn</a:t>
             </a:r>
           </a:p>
         </p:txBody>
@@ -6103,7 +6367,7 @@
           <p:nvPr/>
         </p:nvPicPr>
         <p:blipFill>
-          <a:blip r:embed="rId2"/>
+          <a:blip r:embed="rId3"/>
           <a:stretch>
             <a:fillRect/>
           </a:stretch>
@@ -6133,7 +6397,7 @@
           <p:nvPr/>
         </p:nvPicPr>
         <p:blipFill>
-          <a:blip r:embed="rId3"/>
+          <a:blip r:embed="rId4"/>
           <a:stretch>
             <a:fillRect/>
           </a:stretch>
@@ -6163,7 +6427,7 @@
           <p:nvPr/>
         </p:nvPicPr>
         <p:blipFill>
-          <a:blip r:embed="rId4"/>
+          <a:blip r:embed="rId5"/>
           <a:stretch>
             <a:fillRect/>
           </a:stretch>
@@ -6193,7 +6457,7 @@
           <p:nvPr/>
         </p:nvPicPr>
         <p:blipFill>
-          <a:blip r:embed="rId5"/>
+          <a:blip r:embed="rId6"/>
           <a:stretch>
             <a:fillRect/>
           </a:stretch>
@@ -6223,7 +6487,7 @@
           <p:nvPr/>
         </p:nvPicPr>
         <p:blipFill>
-          <a:blip r:embed="rId6"/>
+          <a:blip r:embed="rId7"/>
           <a:stretch>
             <a:fillRect/>
           </a:stretch>
@@ -6253,7 +6517,7 @@
           <p:nvPr/>
         </p:nvPicPr>
         <p:blipFill>
-          <a:blip r:embed="rId7"/>
+          <a:blip r:embed="rId8"/>
           <a:stretch>
             <a:fillRect/>
           </a:stretch>
@@ -6283,7 +6547,7 @@
           <p:nvPr/>
         </p:nvPicPr>
         <p:blipFill>
-          <a:blip r:embed="rId8"/>
+          <a:blip r:embed="rId9"/>
           <a:stretch>
             <a:fillRect/>
           </a:stretch>
@@ -9241,7 +9505,7 @@
               <a:buChar char="•"/>
             </a:pPr>
             <a:r>
-              <a:rPr lang="en-US" sz="1300" b="0" i="0">
+              <a:rPr lang="en-US" sz="1300" b="0" i="0" dirty="0">
                 <a:effectLst/>
               </a:rPr>
               <a:t>Customer churn rate (CCR) is the essential metric for tracking how many customers are leaving your firm. It is always expressed as a percentage. It also always covers a specific period of time. For example, “a 10% customer churn rate for the last quarter”.</a:t>
@@ -9253,29 +9517,29 @@
               <a:buChar char="•"/>
             </a:pPr>
             <a:r>
-              <a:rPr lang="en-US" sz="1300" b="0" i="0">
+              <a:rPr lang="en-US" sz="1300" b="0" i="0" dirty="0">
                 <a:effectLst/>
               </a:rPr>
-              <a:t>Another thing to bear in mind is that customer churn rate is the inverse of the </a:t>
-            </a:r>
-            <a:r>
-              <a:rPr lang="en-US" sz="1300" b="0" i="0" u="none" strike="noStrike">
+              <a:t>Its important to remember that customer churn rate is the inverse of the </a:t>
+            </a:r>
+            <a:r>
+              <a:rPr lang="en-US" sz="1300" b="0" i="0" u="none" strike="noStrike" dirty="0">
                 <a:effectLst/>
               </a:rPr>
               <a:t>customer retention</a:t>
             </a:r>
             <a:r>
-              <a:rPr lang="en-US" sz="1300" b="0" i="0">
+              <a:rPr lang="en-US" sz="1300" b="0" i="0" dirty="0">
                 <a:effectLst/>
               </a:rPr>
               <a:t> rate. For </a:t>
             </a:r>
             <a:r>
-              <a:rPr lang="en-US" sz="1300"/>
+              <a:rPr lang="en-US" sz="1300" dirty="0"/>
               <a:t>example, i</a:t>
             </a:r>
             <a:r>
-              <a:rPr lang="en-US" sz="1300" b="0" i="0">
+              <a:rPr lang="en-US" sz="1300" b="0" i="0" dirty="0">
                 <a:effectLst/>
               </a:rPr>
               <a:t>f you have a churn rate of 10%, your retention rate is therefore 90%. </a:t>
@@ -9287,7 +9551,7 @@
               <a:buChar char="•"/>
             </a:pPr>
             <a:r>
-              <a:rPr lang="en-US" sz="1300" b="0" i="0">
+              <a:rPr lang="en-US" sz="1300" b="0" i="0" dirty="0">
                 <a:effectLst/>
               </a:rPr>
               <a:t>This matters because decision-makers looking at forecasting need to address customer churn to achieve their customer retention goals.</a:t>
@@ -11317,7 +11581,7 @@
           <p:nvPr/>
         </p:nvPicPr>
         <p:blipFill rotWithShape="1">
-          <a:blip r:embed="rId2"/>
+          <a:blip r:embed="rId3"/>
           <a:srcRect l="1121" r="-1"/>
           <a:stretch/>
         </p:blipFill>

--- a/Resources/Customer Churn.pptx
+++ b/Resources/Customer Churn.pptx
@@ -5,7 +5,7 @@
     <p:sldMasterId id="2147483648" r:id="rId1"/>
   </p:sldMasterIdLst>
   <p:notesMasterIdLst>
-    <p:notesMasterId r:id="rId17"/>
+    <p:notesMasterId r:id="rId18"/>
   </p:notesMasterIdLst>
   <p:sldIdLst>
     <p:sldId id="256" r:id="rId2"/>
@@ -22,7 +22,8 @@
     <p:sldId id="278" r:id="rId13"/>
     <p:sldId id="291" r:id="rId14"/>
     <p:sldId id="287" r:id="rId15"/>
-    <p:sldId id="288" r:id="rId16"/>
+    <p:sldId id="292" r:id="rId16"/>
+    <p:sldId id="288" r:id="rId17"/>
   </p:sldIdLst>
   <p:sldSz cx="12192000" cy="6858000"/>
   <p:notesSz cx="6858000" cy="9144000"/>
@@ -132,8 +133,10 @@
 <file path=ppt/revisionInfo.xml><?xml version="1.0" encoding="utf-8"?>
 <p1510:revInfo xmlns:a="http://schemas.openxmlformats.org/drawingml/2006/main" xmlns:r="http://schemas.openxmlformats.org/officeDocument/2006/relationships" xmlns:p1510="http://schemas.microsoft.com/office/powerpoint/2015/10/main">
   <p1510:revLst>
-    <p1510:client id="{45902353-8814-4D75-B4A6-578F5BA36B0F}" v="893" dt="2023-10-02T12:53:40.291"/>
+    <p1510:client id="{45902353-8814-4D75-B4A6-578F5BA36B0F}" v="987" dt="2023-10-02T23:08:34.066"/>
+    <p1510:client id="{70C6725A-6DD0-4FCE-89E7-12336265D132}" v="2" dt="2023-10-02T23:26:03.662"/>
     <p1510:client id="{73A5147C-0BE0-4F22-A307-8354B569D250}" v="37" dt="2023-10-02T12:46:44.657"/>
+    <p1510:client id="{9C074F0F-78FE-47CC-AA75-7CF41A916912}" v="5" dt="2023-10-02T22:38:22.224"/>
   </p1510:revLst>
 </p1510:revInfo>
 </file>
@@ -141,1021 +144,14 @@
 <file path=ppt/changesInfos/changesInfo1.xml><?xml version="1.0" encoding="utf-8"?>
 <pc:chgInfo xmlns:a="http://schemas.openxmlformats.org/drawingml/2006/main" xmlns:r="http://schemas.openxmlformats.org/officeDocument/2006/relationships" xmlns:ac="http://schemas.microsoft.com/office/drawing/2013/main/command" xmlns:pc="http://schemas.microsoft.com/office/powerpoint/2013/main/command">
   <pc:docChgLst>
-    <pc:chgData name="Guest User" providerId="Windows Live" clId="Web-{BA66BB83-77F5-471D-B9DA-7D56935358A9}"/>
-    <pc:docChg chg="modSld">
-      <pc:chgData name="Guest User" userId="" providerId="Windows Live" clId="Web-{BA66BB83-77F5-471D-B9DA-7D56935358A9}" dt="2023-09-29T01:03:04.114" v="286" actId="20577"/>
-      <pc:docMkLst>
-        <pc:docMk/>
-      </pc:docMkLst>
-      <pc:sldChg chg="addSp delSp modSp">
-        <pc:chgData name="Guest User" userId="" providerId="Windows Live" clId="Web-{BA66BB83-77F5-471D-B9DA-7D56935358A9}" dt="2023-09-29T01:03:04.114" v="286" actId="20577"/>
-        <pc:sldMkLst>
-          <pc:docMk/>
-          <pc:sldMk cId="3595791110" sldId="266"/>
-        </pc:sldMkLst>
-        <pc:spChg chg="mod">
-          <ac:chgData name="Guest User" userId="" providerId="Windows Live" clId="Web-{BA66BB83-77F5-471D-B9DA-7D56935358A9}" dt="2023-09-29T00:23:24.503" v="259" actId="20577"/>
-          <ac:spMkLst>
-            <pc:docMk/>
-            <pc:sldMk cId="3595791110" sldId="266"/>
-            <ac:spMk id="4" creationId="{520052C3-8332-88F8-1B83-FC0A850102EF}"/>
-          </ac:spMkLst>
-        </pc:spChg>
-        <pc:spChg chg="add mod">
-          <ac:chgData name="Guest User" userId="" providerId="Windows Live" clId="Web-{BA66BB83-77F5-471D-B9DA-7D56935358A9}" dt="2023-09-29T01:03:04.114" v="286" actId="20577"/>
-          <ac:spMkLst>
-            <pc:docMk/>
-            <pc:sldMk cId="3595791110" sldId="266"/>
-            <ac:spMk id="23" creationId="{970A4E69-0173-0236-0E34-0A52AE831901}"/>
-          </ac:spMkLst>
-        </pc:spChg>
-        <pc:picChg chg="add del mod">
-          <ac:chgData name="Guest User" userId="" providerId="Windows Live" clId="Web-{BA66BB83-77F5-471D-B9DA-7D56935358A9}" dt="2023-09-28T21:49:01.729" v="93"/>
-          <ac:picMkLst>
-            <pc:docMk/>
-            <pc:sldMk cId="3595791110" sldId="266"/>
-            <ac:picMk id="2" creationId="{13238372-FF16-8641-A7D2-50280D929E39}"/>
-          </ac:picMkLst>
-        </pc:picChg>
-        <pc:picChg chg="add del mod">
-          <ac:chgData name="Guest User" userId="" providerId="Windows Live" clId="Web-{BA66BB83-77F5-471D-B9DA-7D56935358A9}" dt="2023-09-29T00:00:44.831" v="148"/>
-          <ac:picMkLst>
-            <pc:docMk/>
-            <pc:sldMk cId="3595791110" sldId="266"/>
-            <ac:picMk id="2" creationId="{17395619-1F8D-9E4E-DA17-AA82EB7FE4C7}"/>
-          </ac:picMkLst>
-        </pc:picChg>
-        <pc:picChg chg="add del mod">
-          <ac:chgData name="Guest User" userId="" providerId="Windows Live" clId="Web-{BA66BB83-77F5-471D-B9DA-7D56935358A9}" dt="2023-09-29T00:00:46.034" v="150"/>
-          <ac:picMkLst>
-            <pc:docMk/>
-            <pc:sldMk cId="3595791110" sldId="266"/>
-            <ac:picMk id="3" creationId="{35267612-C5B1-93C9-0E73-83245BA40962}"/>
-          </ac:picMkLst>
-        </pc:picChg>
-        <pc:picChg chg="add del mod">
-          <ac:chgData name="Guest User" userId="" providerId="Windows Live" clId="Web-{BA66BB83-77F5-471D-B9DA-7D56935358A9}" dt="2023-09-28T21:48:08.491" v="86"/>
-          <ac:picMkLst>
-            <pc:docMk/>
-            <pc:sldMk cId="3595791110" sldId="266"/>
-            <ac:picMk id="3" creationId="{42B58038-9F8B-2A6F-9236-FB7332563130}"/>
-          </ac:picMkLst>
-        </pc:picChg>
-        <pc:picChg chg="del mod">
-          <ac:chgData name="Guest User" userId="" providerId="Windows Live" clId="Web-{BA66BB83-77F5-471D-B9DA-7D56935358A9}" dt="2023-09-28T21:28:44.170" v="33"/>
-          <ac:picMkLst>
-            <pc:docMk/>
-            <pc:sldMk cId="3595791110" sldId="266"/>
-            <ac:picMk id="5" creationId="{3515B320-7348-FD53-A9DB-30F4A9F6D9AA}"/>
-          </ac:picMkLst>
-        </pc:picChg>
-        <pc:picChg chg="add del mod">
-          <ac:chgData name="Guest User" userId="" providerId="Windows Live" clId="Web-{BA66BB83-77F5-471D-B9DA-7D56935358A9}" dt="2023-09-29T00:00:42.581" v="145"/>
-          <ac:picMkLst>
-            <pc:docMk/>
-            <pc:sldMk cId="3595791110" sldId="266"/>
-            <ac:picMk id="5" creationId="{398B5535-3692-1D7B-2D19-BC39307C6588}"/>
-          </ac:picMkLst>
-        </pc:picChg>
-        <pc:picChg chg="del mod">
-          <ac:chgData name="Guest User" userId="" providerId="Windows Live" clId="Web-{BA66BB83-77F5-471D-B9DA-7D56935358A9}" dt="2023-09-28T21:28:46.826" v="34"/>
-          <ac:picMkLst>
-            <pc:docMk/>
-            <pc:sldMk cId="3595791110" sldId="266"/>
-            <ac:picMk id="6" creationId="{3F6D0AA5-4DE3-6FAD-04D6-8E068418580D}"/>
-          </ac:picMkLst>
-        </pc:picChg>
-        <pc:picChg chg="del">
-          <ac:chgData name="Guest User" userId="" providerId="Windows Live" clId="Web-{BA66BB83-77F5-471D-B9DA-7D56935358A9}" dt="2023-09-28T22:38:44.206" v="103"/>
-          <ac:picMkLst>
-            <pc:docMk/>
-            <pc:sldMk cId="3595791110" sldId="266"/>
-            <ac:picMk id="6" creationId="{77DA6BDB-DE74-DD75-A3F4-7FB28C4FF891}"/>
-          </ac:picMkLst>
-        </pc:picChg>
-        <pc:picChg chg="add mod">
-          <ac:chgData name="Guest User" userId="" providerId="Windows Live" clId="Web-{BA66BB83-77F5-471D-B9DA-7D56935358A9}" dt="2023-09-29T00:01:33.255" v="166" actId="1076"/>
-          <ac:picMkLst>
-            <pc:docMk/>
-            <pc:sldMk cId="3595791110" sldId="266"/>
-            <ac:picMk id="6" creationId="{815F8F7D-68CC-D021-2B96-CAFE27766E94}"/>
-          </ac:picMkLst>
-        </pc:picChg>
-        <pc:picChg chg="del mod">
-          <ac:chgData name="Guest User" userId="" providerId="Windows Live" clId="Web-{BA66BB83-77F5-471D-B9DA-7D56935358A9}" dt="2023-09-28T21:28:47.670" v="35"/>
-          <ac:picMkLst>
-            <pc:docMk/>
-            <pc:sldMk cId="3595791110" sldId="266"/>
-            <ac:picMk id="7" creationId="{530A27B7-F429-7850-2262-E8C44BA9239D}"/>
-          </ac:picMkLst>
-        </pc:picChg>
-        <pc:picChg chg="add del mod">
-          <ac:chgData name="Guest User" userId="" providerId="Windows Live" clId="Web-{BA66BB83-77F5-471D-B9DA-7D56935358A9}" dt="2023-09-29T00:00:45.347" v="149"/>
-          <ac:picMkLst>
-            <pc:docMk/>
-            <pc:sldMk cId="3595791110" sldId="266"/>
-            <ac:picMk id="7" creationId="{A0188A66-9159-EC06-DD3F-8485BD43A486}"/>
-          </ac:picMkLst>
-        </pc:picChg>
-        <pc:picChg chg="add del mod">
-          <ac:chgData name="Guest User" userId="" providerId="Windows Live" clId="Web-{BA66BB83-77F5-471D-B9DA-7D56935358A9}" dt="2023-09-29T00:00:44.222" v="147"/>
-          <ac:picMkLst>
-            <pc:docMk/>
-            <pc:sldMk cId="3595791110" sldId="266"/>
-            <ac:picMk id="8" creationId="{8E978105-CD4F-0BAB-69D5-24BF263152AE}"/>
-          </ac:picMkLst>
-        </pc:picChg>
-        <pc:picChg chg="del mod">
-          <ac:chgData name="Guest User" userId="" providerId="Windows Live" clId="Web-{BA66BB83-77F5-471D-B9DA-7D56935358A9}" dt="2023-09-28T21:28:48.139" v="36"/>
-          <ac:picMkLst>
-            <pc:docMk/>
-            <pc:sldMk cId="3595791110" sldId="266"/>
-            <ac:picMk id="8" creationId="{CACC4282-EE4F-EACA-2036-048D953E9716}"/>
-          </ac:picMkLst>
-        </pc:picChg>
-        <pc:picChg chg="add del mod">
-          <ac:chgData name="Guest User" userId="" providerId="Windows Live" clId="Web-{BA66BB83-77F5-471D-B9DA-7D56935358A9}" dt="2023-09-29T00:00:43.456" v="146"/>
-          <ac:picMkLst>
-            <pc:docMk/>
-            <pc:sldMk cId="3595791110" sldId="266"/>
-            <ac:picMk id="9" creationId="{4CBC366A-6DD0-8BA9-500C-245F4828B301}"/>
-          </ac:picMkLst>
-        </pc:picChg>
-        <pc:picChg chg="del mod">
-          <ac:chgData name="Guest User" userId="" providerId="Windows Live" clId="Web-{BA66BB83-77F5-471D-B9DA-7D56935358A9}" dt="2023-09-28T21:28:48.889" v="37"/>
-          <ac:picMkLst>
-            <pc:docMk/>
-            <pc:sldMk cId="3595791110" sldId="266"/>
-            <ac:picMk id="9" creationId="{FFD181BD-F1E1-3C55-8A0F-9D7E9DB46E4C}"/>
-          </ac:picMkLst>
-        </pc:picChg>
-        <pc:picChg chg="add del mod">
-          <ac:chgData name="Guest User" userId="" providerId="Windows Live" clId="Web-{BA66BB83-77F5-471D-B9DA-7D56935358A9}" dt="2023-09-29T00:00:42.581" v="144"/>
-          <ac:picMkLst>
-            <pc:docMk/>
-            <pc:sldMk cId="3595791110" sldId="266"/>
-            <ac:picMk id="10" creationId="{575A1998-314E-B868-4B39-1DC34A5254CC}"/>
-          </ac:picMkLst>
-        </pc:picChg>
-        <pc:picChg chg="del mod">
-          <ac:chgData name="Guest User" userId="" providerId="Windows Live" clId="Web-{BA66BB83-77F5-471D-B9DA-7D56935358A9}" dt="2023-09-28T21:28:49.952" v="39"/>
-          <ac:picMkLst>
-            <pc:docMk/>
-            <pc:sldMk cId="3595791110" sldId="266"/>
-            <ac:picMk id="10" creationId="{C7D8F67F-E038-5CA7-89FD-1383BF0F875E}"/>
-          </ac:picMkLst>
-        </pc:picChg>
-        <pc:picChg chg="add del mod">
-          <ac:chgData name="Guest User" userId="" providerId="Windows Live" clId="Web-{BA66BB83-77F5-471D-B9DA-7D56935358A9}" dt="2023-09-28T22:38:40.940" v="102"/>
-          <ac:picMkLst>
-            <pc:docMk/>
-            <pc:sldMk cId="3595791110" sldId="266"/>
-            <ac:picMk id="11" creationId="{02846F10-DA16-9DDE-2455-CDD64FC7EFE7}"/>
-          </ac:picMkLst>
-        </pc:picChg>
-        <pc:picChg chg="add del mod">
-          <ac:chgData name="Guest User" userId="" providerId="Windows Live" clId="Web-{BA66BB83-77F5-471D-B9DA-7D56935358A9}" dt="2023-09-29T00:04:24.605" v="183"/>
-          <ac:picMkLst>
-            <pc:docMk/>
-            <pc:sldMk cId="3595791110" sldId="266"/>
-            <ac:picMk id="11" creationId="{81079630-869E-8532-D959-BDE3DDA1E389}"/>
-          </ac:picMkLst>
-        </pc:picChg>
-        <pc:picChg chg="del mod">
-          <ac:chgData name="Guest User" userId="" providerId="Windows Live" clId="Web-{BA66BB83-77F5-471D-B9DA-7D56935358A9}" dt="2023-09-28T21:28:49.780" v="38"/>
-          <ac:picMkLst>
-            <pc:docMk/>
-            <pc:sldMk cId="3595791110" sldId="266"/>
-            <ac:picMk id="11" creationId="{97751012-7FA7-08B7-C35B-FD8E9B977C58}"/>
-          </ac:picMkLst>
-        </pc:picChg>
-        <pc:picChg chg="del mod">
-          <ac:chgData name="Guest User" userId="" providerId="Windows Live" clId="Web-{BA66BB83-77F5-471D-B9DA-7D56935358A9}" dt="2023-09-28T21:28:50.811" v="40"/>
-          <ac:picMkLst>
-            <pc:docMk/>
-            <pc:sldMk cId="3595791110" sldId="266"/>
-            <ac:picMk id="12" creationId="{61BDA0D2-6F78-D3FE-9B42-7A9C477D2699}"/>
-          </ac:picMkLst>
-        </pc:picChg>
-        <pc:picChg chg="add del mod">
-          <ac:chgData name="Guest User" userId="" providerId="Windows Live" clId="Web-{BA66BB83-77F5-471D-B9DA-7D56935358A9}" dt="2023-09-29T00:00:42.581" v="143"/>
-          <ac:picMkLst>
-            <pc:docMk/>
-            <pc:sldMk cId="3595791110" sldId="266"/>
-            <ac:picMk id="12" creationId="{94A923B6-F2E6-83B9-9FEE-49FD85C03A2E}"/>
-          </ac:picMkLst>
-        </pc:picChg>
-        <pc:picChg chg="add del mod">
-          <ac:chgData name="Guest User" userId="" providerId="Windows Live" clId="Web-{BA66BB83-77F5-471D-B9DA-7D56935358A9}" dt="2023-09-28T21:48:10.413" v="88"/>
-          <ac:picMkLst>
-            <pc:docMk/>
-            <pc:sldMk cId="3595791110" sldId="266"/>
-            <ac:picMk id="13" creationId="{3DBE332F-DED1-A485-CDBD-6726D91E5E52}"/>
-          </ac:picMkLst>
-        </pc:picChg>
-        <pc:picChg chg="add mod">
-          <ac:chgData name="Guest User" userId="" providerId="Windows Live" clId="Web-{BA66BB83-77F5-471D-B9DA-7D56935358A9}" dt="2023-09-29T00:01:56.912" v="176" actId="1076"/>
-          <ac:picMkLst>
-            <pc:docMk/>
-            <pc:sldMk cId="3595791110" sldId="266"/>
-            <ac:picMk id="13" creationId="{A2505EAE-271E-6064-7143-ED56A6E043A6}"/>
-          </ac:picMkLst>
-        </pc:picChg>
-        <pc:picChg chg="add del mod">
-          <ac:chgData name="Guest User" userId="" providerId="Windows Live" clId="Web-{BA66BB83-77F5-471D-B9DA-7D56935358A9}" dt="2023-09-28T21:48:50.150" v="91"/>
-          <ac:picMkLst>
-            <pc:docMk/>
-            <pc:sldMk cId="3595791110" sldId="266"/>
-            <ac:picMk id="14" creationId="{1760E8F6-6BA6-7BC3-4779-D571F4CF0460}"/>
-          </ac:picMkLst>
-        </pc:picChg>
-        <pc:picChg chg="add mod">
-          <ac:chgData name="Guest User" userId="" providerId="Windows Live" clId="Web-{BA66BB83-77F5-471D-B9DA-7D56935358A9}" dt="2023-09-29T00:02:19.772" v="181" actId="1076"/>
-          <ac:picMkLst>
-            <pc:docMk/>
-            <pc:sldMk cId="3595791110" sldId="266"/>
-            <ac:picMk id="14" creationId="{6F92B8B4-C544-D47B-FACF-3A39FDFA0F09}"/>
-          </ac:picMkLst>
-        </pc:picChg>
-        <pc:picChg chg="add mod">
-          <ac:chgData name="Guest User" userId="" providerId="Windows Live" clId="Web-{BA66BB83-77F5-471D-B9DA-7D56935358A9}" dt="2023-09-29T00:02:15.350" v="180" actId="1076"/>
-          <ac:picMkLst>
-            <pc:docMk/>
-            <pc:sldMk cId="3595791110" sldId="266"/>
-            <ac:picMk id="15" creationId="{2A437263-B67C-5059-A94A-5AD36BE02DE1}"/>
-          </ac:picMkLst>
-        </pc:picChg>
-        <pc:picChg chg="add del mod">
-          <ac:chgData name="Guest User" userId="" providerId="Windows Live" clId="Web-{BA66BB83-77F5-471D-B9DA-7D56935358A9}" dt="2023-09-28T21:48:09.444" v="87"/>
-          <ac:picMkLst>
-            <pc:docMk/>
-            <pc:sldMk cId="3595791110" sldId="266"/>
-            <ac:picMk id="15" creationId="{BBCE410D-61DE-8EA8-F7E1-38000549799F}"/>
-          </ac:picMkLst>
-        </pc:picChg>
-        <pc:picChg chg="add mod">
-          <ac:chgData name="Guest User" userId="" providerId="Windows Live" clId="Web-{BA66BB83-77F5-471D-B9DA-7D56935358A9}" dt="2023-09-29T00:02:08.991" v="178" actId="1076"/>
-          <ac:picMkLst>
-            <pc:docMk/>
-            <pc:sldMk cId="3595791110" sldId="266"/>
-            <ac:picMk id="16" creationId="{7DC0429E-C27E-F086-F83A-9D41AE8FE881}"/>
-          </ac:picMkLst>
-        </pc:picChg>
-        <pc:picChg chg="add del mod">
-          <ac:chgData name="Guest User" userId="" providerId="Windows Live" clId="Web-{BA66BB83-77F5-471D-B9DA-7D56935358A9}" dt="2023-09-28T21:48:50.619" v="92"/>
-          <ac:picMkLst>
-            <pc:docMk/>
-            <pc:sldMk cId="3595791110" sldId="266"/>
-            <ac:picMk id="16" creationId="{F9008DA2-C3B9-9185-CDEB-CD2C0FF27B83}"/>
-          </ac:picMkLst>
-        </pc:picChg>
-        <pc:picChg chg="add mod">
-          <ac:chgData name="Guest User" userId="" providerId="Windows Live" clId="Web-{BA66BB83-77F5-471D-B9DA-7D56935358A9}" dt="2023-09-29T00:01:58.865" v="177" actId="1076"/>
-          <ac:picMkLst>
-            <pc:docMk/>
-            <pc:sldMk cId="3595791110" sldId="266"/>
-            <ac:picMk id="21" creationId="{F09B2506-0D25-6E88-3AA2-5E1DCE60EA5D}"/>
-          </ac:picMkLst>
-        </pc:picChg>
-        <pc:picChg chg="add del mod">
-          <ac:chgData name="Guest User" userId="" providerId="Windows Live" clId="Web-{BA66BB83-77F5-471D-B9DA-7D56935358A9}" dt="2023-09-28T21:48:49.244" v="89"/>
-          <ac:picMkLst>
-            <pc:docMk/>
-            <pc:sldMk cId="3595791110" sldId="266"/>
-            <ac:picMk id="21" creationId="{F8BAD12E-A4BC-D877-8E22-985A87D547AC}"/>
-          </ac:picMkLst>
-        </pc:picChg>
-        <pc:picChg chg="add mod">
-          <ac:chgData name="Guest User" userId="" providerId="Windows Live" clId="Web-{BA66BB83-77F5-471D-B9DA-7D56935358A9}" dt="2023-09-29T00:02:11.850" v="179" actId="1076"/>
-          <ac:picMkLst>
-            <pc:docMk/>
-            <pc:sldMk cId="3595791110" sldId="266"/>
-            <ac:picMk id="22" creationId="{94A50F37-C1C9-A48A-B8F5-B7395B8FF550}"/>
-          </ac:picMkLst>
-        </pc:picChg>
-        <pc:picChg chg="add del mod">
-          <ac:chgData name="Guest User" userId="" providerId="Windows Live" clId="Web-{BA66BB83-77F5-471D-B9DA-7D56935358A9}" dt="2023-09-28T21:48:50.103" v="90"/>
-          <ac:picMkLst>
-            <pc:docMk/>
-            <pc:sldMk cId="3595791110" sldId="266"/>
-            <ac:picMk id="22" creationId="{F2EC90D6-25F5-A73B-4A90-1E16A9C40C6C}"/>
-          </ac:picMkLst>
-        </pc:picChg>
-      </pc:sldChg>
-      <pc:sldChg chg="delSp modSp">
-        <pc:chgData name="Guest User" userId="" providerId="Windows Live" clId="Web-{BA66BB83-77F5-471D-B9DA-7D56935358A9}" dt="2023-09-28T21:33:01.576" v="85"/>
-        <pc:sldMkLst>
-          <pc:docMk/>
-          <pc:sldMk cId="0" sldId="273"/>
-        </pc:sldMkLst>
-        <pc:spChg chg="del">
-          <ac:chgData name="Guest User" userId="" providerId="Windows Live" clId="Web-{BA66BB83-77F5-471D-B9DA-7D56935358A9}" dt="2023-09-28T21:33:01.576" v="85"/>
-          <ac:spMkLst>
-            <pc:docMk/>
-            <pc:sldMk cId="0" sldId="273"/>
-            <ac:spMk id="124" creationId="{F3060C83-F051-4F0E-ABAD-AA0DFC48B218}"/>
-          </ac:spMkLst>
-        </pc:spChg>
-        <pc:spChg chg="del">
-          <ac:chgData name="Guest User" userId="" providerId="Windows Live" clId="Web-{BA66BB83-77F5-471D-B9DA-7D56935358A9}" dt="2023-09-28T21:33:01.576" v="85"/>
-          <ac:spMkLst>
-            <pc:docMk/>
-            <pc:sldMk cId="0" sldId="273"/>
-            <ac:spMk id="126" creationId="{83C98ABE-055B-441F-B07E-44F97F083C39}"/>
-          </ac:spMkLst>
-        </pc:spChg>
-        <pc:spChg chg="del">
-          <ac:chgData name="Guest User" userId="" providerId="Windows Live" clId="Web-{BA66BB83-77F5-471D-B9DA-7D56935358A9}" dt="2023-09-28T21:33:01.576" v="85"/>
-          <ac:spMkLst>
-            <pc:docMk/>
-            <pc:sldMk cId="0" sldId="273"/>
-            <ac:spMk id="128" creationId="{29FDB030-9B49-4CED-8CCD-4D99382388AC}"/>
-          </ac:spMkLst>
-        </pc:spChg>
-        <pc:spChg chg="del">
-          <ac:chgData name="Guest User" userId="" providerId="Windows Live" clId="Web-{BA66BB83-77F5-471D-B9DA-7D56935358A9}" dt="2023-09-28T21:33:01.576" v="85"/>
-          <ac:spMkLst>
-            <pc:docMk/>
-            <pc:sldMk cId="0" sldId="273"/>
-            <ac:spMk id="130" creationId="{3783CA14-24A1-485C-8B30-D6A5D87987AD}"/>
-          </ac:spMkLst>
-        </pc:spChg>
-        <pc:spChg chg="del">
-          <ac:chgData name="Guest User" userId="" providerId="Windows Live" clId="Web-{BA66BB83-77F5-471D-B9DA-7D56935358A9}" dt="2023-09-28T21:33:01.576" v="85"/>
-          <ac:spMkLst>
-            <pc:docMk/>
-            <pc:sldMk cId="0" sldId="273"/>
-            <ac:spMk id="132" creationId="{9A97C86A-04D6-40F7-AE84-31AB43E6A846}"/>
-          </ac:spMkLst>
-        </pc:spChg>
-        <pc:spChg chg="del">
-          <ac:chgData name="Guest User" userId="" providerId="Windows Live" clId="Web-{BA66BB83-77F5-471D-B9DA-7D56935358A9}" dt="2023-09-28T21:33:01.576" v="85"/>
-          <ac:spMkLst>
-            <pc:docMk/>
-            <pc:sldMk cId="0" sldId="273"/>
-            <ac:spMk id="134" creationId="{FF9F2414-84E8-453E-B1F3-389FDE8192D9}"/>
-          </ac:spMkLst>
-        </pc:spChg>
-        <pc:spChg chg="del">
-          <ac:chgData name="Guest User" userId="" providerId="Windows Live" clId="Web-{BA66BB83-77F5-471D-B9DA-7D56935358A9}" dt="2023-09-28T21:33:01.576" v="85"/>
-          <ac:spMkLst>
-            <pc:docMk/>
-            <pc:sldMk cId="0" sldId="273"/>
-            <ac:spMk id="136" creationId="{3ECA69A1-7536-43AC-85EF-C7106179F5ED}"/>
-          </ac:spMkLst>
-        </pc:spChg>
-        <pc:picChg chg="mod">
-          <ac:chgData name="Guest User" userId="" providerId="Windows Live" clId="Web-{BA66BB83-77F5-471D-B9DA-7D56935358A9}" dt="2023-09-28T21:33:01.576" v="85"/>
-          <ac:picMkLst>
-            <pc:docMk/>
-            <pc:sldMk cId="0" sldId="273"/>
-            <ac:picMk id="119" creationId="{00000000-0000-0000-0000-000000000000}"/>
-          </ac:picMkLst>
-        </pc:picChg>
-      </pc:sldChg>
-      <pc:sldChg chg="modSp">
-        <pc:chgData name="Guest User" userId="" providerId="Windows Live" clId="Web-{BA66BB83-77F5-471D-B9DA-7D56935358A9}" dt="2023-09-28T21:20:59.327" v="15" actId="1076"/>
-        <pc:sldMkLst>
-          <pc:docMk/>
-          <pc:sldMk cId="0" sldId="274"/>
-        </pc:sldMkLst>
-        <pc:picChg chg="mod">
-          <ac:chgData name="Guest User" userId="" providerId="Windows Live" clId="Web-{BA66BB83-77F5-471D-B9DA-7D56935358A9}" dt="2023-09-28T21:20:59.327" v="15" actId="1076"/>
-          <ac:picMkLst>
-            <pc:docMk/>
-            <pc:sldMk cId="0" sldId="274"/>
-            <ac:picMk id="124" creationId="{00000000-0000-0000-0000-000000000000}"/>
-          </ac:picMkLst>
-        </pc:picChg>
-      </pc:sldChg>
-      <pc:sldChg chg="addSp delSp modSp">
-        <pc:chgData name="Guest User" userId="" providerId="Windows Live" clId="Web-{BA66BB83-77F5-471D-B9DA-7D56935358A9}" dt="2023-09-29T01:01:43.921" v="269" actId="20577"/>
-        <pc:sldMkLst>
-          <pc:docMk/>
-          <pc:sldMk cId="962639800" sldId="280"/>
-        </pc:sldMkLst>
-        <pc:spChg chg="add mod">
-          <ac:chgData name="Guest User" userId="" providerId="Windows Live" clId="Web-{BA66BB83-77F5-471D-B9DA-7D56935358A9}" dt="2023-09-29T01:01:43.921" v="269" actId="20577"/>
-          <ac:spMkLst>
-            <pc:docMk/>
-            <pc:sldMk cId="962639800" sldId="280"/>
-            <ac:spMk id="5" creationId="{95064B3B-59AE-FC83-C4EC-97DC4ED784B7}"/>
-          </ac:spMkLst>
-        </pc:spChg>
-        <pc:picChg chg="add mod">
-          <ac:chgData name="Guest User" userId="" providerId="Windows Live" clId="Web-{BA66BB83-77F5-471D-B9DA-7D56935358A9}" dt="2023-09-29T00:07:38.597" v="212" actId="1076"/>
-          <ac:picMkLst>
-            <pc:docMk/>
-            <pc:sldMk cId="962639800" sldId="280"/>
-            <ac:picMk id="2" creationId="{ED88A3BD-96D6-71F9-11BE-2096A292EB29}"/>
-          </ac:picMkLst>
-        </pc:picChg>
-        <pc:picChg chg="add mod">
-          <ac:chgData name="Guest User" userId="" providerId="Windows Live" clId="Web-{BA66BB83-77F5-471D-B9DA-7D56935358A9}" dt="2023-09-29T00:21:46.187" v="237" actId="1076"/>
-          <ac:picMkLst>
-            <pc:docMk/>
-            <pc:sldMk cId="962639800" sldId="280"/>
-            <ac:picMk id="3" creationId="{75751831-BC74-E6BC-C3B0-EFB0B0817001}"/>
-          </ac:picMkLst>
-        </pc:picChg>
-        <pc:picChg chg="del">
-          <ac:chgData name="Guest User" userId="" providerId="Windows Live" clId="Web-{BA66BB83-77F5-471D-B9DA-7D56935358A9}" dt="2023-09-29T00:05:23.467" v="195"/>
-          <ac:picMkLst>
-            <pc:docMk/>
-            <pc:sldMk cId="962639800" sldId="280"/>
-            <ac:picMk id="6" creationId="{77DA6BDB-DE74-DD75-A3F4-7FB28C4FF891}"/>
-          </ac:picMkLst>
-        </pc:picChg>
-      </pc:sldChg>
-    </pc:docChg>
-  </pc:docChgLst>
-  <pc:docChgLst>
-    <pc:chgData name="Guest User" providerId="Windows Live" clId="Web-{8A324E48-FD94-4108-BE2E-093B8596DCBD}"/>
-    <pc:docChg chg="addSld delSld modSld">
-      <pc:chgData name="Guest User" userId="" providerId="Windows Live" clId="Web-{8A324E48-FD94-4108-BE2E-093B8596DCBD}" dt="2023-09-28T21:12:17.467" v="89"/>
-      <pc:docMkLst>
-        <pc:docMk/>
-      </pc:docMkLst>
-      <pc:sldChg chg="addSp modSp mod setBg addAnim">
-        <pc:chgData name="Guest User" userId="" providerId="Windows Live" clId="Web-{8A324E48-FD94-4108-BE2E-093B8596DCBD}" dt="2023-09-28T21:10:54.072" v="83"/>
-        <pc:sldMkLst>
-          <pc:docMk/>
-          <pc:sldMk cId="21090907" sldId="265"/>
-        </pc:sldMkLst>
-        <pc:spChg chg="mod">
-          <ac:chgData name="Guest User" userId="" providerId="Windows Live" clId="Web-{8A324E48-FD94-4108-BE2E-093B8596DCBD}" dt="2023-09-28T21:10:54.072" v="81"/>
-          <ac:spMkLst>
-            <pc:docMk/>
-            <pc:sldMk cId="21090907" sldId="265"/>
-            <ac:spMk id="2" creationId="{16F1E946-040B-6700-FACE-54ED0F39DA27}"/>
-          </ac:spMkLst>
-        </pc:spChg>
-        <pc:spChg chg="mod">
-          <ac:chgData name="Guest User" userId="" providerId="Windows Live" clId="Web-{8A324E48-FD94-4108-BE2E-093B8596DCBD}" dt="2023-09-28T21:10:54.072" v="81"/>
-          <ac:spMkLst>
-            <pc:docMk/>
-            <pc:sldMk cId="21090907" sldId="265"/>
-            <ac:spMk id="3" creationId="{C29F3C71-3617-A86A-0136-60E87D1E77F0}"/>
-          </ac:spMkLst>
-        </pc:spChg>
-        <pc:spChg chg="add">
-          <ac:chgData name="Guest User" userId="" providerId="Windows Live" clId="Web-{8A324E48-FD94-4108-BE2E-093B8596DCBD}" dt="2023-09-28T21:10:54.072" v="81"/>
-          <ac:spMkLst>
-            <pc:docMk/>
-            <pc:sldMk cId="21090907" sldId="265"/>
-            <ac:spMk id="1031" creationId="{362D44EE-C852-4460-B8B5-C4F2BC20510C}"/>
-          </ac:spMkLst>
-        </pc:spChg>
-        <pc:spChg chg="add">
-          <ac:chgData name="Guest User" userId="" providerId="Windows Live" clId="Web-{8A324E48-FD94-4108-BE2E-093B8596DCBD}" dt="2023-09-28T21:10:54.072" v="81"/>
-          <ac:spMkLst>
-            <pc:docMk/>
-            <pc:sldMk cId="21090907" sldId="265"/>
-            <ac:spMk id="1033" creationId="{658970D8-8D1D-4B5C-894B-E871CC86543D}"/>
-          </ac:spMkLst>
-        </pc:spChg>
-        <pc:spChg chg="add">
-          <ac:chgData name="Guest User" userId="" providerId="Windows Live" clId="Web-{8A324E48-FD94-4108-BE2E-093B8596DCBD}" dt="2023-09-28T21:10:54.072" v="81"/>
-          <ac:spMkLst>
-            <pc:docMk/>
-            <pc:sldMk cId="21090907" sldId="265"/>
-            <ac:spMk id="1035" creationId="{F227E5B6-9132-43CA-B503-37A18562ADF2}"/>
-          </ac:spMkLst>
-        </pc:spChg>
-        <pc:spChg chg="add">
-          <ac:chgData name="Guest User" userId="" providerId="Windows Live" clId="Web-{8A324E48-FD94-4108-BE2E-093B8596DCBD}" dt="2023-09-28T21:10:54.072" v="81"/>
-          <ac:spMkLst>
-            <pc:docMk/>
-            <pc:sldMk cId="21090907" sldId="265"/>
-            <ac:spMk id="1037" creationId="{03C2051E-A88D-48E5-BACF-AAED17892722}"/>
-          </ac:spMkLst>
-        </pc:spChg>
-        <pc:spChg chg="add">
-          <ac:chgData name="Guest User" userId="" providerId="Windows Live" clId="Web-{8A324E48-FD94-4108-BE2E-093B8596DCBD}" dt="2023-09-28T21:10:54.072" v="81"/>
-          <ac:spMkLst>
-            <pc:docMk/>
-            <pc:sldMk cId="21090907" sldId="265"/>
-            <ac:spMk id="1039" creationId="{7821A508-2985-4905-874A-527429BAABFA}"/>
-          </ac:spMkLst>
-        </pc:spChg>
-        <pc:spChg chg="add">
-          <ac:chgData name="Guest User" userId="" providerId="Windows Live" clId="Web-{8A324E48-FD94-4108-BE2E-093B8596DCBD}" dt="2023-09-28T21:10:54.072" v="81"/>
-          <ac:spMkLst>
-            <pc:docMk/>
-            <pc:sldMk cId="21090907" sldId="265"/>
-            <ac:spMk id="1041" creationId="{D2929CB1-0E3C-4B2D-ADC5-0154FB33BA44}"/>
-          </ac:spMkLst>
-        </pc:spChg>
-        <pc:spChg chg="add">
-          <ac:chgData name="Guest User" userId="" providerId="Windows Live" clId="Web-{8A324E48-FD94-4108-BE2E-093B8596DCBD}" dt="2023-09-28T21:10:54.072" v="81"/>
-          <ac:spMkLst>
-            <pc:docMk/>
-            <pc:sldMk cId="21090907" sldId="265"/>
-            <ac:spMk id="1043" creationId="{5F2F0C84-BE8C-4DC2-A6D3-30349A801D5C}"/>
-          </ac:spMkLst>
-        </pc:spChg>
-        <pc:picChg chg="mod">
-          <ac:chgData name="Guest User" userId="" providerId="Windows Live" clId="Web-{8A324E48-FD94-4108-BE2E-093B8596DCBD}" dt="2023-09-28T21:10:54.072" v="81"/>
-          <ac:picMkLst>
-            <pc:docMk/>
-            <pc:sldMk cId="21090907" sldId="265"/>
-            <ac:picMk id="1026" creationId="{2F4411B2-BAA1-1F53-60C2-98CB16ECDFFB}"/>
-          </ac:picMkLst>
-        </pc:picChg>
-      </pc:sldChg>
-      <pc:sldChg chg="addSp delSp modSp mod setBg">
-        <pc:chgData name="Guest User" userId="" providerId="Windows Live" clId="Web-{8A324E48-FD94-4108-BE2E-093B8596DCBD}" dt="2023-09-28T21:09:20.850" v="70" actId="14100"/>
-        <pc:sldMkLst>
-          <pc:docMk/>
-          <pc:sldMk cId="3595791110" sldId="266"/>
-        </pc:sldMkLst>
-        <pc:spChg chg="del mod">
-          <ac:chgData name="Guest User" userId="" providerId="Windows Live" clId="Web-{8A324E48-FD94-4108-BE2E-093B8596DCBD}" dt="2023-09-28T21:00:32.374" v="2"/>
-          <ac:spMkLst>
-            <pc:docMk/>
-            <pc:sldMk cId="3595791110" sldId="266"/>
-            <ac:spMk id="2" creationId="{3E2213E4-0ED9-DE0E-107C-0302EBBB36EF}"/>
-          </ac:spMkLst>
-        </pc:spChg>
-        <pc:spChg chg="del mod">
-          <ac:chgData name="Guest User" userId="" providerId="Windows Live" clId="Web-{8A324E48-FD94-4108-BE2E-093B8596DCBD}" dt="2023-09-28T21:00:34.140" v="3"/>
-          <ac:spMkLst>
-            <pc:docMk/>
-            <pc:sldMk cId="3595791110" sldId="266"/>
-            <ac:spMk id="3" creationId="{27DAD8B4-EA10-9105-0EBC-DD648210C3A0}"/>
-          </ac:spMkLst>
-        </pc:spChg>
-        <pc:spChg chg="add mod">
-          <ac:chgData name="Guest User" userId="" providerId="Windows Live" clId="Web-{8A324E48-FD94-4108-BE2E-093B8596DCBD}" dt="2023-09-28T21:04:47.744" v="31"/>
-          <ac:spMkLst>
-            <pc:docMk/>
-            <pc:sldMk cId="3595791110" sldId="266"/>
-            <ac:spMk id="4" creationId="{520052C3-8332-88F8-1B83-FC0A850102EF}"/>
-          </ac:spMkLst>
-        </pc:spChg>
-        <pc:spChg chg="mod">
-          <ac:chgData name="Guest User" userId="" providerId="Windows Live" clId="Web-{8A324E48-FD94-4108-BE2E-093B8596DCBD}" dt="2023-09-28T21:09:20.850" v="70" actId="14100"/>
-          <ac:spMkLst>
-            <pc:docMk/>
-            <pc:sldMk cId="3595791110" sldId="266"/>
-            <ac:spMk id="18" creationId="{6C5D55A6-9EFD-CDA3-20CC-A99812CE1ABC}"/>
-          </ac:spMkLst>
-        </pc:spChg>
-        <pc:grpChg chg="add">
-          <ac:chgData name="Guest User" userId="" providerId="Windows Live" clId="Web-{8A324E48-FD94-4108-BE2E-093B8596DCBD}" dt="2023-09-28T21:04:47.744" v="31"/>
-          <ac:grpSpMkLst>
-            <pc:docMk/>
-            <pc:sldMk cId="3595791110" sldId="266"/>
-            <ac:grpSpMk id="17" creationId="{1E5539EC-8CB8-002F-68C6-678840282659}"/>
-          </ac:grpSpMkLst>
-        </pc:grpChg>
-        <pc:picChg chg="add mod">
-          <ac:chgData name="Guest User" userId="" providerId="Windows Live" clId="Web-{8A324E48-FD94-4108-BE2E-093B8596DCBD}" dt="2023-09-28T21:04:47.744" v="31"/>
-          <ac:picMkLst>
-            <pc:docMk/>
-            <pc:sldMk cId="3595791110" sldId="266"/>
-            <ac:picMk id="5" creationId="{3515B320-7348-FD53-A9DB-30F4A9F6D9AA}"/>
-          </ac:picMkLst>
-        </pc:picChg>
-        <pc:picChg chg="add mod">
-          <ac:chgData name="Guest User" userId="" providerId="Windows Live" clId="Web-{8A324E48-FD94-4108-BE2E-093B8596DCBD}" dt="2023-09-28T21:04:47.744" v="31"/>
-          <ac:picMkLst>
-            <pc:docMk/>
-            <pc:sldMk cId="3595791110" sldId="266"/>
-            <ac:picMk id="6" creationId="{3F6D0AA5-4DE3-6FAD-04D6-8E068418580D}"/>
-          </ac:picMkLst>
-        </pc:picChg>
-        <pc:picChg chg="add mod">
-          <ac:chgData name="Guest User" userId="" providerId="Windows Live" clId="Web-{8A324E48-FD94-4108-BE2E-093B8596DCBD}" dt="2023-09-28T21:04:47.744" v="31"/>
-          <ac:picMkLst>
-            <pc:docMk/>
-            <pc:sldMk cId="3595791110" sldId="266"/>
-            <ac:picMk id="7" creationId="{530A27B7-F429-7850-2262-E8C44BA9239D}"/>
-          </ac:picMkLst>
-        </pc:picChg>
-        <pc:picChg chg="add mod">
-          <ac:chgData name="Guest User" userId="" providerId="Windows Live" clId="Web-{8A324E48-FD94-4108-BE2E-093B8596DCBD}" dt="2023-09-28T21:04:47.744" v="31"/>
-          <ac:picMkLst>
-            <pc:docMk/>
-            <pc:sldMk cId="3595791110" sldId="266"/>
-            <ac:picMk id="8" creationId="{CACC4282-EE4F-EACA-2036-048D953E9716}"/>
-          </ac:picMkLst>
-        </pc:picChg>
-        <pc:picChg chg="add mod">
-          <ac:chgData name="Guest User" userId="" providerId="Windows Live" clId="Web-{8A324E48-FD94-4108-BE2E-093B8596DCBD}" dt="2023-09-28T21:04:47.744" v="31"/>
-          <ac:picMkLst>
-            <pc:docMk/>
-            <pc:sldMk cId="3595791110" sldId="266"/>
-            <ac:picMk id="9" creationId="{FFD181BD-F1E1-3C55-8A0F-9D7E9DB46E4C}"/>
-          </ac:picMkLst>
-        </pc:picChg>
-        <pc:picChg chg="add mod">
-          <ac:chgData name="Guest User" userId="" providerId="Windows Live" clId="Web-{8A324E48-FD94-4108-BE2E-093B8596DCBD}" dt="2023-09-28T21:04:47.744" v="31"/>
-          <ac:picMkLst>
-            <pc:docMk/>
-            <pc:sldMk cId="3595791110" sldId="266"/>
-            <ac:picMk id="10" creationId="{C7D8F67F-E038-5CA7-89FD-1383BF0F875E}"/>
-          </ac:picMkLst>
-        </pc:picChg>
-        <pc:picChg chg="add mod">
-          <ac:chgData name="Guest User" userId="" providerId="Windows Live" clId="Web-{8A324E48-FD94-4108-BE2E-093B8596DCBD}" dt="2023-09-28T21:04:47.744" v="31"/>
-          <ac:picMkLst>
-            <pc:docMk/>
-            <pc:sldMk cId="3595791110" sldId="266"/>
-            <ac:picMk id="11" creationId="{97751012-7FA7-08B7-C35B-FD8E9B977C58}"/>
-          </ac:picMkLst>
-        </pc:picChg>
-        <pc:picChg chg="add mod">
-          <ac:chgData name="Guest User" userId="" providerId="Windows Live" clId="Web-{8A324E48-FD94-4108-BE2E-093B8596DCBD}" dt="2023-09-28T21:04:47.744" v="31"/>
-          <ac:picMkLst>
-            <pc:docMk/>
-            <pc:sldMk cId="3595791110" sldId="266"/>
-            <ac:picMk id="12" creationId="{61BDA0D2-6F78-D3FE-9B42-7A9C477D2699}"/>
-          </ac:picMkLst>
-        </pc:picChg>
-      </pc:sldChg>
-      <pc:sldChg chg="addSp modSp mod setBg">
-        <pc:chgData name="Guest User" userId="" providerId="Windows Live" clId="Web-{8A324E48-FD94-4108-BE2E-093B8596DCBD}" dt="2023-09-28T21:11:54.872" v="84"/>
-        <pc:sldMkLst>
-          <pc:docMk/>
-          <pc:sldMk cId="0" sldId="273"/>
-        </pc:sldMkLst>
-        <pc:spChg chg="add">
-          <ac:chgData name="Guest User" userId="" providerId="Windows Live" clId="Web-{8A324E48-FD94-4108-BE2E-093B8596DCBD}" dt="2023-09-28T21:11:54.872" v="84"/>
-          <ac:spMkLst>
-            <pc:docMk/>
-            <pc:sldMk cId="0" sldId="273"/>
-            <ac:spMk id="124" creationId="{F3060C83-F051-4F0E-ABAD-AA0DFC48B218}"/>
-          </ac:spMkLst>
-        </pc:spChg>
-        <pc:spChg chg="add">
-          <ac:chgData name="Guest User" userId="" providerId="Windows Live" clId="Web-{8A324E48-FD94-4108-BE2E-093B8596DCBD}" dt="2023-09-28T21:11:54.872" v="84"/>
-          <ac:spMkLst>
-            <pc:docMk/>
-            <pc:sldMk cId="0" sldId="273"/>
-            <ac:spMk id="126" creationId="{83C98ABE-055B-441F-B07E-44F97F083C39}"/>
-          </ac:spMkLst>
-        </pc:spChg>
-        <pc:spChg chg="add">
-          <ac:chgData name="Guest User" userId="" providerId="Windows Live" clId="Web-{8A324E48-FD94-4108-BE2E-093B8596DCBD}" dt="2023-09-28T21:11:54.872" v="84"/>
-          <ac:spMkLst>
-            <pc:docMk/>
-            <pc:sldMk cId="0" sldId="273"/>
-            <ac:spMk id="128" creationId="{29FDB030-9B49-4CED-8CCD-4D99382388AC}"/>
-          </ac:spMkLst>
-        </pc:spChg>
-        <pc:spChg chg="add">
-          <ac:chgData name="Guest User" userId="" providerId="Windows Live" clId="Web-{8A324E48-FD94-4108-BE2E-093B8596DCBD}" dt="2023-09-28T21:11:54.872" v="84"/>
-          <ac:spMkLst>
-            <pc:docMk/>
-            <pc:sldMk cId="0" sldId="273"/>
-            <ac:spMk id="130" creationId="{3783CA14-24A1-485C-8B30-D6A5D87987AD}"/>
-          </ac:spMkLst>
-        </pc:spChg>
-        <pc:spChg chg="add">
-          <ac:chgData name="Guest User" userId="" providerId="Windows Live" clId="Web-{8A324E48-FD94-4108-BE2E-093B8596DCBD}" dt="2023-09-28T21:11:54.872" v="84"/>
-          <ac:spMkLst>
-            <pc:docMk/>
-            <pc:sldMk cId="0" sldId="273"/>
-            <ac:spMk id="132" creationId="{9A97C86A-04D6-40F7-AE84-31AB43E6A846}"/>
-          </ac:spMkLst>
-        </pc:spChg>
-        <pc:spChg chg="add">
-          <ac:chgData name="Guest User" userId="" providerId="Windows Live" clId="Web-{8A324E48-FD94-4108-BE2E-093B8596DCBD}" dt="2023-09-28T21:11:54.872" v="84"/>
-          <ac:spMkLst>
-            <pc:docMk/>
-            <pc:sldMk cId="0" sldId="273"/>
-            <ac:spMk id="134" creationId="{FF9F2414-84E8-453E-B1F3-389FDE8192D9}"/>
-          </ac:spMkLst>
-        </pc:spChg>
-        <pc:spChg chg="add">
-          <ac:chgData name="Guest User" userId="" providerId="Windows Live" clId="Web-{8A324E48-FD94-4108-BE2E-093B8596DCBD}" dt="2023-09-28T21:11:54.872" v="84"/>
-          <ac:spMkLst>
-            <pc:docMk/>
-            <pc:sldMk cId="0" sldId="273"/>
-            <ac:spMk id="136" creationId="{3ECA69A1-7536-43AC-85EF-C7106179F5ED}"/>
-          </ac:spMkLst>
-        </pc:spChg>
-        <pc:picChg chg="mod">
-          <ac:chgData name="Guest User" userId="" providerId="Windows Live" clId="Web-{8A324E48-FD94-4108-BE2E-093B8596DCBD}" dt="2023-09-28T21:11:54.872" v="84"/>
-          <ac:picMkLst>
-            <pc:docMk/>
-            <pc:sldMk cId="0" sldId="273"/>
-            <ac:picMk id="119" creationId="{00000000-0000-0000-0000-000000000000}"/>
-          </ac:picMkLst>
-        </pc:picChg>
-      </pc:sldChg>
-      <pc:sldChg chg="addSp delSp modSp mod setBg">
-        <pc:chgData name="Guest User" userId="" providerId="Windows Live" clId="Web-{8A324E48-FD94-4108-BE2E-093B8596DCBD}" dt="2023-09-28T21:12:17.467" v="89"/>
-        <pc:sldMkLst>
-          <pc:docMk/>
-          <pc:sldMk cId="0" sldId="274"/>
-        </pc:sldMkLst>
-        <pc:spChg chg="add del">
-          <ac:chgData name="Guest User" userId="" providerId="Windows Live" clId="Web-{8A324E48-FD94-4108-BE2E-093B8596DCBD}" dt="2023-09-28T21:12:17.467" v="89"/>
-          <ac:spMkLst>
-            <pc:docMk/>
-            <pc:sldMk cId="0" sldId="274"/>
-            <ac:spMk id="129" creationId="{F3060C83-F051-4F0E-ABAD-AA0DFC48B218}"/>
-          </ac:spMkLst>
-        </pc:spChg>
-        <pc:spChg chg="add del">
-          <ac:chgData name="Guest User" userId="" providerId="Windows Live" clId="Web-{8A324E48-FD94-4108-BE2E-093B8596DCBD}" dt="2023-09-28T21:12:17.467" v="89"/>
-          <ac:spMkLst>
-            <pc:docMk/>
-            <pc:sldMk cId="0" sldId="274"/>
-            <ac:spMk id="131" creationId="{83C98ABE-055B-441F-B07E-44F97F083C39}"/>
-          </ac:spMkLst>
-        </pc:spChg>
-        <pc:spChg chg="add del">
-          <ac:chgData name="Guest User" userId="" providerId="Windows Live" clId="Web-{8A324E48-FD94-4108-BE2E-093B8596DCBD}" dt="2023-09-28T21:12:17.467" v="89"/>
-          <ac:spMkLst>
-            <pc:docMk/>
-            <pc:sldMk cId="0" sldId="274"/>
-            <ac:spMk id="133" creationId="{29FDB030-9B49-4CED-8CCD-4D99382388AC}"/>
-          </ac:spMkLst>
-        </pc:spChg>
-        <pc:spChg chg="add del">
-          <ac:chgData name="Guest User" userId="" providerId="Windows Live" clId="Web-{8A324E48-FD94-4108-BE2E-093B8596DCBD}" dt="2023-09-28T21:12:17.467" v="89"/>
-          <ac:spMkLst>
-            <pc:docMk/>
-            <pc:sldMk cId="0" sldId="274"/>
-            <ac:spMk id="135" creationId="{3783CA14-24A1-485C-8B30-D6A5D87987AD}"/>
-          </ac:spMkLst>
-        </pc:spChg>
-        <pc:spChg chg="add del">
-          <ac:chgData name="Guest User" userId="" providerId="Windows Live" clId="Web-{8A324E48-FD94-4108-BE2E-093B8596DCBD}" dt="2023-09-28T21:12:17.467" v="89"/>
-          <ac:spMkLst>
-            <pc:docMk/>
-            <pc:sldMk cId="0" sldId="274"/>
-            <ac:spMk id="137" creationId="{9A97C86A-04D6-40F7-AE84-31AB43E6A846}"/>
-          </ac:spMkLst>
-        </pc:spChg>
-        <pc:spChg chg="add del">
-          <ac:chgData name="Guest User" userId="" providerId="Windows Live" clId="Web-{8A324E48-FD94-4108-BE2E-093B8596DCBD}" dt="2023-09-28T21:12:17.467" v="89"/>
-          <ac:spMkLst>
-            <pc:docMk/>
-            <pc:sldMk cId="0" sldId="274"/>
-            <ac:spMk id="139" creationId="{FF9F2414-84E8-453E-B1F3-389FDE8192D9}"/>
-          </ac:spMkLst>
-        </pc:spChg>
-        <pc:spChg chg="add del">
-          <ac:chgData name="Guest User" userId="" providerId="Windows Live" clId="Web-{8A324E48-FD94-4108-BE2E-093B8596DCBD}" dt="2023-09-28T21:12:17.467" v="89"/>
-          <ac:spMkLst>
-            <pc:docMk/>
-            <pc:sldMk cId="0" sldId="274"/>
-            <ac:spMk id="141" creationId="{3ECA69A1-7536-43AC-85EF-C7106179F5ED}"/>
-          </ac:spMkLst>
-        </pc:spChg>
-        <pc:spChg chg="add">
-          <ac:chgData name="Guest User" userId="" providerId="Windows Live" clId="Web-{8A324E48-FD94-4108-BE2E-093B8596DCBD}" dt="2023-09-28T21:12:17.467" v="89"/>
-          <ac:spMkLst>
-            <pc:docMk/>
-            <pc:sldMk cId="0" sldId="274"/>
-            <ac:spMk id="146" creationId="{42A4FC2C-047E-45A5-965D-8E1E3BF09BC6}"/>
-          </ac:spMkLst>
-        </pc:spChg>
-        <pc:picChg chg="mod">
-          <ac:chgData name="Guest User" userId="" providerId="Windows Live" clId="Web-{8A324E48-FD94-4108-BE2E-093B8596DCBD}" dt="2023-09-28T21:12:17.467" v="89"/>
-          <ac:picMkLst>
-            <pc:docMk/>
-            <pc:sldMk cId="0" sldId="274"/>
-            <ac:picMk id="124" creationId="{00000000-0000-0000-0000-000000000000}"/>
-          </ac:picMkLst>
-        </pc:picChg>
-      </pc:sldChg>
-      <pc:sldChg chg="addSp delSp modSp mod setBg">
-        <pc:chgData name="Guest User" userId="" providerId="Windows Live" clId="Web-{8A324E48-FD94-4108-BE2E-093B8596DCBD}" dt="2023-09-28T21:12:12.623" v="88"/>
-        <pc:sldMkLst>
-          <pc:docMk/>
-          <pc:sldMk cId="0" sldId="275"/>
-        </pc:sldMkLst>
-        <pc:spChg chg="add del">
-          <ac:chgData name="Guest User" userId="" providerId="Windows Live" clId="Web-{8A324E48-FD94-4108-BE2E-093B8596DCBD}" dt="2023-09-28T21:12:12.623" v="87"/>
-          <ac:spMkLst>
-            <pc:docMk/>
-            <pc:sldMk cId="0" sldId="275"/>
-            <ac:spMk id="134" creationId="{F3060C83-F051-4F0E-ABAD-AA0DFC48B218}"/>
-          </ac:spMkLst>
-        </pc:spChg>
-        <pc:spChg chg="add del">
-          <ac:chgData name="Guest User" userId="" providerId="Windows Live" clId="Web-{8A324E48-FD94-4108-BE2E-093B8596DCBD}" dt="2023-09-28T21:12:12.623" v="87"/>
-          <ac:spMkLst>
-            <pc:docMk/>
-            <pc:sldMk cId="0" sldId="275"/>
-            <ac:spMk id="136" creationId="{83C98ABE-055B-441F-B07E-44F97F083C39}"/>
-          </ac:spMkLst>
-        </pc:spChg>
-        <pc:spChg chg="add del">
-          <ac:chgData name="Guest User" userId="" providerId="Windows Live" clId="Web-{8A324E48-FD94-4108-BE2E-093B8596DCBD}" dt="2023-09-28T21:12:12.623" v="87"/>
-          <ac:spMkLst>
-            <pc:docMk/>
-            <pc:sldMk cId="0" sldId="275"/>
-            <ac:spMk id="138" creationId="{29FDB030-9B49-4CED-8CCD-4D99382388AC}"/>
-          </ac:spMkLst>
-        </pc:spChg>
-        <pc:spChg chg="add del">
-          <ac:chgData name="Guest User" userId="" providerId="Windows Live" clId="Web-{8A324E48-FD94-4108-BE2E-093B8596DCBD}" dt="2023-09-28T21:12:12.623" v="87"/>
-          <ac:spMkLst>
-            <pc:docMk/>
-            <pc:sldMk cId="0" sldId="275"/>
-            <ac:spMk id="140" creationId="{3783CA14-24A1-485C-8B30-D6A5D87987AD}"/>
-          </ac:spMkLst>
-        </pc:spChg>
-        <pc:spChg chg="add del">
-          <ac:chgData name="Guest User" userId="" providerId="Windows Live" clId="Web-{8A324E48-FD94-4108-BE2E-093B8596DCBD}" dt="2023-09-28T21:12:12.623" v="87"/>
-          <ac:spMkLst>
-            <pc:docMk/>
-            <pc:sldMk cId="0" sldId="275"/>
-            <ac:spMk id="142" creationId="{9A97C86A-04D6-40F7-AE84-31AB43E6A846}"/>
-          </ac:spMkLst>
-        </pc:spChg>
-        <pc:spChg chg="add del">
-          <ac:chgData name="Guest User" userId="" providerId="Windows Live" clId="Web-{8A324E48-FD94-4108-BE2E-093B8596DCBD}" dt="2023-09-28T21:12:12.623" v="87"/>
-          <ac:spMkLst>
-            <pc:docMk/>
-            <pc:sldMk cId="0" sldId="275"/>
-            <ac:spMk id="144" creationId="{FF9F2414-84E8-453E-B1F3-389FDE8192D9}"/>
-          </ac:spMkLst>
-        </pc:spChg>
-        <pc:spChg chg="add del">
-          <ac:chgData name="Guest User" userId="" providerId="Windows Live" clId="Web-{8A324E48-FD94-4108-BE2E-093B8596DCBD}" dt="2023-09-28T21:12:12.623" v="87"/>
-          <ac:spMkLst>
-            <pc:docMk/>
-            <pc:sldMk cId="0" sldId="275"/>
-            <ac:spMk id="146" creationId="{3ECA69A1-7536-43AC-85EF-C7106179F5ED}"/>
-          </ac:spMkLst>
-        </pc:spChg>
-        <pc:picChg chg="mod">
-          <ac:chgData name="Guest User" userId="" providerId="Windows Live" clId="Web-{8A324E48-FD94-4108-BE2E-093B8596DCBD}" dt="2023-09-28T21:12:12.623" v="88"/>
-          <ac:picMkLst>
-            <pc:docMk/>
-            <pc:sldMk cId="0" sldId="275"/>
-            <ac:picMk id="129" creationId="{00000000-0000-0000-0000-000000000000}"/>
-          </ac:picMkLst>
-        </pc:picChg>
-      </pc:sldChg>
-      <pc:sldChg chg="modSp del">
-        <pc:chgData name="Guest User" userId="" providerId="Windows Live" clId="Web-{8A324E48-FD94-4108-BE2E-093B8596DCBD}" dt="2023-09-28T21:07:10.922" v="68"/>
-        <pc:sldMkLst>
-          <pc:docMk/>
-          <pc:sldMk cId="0" sldId="276"/>
-        </pc:sldMkLst>
-        <pc:picChg chg="mod">
-          <ac:chgData name="Guest User" userId="" providerId="Windows Live" clId="Web-{8A324E48-FD94-4108-BE2E-093B8596DCBD}" dt="2023-09-28T21:06:55.937" v="65" actId="1076"/>
-          <ac:picMkLst>
-            <pc:docMk/>
-            <pc:sldMk cId="0" sldId="276"/>
-            <ac:picMk id="141" creationId="{00000000-0000-0000-0000-000000000000}"/>
-          </ac:picMkLst>
-        </pc:picChg>
-      </pc:sldChg>
-      <pc:sldChg chg="addSp delSp modSp add replId">
-        <pc:chgData name="Guest User" userId="" providerId="Windows Live" clId="Web-{8A324E48-FD94-4108-BE2E-093B8596DCBD}" dt="2023-09-28T21:10:23.680" v="80"/>
-        <pc:sldMkLst>
-          <pc:docMk/>
-          <pc:sldMk cId="472247714" sldId="278"/>
-        </pc:sldMkLst>
-        <pc:spChg chg="add mod">
-          <ac:chgData name="Guest User" userId="" providerId="Windows Live" clId="Web-{8A324E48-FD94-4108-BE2E-093B8596DCBD}" dt="2023-09-28T21:06:44.890" v="64" actId="20577"/>
-          <ac:spMkLst>
-            <pc:docMk/>
-            <pc:sldMk cId="472247714" sldId="278"/>
-            <ac:spMk id="3" creationId="{77200409-2D47-D2CE-81B0-9CA63B279327}"/>
-          </ac:spMkLst>
-        </pc:spChg>
-        <pc:spChg chg="del mod">
-          <ac:chgData name="Guest User" userId="" providerId="Windows Live" clId="Web-{8A324E48-FD94-4108-BE2E-093B8596DCBD}" dt="2023-09-28T21:06:16.076" v="53"/>
-          <ac:spMkLst>
-            <pc:docMk/>
-            <pc:sldMk cId="472247714" sldId="278"/>
-            <ac:spMk id="4" creationId="{520052C3-8332-88F8-1B83-FC0A850102EF}"/>
-          </ac:spMkLst>
-        </pc:spChg>
-        <pc:spChg chg="add del mod">
-          <ac:chgData name="Guest User" userId="" providerId="Windows Live" clId="Web-{8A324E48-FD94-4108-BE2E-093B8596DCBD}" dt="2023-09-28T21:10:23.680" v="79"/>
-          <ac:spMkLst>
-            <pc:docMk/>
-            <pc:sldMk cId="472247714" sldId="278"/>
-            <ac:spMk id="16" creationId="{860C74BB-8791-F823-6A7B-61432BB70330}"/>
-          </ac:spMkLst>
-        </pc:spChg>
-        <pc:picChg chg="del mod">
-          <ac:chgData name="Guest User" userId="" providerId="Windows Live" clId="Web-{8A324E48-FD94-4108-BE2E-093B8596DCBD}" dt="2023-09-28T21:05:12.901" v="34"/>
-          <ac:picMkLst>
-            <pc:docMk/>
-            <pc:sldMk cId="472247714" sldId="278"/>
-            <ac:picMk id="5" creationId="{3515B320-7348-FD53-A9DB-30F4A9F6D9AA}"/>
-          </ac:picMkLst>
-        </pc:picChg>
-        <pc:picChg chg="del">
-          <ac:chgData name="Guest User" userId="" providerId="Windows Live" clId="Web-{8A324E48-FD94-4108-BE2E-093B8596DCBD}" dt="2023-09-28T21:05:14.167" v="35"/>
-          <ac:picMkLst>
-            <pc:docMk/>
-            <pc:sldMk cId="472247714" sldId="278"/>
-            <ac:picMk id="6" creationId="{3F6D0AA5-4DE3-6FAD-04D6-8E068418580D}"/>
-          </ac:picMkLst>
-        </pc:picChg>
-        <pc:picChg chg="del">
-          <ac:chgData name="Guest User" userId="" providerId="Windows Live" clId="Web-{8A324E48-FD94-4108-BE2E-093B8596DCBD}" dt="2023-09-28T21:05:14.995" v="36"/>
-          <ac:picMkLst>
-            <pc:docMk/>
-            <pc:sldMk cId="472247714" sldId="278"/>
-            <ac:picMk id="7" creationId="{530A27B7-F429-7850-2262-E8C44BA9239D}"/>
-          </ac:picMkLst>
-        </pc:picChg>
-        <pc:picChg chg="del">
-          <ac:chgData name="Guest User" userId="" providerId="Windows Live" clId="Web-{8A324E48-FD94-4108-BE2E-093B8596DCBD}" dt="2023-09-28T21:05:15.730" v="37"/>
-          <ac:picMkLst>
-            <pc:docMk/>
-            <pc:sldMk cId="472247714" sldId="278"/>
-            <ac:picMk id="8" creationId="{CACC4282-EE4F-EACA-2036-048D953E9716}"/>
-          </ac:picMkLst>
-        </pc:picChg>
-        <pc:picChg chg="del">
-          <ac:chgData name="Guest User" userId="" providerId="Windows Live" clId="Web-{8A324E48-FD94-4108-BE2E-093B8596DCBD}" dt="2023-09-28T21:05:16.620" v="38"/>
-          <ac:picMkLst>
-            <pc:docMk/>
-            <pc:sldMk cId="472247714" sldId="278"/>
-            <ac:picMk id="9" creationId="{FFD181BD-F1E1-3C55-8A0F-9D7E9DB46E4C}"/>
-          </ac:picMkLst>
-        </pc:picChg>
-        <pc:picChg chg="del">
-          <ac:chgData name="Guest User" userId="" providerId="Windows Live" clId="Web-{8A324E48-FD94-4108-BE2E-093B8596DCBD}" dt="2023-09-28T21:05:17.605" v="40"/>
-          <ac:picMkLst>
-            <pc:docMk/>
-            <pc:sldMk cId="472247714" sldId="278"/>
-            <ac:picMk id="10" creationId="{C7D8F67F-E038-5CA7-89FD-1383BF0F875E}"/>
-          </ac:picMkLst>
-        </pc:picChg>
-        <pc:picChg chg="del">
-          <ac:chgData name="Guest User" userId="" providerId="Windows Live" clId="Web-{8A324E48-FD94-4108-BE2E-093B8596DCBD}" dt="2023-09-28T21:05:17.105" v="39"/>
-          <ac:picMkLst>
-            <pc:docMk/>
-            <pc:sldMk cId="472247714" sldId="278"/>
-            <ac:picMk id="11" creationId="{97751012-7FA7-08B7-C35B-FD8E9B977C58}"/>
-          </ac:picMkLst>
-        </pc:picChg>
-        <pc:picChg chg="del">
-          <ac:chgData name="Guest User" userId="" providerId="Windows Live" clId="Web-{8A324E48-FD94-4108-BE2E-093B8596DCBD}" dt="2023-09-28T21:05:18.105" v="41"/>
-          <ac:picMkLst>
-            <pc:docMk/>
-            <pc:sldMk cId="472247714" sldId="278"/>
-            <ac:picMk id="12" creationId="{61BDA0D2-6F78-D3FE-9B42-7A9C477D2699}"/>
-          </ac:picMkLst>
-        </pc:picChg>
-        <pc:picChg chg="add mod">
-          <ac:chgData name="Guest User" userId="" providerId="Windows Live" clId="Web-{8A324E48-FD94-4108-BE2E-093B8596DCBD}" dt="2023-09-28T21:07:02.281" v="67" actId="1076"/>
-          <ac:picMkLst>
-            <pc:docMk/>
-            <pc:sldMk cId="472247714" sldId="278"/>
-            <ac:picMk id="14" creationId="{3A0A1325-C4F3-3BEC-6D96-1BC14BEC27E7}"/>
-          </ac:picMkLst>
-        </pc:picChg>
-        <pc:picChg chg="add del mod">
-          <ac:chgData name="Guest User" userId="" providerId="Windows Live" clId="Web-{8A324E48-FD94-4108-BE2E-093B8596DCBD}" dt="2023-09-28T21:10:23.680" v="80"/>
-          <ac:picMkLst>
-            <pc:docMk/>
-            <pc:sldMk cId="472247714" sldId="278"/>
-            <ac:picMk id="15" creationId="{2BD4B10A-59D4-05A1-3E57-F72D78C35456}"/>
-          </ac:picMkLst>
-        </pc:picChg>
-      </pc:sldChg>
-    </pc:docChg>
-  </pc:docChgLst>
-  <pc:docChgLst>
-    <pc:chgData name="Guest User" providerId="Windows Live" clId="Web-{73A5147C-0BE0-4F22-A307-8354B569D250}"/>
-    <pc:docChg chg="modSld">
-      <pc:chgData name="Guest User" userId="" providerId="Windows Live" clId="Web-{73A5147C-0BE0-4F22-A307-8354B569D250}" dt="2023-10-02T12:46:44.657" v="38" actId="20577"/>
-      <pc:docMkLst>
-        <pc:docMk/>
-      </pc:docMkLst>
-      <pc:sldChg chg="modSp">
-        <pc:chgData name="Guest User" userId="" providerId="Windows Live" clId="Web-{73A5147C-0BE0-4F22-A307-8354B569D250}" dt="2023-10-02T12:46:44.657" v="38" actId="20577"/>
-        <pc:sldMkLst>
-          <pc:docMk/>
-          <pc:sldMk cId="936727011" sldId="287"/>
-        </pc:sldMkLst>
-        <pc:spChg chg="mod">
-          <ac:chgData name="Guest User" userId="" providerId="Windows Live" clId="Web-{73A5147C-0BE0-4F22-A307-8354B569D250}" dt="2023-10-02T12:46:44.657" v="38" actId="20577"/>
-          <ac:spMkLst>
-            <pc:docMk/>
-            <pc:sldMk cId="936727011" sldId="287"/>
-            <ac:spMk id="2" creationId="{E229F603-DF97-DC27-0BBF-2AB2DBE80DE4}"/>
-          </ac:spMkLst>
-        </pc:spChg>
-      </pc:sldChg>
-    </pc:docChg>
-  </pc:docChgLst>
-  <pc:docChgLst>
     <pc:chgData name="Joel Wiseman" userId="058023fe719d27c7" providerId="LiveId" clId="{45902353-8814-4D75-B4A6-578F5BA36B0F}"/>
     <pc:docChg chg="undo redo custSel addSld delSld modSld sldOrd">
-      <pc:chgData name="Joel Wiseman" userId="058023fe719d27c7" providerId="LiveId" clId="{45902353-8814-4D75-B4A6-578F5BA36B0F}" dt="2023-10-02T13:25:02.897" v="1843" actId="20577"/>
+      <pc:chgData name="Joel Wiseman" userId="058023fe719d27c7" providerId="LiveId" clId="{45902353-8814-4D75-B4A6-578F5BA36B0F}" dt="2023-10-02T23:08:34.067" v="1957" actId="20577"/>
       <pc:docMkLst>
         <pc:docMk/>
       </pc:docMkLst>
       <pc:sldChg chg="modSp mod modNotesTx">
-        <pc:chgData name="Joel Wiseman" userId="058023fe719d27c7" providerId="LiveId" clId="{45902353-8814-4D75-B4A6-578F5BA36B0F}" dt="2023-10-02T13:18:52.871" v="1800" actId="20577"/>
+        <pc:chgData name="Joel Wiseman" userId="058023fe719d27c7" providerId="LiveId" clId="{45902353-8814-4D75-B4A6-578F5BA36B0F}" dt="2023-10-02T23:06:06.051" v="1918" actId="20577"/>
         <pc:sldMkLst>
           <pc:docMk/>
           <pc:sldMk cId="999071822" sldId="256"/>
@@ -1291,14 +287,14 @@
           <pc:sldMk cId="220222973" sldId="264"/>
         </pc:sldMkLst>
       </pc:sldChg>
-      <pc:sldChg chg="modSp mod modAnim">
-        <pc:chgData name="Joel Wiseman" userId="058023fe719d27c7" providerId="LiveId" clId="{45902353-8814-4D75-B4A6-578F5BA36B0F}" dt="2023-10-02T13:19:36.922" v="1826" actId="20577"/>
+      <pc:sldChg chg="modSp mod modAnim modNotesTx">
+        <pc:chgData name="Joel Wiseman" userId="058023fe719d27c7" providerId="LiveId" clId="{45902353-8814-4D75-B4A6-578F5BA36B0F}" dt="2023-10-02T23:08:00.018" v="1951" actId="20577"/>
         <pc:sldMkLst>
           <pc:docMk/>
           <pc:sldMk cId="21090907" sldId="265"/>
         </pc:sldMkLst>
         <pc:spChg chg="mod">
-          <ac:chgData name="Joel Wiseman" userId="058023fe719d27c7" providerId="LiveId" clId="{45902353-8814-4D75-B4A6-578F5BA36B0F}" dt="2023-10-02T13:19:36.922" v="1826" actId="20577"/>
+          <ac:chgData name="Joel Wiseman" userId="058023fe719d27c7" providerId="LiveId" clId="{45902353-8814-4D75-B4A6-578F5BA36B0F}" dt="2023-10-02T23:08:00.018" v="1951" actId="20577"/>
           <ac:spMkLst>
             <pc:docMk/>
             <pc:sldMk cId="21090907" sldId="265"/>
@@ -1560,7 +556,7 @@
         </pc:picChg>
       </pc:sldChg>
       <pc:sldChg chg="addSp delSp modSp add mod ord">
-        <pc:chgData name="Joel Wiseman" userId="058023fe719d27c7" providerId="LiveId" clId="{45902353-8814-4D75-B4A6-578F5BA36B0F}" dt="2023-09-28T22:57:09.525" v="1373" actId="20577"/>
+        <pc:chgData name="Joel Wiseman" userId="058023fe719d27c7" providerId="LiveId" clId="{45902353-8814-4D75-B4A6-578F5BA36B0F}" dt="2023-10-02T23:08:34.067" v="1957" actId="20577"/>
         <pc:sldMkLst>
           <pc:docMk/>
           <pc:sldMk cId="926853438" sldId="279"/>
@@ -1590,7 +586,7 @@
           </ac:spMkLst>
         </pc:spChg>
         <pc:spChg chg="add mod">
-          <ac:chgData name="Joel Wiseman" userId="058023fe719d27c7" providerId="LiveId" clId="{45902353-8814-4D75-B4A6-578F5BA36B0F}" dt="2023-09-28T22:57:09.525" v="1373" actId="20577"/>
+          <ac:chgData name="Joel Wiseman" userId="058023fe719d27c7" providerId="LiveId" clId="{45902353-8814-4D75-B4A6-578F5BA36B0F}" dt="2023-10-02T22:47:42.918" v="1893" actId="20577"/>
           <ac:spMkLst>
             <pc:docMk/>
             <pc:sldMk cId="926853438" sldId="279"/>
@@ -1598,7 +594,7 @@
           </ac:spMkLst>
         </pc:spChg>
         <pc:spChg chg="add mod">
-          <ac:chgData name="Joel Wiseman" userId="058023fe719d27c7" providerId="LiveId" clId="{45902353-8814-4D75-B4A6-578F5BA36B0F}" dt="2023-09-28T22:52:24.712" v="1148" actId="1076"/>
+          <ac:chgData name="Joel Wiseman" userId="058023fe719d27c7" providerId="LiveId" clId="{45902353-8814-4D75-B4A6-578F5BA36B0F}" dt="2023-10-02T23:08:34.067" v="1957" actId="20577"/>
           <ac:spMkLst>
             <pc:docMk/>
             <pc:sldMk cId="926853438" sldId="279"/>
@@ -1729,8 +725,8 @@
           </ac:picMkLst>
         </pc:picChg>
       </pc:sldChg>
-      <pc:sldChg chg="addSp delSp modSp add mod">
-        <pc:chgData name="Joel Wiseman" userId="058023fe719d27c7" providerId="LiveId" clId="{45902353-8814-4D75-B4A6-578F5BA36B0F}" dt="2023-09-28T22:51:37.548" v="1117" actId="1076"/>
+      <pc:sldChg chg="addSp delSp modSp add mod modNotesTx">
+        <pc:chgData name="Joel Wiseman" userId="058023fe719d27c7" providerId="LiveId" clId="{45902353-8814-4D75-B4A6-578F5BA36B0F}" dt="2023-10-02T23:06:26.367" v="1923" actId="20577"/>
         <pc:sldMkLst>
           <pc:docMk/>
           <pc:sldMk cId="2936063169" sldId="285"/>
@@ -1852,8 +848,8 @@
           </ac:picMkLst>
         </pc:picChg>
       </pc:sldChg>
-      <pc:sldChg chg="addSp delSp modSp add mod">
-        <pc:chgData name="Joel Wiseman" userId="058023fe719d27c7" providerId="LiveId" clId="{45902353-8814-4D75-B4A6-578F5BA36B0F}" dt="2023-10-02T12:50:45.672" v="1628" actId="1076"/>
+      <pc:sldChg chg="addSp delSp modSp add mod modNotesTx">
+        <pc:chgData name="Joel Wiseman" userId="058023fe719d27c7" providerId="LiveId" clId="{45902353-8814-4D75-B4A6-578F5BA36B0F}" dt="2023-10-02T23:06:38.168" v="1934" actId="20577"/>
         <pc:sldMkLst>
           <pc:docMk/>
           <pc:sldMk cId="3727241867" sldId="290"/>
@@ -1906,12 +902,1122 @@
           <pc:sldMk cId="2661107090" sldId="291"/>
         </pc:sldMkLst>
       </pc:sldChg>
-      <pc:sldChg chg="add">
-        <pc:chgData name="Joel Wiseman" userId="058023fe719d27c7" providerId="LiveId" clId="{45902353-8814-4D75-B4A6-578F5BA36B0F}" dt="2023-10-02T12:52:01.457" v="1654" actId="2890"/>
+      <pc:sldChg chg="modSp add mod">
+        <pc:chgData name="Joel Wiseman" userId="058023fe719d27c7" providerId="LiveId" clId="{45902353-8814-4D75-B4A6-578F5BA36B0F}" dt="2023-10-02T14:28:06.900" v="1844" actId="1076"/>
         <pc:sldMkLst>
           <pc:docMk/>
           <pc:sldMk cId="4189197104" sldId="291"/>
         </pc:sldMkLst>
+        <pc:picChg chg="mod">
+          <ac:chgData name="Joel Wiseman" userId="058023fe719d27c7" providerId="LiveId" clId="{45902353-8814-4D75-B4A6-578F5BA36B0F}" dt="2023-10-02T14:28:06.900" v="1844" actId="1076"/>
+          <ac:picMkLst>
+            <pc:docMk/>
+            <pc:sldMk cId="4189197104" sldId="291"/>
+            <ac:picMk id="2" creationId="{CA92383C-EE65-99BA-AF59-689DF51BE1A2}"/>
+          </ac:picMkLst>
+        </pc:picChg>
+      </pc:sldChg>
+      <pc:sldChg chg="addSp delSp modSp add mod">
+        <pc:chgData name="Joel Wiseman" userId="058023fe719d27c7" providerId="LiveId" clId="{45902353-8814-4D75-B4A6-578F5BA36B0F}" dt="2023-10-02T23:01:46.180" v="1908" actId="1076"/>
+        <pc:sldMkLst>
+          <pc:docMk/>
+          <pc:sldMk cId="1580910690" sldId="292"/>
+        </pc:sldMkLst>
+        <pc:spChg chg="del">
+          <ac:chgData name="Joel Wiseman" userId="058023fe719d27c7" providerId="LiveId" clId="{45902353-8814-4D75-B4A6-578F5BA36B0F}" dt="2023-10-02T23:01:37.523" v="1905" actId="478"/>
+          <ac:spMkLst>
+            <pc:docMk/>
+            <pc:sldMk cId="1580910690" sldId="292"/>
+            <ac:spMk id="2" creationId="{E229F603-DF97-DC27-0BBF-2AB2DBE80DE4}"/>
+          </ac:spMkLst>
+        </pc:spChg>
+        <pc:spChg chg="mod">
+          <ac:chgData name="Joel Wiseman" userId="058023fe719d27c7" providerId="LiveId" clId="{45902353-8814-4D75-B4A6-578F5BA36B0F}" dt="2023-10-02T22:59:20.962" v="1904" actId="20577"/>
+          <ac:spMkLst>
+            <pc:docMk/>
+            <pc:sldMk cId="1580910690" sldId="292"/>
+            <ac:spMk id="3" creationId="{77200409-2D47-D2CE-81B0-9CA63B279327}"/>
+          </ac:spMkLst>
+        </pc:spChg>
+        <pc:spChg chg="add del mod">
+          <ac:chgData name="Joel Wiseman" userId="058023fe719d27c7" providerId="LiveId" clId="{45902353-8814-4D75-B4A6-578F5BA36B0F}" dt="2023-10-02T23:01:39.432" v="1906" actId="478"/>
+          <ac:spMkLst>
+            <pc:docMk/>
+            <pc:sldMk cId="1580910690" sldId="292"/>
+            <ac:spMk id="5" creationId="{A79B676C-63A7-7426-B9CB-1665C95E0F89}"/>
+          </ac:spMkLst>
+        </pc:spChg>
+        <pc:picChg chg="add mod">
+          <ac:chgData name="Joel Wiseman" userId="058023fe719d27c7" providerId="LiveId" clId="{45902353-8814-4D75-B4A6-578F5BA36B0F}" dt="2023-10-02T23:01:46.180" v="1908" actId="1076"/>
+          <ac:picMkLst>
+            <pc:docMk/>
+            <pc:sldMk cId="1580910690" sldId="292"/>
+            <ac:picMk id="1026" creationId="{B7F95BA1-33DD-5F4D-D19D-B15A3675B4C6}"/>
+          </ac:picMkLst>
+        </pc:picChg>
+      </pc:sldChg>
+    </pc:docChg>
+  </pc:docChgLst>
+  <pc:docChgLst>
+    <pc:chgData name="Guest User" providerId="Windows Live" clId="Web-{73A5147C-0BE0-4F22-A307-8354B569D250}"/>
+    <pc:docChg chg="modSld">
+      <pc:chgData name="Guest User" userId="" providerId="Windows Live" clId="Web-{73A5147C-0BE0-4F22-A307-8354B569D250}" dt="2023-10-02T12:46:44.657" v="38" actId="20577"/>
+      <pc:docMkLst>
+        <pc:docMk/>
+      </pc:docMkLst>
+      <pc:sldChg chg="modSp">
+        <pc:chgData name="Guest User" userId="" providerId="Windows Live" clId="Web-{73A5147C-0BE0-4F22-A307-8354B569D250}" dt="2023-10-02T12:46:44.657" v="38" actId="20577"/>
+        <pc:sldMkLst>
+          <pc:docMk/>
+          <pc:sldMk cId="936727011" sldId="287"/>
+        </pc:sldMkLst>
+        <pc:spChg chg="mod">
+          <ac:chgData name="Guest User" userId="" providerId="Windows Live" clId="Web-{73A5147C-0BE0-4F22-A307-8354B569D250}" dt="2023-10-02T12:46:44.657" v="38" actId="20577"/>
+          <ac:spMkLst>
+            <pc:docMk/>
+            <pc:sldMk cId="936727011" sldId="287"/>
+            <ac:spMk id="2" creationId="{E229F603-DF97-DC27-0BBF-2AB2DBE80DE4}"/>
+          </ac:spMkLst>
+        </pc:spChg>
+      </pc:sldChg>
+    </pc:docChg>
+  </pc:docChgLst>
+  <pc:docChgLst>
+    <pc:chgData name="Guest User" providerId="Windows Live" clId="Web-{9C074F0F-78FE-47CC-AA75-7CF41A916912}"/>
+    <pc:docChg chg="modSld">
+      <pc:chgData name="Guest User" userId="" providerId="Windows Live" clId="Web-{9C074F0F-78FE-47CC-AA75-7CF41A916912}" dt="2023-10-02T22:38:22.224" v="3" actId="1076"/>
+      <pc:docMkLst>
+        <pc:docMk/>
+      </pc:docMkLst>
+      <pc:sldChg chg="addSp delSp modSp">
+        <pc:chgData name="Guest User" userId="" providerId="Windows Live" clId="Web-{9C074F0F-78FE-47CC-AA75-7CF41A916912}" dt="2023-10-02T22:38:22.224" v="3" actId="1076"/>
+        <pc:sldMkLst>
+          <pc:docMk/>
+          <pc:sldMk cId="3595791110" sldId="266"/>
+        </pc:sldMkLst>
+        <pc:picChg chg="add mod">
+          <ac:chgData name="Guest User" userId="" providerId="Windows Live" clId="Web-{9C074F0F-78FE-47CC-AA75-7CF41A916912}" dt="2023-10-02T22:38:22.224" v="3" actId="1076"/>
+          <ac:picMkLst>
+            <pc:docMk/>
+            <pc:sldMk cId="3595791110" sldId="266"/>
+            <ac:picMk id="2" creationId="{C59F9454-2DD4-7CE2-FDCD-0FDA65F3CD1F}"/>
+          </ac:picMkLst>
+        </pc:picChg>
+        <pc:picChg chg="del">
+          <ac:chgData name="Guest User" userId="" providerId="Windows Live" clId="Web-{9C074F0F-78FE-47CC-AA75-7CF41A916912}" dt="2023-10-02T22:38:04.129" v="0"/>
+          <ac:picMkLst>
+            <pc:docMk/>
+            <pc:sldMk cId="3595791110" sldId="266"/>
+            <ac:picMk id="6" creationId="{815F8F7D-68CC-D021-2B96-CAFE27766E94}"/>
+          </ac:picMkLst>
+        </pc:picChg>
+      </pc:sldChg>
+    </pc:docChg>
+  </pc:docChgLst>
+  <pc:docChgLst>
+    <pc:chgData name="Guest User" providerId="Windows Live" clId="Web-{8A324E48-FD94-4108-BE2E-093B8596DCBD}"/>
+    <pc:docChg chg="addSld delSld modSld">
+      <pc:chgData name="Guest User" userId="" providerId="Windows Live" clId="Web-{8A324E48-FD94-4108-BE2E-093B8596DCBD}" dt="2023-09-28T21:12:17.467" v="89"/>
+      <pc:docMkLst>
+        <pc:docMk/>
+      </pc:docMkLst>
+      <pc:sldChg chg="addSp modSp mod setBg addAnim">
+        <pc:chgData name="Guest User" userId="" providerId="Windows Live" clId="Web-{8A324E48-FD94-4108-BE2E-093B8596DCBD}" dt="2023-09-28T21:10:54.072" v="83"/>
+        <pc:sldMkLst>
+          <pc:docMk/>
+          <pc:sldMk cId="21090907" sldId="265"/>
+        </pc:sldMkLst>
+        <pc:spChg chg="mod">
+          <ac:chgData name="Guest User" userId="" providerId="Windows Live" clId="Web-{8A324E48-FD94-4108-BE2E-093B8596DCBD}" dt="2023-09-28T21:10:54.072" v="81"/>
+          <ac:spMkLst>
+            <pc:docMk/>
+            <pc:sldMk cId="21090907" sldId="265"/>
+            <ac:spMk id="2" creationId="{16F1E946-040B-6700-FACE-54ED0F39DA27}"/>
+          </ac:spMkLst>
+        </pc:spChg>
+        <pc:spChg chg="mod">
+          <ac:chgData name="Guest User" userId="" providerId="Windows Live" clId="Web-{8A324E48-FD94-4108-BE2E-093B8596DCBD}" dt="2023-09-28T21:10:54.072" v="81"/>
+          <ac:spMkLst>
+            <pc:docMk/>
+            <pc:sldMk cId="21090907" sldId="265"/>
+            <ac:spMk id="3" creationId="{C29F3C71-3617-A86A-0136-60E87D1E77F0}"/>
+          </ac:spMkLst>
+        </pc:spChg>
+        <pc:spChg chg="add">
+          <ac:chgData name="Guest User" userId="" providerId="Windows Live" clId="Web-{8A324E48-FD94-4108-BE2E-093B8596DCBD}" dt="2023-09-28T21:10:54.072" v="81"/>
+          <ac:spMkLst>
+            <pc:docMk/>
+            <pc:sldMk cId="21090907" sldId="265"/>
+            <ac:spMk id="1031" creationId="{362D44EE-C852-4460-B8B5-C4F2BC20510C}"/>
+          </ac:spMkLst>
+        </pc:spChg>
+        <pc:spChg chg="add">
+          <ac:chgData name="Guest User" userId="" providerId="Windows Live" clId="Web-{8A324E48-FD94-4108-BE2E-093B8596DCBD}" dt="2023-09-28T21:10:54.072" v="81"/>
+          <ac:spMkLst>
+            <pc:docMk/>
+            <pc:sldMk cId="21090907" sldId="265"/>
+            <ac:spMk id="1033" creationId="{658970D8-8D1D-4B5C-894B-E871CC86543D}"/>
+          </ac:spMkLst>
+        </pc:spChg>
+        <pc:spChg chg="add">
+          <ac:chgData name="Guest User" userId="" providerId="Windows Live" clId="Web-{8A324E48-FD94-4108-BE2E-093B8596DCBD}" dt="2023-09-28T21:10:54.072" v="81"/>
+          <ac:spMkLst>
+            <pc:docMk/>
+            <pc:sldMk cId="21090907" sldId="265"/>
+            <ac:spMk id="1035" creationId="{F227E5B6-9132-43CA-B503-37A18562ADF2}"/>
+          </ac:spMkLst>
+        </pc:spChg>
+        <pc:spChg chg="add">
+          <ac:chgData name="Guest User" userId="" providerId="Windows Live" clId="Web-{8A324E48-FD94-4108-BE2E-093B8596DCBD}" dt="2023-09-28T21:10:54.072" v="81"/>
+          <ac:spMkLst>
+            <pc:docMk/>
+            <pc:sldMk cId="21090907" sldId="265"/>
+            <ac:spMk id="1037" creationId="{03C2051E-A88D-48E5-BACF-AAED17892722}"/>
+          </ac:spMkLst>
+        </pc:spChg>
+        <pc:spChg chg="add">
+          <ac:chgData name="Guest User" userId="" providerId="Windows Live" clId="Web-{8A324E48-FD94-4108-BE2E-093B8596DCBD}" dt="2023-09-28T21:10:54.072" v="81"/>
+          <ac:spMkLst>
+            <pc:docMk/>
+            <pc:sldMk cId="21090907" sldId="265"/>
+            <ac:spMk id="1039" creationId="{7821A508-2985-4905-874A-527429BAABFA}"/>
+          </ac:spMkLst>
+        </pc:spChg>
+        <pc:spChg chg="add">
+          <ac:chgData name="Guest User" userId="" providerId="Windows Live" clId="Web-{8A324E48-FD94-4108-BE2E-093B8596DCBD}" dt="2023-09-28T21:10:54.072" v="81"/>
+          <ac:spMkLst>
+            <pc:docMk/>
+            <pc:sldMk cId="21090907" sldId="265"/>
+            <ac:spMk id="1041" creationId="{D2929CB1-0E3C-4B2D-ADC5-0154FB33BA44}"/>
+          </ac:spMkLst>
+        </pc:spChg>
+        <pc:spChg chg="add">
+          <ac:chgData name="Guest User" userId="" providerId="Windows Live" clId="Web-{8A324E48-FD94-4108-BE2E-093B8596DCBD}" dt="2023-09-28T21:10:54.072" v="81"/>
+          <ac:spMkLst>
+            <pc:docMk/>
+            <pc:sldMk cId="21090907" sldId="265"/>
+            <ac:spMk id="1043" creationId="{5F2F0C84-BE8C-4DC2-A6D3-30349A801D5C}"/>
+          </ac:spMkLst>
+        </pc:spChg>
+        <pc:picChg chg="mod">
+          <ac:chgData name="Guest User" userId="" providerId="Windows Live" clId="Web-{8A324E48-FD94-4108-BE2E-093B8596DCBD}" dt="2023-09-28T21:10:54.072" v="81"/>
+          <ac:picMkLst>
+            <pc:docMk/>
+            <pc:sldMk cId="21090907" sldId="265"/>
+            <ac:picMk id="1026" creationId="{2F4411B2-BAA1-1F53-60C2-98CB16ECDFFB}"/>
+          </ac:picMkLst>
+        </pc:picChg>
+      </pc:sldChg>
+      <pc:sldChg chg="addSp delSp modSp mod setBg">
+        <pc:chgData name="Guest User" userId="" providerId="Windows Live" clId="Web-{8A324E48-FD94-4108-BE2E-093B8596DCBD}" dt="2023-09-28T21:09:20.850" v="70" actId="14100"/>
+        <pc:sldMkLst>
+          <pc:docMk/>
+          <pc:sldMk cId="3595791110" sldId="266"/>
+        </pc:sldMkLst>
+        <pc:spChg chg="del mod">
+          <ac:chgData name="Guest User" userId="" providerId="Windows Live" clId="Web-{8A324E48-FD94-4108-BE2E-093B8596DCBD}" dt="2023-09-28T21:00:32.374" v="2"/>
+          <ac:spMkLst>
+            <pc:docMk/>
+            <pc:sldMk cId="3595791110" sldId="266"/>
+            <ac:spMk id="2" creationId="{3E2213E4-0ED9-DE0E-107C-0302EBBB36EF}"/>
+          </ac:spMkLst>
+        </pc:spChg>
+        <pc:spChg chg="del mod">
+          <ac:chgData name="Guest User" userId="" providerId="Windows Live" clId="Web-{8A324E48-FD94-4108-BE2E-093B8596DCBD}" dt="2023-09-28T21:00:34.140" v="3"/>
+          <ac:spMkLst>
+            <pc:docMk/>
+            <pc:sldMk cId="3595791110" sldId="266"/>
+            <ac:spMk id="3" creationId="{27DAD8B4-EA10-9105-0EBC-DD648210C3A0}"/>
+          </ac:spMkLst>
+        </pc:spChg>
+        <pc:spChg chg="add mod">
+          <ac:chgData name="Guest User" userId="" providerId="Windows Live" clId="Web-{8A324E48-FD94-4108-BE2E-093B8596DCBD}" dt="2023-09-28T21:04:47.744" v="31"/>
+          <ac:spMkLst>
+            <pc:docMk/>
+            <pc:sldMk cId="3595791110" sldId="266"/>
+            <ac:spMk id="4" creationId="{520052C3-8332-88F8-1B83-FC0A850102EF}"/>
+          </ac:spMkLst>
+        </pc:spChg>
+        <pc:spChg chg="mod">
+          <ac:chgData name="Guest User" userId="" providerId="Windows Live" clId="Web-{8A324E48-FD94-4108-BE2E-093B8596DCBD}" dt="2023-09-28T21:09:20.850" v="70" actId="14100"/>
+          <ac:spMkLst>
+            <pc:docMk/>
+            <pc:sldMk cId="3595791110" sldId="266"/>
+            <ac:spMk id="18" creationId="{6C5D55A6-9EFD-CDA3-20CC-A99812CE1ABC}"/>
+          </ac:spMkLst>
+        </pc:spChg>
+        <pc:grpChg chg="add">
+          <ac:chgData name="Guest User" userId="" providerId="Windows Live" clId="Web-{8A324E48-FD94-4108-BE2E-093B8596DCBD}" dt="2023-09-28T21:04:47.744" v="31"/>
+          <ac:grpSpMkLst>
+            <pc:docMk/>
+            <pc:sldMk cId="3595791110" sldId="266"/>
+            <ac:grpSpMk id="17" creationId="{1E5539EC-8CB8-002F-68C6-678840282659}"/>
+          </ac:grpSpMkLst>
+        </pc:grpChg>
+        <pc:picChg chg="add mod">
+          <ac:chgData name="Guest User" userId="" providerId="Windows Live" clId="Web-{8A324E48-FD94-4108-BE2E-093B8596DCBD}" dt="2023-09-28T21:04:47.744" v="31"/>
+          <ac:picMkLst>
+            <pc:docMk/>
+            <pc:sldMk cId="3595791110" sldId="266"/>
+            <ac:picMk id="5" creationId="{3515B320-7348-FD53-A9DB-30F4A9F6D9AA}"/>
+          </ac:picMkLst>
+        </pc:picChg>
+        <pc:picChg chg="add mod">
+          <ac:chgData name="Guest User" userId="" providerId="Windows Live" clId="Web-{8A324E48-FD94-4108-BE2E-093B8596DCBD}" dt="2023-09-28T21:04:47.744" v="31"/>
+          <ac:picMkLst>
+            <pc:docMk/>
+            <pc:sldMk cId="3595791110" sldId="266"/>
+            <ac:picMk id="6" creationId="{3F6D0AA5-4DE3-6FAD-04D6-8E068418580D}"/>
+          </ac:picMkLst>
+        </pc:picChg>
+        <pc:picChg chg="add mod">
+          <ac:chgData name="Guest User" userId="" providerId="Windows Live" clId="Web-{8A324E48-FD94-4108-BE2E-093B8596DCBD}" dt="2023-09-28T21:04:47.744" v="31"/>
+          <ac:picMkLst>
+            <pc:docMk/>
+            <pc:sldMk cId="3595791110" sldId="266"/>
+            <ac:picMk id="7" creationId="{530A27B7-F429-7850-2262-E8C44BA9239D}"/>
+          </ac:picMkLst>
+        </pc:picChg>
+        <pc:picChg chg="add mod">
+          <ac:chgData name="Guest User" userId="" providerId="Windows Live" clId="Web-{8A324E48-FD94-4108-BE2E-093B8596DCBD}" dt="2023-09-28T21:04:47.744" v="31"/>
+          <ac:picMkLst>
+            <pc:docMk/>
+            <pc:sldMk cId="3595791110" sldId="266"/>
+            <ac:picMk id="8" creationId="{CACC4282-EE4F-EACA-2036-048D953E9716}"/>
+          </ac:picMkLst>
+        </pc:picChg>
+        <pc:picChg chg="add mod">
+          <ac:chgData name="Guest User" userId="" providerId="Windows Live" clId="Web-{8A324E48-FD94-4108-BE2E-093B8596DCBD}" dt="2023-09-28T21:04:47.744" v="31"/>
+          <ac:picMkLst>
+            <pc:docMk/>
+            <pc:sldMk cId="3595791110" sldId="266"/>
+            <ac:picMk id="9" creationId="{FFD181BD-F1E1-3C55-8A0F-9D7E9DB46E4C}"/>
+          </ac:picMkLst>
+        </pc:picChg>
+        <pc:picChg chg="add mod">
+          <ac:chgData name="Guest User" userId="" providerId="Windows Live" clId="Web-{8A324E48-FD94-4108-BE2E-093B8596DCBD}" dt="2023-09-28T21:04:47.744" v="31"/>
+          <ac:picMkLst>
+            <pc:docMk/>
+            <pc:sldMk cId="3595791110" sldId="266"/>
+            <ac:picMk id="10" creationId="{C7D8F67F-E038-5CA7-89FD-1383BF0F875E}"/>
+          </ac:picMkLst>
+        </pc:picChg>
+        <pc:picChg chg="add mod">
+          <ac:chgData name="Guest User" userId="" providerId="Windows Live" clId="Web-{8A324E48-FD94-4108-BE2E-093B8596DCBD}" dt="2023-09-28T21:04:47.744" v="31"/>
+          <ac:picMkLst>
+            <pc:docMk/>
+            <pc:sldMk cId="3595791110" sldId="266"/>
+            <ac:picMk id="11" creationId="{97751012-7FA7-08B7-C35B-FD8E9B977C58}"/>
+          </ac:picMkLst>
+        </pc:picChg>
+        <pc:picChg chg="add mod">
+          <ac:chgData name="Guest User" userId="" providerId="Windows Live" clId="Web-{8A324E48-FD94-4108-BE2E-093B8596DCBD}" dt="2023-09-28T21:04:47.744" v="31"/>
+          <ac:picMkLst>
+            <pc:docMk/>
+            <pc:sldMk cId="3595791110" sldId="266"/>
+            <ac:picMk id="12" creationId="{61BDA0D2-6F78-D3FE-9B42-7A9C477D2699}"/>
+          </ac:picMkLst>
+        </pc:picChg>
+      </pc:sldChg>
+      <pc:sldChg chg="addSp modSp mod setBg">
+        <pc:chgData name="Guest User" userId="" providerId="Windows Live" clId="Web-{8A324E48-FD94-4108-BE2E-093B8596DCBD}" dt="2023-09-28T21:11:54.872" v="84"/>
+        <pc:sldMkLst>
+          <pc:docMk/>
+          <pc:sldMk cId="0" sldId="273"/>
+        </pc:sldMkLst>
+        <pc:spChg chg="add">
+          <ac:chgData name="Guest User" userId="" providerId="Windows Live" clId="Web-{8A324E48-FD94-4108-BE2E-093B8596DCBD}" dt="2023-09-28T21:11:54.872" v="84"/>
+          <ac:spMkLst>
+            <pc:docMk/>
+            <pc:sldMk cId="0" sldId="273"/>
+            <ac:spMk id="124" creationId="{F3060C83-F051-4F0E-ABAD-AA0DFC48B218}"/>
+          </ac:spMkLst>
+        </pc:spChg>
+        <pc:spChg chg="add">
+          <ac:chgData name="Guest User" userId="" providerId="Windows Live" clId="Web-{8A324E48-FD94-4108-BE2E-093B8596DCBD}" dt="2023-09-28T21:11:54.872" v="84"/>
+          <ac:spMkLst>
+            <pc:docMk/>
+            <pc:sldMk cId="0" sldId="273"/>
+            <ac:spMk id="126" creationId="{83C98ABE-055B-441F-B07E-44F97F083C39}"/>
+          </ac:spMkLst>
+        </pc:spChg>
+        <pc:spChg chg="add">
+          <ac:chgData name="Guest User" userId="" providerId="Windows Live" clId="Web-{8A324E48-FD94-4108-BE2E-093B8596DCBD}" dt="2023-09-28T21:11:54.872" v="84"/>
+          <ac:spMkLst>
+            <pc:docMk/>
+            <pc:sldMk cId="0" sldId="273"/>
+            <ac:spMk id="128" creationId="{29FDB030-9B49-4CED-8CCD-4D99382388AC}"/>
+          </ac:spMkLst>
+        </pc:spChg>
+        <pc:spChg chg="add">
+          <ac:chgData name="Guest User" userId="" providerId="Windows Live" clId="Web-{8A324E48-FD94-4108-BE2E-093B8596DCBD}" dt="2023-09-28T21:11:54.872" v="84"/>
+          <ac:spMkLst>
+            <pc:docMk/>
+            <pc:sldMk cId="0" sldId="273"/>
+            <ac:spMk id="130" creationId="{3783CA14-24A1-485C-8B30-D6A5D87987AD}"/>
+          </ac:spMkLst>
+        </pc:spChg>
+        <pc:spChg chg="add">
+          <ac:chgData name="Guest User" userId="" providerId="Windows Live" clId="Web-{8A324E48-FD94-4108-BE2E-093B8596DCBD}" dt="2023-09-28T21:11:54.872" v="84"/>
+          <ac:spMkLst>
+            <pc:docMk/>
+            <pc:sldMk cId="0" sldId="273"/>
+            <ac:spMk id="132" creationId="{9A97C86A-04D6-40F7-AE84-31AB43E6A846}"/>
+          </ac:spMkLst>
+        </pc:spChg>
+        <pc:spChg chg="add">
+          <ac:chgData name="Guest User" userId="" providerId="Windows Live" clId="Web-{8A324E48-FD94-4108-BE2E-093B8596DCBD}" dt="2023-09-28T21:11:54.872" v="84"/>
+          <ac:spMkLst>
+            <pc:docMk/>
+            <pc:sldMk cId="0" sldId="273"/>
+            <ac:spMk id="134" creationId="{FF9F2414-84E8-453E-B1F3-389FDE8192D9}"/>
+          </ac:spMkLst>
+        </pc:spChg>
+        <pc:spChg chg="add">
+          <ac:chgData name="Guest User" userId="" providerId="Windows Live" clId="Web-{8A324E48-FD94-4108-BE2E-093B8596DCBD}" dt="2023-09-28T21:11:54.872" v="84"/>
+          <ac:spMkLst>
+            <pc:docMk/>
+            <pc:sldMk cId="0" sldId="273"/>
+            <ac:spMk id="136" creationId="{3ECA69A1-7536-43AC-85EF-C7106179F5ED}"/>
+          </ac:spMkLst>
+        </pc:spChg>
+        <pc:picChg chg="mod">
+          <ac:chgData name="Guest User" userId="" providerId="Windows Live" clId="Web-{8A324E48-FD94-4108-BE2E-093B8596DCBD}" dt="2023-09-28T21:11:54.872" v="84"/>
+          <ac:picMkLst>
+            <pc:docMk/>
+            <pc:sldMk cId="0" sldId="273"/>
+            <ac:picMk id="119" creationId="{00000000-0000-0000-0000-000000000000}"/>
+          </ac:picMkLst>
+        </pc:picChg>
+      </pc:sldChg>
+      <pc:sldChg chg="addSp delSp modSp mod setBg">
+        <pc:chgData name="Guest User" userId="" providerId="Windows Live" clId="Web-{8A324E48-FD94-4108-BE2E-093B8596DCBD}" dt="2023-09-28T21:12:17.467" v="89"/>
+        <pc:sldMkLst>
+          <pc:docMk/>
+          <pc:sldMk cId="0" sldId="274"/>
+        </pc:sldMkLst>
+        <pc:spChg chg="add del">
+          <ac:chgData name="Guest User" userId="" providerId="Windows Live" clId="Web-{8A324E48-FD94-4108-BE2E-093B8596DCBD}" dt="2023-09-28T21:12:17.467" v="89"/>
+          <ac:spMkLst>
+            <pc:docMk/>
+            <pc:sldMk cId="0" sldId="274"/>
+            <ac:spMk id="129" creationId="{F3060C83-F051-4F0E-ABAD-AA0DFC48B218}"/>
+          </ac:spMkLst>
+        </pc:spChg>
+        <pc:spChg chg="add del">
+          <ac:chgData name="Guest User" userId="" providerId="Windows Live" clId="Web-{8A324E48-FD94-4108-BE2E-093B8596DCBD}" dt="2023-09-28T21:12:17.467" v="89"/>
+          <ac:spMkLst>
+            <pc:docMk/>
+            <pc:sldMk cId="0" sldId="274"/>
+            <ac:spMk id="131" creationId="{83C98ABE-055B-441F-B07E-44F97F083C39}"/>
+          </ac:spMkLst>
+        </pc:spChg>
+        <pc:spChg chg="add del">
+          <ac:chgData name="Guest User" userId="" providerId="Windows Live" clId="Web-{8A324E48-FD94-4108-BE2E-093B8596DCBD}" dt="2023-09-28T21:12:17.467" v="89"/>
+          <ac:spMkLst>
+            <pc:docMk/>
+            <pc:sldMk cId="0" sldId="274"/>
+            <ac:spMk id="133" creationId="{29FDB030-9B49-4CED-8CCD-4D99382388AC}"/>
+          </ac:spMkLst>
+        </pc:spChg>
+        <pc:spChg chg="add del">
+          <ac:chgData name="Guest User" userId="" providerId="Windows Live" clId="Web-{8A324E48-FD94-4108-BE2E-093B8596DCBD}" dt="2023-09-28T21:12:17.467" v="89"/>
+          <ac:spMkLst>
+            <pc:docMk/>
+            <pc:sldMk cId="0" sldId="274"/>
+            <ac:spMk id="135" creationId="{3783CA14-24A1-485C-8B30-D6A5D87987AD}"/>
+          </ac:spMkLst>
+        </pc:spChg>
+        <pc:spChg chg="add del">
+          <ac:chgData name="Guest User" userId="" providerId="Windows Live" clId="Web-{8A324E48-FD94-4108-BE2E-093B8596DCBD}" dt="2023-09-28T21:12:17.467" v="89"/>
+          <ac:spMkLst>
+            <pc:docMk/>
+            <pc:sldMk cId="0" sldId="274"/>
+            <ac:spMk id="137" creationId="{9A97C86A-04D6-40F7-AE84-31AB43E6A846}"/>
+          </ac:spMkLst>
+        </pc:spChg>
+        <pc:spChg chg="add del">
+          <ac:chgData name="Guest User" userId="" providerId="Windows Live" clId="Web-{8A324E48-FD94-4108-BE2E-093B8596DCBD}" dt="2023-09-28T21:12:17.467" v="89"/>
+          <ac:spMkLst>
+            <pc:docMk/>
+            <pc:sldMk cId="0" sldId="274"/>
+            <ac:spMk id="139" creationId="{FF9F2414-84E8-453E-B1F3-389FDE8192D9}"/>
+          </ac:spMkLst>
+        </pc:spChg>
+        <pc:spChg chg="add del">
+          <ac:chgData name="Guest User" userId="" providerId="Windows Live" clId="Web-{8A324E48-FD94-4108-BE2E-093B8596DCBD}" dt="2023-09-28T21:12:17.467" v="89"/>
+          <ac:spMkLst>
+            <pc:docMk/>
+            <pc:sldMk cId="0" sldId="274"/>
+            <ac:spMk id="141" creationId="{3ECA69A1-7536-43AC-85EF-C7106179F5ED}"/>
+          </ac:spMkLst>
+        </pc:spChg>
+        <pc:spChg chg="add">
+          <ac:chgData name="Guest User" userId="" providerId="Windows Live" clId="Web-{8A324E48-FD94-4108-BE2E-093B8596DCBD}" dt="2023-09-28T21:12:17.467" v="89"/>
+          <ac:spMkLst>
+            <pc:docMk/>
+            <pc:sldMk cId="0" sldId="274"/>
+            <ac:spMk id="146" creationId="{42A4FC2C-047E-45A5-965D-8E1E3BF09BC6}"/>
+          </ac:spMkLst>
+        </pc:spChg>
+        <pc:picChg chg="mod">
+          <ac:chgData name="Guest User" userId="" providerId="Windows Live" clId="Web-{8A324E48-FD94-4108-BE2E-093B8596DCBD}" dt="2023-09-28T21:12:17.467" v="89"/>
+          <ac:picMkLst>
+            <pc:docMk/>
+            <pc:sldMk cId="0" sldId="274"/>
+            <ac:picMk id="124" creationId="{00000000-0000-0000-0000-000000000000}"/>
+          </ac:picMkLst>
+        </pc:picChg>
+      </pc:sldChg>
+      <pc:sldChg chg="addSp delSp modSp mod setBg">
+        <pc:chgData name="Guest User" userId="" providerId="Windows Live" clId="Web-{8A324E48-FD94-4108-BE2E-093B8596DCBD}" dt="2023-09-28T21:12:12.623" v="88"/>
+        <pc:sldMkLst>
+          <pc:docMk/>
+          <pc:sldMk cId="0" sldId="275"/>
+        </pc:sldMkLst>
+        <pc:spChg chg="add del">
+          <ac:chgData name="Guest User" userId="" providerId="Windows Live" clId="Web-{8A324E48-FD94-4108-BE2E-093B8596DCBD}" dt="2023-09-28T21:12:12.623" v="87"/>
+          <ac:spMkLst>
+            <pc:docMk/>
+            <pc:sldMk cId="0" sldId="275"/>
+            <ac:spMk id="134" creationId="{F3060C83-F051-4F0E-ABAD-AA0DFC48B218}"/>
+          </ac:spMkLst>
+        </pc:spChg>
+        <pc:spChg chg="add del">
+          <ac:chgData name="Guest User" userId="" providerId="Windows Live" clId="Web-{8A324E48-FD94-4108-BE2E-093B8596DCBD}" dt="2023-09-28T21:12:12.623" v="87"/>
+          <ac:spMkLst>
+            <pc:docMk/>
+            <pc:sldMk cId="0" sldId="275"/>
+            <ac:spMk id="136" creationId="{83C98ABE-055B-441F-B07E-44F97F083C39}"/>
+          </ac:spMkLst>
+        </pc:spChg>
+        <pc:spChg chg="add del">
+          <ac:chgData name="Guest User" userId="" providerId="Windows Live" clId="Web-{8A324E48-FD94-4108-BE2E-093B8596DCBD}" dt="2023-09-28T21:12:12.623" v="87"/>
+          <ac:spMkLst>
+            <pc:docMk/>
+            <pc:sldMk cId="0" sldId="275"/>
+            <ac:spMk id="138" creationId="{29FDB030-9B49-4CED-8CCD-4D99382388AC}"/>
+          </ac:spMkLst>
+        </pc:spChg>
+        <pc:spChg chg="add del">
+          <ac:chgData name="Guest User" userId="" providerId="Windows Live" clId="Web-{8A324E48-FD94-4108-BE2E-093B8596DCBD}" dt="2023-09-28T21:12:12.623" v="87"/>
+          <ac:spMkLst>
+            <pc:docMk/>
+            <pc:sldMk cId="0" sldId="275"/>
+            <ac:spMk id="140" creationId="{3783CA14-24A1-485C-8B30-D6A5D87987AD}"/>
+          </ac:spMkLst>
+        </pc:spChg>
+        <pc:spChg chg="add del">
+          <ac:chgData name="Guest User" userId="" providerId="Windows Live" clId="Web-{8A324E48-FD94-4108-BE2E-093B8596DCBD}" dt="2023-09-28T21:12:12.623" v="87"/>
+          <ac:spMkLst>
+            <pc:docMk/>
+            <pc:sldMk cId="0" sldId="275"/>
+            <ac:spMk id="142" creationId="{9A97C86A-04D6-40F7-AE84-31AB43E6A846}"/>
+          </ac:spMkLst>
+        </pc:spChg>
+        <pc:spChg chg="add del">
+          <ac:chgData name="Guest User" userId="" providerId="Windows Live" clId="Web-{8A324E48-FD94-4108-BE2E-093B8596DCBD}" dt="2023-09-28T21:12:12.623" v="87"/>
+          <ac:spMkLst>
+            <pc:docMk/>
+            <pc:sldMk cId="0" sldId="275"/>
+            <ac:spMk id="144" creationId="{FF9F2414-84E8-453E-B1F3-389FDE8192D9}"/>
+          </ac:spMkLst>
+        </pc:spChg>
+        <pc:spChg chg="add del">
+          <ac:chgData name="Guest User" userId="" providerId="Windows Live" clId="Web-{8A324E48-FD94-4108-BE2E-093B8596DCBD}" dt="2023-09-28T21:12:12.623" v="87"/>
+          <ac:spMkLst>
+            <pc:docMk/>
+            <pc:sldMk cId="0" sldId="275"/>
+            <ac:spMk id="146" creationId="{3ECA69A1-7536-43AC-85EF-C7106179F5ED}"/>
+          </ac:spMkLst>
+        </pc:spChg>
+        <pc:picChg chg="mod">
+          <ac:chgData name="Guest User" userId="" providerId="Windows Live" clId="Web-{8A324E48-FD94-4108-BE2E-093B8596DCBD}" dt="2023-09-28T21:12:12.623" v="88"/>
+          <ac:picMkLst>
+            <pc:docMk/>
+            <pc:sldMk cId="0" sldId="275"/>
+            <ac:picMk id="129" creationId="{00000000-0000-0000-0000-000000000000}"/>
+          </ac:picMkLst>
+        </pc:picChg>
+      </pc:sldChg>
+      <pc:sldChg chg="modSp del">
+        <pc:chgData name="Guest User" userId="" providerId="Windows Live" clId="Web-{8A324E48-FD94-4108-BE2E-093B8596DCBD}" dt="2023-09-28T21:07:10.922" v="68"/>
+        <pc:sldMkLst>
+          <pc:docMk/>
+          <pc:sldMk cId="0" sldId="276"/>
+        </pc:sldMkLst>
+        <pc:picChg chg="mod">
+          <ac:chgData name="Guest User" userId="" providerId="Windows Live" clId="Web-{8A324E48-FD94-4108-BE2E-093B8596DCBD}" dt="2023-09-28T21:06:55.937" v="65" actId="1076"/>
+          <ac:picMkLst>
+            <pc:docMk/>
+            <pc:sldMk cId="0" sldId="276"/>
+            <ac:picMk id="141" creationId="{00000000-0000-0000-0000-000000000000}"/>
+          </ac:picMkLst>
+        </pc:picChg>
+      </pc:sldChg>
+      <pc:sldChg chg="addSp delSp modSp add replId">
+        <pc:chgData name="Guest User" userId="" providerId="Windows Live" clId="Web-{8A324E48-FD94-4108-BE2E-093B8596DCBD}" dt="2023-09-28T21:10:23.680" v="80"/>
+        <pc:sldMkLst>
+          <pc:docMk/>
+          <pc:sldMk cId="472247714" sldId="278"/>
+        </pc:sldMkLst>
+        <pc:spChg chg="add mod">
+          <ac:chgData name="Guest User" userId="" providerId="Windows Live" clId="Web-{8A324E48-FD94-4108-BE2E-093B8596DCBD}" dt="2023-09-28T21:06:44.890" v="64" actId="20577"/>
+          <ac:spMkLst>
+            <pc:docMk/>
+            <pc:sldMk cId="472247714" sldId="278"/>
+            <ac:spMk id="3" creationId="{77200409-2D47-D2CE-81B0-9CA63B279327}"/>
+          </ac:spMkLst>
+        </pc:spChg>
+        <pc:spChg chg="del mod">
+          <ac:chgData name="Guest User" userId="" providerId="Windows Live" clId="Web-{8A324E48-FD94-4108-BE2E-093B8596DCBD}" dt="2023-09-28T21:06:16.076" v="53"/>
+          <ac:spMkLst>
+            <pc:docMk/>
+            <pc:sldMk cId="472247714" sldId="278"/>
+            <ac:spMk id="4" creationId="{520052C3-8332-88F8-1B83-FC0A850102EF}"/>
+          </ac:spMkLst>
+        </pc:spChg>
+        <pc:spChg chg="add del mod">
+          <ac:chgData name="Guest User" userId="" providerId="Windows Live" clId="Web-{8A324E48-FD94-4108-BE2E-093B8596DCBD}" dt="2023-09-28T21:10:23.680" v="79"/>
+          <ac:spMkLst>
+            <pc:docMk/>
+            <pc:sldMk cId="472247714" sldId="278"/>
+            <ac:spMk id="16" creationId="{860C74BB-8791-F823-6A7B-61432BB70330}"/>
+          </ac:spMkLst>
+        </pc:spChg>
+        <pc:picChg chg="del mod">
+          <ac:chgData name="Guest User" userId="" providerId="Windows Live" clId="Web-{8A324E48-FD94-4108-BE2E-093B8596DCBD}" dt="2023-09-28T21:05:12.901" v="34"/>
+          <ac:picMkLst>
+            <pc:docMk/>
+            <pc:sldMk cId="472247714" sldId="278"/>
+            <ac:picMk id="5" creationId="{3515B320-7348-FD53-A9DB-30F4A9F6D9AA}"/>
+          </ac:picMkLst>
+        </pc:picChg>
+        <pc:picChg chg="del">
+          <ac:chgData name="Guest User" userId="" providerId="Windows Live" clId="Web-{8A324E48-FD94-4108-BE2E-093B8596DCBD}" dt="2023-09-28T21:05:14.167" v="35"/>
+          <ac:picMkLst>
+            <pc:docMk/>
+            <pc:sldMk cId="472247714" sldId="278"/>
+            <ac:picMk id="6" creationId="{3F6D0AA5-4DE3-6FAD-04D6-8E068418580D}"/>
+          </ac:picMkLst>
+        </pc:picChg>
+        <pc:picChg chg="del">
+          <ac:chgData name="Guest User" userId="" providerId="Windows Live" clId="Web-{8A324E48-FD94-4108-BE2E-093B8596DCBD}" dt="2023-09-28T21:05:14.995" v="36"/>
+          <ac:picMkLst>
+            <pc:docMk/>
+            <pc:sldMk cId="472247714" sldId="278"/>
+            <ac:picMk id="7" creationId="{530A27B7-F429-7850-2262-E8C44BA9239D}"/>
+          </ac:picMkLst>
+        </pc:picChg>
+        <pc:picChg chg="del">
+          <ac:chgData name="Guest User" userId="" providerId="Windows Live" clId="Web-{8A324E48-FD94-4108-BE2E-093B8596DCBD}" dt="2023-09-28T21:05:15.730" v="37"/>
+          <ac:picMkLst>
+            <pc:docMk/>
+            <pc:sldMk cId="472247714" sldId="278"/>
+            <ac:picMk id="8" creationId="{CACC4282-EE4F-EACA-2036-048D953E9716}"/>
+          </ac:picMkLst>
+        </pc:picChg>
+        <pc:picChg chg="del">
+          <ac:chgData name="Guest User" userId="" providerId="Windows Live" clId="Web-{8A324E48-FD94-4108-BE2E-093B8596DCBD}" dt="2023-09-28T21:05:16.620" v="38"/>
+          <ac:picMkLst>
+            <pc:docMk/>
+            <pc:sldMk cId="472247714" sldId="278"/>
+            <ac:picMk id="9" creationId="{FFD181BD-F1E1-3C55-8A0F-9D7E9DB46E4C}"/>
+          </ac:picMkLst>
+        </pc:picChg>
+        <pc:picChg chg="del">
+          <ac:chgData name="Guest User" userId="" providerId="Windows Live" clId="Web-{8A324E48-FD94-4108-BE2E-093B8596DCBD}" dt="2023-09-28T21:05:17.605" v="40"/>
+          <ac:picMkLst>
+            <pc:docMk/>
+            <pc:sldMk cId="472247714" sldId="278"/>
+            <ac:picMk id="10" creationId="{C7D8F67F-E038-5CA7-89FD-1383BF0F875E}"/>
+          </ac:picMkLst>
+        </pc:picChg>
+        <pc:picChg chg="del">
+          <ac:chgData name="Guest User" userId="" providerId="Windows Live" clId="Web-{8A324E48-FD94-4108-BE2E-093B8596DCBD}" dt="2023-09-28T21:05:17.105" v="39"/>
+          <ac:picMkLst>
+            <pc:docMk/>
+            <pc:sldMk cId="472247714" sldId="278"/>
+            <ac:picMk id="11" creationId="{97751012-7FA7-08B7-C35B-FD8E9B977C58}"/>
+          </ac:picMkLst>
+        </pc:picChg>
+        <pc:picChg chg="del">
+          <ac:chgData name="Guest User" userId="" providerId="Windows Live" clId="Web-{8A324E48-FD94-4108-BE2E-093B8596DCBD}" dt="2023-09-28T21:05:18.105" v="41"/>
+          <ac:picMkLst>
+            <pc:docMk/>
+            <pc:sldMk cId="472247714" sldId="278"/>
+            <ac:picMk id="12" creationId="{61BDA0D2-6F78-D3FE-9B42-7A9C477D2699}"/>
+          </ac:picMkLst>
+        </pc:picChg>
+        <pc:picChg chg="add mod">
+          <ac:chgData name="Guest User" userId="" providerId="Windows Live" clId="Web-{8A324E48-FD94-4108-BE2E-093B8596DCBD}" dt="2023-09-28T21:07:02.281" v="67" actId="1076"/>
+          <ac:picMkLst>
+            <pc:docMk/>
+            <pc:sldMk cId="472247714" sldId="278"/>
+            <ac:picMk id="14" creationId="{3A0A1325-C4F3-3BEC-6D96-1BC14BEC27E7}"/>
+          </ac:picMkLst>
+        </pc:picChg>
+        <pc:picChg chg="add del mod">
+          <ac:chgData name="Guest User" userId="" providerId="Windows Live" clId="Web-{8A324E48-FD94-4108-BE2E-093B8596DCBD}" dt="2023-09-28T21:10:23.680" v="80"/>
+          <ac:picMkLst>
+            <pc:docMk/>
+            <pc:sldMk cId="472247714" sldId="278"/>
+            <ac:picMk id="15" creationId="{2BD4B10A-59D4-05A1-3E57-F72D78C35456}"/>
+          </ac:picMkLst>
+        </pc:picChg>
+      </pc:sldChg>
+    </pc:docChg>
+  </pc:docChgLst>
+  <pc:docChgLst>
+    <pc:chgData name="Guest User" providerId="Windows Live" clId="Web-{BA66BB83-77F5-471D-B9DA-7D56935358A9}"/>
+    <pc:docChg chg="modSld">
+      <pc:chgData name="Guest User" userId="" providerId="Windows Live" clId="Web-{BA66BB83-77F5-471D-B9DA-7D56935358A9}" dt="2023-09-29T01:03:04.114" v="286" actId="20577"/>
+      <pc:docMkLst>
+        <pc:docMk/>
+      </pc:docMkLst>
+      <pc:sldChg chg="addSp delSp modSp">
+        <pc:chgData name="Guest User" userId="" providerId="Windows Live" clId="Web-{BA66BB83-77F5-471D-B9DA-7D56935358A9}" dt="2023-09-29T01:03:04.114" v="286" actId="20577"/>
+        <pc:sldMkLst>
+          <pc:docMk/>
+          <pc:sldMk cId="3595791110" sldId="266"/>
+        </pc:sldMkLst>
+        <pc:spChg chg="mod">
+          <ac:chgData name="Guest User" userId="" providerId="Windows Live" clId="Web-{BA66BB83-77F5-471D-B9DA-7D56935358A9}" dt="2023-09-29T00:23:24.503" v="259" actId="20577"/>
+          <ac:spMkLst>
+            <pc:docMk/>
+            <pc:sldMk cId="3595791110" sldId="266"/>
+            <ac:spMk id="4" creationId="{520052C3-8332-88F8-1B83-FC0A850102EF}"/>
+          </ac:spMkLst>
+        </pc:spChg>
+        <pc:spChg chg="add mod">
+          <ac:chgData name="Guest User" userId="" providerId="Windows Live" clId="Web-{BA66BB83-77F5-471D-B9DA-7D56935358A9}" dt="2023-09-29T01:03:04.114" v="286" actId="20577"/>
+          <ac:spMkLst>
+            <pc:docMk/>
+            <pc:sldMk cId="3595791110" sldId="266"/>
+            <ac:spMk id="23" creationId="{970A4E69-0173-0236-0E34-0A52AE831901}"/>
+          </ac:spMkLst>
+        </pc:spChg>
+        <pc:picChg chg="add del mod">
+          <ac:chgData name="Guest User" userId="" providerId="Windows Live" clId="Web-{BA66BB83-77F5-471D-B9DA-7D56935358A9}" dt="2023-09-28T21:49:01.729" v="93"/>
+          <ac:picMkLst>
+            <pc:docMk/>
+            <pc:sldMk cId="3595791110" sldId="266"/>
+            <ac:picMk id="2" creationId="{13238372-FF16-8641-A7D2-50280D929E39}"/>
+          </ac:picMkLst>
+        </pc:picChg>
+        <pc:picChg chg="add del mod">
+          <ac:chgData name="Guest User" userId="" providerId="Windows Live" clId="Web-{BA66BB83-77F5-471D-B9DA-7D56935358A9}" dt="2023-09-29T00:00:44.831" v="148"/>
+          <ac:picMkLst>
+            <pc:docMk/>
+            <pc:sldMk cId="3595791110" sldId="266"/>
+            <ac:picMk id="2" creationId="{17395619-1F8D-9E4E-DA17-AA82EB7FE4C7}"/>
+          </ac:picMkLst>
+        </pc:picChg>
+        <pc:picChg chg="add del mod">
+          <ac:chgData name="Guest User" userId="" providerId="Windows Live" clId="Web-{BA66BB83-77F5-471D-B9DA-7D56935358A9}" dt="2023-09-29T00:00:46.034" v="150"/>
+          <ac:picMkLst>
+            <pc:docMk/>
+            <pc:sldMk cId="3595791110" sldId="266"/>
+            <ac:picMk id="3" creationId="{35267612-C5B1-93C9-0E73-83245BA40962}"/>
+          </ac:picMkLst>
+        </pc:picChg>
+        <pc:picChg chg="add del mod">
+          <ac:chgData name="Guest User" userId="" providerId="Windows Live" clId="Web-{BA66BB83-77F5-471D-B9DA-7D56935358A9}" dt="2023-09-28T21:48:08.491" v="86"/>
+          <ac:picMkLst>
+            <pc:docMk/>
+            <pc:sldMk cId="3595791110" sldId="266"/>
+            <ac:picMk id="3" creationId="{42B58038-9F8B-2A6F-9236-FB7332563130}"/>
+          </ac:picMkLst>
+        </pc:picChg>
+        <pc:picChg chg="del mod">
+          <ac:chgData name="Guest User" userId="" providerId="Windows Live" clId="Web-{BA66BB83-77F5-471D-B9DA-7D56935358A9}" dt="2023-09-28T21:28:44.170" v="33"/>
+          <ac:picMkLst>
+            <pc:docMk/>
+            <pc:sldMk cId="3595791110" sldId="266"/>
+            <ac:picMk id="5" creationId="{3515B320-7348-FD53-A9DB-30F4A9F6D9AA}"/>
+          </ac:picMkLst>
+        </pc:picChg>
+        <pc:picChg chg="add del mod">
+          <ac:chgData name="Guest User" userId="" providerId="Windows Live" clId="Web-{BA66BB83-77F5-471D-B9DA-7D56935358A9}" dt="2023-09-29T00:00:42.581" v="145"/>
+          <ac:picMkLst>
+            <pc:docMk/>
+            <pc:sldMk cId="3595791110" sldId="266"/>
+            <ac:picMk id="5" creationId="{398B5535-3692-1D7B-2D19-BC39307C6588}"/>
+          </ac:picMkLst>
+        </pc:picChg>
+        <pc:picChg chg="del mod">
+          <ac:chgData name="Guest User" userId="" providerId="Windows Live" clId="Web-{BA66BB83-77F5-471D-B9DA-7D56935358A9}" dt="2023-09-28T21:28:46.826" v="34"/>
+          <ac:picMkLst>
+            <pc:docMk/>
+            <pc:sldMk cId="3595791110" sldId="266"/>
+            <ac:picMk id="6" creationId="{3F6D0AA5-4DE3-6FAD-04D6-8E068418580D}"/>
+          </ac:picMkLst>
+        </pc:picChg>
+        <pc:picChg chg="del">
+          <ac:chgData name="Guest User" userId="" providerId="Windows Live" clId="Web-{BA66BB83-77F5-471D-B9DA-7D56935358A9}" dt="2023-09-28T22:38:44.206" v="103"/>
+          <ac:picMkLst>
+            <pc:docMk/>
+            <pc:sldMk cId="3595791110" sldId="266"/>
+            <ac:picMk id="6" creationId="{77DA6BDB-DE74-DD75-A3F4-7FB28C4FF891}"/>
+          </ac:picMkLst>
+        </pc:picChg>
+        <pc:picChg chg="add mod">
+          <ac:chgData name="Guest User" userId="" providerId="Windows Live" clId="Web-{BA66BB83-77F5-471D-B9DA-7D56935358A9}" dt="2023-09-29T00:01:33.255" v="166" actId="1076"/>
+          <ac:picMkLst>
+            <pc:docMk/>
+            <pc:sldMk cId="3595791110" sldId="266"/>
+            <ac:picMk id="6" creationId="{815F8F7D-68CC-D021-2B96-CAFE27766E94}"/>
+          </ac:picMkLst>
+        </pc:picChg>
+        <pc:picChg chg="del mod">
+          <ac:chgData name="Guest User" userId="" providerId="Windows Live" clId="Web-{BA66BB83-77F5-471D-B9DA-7D56935358A9}" dt="2023-09-28T21:28:47.670" v="35"/>
+          <ac:picMkLst>
+            <pc:docMk/>
+            <pc:sldMk cId="3595791110" sldId="266"/>
+            <ac:picMk id="7" creationId="{530A27B7-F429-7850-2262-E8C44BA9239D}"/>
+          </ac:picMkLst>
+        </pc:picChg>
+        <pc:picChg chg="add del mod">
+          <ac:chgData name="Guest User" userId="" providerId="Windows Live" clId="Web-{BA66BB83-77F5-471D-B9DA-7D56935358A9}" dt="2023-09-29T00:00:45.347" v="149"/>
+          <ac:picMkLst>
+            <pc:docMk/>
+            <pc:sldMk cId="3595791110" sldId="266"/>
+            <ac:picMk id="7" creationId="{A0188A66-9159-EC06-DD3F-8485BD43A486}"/>
+          </ac:picMkLst>
+        </pc:picChg>
+        <pc:picChg chg="add del mod">
+          <ac:chgData name="Guest User" userId="" providerId="Windows Live" clId="Web-{BA66BB83-77F5-471D-B9DA-7D56935358A9}" dt="2023-09-29T00:00:44.222" v="147"/>
+          <ac:picMkLst>
+            <pc:docMk/>
+            <pc:sldMk cId="3595791110" sldId="266"/>
+            <ac:picMk id="8" creationId="{8E978105-CD4F-0BAB-69D5-24BF263152AE}"/>
+          </ac:picMkLst>
+        </pc:picChg>
+        <pc:picChg chg="del mod">
+          <ac:chgData name="Guest User" userId="" providerId="Windows Live" clId="Web-{BA66BB83-77F5-471D-B9DA-7D56935358A9}" dt="2023-09-28T21:28:48.139" v="36"/>
+          <ac:picMkLst>
+            <pc:docMk/>
+            <pc:sldMk cId="3595791110" sldId="266"/>
+            <ac:picMk id="8" creationId="{CACC4282-EE4F-EACA-2036-048D953E9716}"/>
+          </ac:picMkLst>
+        </pc:picChg>
+        <pc:picChg chg="add del mod">
+          <ac:chgData name="Guest User" userId="" providerId="Windows Live" clId="Web-{BA66BB83-77F5-471D-B9DA-7D56935358A9}" dt="2023-09-29T00:00:43.456" v="146"/>
+          <ac:picMkLst>
+            <pc:docMk/>
+            <pc:sldMk cId="3595791110" sldId="266"/>
+            <ac:picMk id="9" creationId="{4CBC366A-6DD0-8BA9-500C-245F4828B301}"/>
+          </ac:picMkLst>
+        </pc:picChg>
+        <pc:picChg chg="del mod">
+          <ac:chgData name="Guest User" userId="" providerId="Windows Live" clId="Web-{BA66BB83-77F5-471D-B9DA-7D56935358A9}" dt="2023-09-28T21:28:48.889" v="37"/>
+          <ac:picMkLst>
+            <pc:docMk/>
+            <pc:sldMk cId="3595791110" sldId="266"/>
+            <ac:picMk id="9" creationId="{FFD181BD-F1E1-3C55-8A0F-9D7E9DB46E4C}"/>
+          </ac:picMkLst>
+        </pc:picChg>
+        <pc:picChg chg="add del mod">
+          <ac:chgData name="Guest User" userId="" providerId="Windows Live" clId="Web-{BA66BB83-77F5-471D-B9DA-7D56935358A9}" dt="2023-09-29T00:00:42.581" v="144"/>
+          <ac:picMkLst>
+            <pc:docMk/>
+            <pc:sldMk cId="3595791110" sldId="266"/>
+            <ac:picMk id="10" creationId="{575A1998-314E-B868-4B39-1DC34A5254CC}"/>
+          </ac:picMkLst>
+        </pc:picChg>
+        <pc:picChg chg="del mod">
+          <ac:chgData name="Guest User" userId="" providerId="Windows Live" clId="Web-{BA66BB83-77F5-471D-B9DA-7D56935358A9}" dt="2023-09-28T21:28:49.952" v="39"/>
+          <ac:picMkLst>
+            <pc:docMk/>
+            <pc:sldMk cId="3595791110" sldId="266"/>
+            <ac:picMk id="10" creationId="{C7D8F67F-E038-5CA7-89FD-1383BF0F875E}"/>
+          </ac:picMkLst>
+        </pc:picChg>
+        <pc:picChg chg="add del mod">
+          <ac:chgData name="Guest User" userId="" providerId="Windows Live" clId="Web-{BA66BB83-77F5-471D-B9DA-7D56935358A9}" dt="2023-09-28T22:38:40.940" v="102"/>
+          <ac:picMkLst>
+            <pc:docMk/>
+            <pc:sldMk cId="3595791110" sldId="266"/>
+            <ac:picMk id="11" creationId="{02846F10-DA16-9DDE-2455-CDD64FC7EFE7}"/>
+          </ac:picMkLst>
+        </pc:picChg>
+        <pc:picChg chg="add del mod">
+          <ac:chgData name="Guest User" userId="" providerId="Windows Live" clId="Web-{BA66BB83-77F5-471D-B9DA-7D56935358A9}" dt="2023-09-29T00:04:24.605" v="183"/>
+          <ac:picMkLst>
+            <pc:docMk/>
+            <pc:sldMk cId="3595791110" sldId="266"/>
+            <ac:picMk id="11" creationId="{81079630-869E-8532-D959-BDE3DDA1E389}"/>
+          </ac:picMkLst>
+        </pc:picChg>
+        <pc:picChg chg="del mod">
+          <ac:chgData name="Guest User" userId="" providerId="Windows Live" clId="Web-{BA66BB83-77F5-471D-B9DA-7D56935358A9}" dt="2023-09-28T21:28:49.780" v="38"/>
+          <ac:picMkLst>
+            <pc:docMk/>
+            <pc:sldMk cId="3595791110" sldId="266"/>
+            <ac:picMk id="11" creationId="{97751012-7FA7-08B7-C35B-FD8E9B977C58}"/>
+          </ac:picMkLst>
+        </pc:picChg>
+        <pc:picChg chg="del mod">
+          <ac:chgData name="Guest User" userId="" providerId="Windows Live" clId="Web-{BA66BB83-77F5-471D-B9DA-7D56935358A9}" dt="2023-09-28T21:28:50.811" v="40"/>
+          <ac:picMkLst>
+            <pc:docMk/>
+            <pc:sldMk cId="3595791110" sldId="266"/>
+            <ac:picMk id="12" creationId="{61BDA0D2-6F78-D3FE-9B42-7A9C477D2699}"/>
+          </ac:picMkLst>
+        </pc:picChg>
+        <pc:picChg chg="add del mod">
+          <ac:chgData name="Guest User" userId="" providerId="Windows Live" clId="Web-{BA66BB83-77F5-471D-B9DA-7D56935358A9}" dt="2023-09-29T00:00:42.581" v="143"/>
+          <ac:picMkLst>
+            <pc:docMk/>
+            <pc:sldMk cId="3595791110" sldId="266"/>
+            <ac:picMk id="12" creationId="{94A923B6-F2E6-83B9-9FEE-49FD85C03A2E}"/>
+          </ac:picMkLst>
+        </pc:picChg>
+        <pc:picChg chg="add del mod">
+          <ac:chgData name="Guest User" userId="" providerId="Windows Live" clId="Web-{BA66BB83-77F5-471D-B9DA-7D56935358A9}" dt="2023-09-28T21:48:10.413" v="88"/>
+          <ac:picMkLst>
+            <pc:docMk/>
+            <pc:sldMk cId="3595791110" sldId="266"/>
+            <ac:picMk id="13" creationId="{3DBE332F-DED1-A485-CDBD-6726D91E5E52}"/>
+          </ac:picMkLst>
+        </pc:picChg>
+        <pc:picChg chg="add mod">
+          <ac:chgData name="Guest User" userId="" providerId="Windows Live" clId="Web-{BA66BB83-77F5-471D-B9DA-7D56935358A9}" dt="2023-09-29T00:01:56.912" v="176" actId="1076"/>
+          <ac:picMkLst>
+            <pc:docMk/>
+            <pc:sldMk cId="3595791110" sldId="266"/>
+            <ac:picMk id="13" creationId="{A2505EAE-271E-6064-7143-ED56A6E043A6}"/>
+          </ac:picMkLst>
+        </pc:picChg>
+        <pc:picChg chg="add del mod">
+          <ac:chgData name="Guest User" userId="" providerId="Windows Live" clId="Web-{BA66BB83-77F5-471D-B9DA-7D56935358A9}" dt="2023-09-28T21:48:50.150" v="91"/>
+          <ac:picMkLst>
+            <pc:docMk/>
+            <pc:sldMk cId="3595791110" sldId="266"/>
+            <ac:picMk id="14" creationId="{1760E8F6-6BA6-7BC3-4779-D571F4CF0460}"/>
+          </ac:picMkLst>
+        </pc:picChg>
+        <pc:picChg chg="add mod">
+          <ac:chgData name="Guest User" userId="" providerId="Windows Live" clId="Web-{BA66BB83-77F5-471D-B9DA-7D56935358A9}" dt="2023-09-29T00:02:19.772" v="181" actId="1076"/>
+          <ac:picMkLst>
+            <pc:docMk/>
+            <pc:sldMk cId="3595791110" sldId="266"/>
+            <ac:picMk id="14" creationId="{6F92B8B4-C544-D47B-FACF-3A39FDFA0F09}"/>
+          </ac:picMkLst>
+        </pc:picChg>
+        <pc:picChg chg="add mod">
+          <ac:chgData name="Guest User" userId="" providerId="Windows Live" clId="Web-{BA66BB83-77F5-471D-B9DA-7D56935358A9}" dt="2023-09-29T00:02:15.350" v="180" actId="1076"/>
+          <ac:picMkLst>
+            <pc:docMk/>
+            <pc:sldMk cId="3595791110" sldId="266"/>
+            <ac:picMk id="15" creationId="{2A437263-B67C-5059-A94A-5AD36BE02DE1}"/>
+          </ac:picMkLst>
+        </pc:picChg>
+        <pc:picChg chg="add del mod">
+          <ac:chgData name="Guest User" userId="" providerId="Windows Live" clId="Web-{BA66BB83-77F5-471D-B9DA-7D56935358A9}" dt="2023-09-28T21:48:09.444" v="87"/>
+          <ac:picMkLst>
+            <pc:docMk/>
+            <pc:sldMk cId="3595791110" sldId="266"/>
+            <ac:picMk id="15" creationId="{BBCE410D-61DE-8EA8-F7E1-38000549799F}"/>
+          </ac:picMkLst>
+        </pc:picChg>
+        <pc:picChg chg="add mod">
+          <ac:chgData name="Guest User" userId="" providerId="Windows Live" clId="Web-{BA66BB83-77F5-471D-B9DA-7D56935358A9}" dt="2023-09-29T00:02:08.991" v="178" actId="1076"/>
+          <ac:picMkLst>
+            <pc:docMk/>
+            <pc:sldMk cId="3595791110" sldId="266"/>
+            <ac:picMk id="16" creationId="{7DC0429E-C27E-F086-F83A-9D41AE8FE881}"/>
+          </ac:picMkLst>
+        </pc:picChg>
+        <pc:picChg chg="add del mod">
+          <ac:chgData name="Guest User" userId="" providerId="Windows Live" clId="Web-{BA66BB83-77F5-471D-B9DA-7D56935358A9}" dt="2023-09-28T21:48:50.619" v="92"/>
+          <ac:picMkLst>
+            <pc:docMk/>
+            <pc:sldMk cId="3595791110" sldId="266"/>
+            <ac:picMk id="16" creationId="{F9008DA2-C3B9-9185-CDEB-CD2C0FF27B83}"/>
+          </ac:picMkLst>
+        </pc:picChg>
+        <pc:picChg chg="add mod">
+          <ac:chgData name="Guest User" userId="" providerId="Windows Live" clId="Web-{BA66BB83-77F5-471D-B9DA-7D56935358A9}" dt="2023-09-29T00:01:58.865" v="177" actId="1076"/>
+          <ac:picMkLst>
+            <pc:docMk/>
+            <pc:sldMk cId="3595791110" sldId="266"/>
+            <ac:picMk id="21" creationId="{F09B2506-0D25-6E88-3AA2-5E1DCE60EA5D}"/>
+          </ac:picMkLst>
+        </pc:picChg>
+        <pc:picChg chg="add del mod">
+          <ac:chgData name="Guest User" userId="" providerId="Windows Live" clId="Web-{BA66BB83-77F5-471D-B9DA-7D56935358A9}" dt="2023-09-28T21:48:49.244" v="89"/>
+          <ac:picMkLst>
+            <pc:docMk/>
+            <pc:sldMk cId="3595791110" sldId="266"/>
+            <ac:picMk id="21" creationId="{F8BAD12E-A4BC-D877-8E22-985A87D547AC}"/>
+          </ac:picMkLst>
+        </pc:picChg>
+        <pc:picChg chg="add mod">
+          <ac:chgData name="Guest User" userId="" providerId="Windows Live" clId="Web-{BA66BB83-77F5-471D-B9DA-7D56935358A9}" dt="2023-09-29T00:02:11.850" v="179" actId="1076"/>
+          <ac:picMkLst>
+            <pc:docMk/>
+            <pc:sldMk cId="3595791110" sldId="266"/>
+            <ac:picMk id="22" creationId="{94A50F37-C1C9-A48A-B8F5-B7395B8FF550}"/>
+          </ac:picMkLst>
+        </pc:picChg>
+        <pc:picChg chg="add del mod">
+          <ac:chgData name="Guest User" userId="" providerId="Windows Live" clId="Web-{BA66BB83-77F5-471D-B9DA-7D56935358A9}" dt="2023-09-28T21:48:50.103" v="90"/>
+          <ac:picMkLst>
+            <pc:docMk/>
+            <pc:sldMk cId="3595791110" sldId="266"/>
+            <ac:picMk id="22" creationId="{F2EC90D6-25F5-A73B-4A90-1E16A9C40C6C}"/>
+          </ac:picMkLst>
+        </pc:picChg>
+      </pc:sldChg>
+      <pc:sldChg chg="delSp modSp">
+        <pc:chgData name="Guest User" userId="" providerId="Windows Live" clId="Web-{BA66BB83-77F5-471D-B9DA-7D56935358A9}" dt="2023-09-28T21:33:01.576" v="85"/>
+        <pc:sldMkLst>
+          <pc:docMk/>
+          <pc:sldMk cId="0" sldId="273"/>
+        </pc:sldMkLst>
+        <pc:spChg chg="del">
+          <ac:chgData name="Guest User" userId="" providerId="Windows Live" clId="Web-{BA66BB83-77F5-471D-B9DA-7D56935358A9}" dt="2023-09-28T21:33:01.576" v="85"/>
+          <ac:spMkLst>
+            <pc:docMk/>
+            <pc:sldMk cId="0" sldId="273"/>
+            <ac:spMk id="124" creationId="{F3060C83-F051-4F0E-ABAD-AA0DFC48B218}"/>
+          </ac:spMkLst>
+        </pc:spChg>
+        <pc:spChg chg="del">
+          <ac:chgData name="Guest User" userId="" providerId="Windows Live" clId="Web-{BA66BB83-77F5-471D-B9DA-7D56935358A9}" dt="2023-09-28T21:33:01.576" v="85"/>
+          <ac:spMkLst>
+            <pc:docMk/>
+            <pc:sldMk cId="0" sldId="273"/>
+            <ac:spMk id="126" creationId="{83C98ABE-055B-441F-B07E-44F97F083C39}"/>
+          </ac:spMkLst>
+        </pc:spChg>
+        <pc:spChg chg="del">
+          <ac:chgData name="Guest User" userId="" providerId="Windows Live" clId="Web-{BA66BB83-77F5-471D-B9DA-7D56935358A9}" dt="2023-09-28T21:33:01.576" v="85"/>
+          <ac:spMkLst>
+            <pc:docMk/>
+            <pc:sldMk cId="0" sldId="273"/>
+            <ac:spMk id="128" creationId="{29FDB030-9B49-4CED-8CCD-4D99382388AC}"/>
+          </ac:spMkLst>
+        </pc:spChg>
+        <pc:spChg chg="del">
+          <ac:chgData name="Guest User" userId="" providerId="Windows Live" clId="Web-{BA66BB83-77F5-471D-B9DA-7D56935358A9}" dt="2023-09-28T21:33:01.576" v="85"/>
+          <ac:spMkLst>
+            <pc:docMk/>
+            <pc:sldMk cId="0" sldId="273"/>
+            <ac:spMk id="130" creationId="{3783CA14-24A1-485C-8B30-D6A5D87987AD}"/>
+          </ac:spMkLst>
+        </pc:spChg>
+        <pc:spChg chg="del">
+          <ac:chgData name="Guest User" userId="" providerId="Windows Live" clId="Web-{BA66BB83-77F5-471D-B9DA-7D56935358A9}" dt="2023-09-28T21:33:01.576" v="85"/>
+          <ac:spMkLst>
+            <pc:docMk/>
+            <pc:sldMk cId="0" sldId="273"/>
+            <ac:spMk id="132" creationId="{9A97C86A-04D6-40F7-AE84-31AB43E6A846}"/>
+          </ac:spMkLst>
+        </pc:spChg>
+        <pc:spChg chg="del">
+          <ac:chgData name="Guest User" userId="" providerId="Windows Live" clId="Web-{BA66BB83-77F5-471D-B9DA-7D56935358A9}" dt="2023-09-28T21:33:01.576" v="85"/>
+          <ac:spMkLst>
+            <pc:docMk/>
+            <pc:sldMk cId="0" sldId="273"/>
+            <ac:spMk id="134" creationId="{FF9F2414-84E8-453E-B1F3-389FDE8192D9}"/>
+          </ac:spMkLst>
+        </pc:spChg>
+        <pc:spChg chg="del">
+          <ac:chgData name="Guest User" userId="" providerId="Windows Live" clId="Web-{BA66BB83-77F5-471D-B9DA-7D56935358A9}" dt="2023-09-28T21:33:01.576" v="85"/>
+          <ac:spMkLst>
+            <pc:docMk/>
+            <pc:sldMk cId="0" sldId="273"/>
+            <ac:spMk id="136" creationId="{3ECA69A1-7536-43AC-85EF-C7106179F5ED}"/>
+          </ac:spMkLst>
+        </pc:spChg>
+        <pc:picChg chg="mod">
+          <ac:chgData name="Guest User" userId="" providerId="Windows Live" clId="Web-{BA66BB83-77F5-471D-B9DA-7D56935358A9}" dt="2023-09-28T21:33:01.576" v="85"/>
+          <ac:picMkLst>
+            <pc:docMk/>
+            <pc:sldMk cId="0" sldId="273"/>
+            <ac:picMk id="119" creationId="{00000000-0000-0000-0000-000000000000}"/>
+          </ac:picMkLst>
+        </pc:picChg>
+      </pc:sldChg>
+      <pc:sldChg chg="modSp">
+        <pc:chgData name="Guest User" userId="" providerId="Windows Live" clId="Web-{BA66BB83-77F5-471D-B9DA-7D56935358A9}" dt="2023-09-28T21:20:59.327" v="15" actId="1076"/>
+        <pc:sldMkLst>
+          <pc:docMk/>
+          <pc:sldMk cId="0" sldId="274"/>
+        </pc:sldMkLst>
+        <pc:picChg chg="mod">
+          <ac:chgData name="Guest User" userId="" providerId="Windows Live" clId="Web-{BA66BB83-77F5-471D-B9DA-7D56935358A9}" dt="2023-09-28T21:20:59.327" v="15" actId="1076"/>
+          <ac:picMkLst>
+            <pc:docMk/>
+            <pc:sldMk cId="0" sldId="274"/>
+            <ac:picMk id="124" creationId="{00000000-0000-0000-0000-000000000000}"/>
+          </ac:picMkLst>
+        </pc:picChg>
+      </pc:sldChg>
+      <pc:sldChg chg="addSp delSp modSp">
+        <pc:chgData name="Guest User" userId="" providerId="Windows Live" clId="Web-{BA66BB83-77F5-471D-B9DA-7D56935358A9}" dt="2023-09-29T01:01:43.921" v="269" actId="20577"/>
+        <pc:sldMkLst>
+          <pc:docMk/>
+          <pc:sldMk cId="962639800" sldId="280"/>
+        </pc:sldMkLst>
+        <pc:spChg chg="add mod">
+          <ac:chgData name="Guest User" userId="" providerId="Windows Live" clId="Web-{BA66BB83-77F5-471D-B9DA-7D56935358A9}" dt="2023-09-29T01:01:43.921" v="269" actId="20577"/>
+          <ac:spMkLst>
+            <pc:docMk/>
+            <pc:sldMk cId="962639800" sldId="280"/>
+            <ac:spMk id="5" creationId="{95064B3B-59AE-FC83-C4EC-97DC4ED784B7}"/>
+          </ac:spMkLst>
+        </pc:spChg>
+        <pc:picChg chg="add mod">
+          <ac:chgData name="Guest User" userId="" providerId="Windows Live" clId="Web-{BA66BB83-77F5-471D-B9DA-7D56935358A9}" dt="2023-09-29T00:07:38.597" v="212" actId="1076"/>
+          <ac:picMkLst>
+            <pc:docMk/>
+            <pc:sldMk cId="962639800" sldId="280"/>
+            <ac:picMk id="2" creationId="{ED88A3BD-96D6-71F9-11BE-2096A292EB29}"/>
+          </ac:picMkLst>
+        </pc:picChg>
+        <pc:picChg chg="add mod">
+          <ac:chgData name="Guest User" userId="" providerId="Windows Live" clId="Web-{BA66BB83-77F5-471D-B9DA-7D56935358A9}" dt="2023-09-29T00:21:46.187" v="237" actId="1076"/>
+          <ac:picMkLst>
+            <pc:docMk/>
+            <pc:sldMk cId="962639800" sldId="280"/>
+            <ac:picMk id="3" creationId="{75751831-BC74-E6BC-C3B0-EFB0B0817001}"/>
+          </ac:picMkLst>
+        </pc:picChg>
+        <pc:picChg chg="del">
+          <ac:chgData name="Guest User" userId="" providerId="Windows Live" clId="Web-{BA66BB83-77F5-471D-B9DA-7D56935358A9}" dt="2023-09-29T00:05:23.467" v="195"/>
+          <ac:picMkLst>
+            <pc:docMk/>
+            <pc:sldMk cId="962639800" sldId="280"/>
+            <ac:picMk id="6" creationId="{77DA6BDB-DE74-DD75-A3F4-7FB28C4FF891}"/>
+          </ac:picMkLst>
+        </pc:picChg>
+      </pc:sldChg>
+    </pc:docChg>
+  </pc:docChgLst>
+  <pc:docChgLst>
+    <pc:chgData name="Guest User" providerId="Windows Live" clId="Web-{70C6725A-6DD0-4FCE-89E7-12336265D132}"/>
+    <pc:docChg chg="modSld">
+      <pc:chgData name="Guest User" userId="" providerId="Windows Live" clId="Web-{70C6725A-6DD0-4FCE-89E7-12336265D132}" dt="2023-10-02T23:26:03.662" v="1" actId="1076"/>
+      <pc:docMkLst>
+        <pc:docMk/>
+      </pc:docMkLst>
+      <pc:sldChg chg="modSp">
+        <pc:chgData name="Guest User" userId="" providerId="Windows Live" clId="Web-{70C6725A-6DD0-4FCE-89E7-12336265D132}" dt="2023-10-02T23:26:03.662" v="1" actId="1076"/>
+        <pc:sldMkLst>
+          <pc:docMk/>
+          <pc:sldMk cId="1966528045" sldId="283"/>
+        </pc:sldMkLst>
+        <pc:picChg chg="mod">
+          <ac:chgData name="Guest User" userId="" providerId="Windows Live" clId="Web-{70C6725A-6DD0-4FCE-89E7-12336265D132}" dt="2023-10-02T23:26:03.662" v="1" actId="1076"/>
+          <ac:picMkLst>
+            <pc:docMk/>
+            <pc:sldMk cId="1966528045" sldId="283"/>
+            <ac:picMk id="2" creationId="{7AE3FBAA-499A-7366-77EB-5AFF06E71498}"/>
+          </ac:picMkLst>
+        </pc:picChg>
       </pc:sldChg>
     </pc:docChg>
   </pc:docChgLst>
@@ -2312,26 +2418,26 @@
           <a:lstStyle/>
           <a:p>
             <a:r>
-              <a:rPr lang="en-US" dirty="0"/>
-              <a:t>Joel: Slide 1-3, 7-9</a:t>
-            </a:r>
-          </a:p>
-          <a:p>
-            <a:r>
-              <a:rPr lang="en-US" dirty="0"/>
-              <a:t>Max: 4-6</a:t>
-            </a:r>
-          </a:p>
-          <a:p>
-            <a:r>
-              <a:rPr lang="en-US" dirty="0"/>
+              <a:rPr lang="en-US"/>
+              <a:t>Joel: Slide 1-3</a:t>
+            </a:r>
+          </a:p>
+          <a:p>
+            <a:r>
+              <a:rPr lang="en-US"/>
+              <a:t>Max: 4-8</a:t>
+            </a:r>
+          </a:p>
+          <a:p>
+            <a:r>
+              <a:rPr lang="en-US"/>
               <a:t>Tunga: 10 &amp; 11</a:t>
             </a:r>
           </a:p>
           <a:p>
             <a:r>
-              <a:rPr lang="en-US" dirty="0"/>
-              <a:t>Francesca: 12-14</a:t>
+              <a:rPr lang="en-US"/>
+              <a:t>Francesca: 9, 12-14</a:t>
             </a:r>
           </a:p>
         </p:txBody>
@@ -2417,9 +2523,43 @@
           <a:lstStyle/>
           <a:p>
             <a:r>
-              <a:rPr lang="en-US" dirty="0"/>
-              <a:t>Max</a:t>
-            </a:r>
+              <a:rPr lang="en-US"/>
+              <a:t>*</a:t>
+            </a:r>
+            <a:r>
+              <a:rPr lang="en-US" sz="1200" b="0" i="0">
+                <a:effectLst/>
+              </a:rPr>
+              <a:t>For example, “a 10% customer churn rate for the last quarter”.</a:t>
+            </a:r>
+          </a:p>
+          <a:p>
+            <a:endParaRPr lang="en-US" sz="1200" b="0" i="0">
+              <a:effectLst/>
+            </a:endParaRPr>
+          </a:p>
+          <a:p>
+            <a:r>
+              <a:rPr lang="en-US"/>
+              <a:t>*</a:t>
+            </a:r>
+            <a:r>
+              <a:rPr lang="en-US" sz="1200" b="0" i="0">
+                <a:effectLst/>
+              </a:rPr>
+              <a:t>For </a:t>
+            </a:r>
+            <a:r>
+              <a:rPr lang="en-US" sz="1200"/>
+              <a:t>example, i</a:t>
+            </a:r>
+            <a:r>
+              <a:rPr lang="en-US" sz="1200" b="0" i="0">
+                <a:effectLst/>
+              </a:rPr>
+              <a:t>f you have a churn rate of 10%, your retention rate is therefore 90%. </a:t>
+            </a:r>
+            <a:endParaRPr lang="en-US"/>
           </a:p>
         </p:txBody>
       </p:sp>
@@ -2440,7 +2580,7 @@
           <a:p>
             <a:fld id="{B28CAA86-8068-4735-A169-DEAA3C8077E9}" type="slidenum">
               <a:rPr lang="en-US" smtClean="0"/>
-              <a:t>4</a:t>
+              <a:t>2</a:t>
             </a:fld>
             <a:endParaRPr lang="en-US"/>
           </a:p>
@@ -2449,7 +2589,7 @@
     </p:spTree>
     <p:extLst>
       <p:ext uri="{BB962C8B-B14F-4D97-AF65-F5344CB8AC3E}">
-        <p14:creationId xmlns:p14="http://schemas.microsoft.com/office/powerpoint/2010/main" val="1438845242"/>
+        <p14:creationId xmlns:p14="http://schemas.microsoft.com/office/powerpoint/2010/main" val="2962690616"/>
       </p:ext>
     </p:extLst>
   </p:cSld>
@@ -2503,10 +2643,7 @@
           <a:bodyPr/>
           <a:lstStyle/>
           <a:p>
-            <a:r>
-              <a:rPr lang="en-US" dirty="0"/>
-              <a:t>Tunga</a:t>
-            </a:r>
+            <a:endParaRPr lang="en-US"/>
           </a:p>
         </p:txBody>
       </p:sp>
@@ -2527,7 +2664,7 @@
           <a:p>
             <a:fld id="{B28CAA86-8068-4735-A169-DEAA3C8077E9}" type="slidenum">
               <a:rPr lang="en-US" smtClean="0"/>
-              <a:t>10</a:t>
+              <a:t>3</a:t>
             </a:fld>
             <a:endParaRPr lang="en-US"/>
           </a:p>
@@ -2536,7 +2673,7 @@
     </p:spTree>
     <p:extLst>
       <p:ext uri="{BB962C8B-B14F-4D97-AF65-F5344CB8AC3E}">
-        <p14:creationId xmlns:p14="http://schemas.microsoft.com/office/powerpoint/2010/main" val="1193775185"/>
+        <p14:creationId xmlns:p14="http://schemas.microsoft.com/office/powerpoint/2010/main" val="3809789933"/>
       </p:ext>
     </p:extLst>
   </p:cSld>
@@ -2591,7 +2728,436 @@
           <a:lstStyle/>
           <a:p>
             <a:r>
-              <a:rPr lang="en-US" dirty="0"/>
+              <a:rPr lang="en-US"/>
+              <a:t>Max</a:t>
+            </a:r>
+          </a:p>
+        </p:txBody>
+      </p:sp>
+      <p:sp>
+        <p:nvSpPr>
+          <p:cNvPr id="4" name="Slide Number Placeholder 3"/>
+          <p:cNvSpPr>
+            <a:spLocks noGrp="1"/>
+          </p:cNvSpPr>
+          <p:nvPr>
+            <p:ph type="sldNum" sz="quarter" idx="5"/>
+          </p:nvPr>
+        </p:nvSpPr>
+        <p:spPr/>
+        <p:txBody>
+          <a:bodyPr/>
+          <a:lstStyle/>
+          <a:p>
+            <a:fld id="{B28CAA86-8068-4735-A169-DEAA3C8077E9}" type="slidenum">
+              <a:rPr lang="en-US" smtClean="0"/>
+              <a:t>4</a:t>
+            </a:fld>
+            <a:endParaRPr lang="en-US"/>
+          </a:p>
+        </p:txBody>
+      </p:sp>
+    </p:spTree>
+    <p:extLst>
+      <p:ext uri="{BB962C8B-B14F-4D97-AF65-F5344CB8AC3E}">
+        <p14:creationId xmlns:p14="http://schemas.microsoft.com/office/powerpoint/2010/main" val="1438845242"/>
+      </p:ext>
+    </p:extLst>
+  </p:cSld>
+  <p:clrMapOvr>
+    <a:masterClrMapping/>
+  </p:clrMapOvr>
+</p:notes>
+</file>
+
+<file path=ppt/notesSlides/notesSlide5.xml><?xml version="1.0" encoding="utf-8"?>
+<p:notes xmlns:a="http://schemas.openxmlformats.org/drawingml/2006/main" xmlns:r="http://schemas.openxmlformats.org/officeDocument/2006/relationships" xmlns:p="http://schemas.openxmlformats.org/presentationml/2006/main">
+  <p:cSld>
+    <p:spTree>
+      <p:nvGrpSpPr>
+        <p:cNvPr id="1" name=""/>
+        <p:cNvGrpSpPr/>
+        <p:nvPr/>
+      </p:nvGrpSpPr>
+      <p:grpSpPr>
+        <a:xfrm>
+          <a:off x="0" y="0"/>
+          <a:ext cx="0" cy="0"/>
+          <a:chOff x="0" y="0"/>
+          <a:chExt cx="0" cy="0"/>
+        </a:xfrm>
+      </p:grpSpPr>
+      <p:sp>
+        <p:nvSpPr>
+          <p:cNvPr id="2" name="Slide Image Placeholder 1"/>
+          <p:cNvSpPr>
+            <a:spLocks noGrp="1" noRot="1" noChangeAspect="1"/>
+          </p:cNvSpPr>
+          <p:nvPr>
+            <p:ph type="sldImg"/>
+          </p:nvPr>
+        </p:nvSpPr>
+        <p:spPr/>
+      </p:sp>
+      <p:sp>
+        <p:nvSpPr>
+          <p:cNvPr id="3" name="Notes Placeholder 2"/>
+          <p:cNvSpPr>
+            <a:spLocks noGrp="1"/>
+          </p:cNvSpPr>
+          <p:nvPr>
+            <p:ph type="body" idx="1"/>
+          </p:nvPr>
+        </p:nvSpPr>
+        <p:spPr/>
+        <p:txBody>
+          <a:bodyPr/>
+          <a:lstStyle/>
+          <a:p>
+            <a:endParaRPr lang="en-US"/>
+          </a:p>
+        </p:txBody>
+      </p:sp>
+      <p:sp>
+        <p:nvSpPr>
+          <p:cNvPr id="4" name="Slide Number Placeholder 3"/>
+          <p:cNvSpPr>
+            <a:spLocks noGrp="1"/>
+          </p:cNvSpPr>
+          <p:nvPr>
+            <p:ph type="sldNum" sz="quarter" idx="5"/>
+          </p:nvPr>
+        </p:nvSpPr>
+        <p:spPr/>
+        <p:txBody>
+          <a:bodyPr/>
+          <a:lstStyle/>
+          <a:p>
+            <a:fld id="{B28CAA86-8068-4735-A169-DEAA3C8077E9}" type="slidenum">
+              <a:rPr lang="en-US" smtClean="0"/>
+              <a:t>7</a:t>
+            </a:fld>
+            <a:endParaRPr lang="en-US"/>
+          </a:p>
+        </p:txBody>
+      </p:sp>
+    </p:spTree>
+    <p:extLst>
+      <p:ext uri="{BB962C8B-B14F-4D97-AF65-F5344CB8AC3E}">
+        <p14:creationId xmlns:p14="http://schemas.microsoft.com/office/powerpoint/2010/main" val="1146650524"/>
+      </p:ext>
+    </p:extLst>
+  </p:cSld>
+  <p:clrMapOvr>
+    <a:masterClrMapping/>
+  </p:clrMapOvr>
+</p:notes>
+</file>
+
+<file path=ppt/notesSlides/notesSlide6.xml><?xml version="1.0" encoding="utf-8"?>
+<p:notes xmlns:a="http://schemas.openxmlformats.org/drawingml/2006/main" xmlns:r="http://schemas.openxmlformats.org/officeDocument/2006/relationships" xmlns:p="http://schemas.openxmlformats.org/presentationml/2006/main">
+  <p:cSld>
+    <p:spTree>
+      <p:nvGrpSpPr>
+        <p:cNvPr id="1" name=""/>
+        <p:cNvGrpSpPr/>
+        <p:nvPr/>
+      </p:nvGrpSpPr>
+      <p:grpSpPr>
+        <a:xfrm>
+          <a:off x="0" y="0"/>
+          <a:ext cx="0" cy="0"/>
+          <a:chOff x="0" y="0"/>
+          <a:chExt cx="0" cy="0"/>
+        </a:xfrm>
+      </p:grpSpPr>
+      <p:sp>
+        <p:nvSpPr>
+          <p:cNvPr id="2" name="Slide Image Placeholder 1"/>
+          <p:cNvSpPr>
+            <a:spLocks noGrp="1" noRot="1" noChangeAspect="1"/>
+          </p:cNvSpPr>
+          <p:nvPr>
+            <p:ph type="sldImg"/>
+          </p:nvPr>
+        </p:nvSpPr>
+        <p:spPr/>
+      </p:sp>
+      <p:sp>
+        <p:nvSpPr>
+          <p:cNvPr id="3" name="Notes Placeholder 2"/>
+          <p:cNvSpPr>
+            <a:spLocks noGrp="1"/>
+          </p:cNvSpPr>
+          <p:nvPr>
+            <p:ph type="body" idx="1"/>
+          </p:nvPr>
+        </p:nvSpPr>
+        <p:spPr/>
+        <p:txBody>
+          <a:bodyPr/>
+          <a:lstStyle/>
+          <a:p>
+            <a:r>
+              <a:rPr lang="en-US"/>
+              <a:t>Francesca</a:t>
+            </a:r>
+          </a:p>
+        </p:txBody>
+      </p:sp>
+      <p:sp>
+        <p:nvSpPr>
+          <p:cNvPr id="4" name="Slide Number Placeholder 3"/>
+          <p:cNvSpPr>
+            <a:spLocks noGrp="1"/>
+          </p:cNvSpPr>
+          <p:nvPr>
+            <p:ph type="sldNum" sz="quarter" idx="5"/>
+          </p:nvPr>
+        </p:nvSpPr>
+        <p:spPr/>
+        <p:txBody>
+          <a:bodyPr/>
+          <a:lstStyle/>
+          <a:p>
+            <a:fld id="{B28CAA86-8068-4735-A169-DEAA3C8077E9}" type="slidenum">
+              <a:rPr lang="en-US" smtClean="0"/>
+              <a:t>9</a:t>
+            </a:fld>
+            <a:endParaRPr lang="en-US"/>
+          </a:p>
+        </p:txBody>
+      </p:sp>
+    </p:spTree>
+    <p:extLst>
+      <p:ext uri="{BB962C8B-B14F-4D97-AF65-F5344CB8AC3E}">
+        <p14:creationId xmlns:p14="http://schemas.microsoft.com/office/powerpoint/2010/main" val="2305452950"/>
+      </p:ext>
+    </p:extLst>
+  </p:cSld>
+  <p:clrMapOvr>
+    <a:masterClrMapping/>
+  </p:clrMapOvr>
+</p:notes>
+</file>
+
+<file path=ppt/notesSlides/notesSlide7.xml><?xml version="1.0" encoding="utf-8"?>
+<p:notes xmlns:a="http://schemas.openxmlformats.org/drawingml/2006/main" xmlns:r="http://schemas.openxmlformats.org/officeDocument/2006/relationships" xmlns:p="http://schemas.openxmlformats.org/presentationml/2006/main">
+  <p:cSld>
+    <p:spTree>
+      <p:nvGrpSpPr>
+        <p:cNvPr id="1" name=""/>
+        <p:cNvGrpSpPr/>
+        <p:nvPr/>
+      </p:nvGrpSpPr>
+      <p:grpSpPr>
+        <a:xfrm>
+          <a:off x="0" y="0"/>
+          <a:ext cx="0" cy="0"/>
+          <a:chOff x="0" y="0"/>
+          <a:chExt cx="0" cy="0"/>
+        </a:xfrm>
+      </p:grpSpPr>
+      <p:sp>
+        <p:nvSpPr>
+          <p:cNvPr id="2" name="Slide Image Placeholder 1"/>
+          <p:cNvSpPr>
+            <a:spLocks noGrp="1" noRot="1" noChangeAspect="1"/>
+          </p:cNvSpPr>
+          <p:nvPr>
+            <p:ph type="sldImg"/>
+          </p:nvPr>
+        </p:nvSpPr>
+        <p:spPr/>
+      </p:sp>
+      <p:sp>
+        <p:nvSpPr>
+          <p:cNvPr id="3" name="Notes Placeholder 2"/>
+          <p:cNvSpPr>
+            <a:spLocks noGrp="1"/>
+          </p:cNvSpPr>
+          <p:nvPr>
+            <p:ph type="body" idx="1"/>
+          </p:nvPr>
+        </p:nvSpPr>
+        <p:spPr/>
+        <p:txBody>
+          <a:bodyPr/>
+          <a:lstStyle/>
+          <a:p>
+            <a:r>
+              <a:rPr lang="en-US"/>
+              <a:t>Tunga</a:t>
+            </a:r>
+          </a:p>
+        </p:txBody>
+      </p:sp>
+      <p:sp>
+        <p:nvSpPr>
+          <p:cNvPr id="4" name="Slide Number Placeholder 3"/>
+          <p:cNvSpPr>
+            <a:spLocks noGrp="1"/>
+          </p:cNvSpPr>
+          <p:nvPr>
+            <p:ph type="sldNum" sz="quarter" idx="5"/>
+          </p:nvPr>
+        </p:nvSpPr>
+        <p:spPr/>
+        <p:txBody>
+          <a:bodyPr/>
+          <a:lstStyle/>
+          <a:p>
+            <a:fld id="{B28CAA86-8068-4735-A169-DEAA3C8077E9}" type="slidenum">
+              <a:rPr lang="en-US" smtClean="0"/>
+              <a:t>10</a:t>
+            </a:fld>
+            <a:endParaRPr lang="en-US"/>
+          </a:p>
+        </p:txBody>
+      </p:sp>
+    </p:spTree>
+    <p:extLst>
+      <p:ext uri="{BB962C8B-B14F-4D97-AF65-F5344CB8AC3E}">
+        <p14:creationId xmlns:p14="http://schemas.microsoft.com/office/powerpoint/2010/main" val="1193775185"/>
+      </p:ext>
+    </p:extLst>
+  </p:cSld>
+  <p:clrMapOvr>
+    <a:masterClrMapping/>
+  </p:clrMapOvr>
+</p:notes>
+</file>
+
+<file path=ppt/notesSlides/notesSlide8.xml><?xml version="1.0" encoding="utf-8"?>
+<p:notes xmlns:a="http://schemas.openxmlformats.org/drawingml/2006/main" xmlns:r="http://schemas.openxmlformats.org/officeDocument/2006/relationships" xmlns:p="http://schemas.openxmlformats.org/presentationml/2006/main">
+  <p:cSld>
+    <p:spTree>
+      <p:nvGrpSpPr>
+        <p:cNvPr id="1" name=""/>
+        <p:cNvGrpSpPr/>
+        <p:nvPr/>
+      </p:nvGrpSpPr>
+      <p:grpSpPr>
+        <a:xfrm>
+          <a:off x="0" y="0"/>
+          <a:ext cx="0" cy="0"/>
+          <a:chOff x="0" y="0"/>
+          <a:chExt cx="0" cy="0"/>
+        </a:xfrm>
+      </p:grpSpPr>
+      <p:sp>
+        <p:nvSpPr>
+          <p:cNvPr id="2" name="Slide Image Placeholder 1"/>
+          <p:cNvSpPr>
+            <a:spLocks noGrp="1" noRot="1" noChangeAspect="1"/>
+          </p:cNvSpPr>
+          <p:nvPr>
+            <p:ph type="sldImg"/>
+          </p:nvPr>
+        </p:nvSpPr>
+        <p:spPr/>
+      </p:sp>
+      <p:sp>
+        <p:nvSpPr>
+          <p:cNvPr id="3" name="Notes Placeholder 2"/>
+          <p:cNvSpPr>
+            <a:spLocks noGrp="1"/>
+          </p:cNvSpPr>
+          <p:nvPr>
+            <p:ph type="body" idx="1"/>
+          </p:nvPr>
+        </p:nvSpPr>
+        <p:spPr/>
+        <p:txBody>
+          <a:bodyPr/>
+          <a:lstStyle/>
+          <a:p>
+            <a:endParaRPr lang="en-US"/>
+          </a:p>
+        </p:txBody>
+      </p:sp>
+      <p:sp>
+        <p:nvSpPr>
+          <p:cNvPr id="4" name="Slide Number Placeholder 3"/>
+          <p:cNvSpPr>
+            <a:spLocks noGrp="1"/>
+          </p:cNvSpPr>
+          <p:nvPr>
+            <p:ph type="sldNum" sz="quarter" idx="5"/>
+          </p:nvPr>
+        </p:nvSpPr>
+        <p:spPr/>
+        <p:txBody>
+          <a:bodyPr/>
+          <a:lstStyle/>
+          <a:p>
+            <a:fld id="{B28CAA86-8068-4735-A169-DEAA3C8077E9}" type="slidenum">
+              <a:rPr lang="en-US" smtClean="0"/>
+              <a:t>11</a:t>
+            </a:fld>
+            <a:endParaRPr lang="en-US"/>
+          </a:p>
+        </p:txBody>
+      </p:sp>
+    </p:spTree>
+    <p:extLst>
+      <p:ext uri="{BB962C8B-B14F-4D97-AF65-F5344CB8AC3E}">
+        <p14:creationId xmlns:p14="http://schemas.microsoft.com/office/powerpoint/2010/main" val="3301563006"/>
+      </p:ext>
+    </p:extLst>
+  </p:cSld>
+  <p:clrMapOvr>
+    <a:masterClrMapping/>
+  </p:clrMapOvr>
+</p:notes>
+</file>
+
+<file path=ppt/notesSlides/notesSlide9.xml><?xml version="1.0" encoding="utf-8"?>
+<p:notes xmlns:a="http://schemas.openxmlformats.org/drawingml/2006/main" xmlns:r="http://schemas.openxmlformats.org/officeDocument/2006/relationships" xmlns:p="http://schemas.openxmlformats.org/presentationml/2006/main">
+  <p:cSld>
+    <p:spTree>
+      <p:nvGrpSpPr>
+        <p:cNvPr id="1" name=""/>
+        <p:cNvGrpSpPr/>
+        <p:nvPr/>
+      </p:nvGrpSpPr>
+      <p:grpSpPr>
+        <a:xfrm>
+          <a:off x="0" y="0"/>
+          <a:ext cx="0" cy="0"/>
+          <a:chOff x="0" y="0"/>
+          <a:chExt cx="0" cy="0"/>
+        </a:xfrm>
+      </p:grpSpPr>
+      <p:sp>
+        <p:nvSpPr>
+          <p:cNvPr id="2" name="Slide Image Placeholder 1"/>
+          <p:cNvSpPr>
+            <a:spLocks noGrp="1" noRot="1" noChangeAspect="1"/>
+          </p:cNvSpPr>
+          <p:nvPr>
+            <p:ph type="sldImg"/>
+          </p:nvPr>
+        </p:nvSpPr>
+        <p:spPr/>
+      </p:sp>
+      <p:sp>
+        <p:nvSpPr>
+          <p:cNvPr id="3" name="Notes Placeholder 2"/>
+          <p:cNvSpPr>
+            <a:spLocks noGrp="1"/>
+          </p:cNvSpPr>
+          <p:nvPr>
+            <p:ph type="body" idx="1"/>
+          </p:nvPr>
+        </p:nvSpPr>
+        <p:spPr/>
+        <p:txBody>
+          <a:bodyPr/>
+          <a:lstStyle/>
+          <a:p>
+            <a:r>
+              <a:rPr lang="en-US"/>
               <a:t>Francesca</a:t>
             </a:r>
           </a:p>
@@ -5876,7 +6442,7 @@
           <a:lstStyle/>
           <a:p>
             <a:r>
-              <a:rPr lang="en-US" dirty="0"/>
+              <a:rPr lang="en-US"/>
               <a:t>Predicting Customer Churn</a:t>
             </a:r>
           </a:p>
@@ -6354,10 +6920,10 @@
       </p:sp>
       <p:pic>
         <p:nvPicPr>
-          <p:cNvPr id="6" name="Picture 5" descr="A blue and white graph&#10;&#10;Description automatically generated">
+          <p:cNvPr id="13" name="Picture 12" descr="A graph showing a tree confusion matrix&#10;&#10;Description automatically generated">
             <a:extLst>
               <a:ext uri="{FF2B5EF4-FFF2-40B4-BE49-F238E27FC236}">
-                <a16:creationId xmlns:a16="http://schemas.microsoft.com/office/drawing/2014/main" id="{815F8F7D-68CC-D021-2B96-CAFE27766E94}"/>
+                <a16:creationId xmlns:a16="http://schemas.microsoft.com/office/drawing/2014/main" id="{A2505EAE-271E-6064-7143-ED56A6E043A6}"/>
               </a:ext>
             </a:extLst>
           </p:cNvPr>
@@ -6368,36 +6934,6 @@
         </p:nvPicPr>
         <p:blipFill>
           <a:blip r:embed="rId3"/>
-          <a:stretch>
-            <a:fillRect/>
-          </a:stretch>
-        </p:blipFill>
-        <p:spPr>
-          <a:xfrm>
-            <a:off x="2954594" y="4189533"/>
-            <a:ext cx="2743200" cy="2288935"/>
-          </a:xfrm>
-          <a:prstGeom prst="rect">
-            <a:avLst/>
-          </a:prstGeom>
-        </p:spPr>
-      </p:pic>
-      <p:pic>
-        <p:nvPicPr>
-          <p:cNvPr id="13" name="Picture 12" descr="A graph showing a tree confusion matrix&#10;&#10;Description automatically generated">
-            <a:extLst>
-              <a:ext uri="{FF2B5EF4-FFF2-40B4-BE49-F238E27FC236}">
-                <a16:creationId xmlns:a16="http://schemas.microsoft.com/office/drawing/2014/main" id="{A2505EAE-271E-6064-7143-ED56A6E043A6}"/>
-              </a:ext>
-            </a:extLst>
-          </p:cNvPr>
-          <p:cNvPicPr>
-            <a:picLocks noChangeAspect="1"/>
-          </p:cNvPicPr>
-          <p:nvPr/>
-        </p:nvPicPr>
-        <p:blipFill>
-          <a:blip r:embed="rId4"/>
           <a:stretch>
             <a:fillRect/>
           </a:stretch>
@@ -6427,7 +6963,7 @@
           <p:nvPr/>
         </p:nvPicPr>
         <p:blipFill>
-          <a:blip r:embed="rId5"/>
+          <a:blip r:embed="rId4"/>
           <a:stretch>
             <a:fillRect/>
           </a:stretch>
@@ -6457,7 +6993,7 @@
           <p:nvPr/>
         </p:nvPicPr>
         <p:blipFill>
-          <a:blip r:embed="rId6"/>
+          <a:blip r:embed="rId5"/>
           <a:stretch>
             <a:fillRect/>
           </a:stretch>
@@ -6487,7 +7023,7 @@
           <p:nvPr/>
         </p:nvPicPr>
         <p:blipFill>
-          <a:blip r:embed="rId7"/>
+          <a:blip r:embed="rId6"/>
           <a:stretch>
             <a:fillRect/>
           </a:stretch>
@@ -6517,7 +7053,7 @@
           <p:nvPr/>
         </p:nvPicPr>
         <p:blipFill>
-          <a:blip r:embed="rId8"/>
+          <a:blip r:embed="rId7"/>
           <a:stretch>
             <a:fillRect/>
           </a:stretch>
@@ -6547,7 +7083,7 @@
           <p:nvPr/>
         </p:nvPicPr>
         <p:blipFill>
-          <a:blip r:embed="rId9"/>
+          <a:blip r:embed="rId8"/>
           <a:stretch>
             <a:fillRect/>
           </a:stretch>
@@ -6609,6 +7145,36 @@
           </a:p>
         </p:txBody>
       </p:sp>
+      <p:pic>
+        <p:nvPicPr>
+          <p:cNvPr id="2" name="Picture 1" descr="A graph of a random forest confusion matrix&#10;&#10;Description automatically generated">
+            <a:extLst>
+              <a:ext uri="{FF2B5EF4-FFF2-40B4-BE49-F238E27FC236}">
+                <a16:creationId xmlns:a16="http://schemas.microsoft.com/office/drawing/2014/main" id="{C59F9454-2DD4-7CE2-FDCD-0FDA65F3CD1F}"/>
+              </a:ext>
+            </a:extLst>
+          </p:cNvPr>
+          <p:cNvPicPr>
+            <a:picLocks noChangeAspect="1"/>
+          </p:cNvPicPr>
+          <p:nvPr/>
+        </p:nvPicPr>
+        <p:blipFill>
+          <a:blip r:embed="rId8"/>
+          <a:stretch>
+            <a:fillRect/>
+          </a:stretch>
+        </p:blipFill>
+        <p:spPr>
+          <a:xfrm>
+            <a:off x="2958352" y="4176086"/>
+            <a:ext cx="2743200" cy="2288935"/>
+          </a:xfrm>
+          <a:prstGeom prst="rect">
+            <a:avLst/>
+          </a:prstGeom>
+        </p:spPr>
+      </p:pic>
     </p:spTree>
     <p:extLst>
       <p:ext uri="{BB962C8B-B14F-4D97-AF65-F5344CB8AC3E}">
@@ -6969,7 +7535,7 @@
           <p:nvPr/>
         </p:nvPicPr>
         <p:blipFill>
-          <a:blip r:embed="rId2"/>
+          <a:blip r:embed="rId3"/>
           <a:stretch>
             <a:fillRect/>
           </a:stretch>
@@ -6999,7 +7565,7 @@
           <p:nvPr/>
         </p:nvPicPr>
         <p:blipFill>
-          <a:blip r:embed="rId3"/>
+          <a:blip r:embed="rId4"/>
           <a:stretch>
             <a:fillRect/>
           </a:stretch>
@@ -7392,7 +7958,7 @@
               </a:spcAft>
             </a:pPr>
             <a:r>
-              <a:rPr lang="en-US" sz="3200" b="1" dirty="0">
+              <a:rPr lang="en-US" sz="3200" b="1">
                 <a:solidFill>
                   <a:srgbClr val="FFFFFF"/>
                 </a:solidFill>
@@ -7402,7 +7968,7 @@
               </a:rPr>
               <a:t>Neural Network – Predicting Churn</a:t>
             </a:r>
-            <a:endParaRPr lang="en-US" sz="3200" b="1" kern="1200" dirty="0">
+            <a:endParaRPr lang="en-US" sz="3200" b="1" kern="1200">
               <a:solidFill>
                 <a:srgbClr val="FFFFFF"/>
               </a:solidFill>
@@ -7455,7 +8021,7 @@
               <a:buChar char=""/>
             </a:pPr>
             <a:r>
-              <a:rPr lang="en-US" sz="1400" b="1" dirty="0">
+              <a:rPr lang="en-US" sz="1400" b="1">
                 <a:effectLst/>
                 <a:ea typeface="Calibri" panose="020F0502020204030204" pitchFamily="34" charset="0"/>
                 <a:cs typeface="Aharoni" panose="02010803020104030203" pitchFamily="2" charset="-79"/>
@@ -7463,7 +8029,7 @@
               <a:t>Neural Networks – </a:t>
             </a:r>
             <a:r>
-              <a:rPr lang="en-US" sz="1400" b="1" i="1" dirty="0">
+              <a:rPr lang="en-US" sz="1400" b="1" i="1">
                 <a:solidFill>
                   <a:srgbClr val="0000FF"/>
                 </a:solidFill>
@@ -7473,7 +8039,7 @@
               </a:rPr>
               <a:t>Advanced form of Machine Learning known as ‘Deep Learning’</a:t>
             </a:r>
-            <a:endParaRPr lang="en-US" sz="1400" dirty="0">
+            <a:endParaRPr lang="en-US" sz="1400">
               <a:solidFill>
                 <a:srgbClr val="0000FF"/>
               </a:solidFill>
@@ -7497,7 +8063,7 @@
               <a:buChar char=""/>
             </a:pPr>
             <a:r>
-              <a:rPr lang="en-US" sz="1400" b="1" dirty="0">
+              <a:rPr lang="en-US" sz="1400" b="1">
                 <a:effectLst/>
                 <a:ea typeface="Calibri" panose="020F0502020204030204" pitchFamily="34" charset="0"/>
                 <a:cs typeface="Aharoni" panose="02010803020104030203" pitchFamily="2" charset="-79"/>
@@ -7505,7 +8071,7 @@
               <a:t>Neural Networks - </a:t>
             </a:r>
             <a:r>
-              <a:rPr lang="en-US" sz="1400" b="1" i="1" dirty="0">
+              <a:rPr lang="en-US" sz="1400" b="1" i="1">
                 <a:solidFill>
                   <a:srgbClr val="0000FF"/>
                 </a:solidFill>
@@ -7527,7 +8093,7 @@
               <a:buChar char=""/>
             </a:pPr>
             <a:r>
-              <a:rPr lang="en-US" sz="1400" b="1" dirty="0">
+              <a:rPr lang="en-US" sz="1400" b="1">
                 <a:effectLst/>
                 <a:ea typeface="Calibri" panose="020F0502020204030204" pitchFamily="34" charset="0"/>
                 <a:cs typeface="Aharoni" panose="02010803020104030203" pitchFamily="2" charset="-79"/>
@@ -7535,7 +8101,7 @@
               <a:t>Our Goal: </a:t>
             </a:r>
             <a:r>
-              <a:rPr lang="en-US" sz="1400" b="1" i="1" dirty="0">
+              <a:rPr lang="en-US" sz="1400" b="1" i="1">
                 <a:solidFill>
                   <a:srgbClr val="0000FF"/>
                 </a:solidFill>
@@ -7560,7 +8126,7 @@
               <a:buChar char=""/>
             </a:pPr>
             <a:r>
-              <a:rPr lang="en-US" sz="1400" b="1" dirty="0">
+              <a:rPr lang="en-US" sz="1400" b="1">
                 <a:effectLst/>
                 <a:ea typeface="Calibri" panose="020F0502020204030204" pitchFamily="34" charset="0"/>
                 <a:cs typeface="Aharoni" panose="02010803020104030203" pitchFamily="2" charset="-79"/>
@@ -7568,7 +8134,7 @@
               <a:t>Datafile: </a:t>
             </a:r>
             <a:r>
-              <a:rPr lang="en-US" sz="1400" b="1" i="1" dirty="0">
+              <a:rPr lang="en-US" sz="1400" b="1" i="1">
                 <a:solidFill>
                   <a:srgbClr val="0000FF"/>
                 </a:solidFill>
@@ -7578,14 +8144,14 @@
               <a:t>900 records, 6 fields </a:t>
             </a:r>
             <a:r>
-              <a:rPr lang="en-US" sz="1400" b="1" i="1" dirty="0">
+              <a:rPr lang="en-US" sz="1400" b="1" i="1">
                 <a:effectLst/>
                 <a:ea typeface="Calibri" panose="020F0502020204030204" pitchFamily="34" charset="0"/>
                 <a:cs typeface="Aharoni" panose="02010803020104030203" pitchFamily="2" charset="-79"/>
               </a:rPr>
               <a:t>used in our model.</a:t>
             </a:r>
-            <a:endParaRPr lang="en-US" sz="1400" dirty="0">
+            <a:endParaRPr lang="en-US" sz="1400">
               <a:effectLst/>
               <a:ea typeface="Calibri" panose="020F0502020204030204" pitchFamily="34" charset="0"/>
               <a:cs typeface="Times New Roman" panose="02020603050405020304" pitchFamily="18" charset="0"/>
@@ -7606,14 +8172,14 @@
               <a:buChar char=""/>
             </a:pPr>
             <a:r>
-              <a:rPr lang="en-US" sz="1400" b="1" dirty="0">
+              <a:rPr lang="en-US" sz="1400" b="1">
                 <a:effectLst/>
                 <a:ea typeface="Calibri" panose="020F0502020204030204" pitchFamily="34" charset="0"/>
                 <a:cs typeface="Aharoni" panose="02010803020104030203" pitchFamily="2" charset="-79"/>
               </a:rPr>
               <a:t>Target variable:</a:t>
             </a:r>
-            <a:endParaRPr lang="en-US" sz="1400" dirty="0">
+            <a:endParaRPr lang="en-US" sz="1400">
               <a:effectLst/>
               <a:ea typeface="Calibri" panose="020F0502020204030204" pitchFamily="34" charset="0"/>
               <a:cs typeface="Times New Roman" panose="02020603050405020304" pitchFamily="18" charset="0"/>
@@ -7632,7 +8198,7 @@
               </a:spcAft>
             </a:pPr>
             <a:r>
-              <a:rPr lang="en-US" sz="1400" i="1" dirty="0">
+              <a:rPr lang="en-US" sz="1400" i="1">
                 <a:solidFill>
                   <a:srgbClr val="0000FF"/>
                 </a:solidFill>
@@ -7642,7 +8208,7 @@
               </a:rPr>
               <a:t>Churn</a:t>
             </a:r>
-            <a:endParaRPr lang="en-US" sz="1400" dirty="0">
+            <a:endParaRPr lang="en-US" sz="1400">
               <a:solidFill>
                 <a:srgbClr val="0000FF"/>
               </a:solidFill>
@@ -7666,14 +8232,14 @@
               <a:buChar char=""/>
             </a:pPr>
             <a:r>
-              <a:rPr lang="en-US" sz="1400" b="1" dirty="0">
+              <a:rPr lang="en-US" sz="1400" b="1">
                 <a:effectLst/>
                 <a:ea typeface="Calibri" panose="020F0502020204030204" pitchFamily="34" charset="0"/>
                 <a:cs typeface="Aharoni" panose="02010803020104030203" pitchFamily="2" charset="-79"/>
               </a:rPr>
               <a:t>Features: </a:t>
             </a:r>
-            <a:endParaRPr lang="en-US" sz="1400" dirty="0">
+            <a:endParaRPr lang="en-US" sz="1400">
               <a:effectLst/>
               <a:ea typeface="Calibri" panose="020F0502020204030204" pitchFamily="34" charset="0"/>
               <a:cs typeface="Times New Roman" panose="02020603050405020304" pitchFamily="18" charset="0"/>
@@ -7692,7 +8258,7 @@
               </a:spcAft>
             </a:pPr>
             <a:r>
-              <a:rPr lang="en-US" sz="1400" i="1" dirty="0">
+              <a:rPr lang="en-US" sz="1400" i="1">
                 <a:solidFill>
                   <a:srgbClr val="0000FF"/>
                 </a:solidFill>
@@ -7702,7 +8268,7 @@
               </a:rPr>
               <a:t>Client Age</a:t>
             </a:r>
-            <a:endParaRPr lang="en-US" sz="1400" dirty="0">
+            <a:endParaRPr lang="en-US" sz="1400">
               <a:solidFill>
                 <a:srgbClr val="0000FF"/>
               </a:solidFill>
@@ -7724,7 +8290,7 @@
               </a:spcAft>
             </a:pPr>
             <a:r>
-              <a:rPr lang="en-US" sz="1400" i="1" dirty="0">
+              <a:rPr lang="en-US" sz="1400" i="1">
                 <a:solidFill>
                   <a:srgbClr val="0000FF"/>
                 </a:solidFill>
@@ -7734,7 +8300,7 @@
               </a:rPr>
               <a:t>Total Purchase</a:t>
             </a:r>
-            <a:endParaRPr lang="en-US" sz="1400" dirty="0">
+            <a:endParaRPr lang="en-US" sz="1400">
               <a:solidFill>
                 <a:srgbClr val="0000FF"/>
               </a:solidFill>
@@ -7756,7 +8322,7 @@
               </a:spcAft>
             </a:pPr>
             <a:r>
-              <a:rPr lang="en-US" sz="1400" i="1" dirty="0">
+              <a:rPr lang="en-US" sz="1400" i="1">
                 <a:solidFill>
                   <a:srgbClr val="0000FF"/>
                 </a:solidFill>
@@ -7766,7 +8332,7 @@
               </a:rPr>
               <a:t>Account Manager (0/1)</a:t>
             </a:r>
-            <a:endParaRPr lang="en-US" sz="1400" dirty="0">
+            <a:endParaRPr lang="en-US" sz="1400">
               <a:solidFill>
                 <a:srgbClr val="0000FF"/>
               </a:solidFill>
@@ -7788,7 +8354,7 @@
               </a:spcAft>
             </a:pPr>
             <a:r>
-              <a:rPr lang="en-US" sz="1400" i="1" dirty="0">
+              <a:rPr lang="en-US" sz="1400" i="1">
                 <a:solidFill>
                   <a:srgbClr val="0000FF"/>
                 </a:solidFill>
@@ -7798,7 +8364,7 @@
               </a:rPr>
               <a:t>Years Subscribed</a:t>
             </a:r>
-            <a:endParaRPr lang="en-US" sz="1400" dirty="0">
+            <a:endParaRPr lang="en-US" sz="1400">
               <a:solidFill>
                 <a:srgbClr val="0000FF"/>
               </a:solidFill>
@@ -7820,7 +8386,7 @@
               </a:spcAft>
             </a:pPr>
             <a:r>
-              <a:rPr lang="en-US" sz="1400" i="1" dirty="0">
+              <a:rPr lang="en-US" sz="1400" i="1">
                 <a:solidFill>
                   <a:srgbClr val="0000FF"/>
                 </a:solidFill>
@@ -7830,7 +8396,7 @@
               </a:rPr>
               <a:t>Number of Websites Used</a:t>
             </a:r>
-            <a:endParaRPr lang="en-US" sz="1400" dirty="0">
+            <a:endParaRPr lang="en-US" sz="1400">
               <a:solidFill>
                 <a:srgbClr val="0000FF"/>
               </a:solidFill>
@@ -7854,7 +8420,7 @@
               <a:buChar char=""/>
             </a:pPr>
             <a:r>
-              <a:rPr lang="en-US" sz="1400" dirty="0">
+              <a:rPr lang="en-US" sz="1400">
                 <a:effectLst/>
                 <a:ea typeface="Calibri" panose="020F0502020204030204" pitchFamily="34" charset="0"/>
                 <a:cs typeface="Aharoni" panose="02010803020104030203" pitchFamily="2" charset="-79"/>
@@ -7862,7 +8428,7 @@
               <a:t>Initial construction run shows strong predictive capacity:  </a:t>
             </a:r>
             <a:r>
-              <a:rPr lang="en-US" sz="1400" i="1" dirty="0">
+              <a:rPr lang="en-US" sz="1400" i="1">
                 <a:solidFill>
                   <a:srgbClr val="0000FF"/>
                 </a:solidFill>
@@ -7872,7 +8438,7 @@
               </a:rPr>
               <a:t>86% </a:t>
             </a:r>
-            <a:endParaRPr lang="en-US" sz="1400" dirty="0">
+            <a:endParaRPr lang="en-US" sz="1400">
               <a:effectLst/>
               <a:ea typeface="Calibri" panose="020F0502020204030204" pitchFamily="34" charset="0"/>
               <a:cs typeface="Times New Roman" panose="02020603050405020304" pitchFamily="18" charset="0"/>
@@ -7893,14 +8459,14 @@
               <a:buChar char=""/>
             </a:pPr>
             <a:r>
-              <a:rPr lang="en-US" sz="1400" dirty="0">
+              <a:rPr lang="en-US" sz="1400">
                 <a:effectLst/>
                 <a:ea typeface="Calibri" panose="020F0502020204030204" pitchFamily="34" charset="0"/>
                 <a:cs typeface="Aharoni" panose="02010803020104030203" pitchFamily="2" charset="-79"/>
               </a:rPr>
               <a:t>Predictive accuracy  decreased with additional layers added, increased neurons, and more powerful activation functions</a:t>
             </a:r>
-            <a:endParaRPr lang="en-US" sz="1400" dirty="0">
+            <a:endParaRPr lang="en-US" sz="1400">
               <a:effectLst/>
               <a:ea typeface="Calibri" panose="020F0502020204030204" pitchFamily="34" charset="0"/>
               <a:cs typeface="Times New Roman" panose="02020603050405020304" pitchFamily="18" charset="0"/>
@@ -7921,7 +8487,7 @@
               <a:buChar char=""/>
             </a:pPr>
             <a:r>
-              <a:rPr lang="en-US" sz="1400" dirty="0">
+              <a:rPr lang="en-US" sz="1400">
                 <a:effectLst/>
                 <a:ea typeface="Calibri" panose="020F0502020204030204" pitchFamily="34" charset="0"/>
                 <a:cs typeface="Aharoni" panose="02010803020104030203" pitchFamily="2" charset="-79"/>
@@ -7929,7 +8495,7 @@
               <a:t>The initial two layers, the sigmoid activation function for each layer, and 500 &amp; 300 neurons respectively, increased predictive accuracy 1% :  </a:t>
             </a:r>
             <a:r>
-              <a:rPr lang="en-US" sz="1400" i="1" dirty="0">
+              <a:rPr lang="en-US" sz="1400" i="1">
                 <a:solidFill>
                   <a:srgbClr val="0000FF"/>
                 </a:solidFill>
@@ -7940,7 +8506,7 @@
               <a:t>87%</a:t>
             </a:r>
             <a:r>
-              <a:rPr lang="en-US" sz="1400" dirty="0">
+              <a:rPr lang="en-US" sz="1400">
                 <a:solidFill>
                   <a:srgbClr val="0000FF"/>
                 </a:solidFill>
@@ -7950,7 +8516,7 @@
               </a:rPr>
               <a:t> </a:t>
             </a:r>
-            <a:endParaRPr lang="en-US" sz="1400" dirty="0">
+            <a:endParaRPr lang="en-US" sz="1400">
               <a:effectLst/>
               <a:ea typeface="Calibri" panose="020F0502020204030204" pitchFamily="34" charset="0"/>
               <a:cs typeface="Times New Roman" panose="02020603050405020304" pitchFamily="18" charset="0"/>
@@ -7971,7 +8537,7 @@
               <a:buChar char=""/>
             </a:pPr>
             <a:r>
-              <a:rPr lang="en-US" sz="1400" dirty="0">
+              <a:rPr lang="en-US" sz="1400">
                 <a:effectLst/>
                 <a:ea typeface="Calibri" panose="020F0502020204030204" pitchFamily="34" charset="0"/>
                 <a:cs typeface="Aharoni" panose="02010803020104030203" pitchFamily="2" charset="-79"/>
@@ -7979,7 +8545,7 @@
               <a:t>Neural Networks is most effective when used with </a:t>
             </a:r>
             <a:r>
-              <a:rPr lang="en-US" sz="1400" i="1" dirty="0">
+              <a:rPr lang="en-US" sz="1400" i="1">
                 <a:solidFill>
                   <a:srgbClr val="2239E6"/>
                 </a:solidFill>
@@ -7990,7 +8556,7 @@
               <a:t>‘</a:t>
             </a:r>
             <a:r>
-              <a:rPr lang="en-US" sz="1400" i="1" dirty="0">
+              <a:rPr lang="en-US" sz="1400" i="1">
                 <a:solidFill>
                   <a:srgbClr val="0000FF"/>
                 </a:solidFill>
@@ -8001,7 +8567,7 @@
               <a:t>BIG data</a:t>
             </a:r>
             <a:r>
-              <a:rPr lang="en-US" sz="1400" i="1" dirty="0">
+              <a:rPr lang="en-US" sz="1400" i="1">
                 <a:solidFill>
                   <a:srgbClr val="2239E6"/>
                 </a:solidFill>
@@ -8011,7 +8577,7 @@
               </a:rPr>
               <a:t>’</a:t>
             </a:r>
-            <a:endParaRPr lang="en-US" sz="1400" dirty="0">
+            <a:endParaRPr lang="en-US" sz="1400">
               <a:effectLst/>
               <a:ea typeface="Calibri" panose="020F0502020204030204" pitchFamily="34" charset="0"/>
               <a:cs typeface="Times New Roman" panose="02020603050405020304" pitchFamily="18" charset="0"/>
@@ -8032,14 +8598,14 @@
               <a:buChar char=""/>
             </a:pPr>
             <a:r>
-              <a:rPr lang="en-US" sz="1400" dirty="0">
+              <a:rPr lang="en-US" sz="1400">
                 <a:effectLst/>
                 <a:ea typeface="Calibri" panose="020F0502020204030204" pitchFamily="34" charset="0"/>
                 <a:cs typeface="Aharoni" panose="02010803020104030203" pitchFamily="2" charset="-79"/>
               </a:rPr>
               <a:t>Neural Networks can yield unreliable results on data that is too small/simple</a:t>
             </a:r>
-            <a:endParaRPr lang="en-US" sz="1400" dirty="0">
+            <a:endParaRPr lang="en-US" sz="1400">
               <a:effectLst/>
               <a:ea typeface="Calibri" panose="020F0502020204030204" pitchFamily="34" charset="0"/>
               <a:cs typeface="Times New Roman" panose="02020603050405020304" pitchFamily="18" charset="0"/>
@@ -8060,14 +8626,14 @@
               <a:buChar char=""/>
             </a:pPr>
             <a:r>
-              <a:rPr lang="en-US" sz="1400" dirty="0">
+              <a:rPr lang="en-US" sz="1400">
                 <a:effectLst/>
                 <a:ea typeface="Calibri" panose="020F0502020204030204" pitchFamily="34" charset="0"/>
                 <a:cs typeface="Aharoni" panose="02010803020104030203" pitchFamily="2" charset="-79"/>
               </a:rPr>
               <a:t>Potential underperformance due to: </a:t>
             </a:r>
-            <a:endParaRPr lang="en-US" sz="1400" dirty="0">
+            <a:endParaRPr lang="en-US" sz="1400">
               <a:effectLst/>
               <a:ea typeface="Calibri" panose="020F0502020204030204" pitchFamily="34" charset="0"/>
               <a:cs typeface="Times New Roman" panose="02020603050405020304" pitchFamily="18" charset="0"/>
@@ -8086,7 +8652,7 @@
               </a:spcAft>
             </a:pPr>
             <a:r>
-              <a:rPr lang="en-US" sz="1400" i="1" dirty="0">
+              <a:rPr lang="en-US" sz="1400" i="1">
                 <a:solidFill>
                   <a:srgbClr val="0000FF"/>
                 </a:solidFill>
@@ -8096,7 +8662,7 @@
               </a:rPr>
               <a:t>Overfitting Training Data</a:t>
             </a:r>
-            <a:endParaRPr lang="en-US" sz="1400" dirty="0">
+            <a:endParaRPr lang="en-US" sz="1400">
               <a:solidFill>
                 <a:srgbClr val="0000FF"/>
               </a:solidFill>
@@ -8118,7 +8684,7 @@
               </a:spcAft>
             </a:pPr>
             <a:r>
-              <a:rPr lang="en-US" sz="1400" i="1" dirty="0">
+              <a:rPr lang="en-US" sz="1400" i="1">
                 <a:solidFill>
                   <a:srgbClr val="0000FF"/>
                 </a:solidFill>
@@ -8128,7 +8694,7 @@
               </a:rPr>
               <a:t>The Vanishing Gradient Theorem (i.e. Back Propagation)</a:t>
             </a:r>
-            <a:endParaRPr lang="en-US" sz="1400" dirty="0">
+            <a:endParaRPr lang="en-US" sz="1400">
               <a:solidFill>
                 <a:srgbClr val="0000FF"/>
               </a:solidFill>
@@ -8138,7 +8704,7 @@
             </a:endParaRPr>
           </a:p>
           <a:p>
-            <a:endParaRPr lang="en-US" dirty="0"/>
+            <a:endParaRPr lang="en-US"/>
           </a:p>
         </p:txBody>
       </p:sp>
@@ -8474,7 +9040,7 @@
               </a:spcAft>
             </a:pPr>
             <a:r>
-              <a:rPr lang="en-US" sz="3200" b="1" dirty="0">
+              <a:rPr lang="en-US" sz="3200" b="1">
                 <a:solidFill>
                   <a:srgbClr val="FFFFFF"/>
                 </a:solidFill>
@@ -8484,7 +9050,7 @@
               </a:rPr>
               <a:t>Neural Network – Predicting Churn</a:t>
             </a:r>
-            <a:endParaRPr lang="en-US" sz="3200" b="1" kern="1200" dirty="0">
+            <a:endParaRPr lang="en-US" sz="3200" b="1" kern="1200">
               <a:solidFill>
                 <a:srgbClr val="FFFFFF"/>
               </a:solidFill>
@@ -8517,7 +9083,7 @@
         </p:blipFill>
         <p:spPr>
           <a:xfrm>
-            <a:off x="2191895" y="1808965"/>
+            <a:off x="2070641" y="1808965"/>
             <a:ext cx="8089207" cy="4670093"/>
           </a:xfrm>
           <a:prstGeom prst="rect">
@@ -8911,7 +9477,7 @@
               <a:buChar char="•"/>
             </a:pPr>
             <a:r>
-              <a:rPr lang="en-US" dirty="0"/>
+              <a:rPr lang="en-US"/>
               <a:t>Datafile relatively small – 900 records</a:t>
             </a:r>
           </a:p>
@@ -8921,7 +9487,7 @@
               <a:buChar char="•"/>
             </a:pPr>
             <a:r>
-              <a:rPr lang="en-US" dirty="0">
+              <a:rPr lang="en-US">
                 <a:ea typeface="Calibri"/>
                 <a:cs typeface="Calibri"/>
               </a:rPr>
@@ -8934,7 +9500,7 @@
               <a:buChar char="•"/>
             </a:pPr>
             <a:r>
-              <a:rPr lang="en-US" dirty="0">
+              <a:rPr lang="en-US">
                 <a:ea typeface="Calibri"/>
                 <a:cs typeface="Calibri"/>
               </a:rPr>
@@ -8946,7 +9512,7 @@
               <a:buFont typeface="Arial" panose="020B0604020202020204" pitchFamily="34" charset="0"/>
               <a:buChar char="•"/>
             </a:pPr>
-            <a:endParaRPr lang="en-US" dirty="0"/>
+            <a:endParaRPr lang="en-US"/>
           </a:p>
         </p:txBody>
       </p:sp>
@@ -9281,6 +9847,406 @@
                 <a:spcPts val="600"/>
               </a:spcAft>
             </a:pPr>
+            <a:r>
+              <a:rPr lang="en-US" sz="3200" b="1">
+                <a:solidFill>
+                  <a:srgbClr val="FFFFFF"/>
+                </a:solidFill>
+                <a:latin typeface="+mj-lt"/>
+                <a:ea typeface="+mj-ea"/>
+                <a:cs typeface="+mj-cs"/>
+              </a:rPr>
+              <a:t>Questions?</a:t>
+            </a:r>
+            <a:endParaRPr lang="en-US" sz="3200" b="1" kern="1200">
+              <a:solidFill>
+                <a:srgbClr val="FFFFFF"/>
+              </a:solidFill>
+              <a:latin typeface="+mj-lt"/>
+              <a:ea typeface="+mj-ea"/>
+              <a:cs typeface="+mj-cs"/>
+            </a:endParaRPr>
+          </a:p>
+        </p:txBody>
+      </p:sp>
+      <p:pic>
+        <p:nvPicPr>
+          <p:cNvPr id="1026" name="Picture 2" descr="The 4 critical questions to ask remote employees - Know Your Team | Blog">
+            <a:extLst>
+              <a:ext uri="{FF2B5EF4-FFF2-40B4-BE49-F238E27FC236}">
+                <a16:creationId xmlns:a16="http://schemas.microsoft.com/office/drawing/2014/main" id="{B7F95BA1-33DD-5F4D-D19D-B15A3675B4C6}"/>
+              </a:ext>
+            </a:extLst>
+          </p:cNvPr>
+          <p:cNvPicPr>
+            <a:picLocks noChangeAspect="1" noChangeArrowheads="1"/>
+          </p:cNvPicPr>
+          <p:nvPr/>
+        </p:nvPicPr>
+        <p:blipFill>
+          <a:blip r:embed="rId2">
+            <a:extLst>
+              <a:ext uri="{28A0092B-C50C-407E-A947-70E740481C1C}">
+                <a14:useLocalDpi xmlns:a14="http://schemas.microsoft.com/office/drawing/2010/main" val="0"/>
+              </a:ext>
+            </a:extLst>
+          </a:blip>
+          <a:srcRect/>
+          <a:stretch>
+            <a:fillRect/>
+          </a:stretch>
+        </p:blipFill>
+        <p:spPr bwMode="auto">
+          <a:xfrm>
+            <a:off x="1219200" y="2149563"/>
+            <a:ext cx="9753600" cy="4086225"/>
+          </a:xfrm>
+          <a:prstGeom prst="rect">
+            <a:avLst/>
+          </a:prstGeom>
+          <a:noFill/>
+          <a:extLst>
+            <a:ext uri="{909E8E84-426E-40DD-AFC4-6F175D3DCCD1}">
+              <a14:hiddenFill xmlns:a14="http://schemas.microsoft.com/office/drawing/2010/main">
+                <a:solidFill>
+                  <a:srgbClr val="FFFFFF"/>
+                </a:solidFill>
+              </a14:hiddenFill>
+            </a:ext>
+          </a:extLst>
+        </p:spPr>
+      </p:pic>
+    </p:spTree>
+    <p:extLst>
+      <p:ext uri="{BB962C8B-B14F-4D97-AF65-F5344CB8AC3E}">
+        <p14:creationId xmlns:p14="http://schemas.microsoft.com/office/powerpoint/2010/main" val="1580910690"/>
+      </p:ext>
+    </p:extLst>
+  </p:cSld>
+  <p:clrMapOvr>
+    <a:masterClrMapping/>
+  </p:clrMapOvr>
+</p:sld>
+</file>
+
+<file path=ppt/slides/slide16.xml><?xml version="1.0" encoding="utf-8"?>
+<p:sld xmlns:a="http://schemas.openxmlformats.org/drawingml/2006/main" xmlns:r="http://schemas.openxmlformats.org/officeDocument/2006/relationships" xmlns:p="http://schemas.openxmlformats.org/presentationml/2006/main">
+  <p:cSld>
+    <p:bg>
+      <p:bgPr>
+        <a:solidFill>
+          <a:schemeClr val="bg1"/>
+        </a:solidFill>
+        <a:effectLst/>
+      </p:bgPr>
+    </p:bg>
+    <p:spTree>
+      <p:nvGrpSpPr>
+        <p:cNvPr id="1" name=""/>
+        <p:cNvGrpSpPr/>
+        <p:nvPr/>
+      </p:nvGrpSpPr>
+      <p:grpSpPr>
+        <a:xfrm>
+          <a:off x="0" y="0"/>
+          <a:ext cx="0" cy="0"/>
+          <a:chOff x="0" y="0"/>
+          <a:chExt cx="0" cy="0"/>
+        </a:xfrm>
+      </p:grpSpPr>
+      <p:grpSp>
+        <p:nvGrpSpPr>
+          <p:cNvPr id="17" name="Group 16">
+            <a:extLst>
+              <a:ext uri="{FF2B5EF4-FFF2-40B4-BE49-F238E27FC236}">
+                <a16:creationId xmlns:a16="http://schemas.microsoft.com/office/drawing/2014/main" id="{1E5539EC-8CB8-002F-68C6-678840282659}"/>
+              </a:ext>
+              <a:ext uri="{C183D7F6-B498-43B3-948B-1728B52AA6E4}">
+                <adec:decorative xmlns:adec="http://schemas.microsoft.com/office/drawing/2017/decorative" val="1"/>
+              </a:ext>
+            </a:extLst>
+          </p:cNvPr>
+          <p:cNvGrpSpPr>
+            <a:grpSpLocks noGrp="1" noUngrp="1" noRot="1" noChangeAspect="1" noMove="1" noResize="1"/>
+          </p:cNvGrpSpPr>
+          <p:nvPr>
+            <p:extLst>
+              <p:ext uri="{386F3935-93C4-4BCD-93E2-E3B085C9AB24}">
+                <p16:designElem xmlns:p16="http://schemas.microsoft.com/office/powerpoint/2015/main" val="1"/>
+              </p:ext>
+            </p:extLst>
+          </p:nvPr>
+        </p:nvGrpSpPr>
+        <p:grpSpPr>
+          <a:xfrm>
+            <a:off x="-1" y="-29768"/>
+            <a:ext cx="12202175" cy="1519356"/>
+            <a:chOff x="-1" y="-29768"/>
+            <a:chExt cx="12202175" cy="1519356"/>
+          </a:xfrm>
+        </p:grpSpPr>
+        <p:sp>
+          <p:nvSpPr>
+            <p:cNvPr id="18" name="Rectangle 17">
+              <a:extLst>
+                <a:ext uri="{FF2B5EF4-FFF2-40B4-BE49-F238E27FC236}">
+                  <a16:creationId xmlns:a16="http://schemas.microsoft.com/office/drawing/2014/main" id="{6C5D55A6-9EFD-CDA3-20CC-A99812CE1ABC}"/>
+                </a:ext>
+                <a:ext uri="{C183D7F6-B498-43B3-948B-1728B52AA6E4}">
+                  <adec:decorative xmlns:adec="http://schemas.microsoft.com/office/drawing/2017/decorative" val="1"/>
+                </a:ext>
+              </a:extLst>
+            </p:cNvPr>
+            <p:cNvSpPr/>
+            <p:nvPr>
+              <p:extLst>
+                <p:ext uri="{386F3935-93C4-4BCD-93E2-E3B085C9AB24}">
+                  <p16:designElem xmlns:p16="http://schemas.microsoft.com/office/powerpoint/2015/main" val="1"/>
+                </p:ext>
+              </p:extLst>
+            </p:nvPr>
+          </p:nvSpPr>
+          <p:spPr>
+            <a:xfrm rot="16200000">
+              <a:off x="5341412" y="-5371175"/>
+              <a:ext cx="1519350" cy="12202174"/>
+            </a:xfrm>
+            <a:prstGeom prst="rect">
+              <a:avLst/>
+            </a:prstGeom>
+            <a:gradFill>
+              <a:gsLst>
+                <a:gs pos="0">
+                  <a:schemeClr val="accent5"/>
+                </a:gs>
+                <a:gs pos="100000">
+                  <a:schemeClr val="accent2"/>
+                </a:gs>
+              </a:gsLst>
+              <a:lin ang="10200000" scaled="0"/>
+            </a:gradFill>
+            <a:ln>
+              <a:noFill/>
+            </a:ln>
+          </p:spPr>
+          <p:style>
+            <a:lnRef idx="2">
+              <a:schemeClr val="accent1">
+                <a:shade val="50000"/>
+              </a:schemeClr>
+            </a:lnRef>
+            <a:fillRef idx="1">
+              <a:schemeClr val="accent1"/>
+            </a:fillRef>
+            <a:effectRef idx="0">
+              <a:schemeClr val="accent1"/>
+            </a:effectRef>
+            <a:fontRef idx="minor">
+              <a:schemeClr val="lt1"/>
+            </a:fontRef>
+          </p:style>
+          <p:txBody>
+            <a:bodyPr rtlCol="0" anchor="ctr"/>
+            <a:lstStyle/>
+            <a:p>
+              <a:pPr algn="ctr"/>
+              <a:endParaRPr lang="en-US"/>
+            </a:p>
+          </p:txBody>
+        </p:sp>
+        <p:sp>
+          <p:nvSpPr>
+            <p:cNvPr id="19" name="Rectangle 18">
+              <a:extLst>
+                <a:ext uri="{FF2B5EF4-FFF2-40B4-BE49-F238E27FC236}">
+                  <a16:creationId xmlns:a16="http://schemas.microsoft.com/office/drawing/2014/main" id="{A5B6E73B-6DFD-AE6C-1628-DF8DC3008562}"/>
+                </a:ext>
+                <a:ext uri="{C183D7F6-B498-43B3-948B-1728B52AA6E4}">
+                  <adec:decorative xmlns:adec="http://schemas.microsoft.com/office/drawing/2017/decorative" val="1"/>
+                </a:ext>
+              </a:extLst>
+            </p:cNvPr>
+            <p:cNvSpPr/>
+            <p:nvPr>
+              <p:extLst>
+                <p:ext uri="{386F3935-93C4-4BCD-93E2-E3B085C9AB24}">
+                  <p16:designElem xmlns:p16="http://schemas.microsoft.com/office/powerpoint/2015/main" val="1"/>
+                </p:ext>
+              </p:extLst>
+            </p:nvPr>
+          </p:nvSpPr>
+          <p:spPr>
+            <a:xfrm rot="16200000">
+              <a:off x="8917093" y="-1801610"/>
+              <a:ext cx="1507122" cy="5063040"/>
+            </a:xfrm>
+            <a:prstGeom prst="rect">
+              <a:avLst/>
+            </a:prstGeom>
+            <a:gradFill>
+              <a:gsLst>
+                <a:gs pos="59000">
+                  <a:schemeClr val="accent5">
+                    <a:lumMod val="60000"/>
+                    <a:lumOff val="40000"/>
+                    <a:alpha val="0"/>
+                  </a:schemeClr>
+                </a:gs>
+                <a:gs pos="100000">
+                  <a:schemeClr val="accent5">
+                    <a:lumMod val="60000"/>
+                    <a:lumOff val="40000"/>
+                  </a:schemeClr>
+                </a:gs>
+              </a:gsLst>
+              <a:lin ang="1200000" scaled="0"/>
+            </a:gradFill>
+            <a:ln>
+              <a:noFill/>
+            </a:ln>
+          </p:spPr>
+          <p:style>
+            <a:lnRef idx="2">
+              <a:schemeClr val="accent1">
+                <a:shade val="50000"/>
+              </a:schemeClr>
+            </a:lnRef>
+            <a:fillRef idx="1">
+              <a:schemeClr val="accent1"/>
+            </a:fillRef>
+            <a:effectRef idx="0">
+              <a:schemeClr val="accent1"/>
+            </a:effectRef>
+            <a:fontRef idx="minor">
+              <a:schemeClr val="lt1"/>
+            </a:fontRef>
+          </p:style>
+          <p:txBody>
+            <a:bodyPr rtlCol="0" anchor="ctr"/>
+            <a:lstStyle/>
+            <a:p>
+              <a:pPr algn="ctr"/>
+              <a:endParaRPr lang="en-US"/>
+            </a:p>
+          </p:txBody>
+        </p:sp>
+        <p:sp>
+          <p:nvSpPr>
+            <p:cNvPr id="20" name="Rectangle 19">
+              <a:extLst>
+                <a:ext uri="{FF2B5EF4-FFF2-40B4-BE49-F238E27FC236}">
+                  <a16:creationId xmlns:a16="http://schemas.microsoft.com/office/drawing/2014/main" id="{10E00FC4-DDBC-F424-CF71-73AF7A284A68}"/>
+                </a:ext>
+                <a:ext uri="{C183D7F6-B498-43B3-948B-1728B52AA6E4}">
+                  <adec:decorative xmlns:adec="http://schemas.microsoft.com/office/drawing/2017/decorative" val="1"/>
+                </a:ext>
+              </a:extLst>
+            </p:cNvPr>
+            <p:cNvSpPr/>
+            <p:nvPr>
+              <p:extLst>
+                <p:ext uri="{386F3935-93C4-4BCD-93E2-E3B085C9AB24}">
+                  <p16:designElem xmlns:p16="http://schemas.microsoft.com/office/powerpoint/2015/main" val="1"/>
+                </p:ext>
+              </p:extLst>
+            </p:nvPr>
+          </p:nvSpPr>
+          <p:spPr>
+            <a:xfrm rot="5400000">
+              <a:off x="3100712" y="-3130481"/>
+              <a:ext cx="1519356" cy="7720782"/>
+            </a:xfrm>
+            <a:prstGeom prst="rect">
+              <a:avLst/>
+            </a:prstGeom>
+            <a:gradFill>
+              <a:gsLst>
+                <a:gs pos="29000">
+                  <a:schemeClr val="accent5">
+                    <a:lumMod val="60000"/>
+                    <a:lumOff val="40000"/>
+                    <a:alpha val="0"/>
+                  </a:schemeClr>
+                </a:gs>
+                <a:gs pos="100000">
+                  <a:schemeClr val="accent5">
+                    <a:lumMod val="75000"/>
+                  </a:schemeClr>
+                </a:gs>
+              </a:gsLst>
+              <a:lin ang="1200000" scaled="0"/>
+            </a:gradFill>
+            <a:ln>
+              <a:noFill/>
+            </a:ln>
+          </p:spPr>
+          <p:style>
+            <a:lnRef idx="2">
+              <a:schemeClr val="accent1">
+                <a:shade val="50000"/>
+              </a:schemeClr>
+            </a:lnRef>
+            <a:fillRef idx="1">
+              <a:schemeClr val="accent1"/>
+            </a:fillRef>
+            <a:effectRef idx="0">
+              <a:schemeClr val="accent1"/>
+            </a:effectRef>
+            <a:fontRef idx="minor">
+              <a:schemeClr val="lt1"/>
+            </a:fontRef>
+          </p:style>
+          <p:txBody>
+            <a:bodyPr rtlCol="0" anchor="ctr"/>
+            <a:lstStyle/>
+            <a:p>
+              <a:pPr algn="ctr"/>
+              <a:endParaRPr lang="en-US"/>
+            </a:p>
+          </p:txBody>
+        </p:sp>
+      </p:grpSp>
+      <p:sp>
+        <p:nvSpPr>
+          <p:cNvPr id="3" name="TextBox 2">
+            <a:extLst>
+              <a:ext uri="{FF2B5EF4-FFF2-40B4-BE49-F238E27FC236}">
+                <a16:creationId xmlns:a16="http://schemas.microsoft.com/office/drawing/2014/main" id="{77200409-2D47-D2CE-81B0-9CA63B279327}"/>
+              </a:ext>
+            </a:extLst>
+          </p:cNvPr>
+          <p:cNvSpPr txBox="1"/>
+          <p:nvPr/>
+        </p:nvSpPr>
+        <p:spPr>
+          <a:xfrm>
+            <a:off x="876691" y="301843"/>
+            <a:ext cx="10477109" cy="1003532"/>
+          </a:xfrm>
+          <a:prstGeom prst="rect">
+            <a:avLst/>
+          </a:prstGeom>
+        </p:spPr>
+        <p:txBody>
+          <a:bodyPr rot="0" spcFirstLastPara="0" vertOverflow="overflow" horzOverflow="overflow" vert="horz" lIns="91440" tIns="45720" rIns="91440" bIns="45720" numCol="1" spcCol="0" rtlCol="0" fromWordArt="0" anchor="ctr" anchorCtr="0" forceAA="0" compatLnSpc="1">
+            <a:prstTxWarp prst="textNoShape">
+              <a:avLst/>
+            </a:prstTxWarp>
+            <a:normAutofit/>
+          </a:bodyPr>
+          <a:lstStyle/>
+          <a:p>
+            <a:pPr>
+              <a:lnSpc>
+                <a:spcPct val="90000"/>
+              </a:lnSpc>
+              <a:spcBef>
+                <a:spcPct val="0"/>
+              </a:spcBef>
+              <a:spcAft>
+                <a:spcPts val="600"/>
+              </a:spcAft>
+            </a:pPr>
             <a:endParaRPr lang="en-US" sz="3200" b="1" kern="1200">
               <a:solidFill>
                 <a:srgbClr val="FFFFFF"/>
@@ -9505,10 +10471,10 @@
               <a:buChar char="•"/>
             </a:pPr>
             <a:r>
-              <a:rPr lang="en-US" sz="1300" b="0" i="0" dirty="0">
+              <a:rPr lang="en-US" sz="1300" b="0" i="0">
                 <a:effectLst/>
               </a:rPr>
-              <a:t>Customer churn rate (CCR) is the essential metric for tracking how many customers are leaving your firm. It is always expressed as a percentage. It also always covers a specific period of time. For example, “a 10% customer churn rate for the last quarter”.</a:t>
+              <a:t>Customer churn rate (CCR) is the essential metric for tracking how many customers are leaving your firm. It is always expressed as a percentage and covers a specific period of time. </a:t>
             </a:r>
           </a:p>
           <a:p>
@@ -9517,32 +10483,22 @@
               <a:buChar char="•"/>
             </a:pPr>
             <a:r>
-              <a:rPr lang="en-US" sz="1300" b="0" i="0" dirty="0">
+              <a:rPr lang="en-US" sz="1300" b="0" i="0">
                 <a:effectLst/>
               </a:rPr>
               <a:t>Its important to remember that customer churn rate is the inverse of the </a:t>
             </a:r>
             <a:r>
-              <a:rPr lang="en-US" sz="1300" b="0" i="0" u="none" strike="noStrike" dirty="0">
+              <a:rPr lang="en-US" sz="1300" b="0" i="0" u="none" strike="noStrike">
                 <a:effectLst/>
               </a:rPr>
               <a:t>customer retention</a:t>
             </a:r>
             <a:r>
-              <a:rPr lang="en-US" sz="1300" b="0" i="0" dirty="0">
+              <a:rPr lang="en-US" sz="1300" b="0" i="0">
                 <a:effectLst/>
               </a:rPr>
-              <a:t> rate. For </a:t>
-            </a:r>
-            <a:r>
-              <a:rPr lang="en-US" sz="1300" dirty="0"/>
-              <a:t>example, i</a:t>
-            </a:r>
-            <a:r>
-              <a:rPr lang="en-US" sz="1300" b="0" i="0" dirty="0">
-                <a:effectLst/>
-              </a:rPr>
-              <a:t>f you have a churn rate of 10%, your retention rate is therefore 90%. </a:t>
+              <a:t> rate. </a:t>
             </a:r>
           </a:p>
           <a:p>
@@ -9551,10 +10507,10 @@
               <a:buChar char="•"/>
             </a:pPr>
             <a:r>
-              <a:rPr lang="en-US" sz="1300" b="0" i="0" dirty="0">
+              <a:rPr lang="en-US" sz="1300" b="0" i="0">
                 <a:effectLst/>
               </a:rPr>
-              <a:t>This matters because decision-makers looking at forecasting need to address customer churn to achieve their customer retention goals.</a:t>
+              <a:t>This matters because decision-makers looking at forecasting need to address customer churn to achieve their retention goals.</a:t>
             </a:r>
           </a:p>
         </p:txBody>
@@ -10403,7 +11359,7 @@
           <p:nvPr/>
         </p:nvPicPr>
         <p:blipFill rotWithShape="1">
-          <a:blip r:embed="rId2">
+          <a:blip r:embed="rId3">
             <a:extLst>
               <a:ext uri="{28A0092B-C50C-407E-A947-70E740481C1C}">
                 <a14:useLocalDpi xmlns:a14="http://schemas.microsoft.com/office/drawing/2010/main" val="0"/>
@@ -10970,7 +11926,7 @@
         </p:spPr>
         <p:txBody>
           <a:bodyPr>
-            <a:normAutofit fontScale="92500" lnSpcReduction="20000"/>
+            <a:normAutofit fontScale="85000" lnSpcReduction="20000"/>
           </a:bodyPr>
           <a:lstStyle/>
           <a:p>
@@ -11116,6 +12072,19 @@
               </a:rPr>
               <a:t>Company: Name of Client Company</a:t>
             </a:r>
+          </a:p>
+          <a:p>
+            <a:pPr marL="342900" indent="-342900" algn="l" fontAlgn="base">
+              <a:buFont typeface="Arial" panose="020B0604020202020204" pitchFamily="34" charset="0"/>
+              <a:buChar char="•"/>
+            </a:pPr>
+            <a:r>
+              <a:rPr lang="en-US" sz="1600"/>
+              <a:t>Churn: Yes or No</a:t>
+            </a:r>
+            <a:endParaRPr lang="en-US" sz="1600" b="0" i="0">
+              <a:effectLst/>
+            </a:endParaRPr>
           </a:p>
           <a:p>
             <a:pPr marL="342900" indent="-342900">
@@ -11149,7 +12118,7 @@
           <p:nvPr/>
         </p:nvPicPr>
         <p:blipFill rotWithShape="1">
-          <a:blip r:embed="rId2"/>
+          <a:blip r:embed="rId3"/>
           <a:srcRect r="9210"/>
           <a:stretch/>
         </p:blipFill>
@@ -11178,7 +12147,7 @@
         <p:spPr>
           <a:xfrm>
             <a:off x="947870" y="5790178"/>
-            <a:ext cx="5960853" cy="553998"/>
+            <a:ext cx="5960853" cy="276999"/>
           </a:xfrm>
           <a:prstGeom prst="rect">
             <a:avLst/>
@@ -11197,21 +12166,11 @@
             </a:r>
             <a:r>
               <a:rPr lang="en-US" sz="1200">
-                <a:solidFill>
-                  <a:srgbClr val="3C4043"/>
-                </a:solidFill>
-                <a:hlinkClick r:id="rId3"/>
+                <a:hlinkClick r:id="rId4"/>
               </a:rPr>
               <a:t>https://www.kaggle.com/datasets/hassanamin/customer-churn</a:t>
             </a:r>
-            <a:endParaRPr lang="en-US" sz="1200">
-              <a:solidFill>
-                <a:srgbClr val="3C4043"/>
-              </a:solidFill>
-            </a:endParaRPr>
-          </a:p>
-          <a:p>
-            <a:endParaRPr lang="en-US"/>
+            <a:endParaRPr lang="en-US" sz="1200"/>
           </a:p>
         </p:txBody>
       </p:sp>
@@ -12746,7 +13705,7 @@
           <p:nvPr/>
         </p:nvPicPr>
         <p:blipFill rotWithShape="1">
-          <a:blip r:embed="rId2"/>
+          <a:blip r:embed="rId3"/>
           <a:srcRect t="1420"/>
           <a:stretch/>
         </p:blipFill>
@@ -13134,7 +14093,7 @@
         </p:blipFill>
         <p:spPr>
           <a:xfrm>
-            <a:off x="850392" y="1630869"/>
+            <a:off x="877286" y="1711551"/>
             <a:ext cx="10491216" cy="4978251"/>
           </a:xfrm>
           <a:prstGeom prst="rect">
@@ -13514,7 +14473,7 @@
           <p:nvPr/>
         </p:nvPicPr>
         <p:blipFill>
-          <a:blip r:embed="rId2">
+          <a:blip r:embed="rId3">
             <a:extLst>
               <a:ext uri="{28A0092B-C50C-407E-A947-70E740481C1C}">
                 <a14:useLocalDpi xmlns:a14="http://schemas.microsoft.com/office/drawing/2010/main" val="0"/>
@@ -13550,7 +14509,7 @@
           <p:nvPr/>
         </p:nvPicPr>
         <p:blipFill>
-          <a:blip r:embed="rId3"/>
+          <a:blip r:embed="rId4"/>
           <a:stretch>
             <a:fillRect/>
           </a:stretch>
@@ -13594,7 +14553,7 @@
           <p:nvPr/>
         </p:nvPicPr>
         <p:blipFill>
-          <a:blip r:embed="rId4"/>
+          <a:blip r:embed="rId5"/>
           <a:stretch>
             <a:fillRect/>
           </a:stretch>
@@ -13638,7 +14597,7 @@
           <p:nvPr/>
         </p:nvPicPr>
         <p:blipFill>
-          <a:blip r:embed="rId5"/>
+          <a:blip r:embed="rId6"/>
           <a:stretch>
             <a:fillRect/>
           </a:stretch>
